--- a/final-project/virtual-cards/virtual-cards.pptx
+++ b/final-project/virtual-cards/virtual-cards.pptx
@@ -2,12 +2,13 @@
 <file path=ppt/presentation.xml><?xml version="1.0" encoding="utf-8"?>
 <p:presentation xmlns:a="http://schemas.openxmlformats.org/drawingml/2006/main" xmlns:r="http://schemas.openxmlformats.org/officeDocument/2006/relationships" xmlns:p="http://schemas.openxmlformats.org/presentationml/2006/main" saveSubsetFonts="1">
   <p:sldMasterIdLst>
-    <p:sldMasterId id="2147483648" r:id="rId1"/>
+    <p:sldMasterId id="2147483981" r:id="rId1"/>
   </p:sldMasterIdLst>
   <p:sldIdLst>
     <p:sldId id="256" r:id="rId2"/>
     <p:sldId id="257" r:id="rId3"/>
     <p:sldId id="258" r:id="rId4"/>
+    <p:sldId id="259" r:id="rId5"/>
   </p:sldIdLst>
   <p:sldSz cx="12192000" cy="6858000"/>
   <p:notesSz cx="6858000" cy="9144000"/>
@@ -106,11 +107,16 @@
       </a:defRPr>
     </a:lvl9pPr>
   </p:defaultTextStyle>
+  <p:extLst>
+    <p:ext uri="{EFAFB233-063F-42B5-8137-9DF3F51BA10A}">
+      <p15:sldGuideLst xmlns:p15="http://schemas.microsoft.com/office/powerpoint/2012/main"/>
+    </p:ext>
+  </p:extLst>
 </p:presentation>
 </file>
 
 <file path=ppt/slideLayouts/slideLayout1.xml><?xml version="1.0" encoding="utf-8"?>
-<p:sldLayout xmlns:a="http://schemas.openxmlformats.org/drawingml/2006/main" xmlns:r="http://schemas.openxmlformats.org/officeDocument/2006/relationships" xmlns:p="http://schemas.openxmlformats.org/presentationml/2006/main" type="title" preserve="1">
+<p:sldLayout xmlns:a="http://schemas.openxmlformats.org/drawingml/2006/main" xmlns:r="http://schemas.openxmlformats.org/officeDocument/2006/relationships" xmlns:p="http://schemas.openxmlformats.org/presentationml/2006/main" showMasterSp="0" type="title" preserve="1">
   <p:cSld name="Title Slide">
     <p:spTree>
       <p:nvGrpSpPr>
@@ -126,6 +132,143 @@
           <a:chExt cx="0" cy="0"/>
         </a:xfrm>
       </p:grpSpPr>
+      <p:grpSp>
+        <p:nvGrpSpPr>
+          <p:cNvPr id="7" name="Group 6"/>
+          <p:cNvGrpSpPr/>
+          <p:nvPr/>
+        </p:nvGrpSpPr>
+        <p:grpSpPr>
+          <a:xfrm>
+            <a:off x="-16934" y="0"/>
+            <a:ext cx="12231160" cy="6856214"/>
+            <a:chOff x="-16934" y="0"/>
+            <a:chExt cx="12231160" cy="6856214"/>
+          </a:xfrm>
+        </p:grpSpPr>
+        <p:pic>
+          <p:nvPicPr>
+            <p:cNvPr id="16" name="Picture 15" descr="HD-PanelTitleR1.png"/>
+            <p:cNvPicPr>
+              <a:picLocks noChangeAspect="1"/>
+            </p:cNvPicPr>
+            <p:nvPr/>
+          </p:nvPicPr>
+          <p:blipFill>
+            <a:blip r:embed="rId2">
+              <a:extLst>
+                <a:ext uri="{28A0092B-C50C-407E-A947-70E740481C1C}">
+                  <a14:useLocalDpi xmlns:a14="http://schemas.microsoft.com/office/drawing/2010/main" val="0"/>
+                </a:ext>
+              </a:extLst>
+            </a:blip>
+            <a:stretch>
+              <a:fillRect/>
+            </a:stretch>
+          </p:blipFill>
+          <p:spPr>
+            <a:xfrm>
+              <a:off x="0" y="0"/>
+              <a:ext cx="12188825" cy="6856214"/>
+            </a:xfrm>
+            <a:prstGeom prst="rect">
+              <a:avLst/>
+            </a:prstGeom>
+          </p:spPr>
+        </p:pic>
+        <p:sp>
+          <p:nvSpPr>
+            <p:cNvPr id="26" name="Rectangle 25"/>
+            <p:cNvSpPr/>
+            <p:nvPr/>
+          </p:nvSpPr>
+          <p:spPr>
+            <a:xfrm>
+              <a:off x="2328332" y="1540931"/>
+              <a:ext cx="7543802" cy="3835401"/>
+            </a:xfrm>
+            <a:prstGeom prst="rect">
+              <a:avLst/>
+            </a:prstGeom>
+            <a:noFill/>
+            <a:ln w="15875">
+              <a:miter lim="800000"/>
+            </a:ln>
+          </p:spPr>
+          <p:style>
+            <a:lnRef idx="1">
+              <a:schemeClr val="accent1"/>
+            </a:lnRef>
+            <a:fillRef idx="3">
+              <a:schemeClr val="accent1"/>
+            </a:fillRef>
+            <a:effectRef idx="2">
+              <a:schemeClr val="accent1"/>
+            </a:effectRef>
+            <a:fontRef idx="minor">
+              <a:schemeClr val="lt1"/>
+            </a:fontRef>
+          </p:style>
+        </p:sp>
+        <p:pic>
+          <p:nvPicPr>
+            <p:cNvPr id="17" name="Picture 16" descr="HDRibbonTitle-UniformTrim.png"/>
+            <p:cNvPicPr>
+              <a:picLocks noChangeAspect="1"/>
+            </p:cNvPicPr>
+            <p:nvPr/>
+          </p:nvPicPr>
+          <p:blipFill rotWithShape="1">
+            <a:blip r:embed="rId3">
+              <a:extLst>
+                <a:ext uri="{28A0092B-C50C-407E-A947-70E740481C1C}">
+                  <a14:useLocalDpi xmlns:a14="http://schemas.microsoft.com/office/drawing/2010/main" val="0"/>
+                </a:ext>
+              </a:extLst>
+            </a:blip>
+            <a:srcRect/>
+            <a:stretch/>
+          </p:blipFill>
+          <p:spPr>
+            <a:xfrm>
+              <a:off x="-16934" y="3147609"/>
+              <a:ext cx="2478024" cy="612648"/>
+            </a:xfrm>
+            <a:prstGeom prst="rect">
+              <a:avLst/>
+            </a:prstGeom>
+          </p:spPr>
+        </p:pic>
+        <p:pic>
+          <p:nvPicPr>
+            <p:cNvPr id="20" name="Picture 19" descr="HDRibbonTitle-UniformTrim.png"/>
+            <p:cNvPicPr>
+              <a:picLocks noChangeAspect="1"/>
+            </p:cNvPicPr>
+            <p:nvPr/>
+          </p:nvPicPr>
+          <p:blipFill rotWithShape="1">
+            <a:blip r:embed="rId3">
+              <a:extLst>
+                <a:ext uri="{28A0092B-C50C-407E-A947-70E740481C1C}">
+                  <a14:useLocalDpi xmlns:a14="http://schemas.microsoft.com/office/drawing/2010/main" val="0"/>
+                </a:ext>
+              </a:extLst>
+            </a:blip>
+            <a:srcRect/>
+            <a:stretch/>
+          </p:blipFill>
+          <p:spPr>
+            <a:xfrm>
+              <a:off x="9736202" y="3147609"/>
+              <a:ext cx="2478024" cy="612648"/>
+            </a:xfrm>
+            <a:prstGeom prst="rect">
+              <a:avLst/>
+            </a:prstGeom>
+          </p:spPr>
+        </p:pic>
+      </p:grpSp>
       <p:sp>
         <p:nvSpPr>
           <p:cNvPr id="2" name="Title 1"/>
@@ -138,15 +281,19 @@
         </p:nvSpPr>
         <p:spPr>
           <a:xfrm>
-            <a:off x="1524000" y="1122363"/>
-            <a:ext cx="9144000" cy="2387600"/>
+            <a:off x="2692398" y="1871131"/>
+            <a:ext cx="6815669" cy="1515533"/>
           </a:xfrm>
         </p:spPr>
         <p:txBody>
-          <a:bodyPr anchor="b"/>
+          <a:bodyPr anchor="b">
+            <a:noAutofit/>
+          </a:bodyPr>
           <a:lstStyle>
             <a:lvl1pPr algn="ctr">
-              <a:defRPr sz="6000"/>
+              <a:defRPr sz="5400">
+                <a:effectLst/>
+              </a:defRPr>
             </a:lvl1pPr>
           </a:lstStyle>
           <a:p>
@@ -154,7 +301,7 @@
               <a:rPr lang="en-US" smtClean="0"/>
               <a:t>Click to edit Master title style</a:t>
             </a:r>
-            <a:endParaRPr lang="en-GB"/>
+            <a:endParaRPr lang="en-US" dirty="0"/>
           </a:p>
         </p:txBody>
       </p:sp>
@@ -170,48 +317,102 @@
         </p:nvSpPr>
         <p:spPr>
           <a:xfrm>
-            <a:off x="1524000" y="3602038"/>
-            <a:ext cx="9144000" cy="1655762"/>
+            <a:off x="2692398" y="3657597"/>
+            <a:ext cx="6815669" cy="1320802"/>
           </a:xfrm>
         </p:spPr>
         <p:txBody>
-          <a:bodyPr/>
+          <a:bodyPr anchor="t">
+            <a:normAutofit/>
+          </a:bodyPr>
           <a:lstStyle>
             <a:lvl1pPr marL="0" indent="0" algn="ctr">
               <a:buNone/>
-              <a:defRPr sz="2400"/>
+              <a:defRPr sz="2100">
+                <a:solidFill>
+                  <a:schemeClr val="tx1"/>
+                </a:solidFill>
+              </a:defRPr>
             </a:lvl1pPr>
             <a:lvl2pPr marL="457200" indent="0" algn="ctr">
               <a:buNone/>
-              <a:defRPr sz="2000"/>
+              <a:defRPr>
+                <a:solidFill>
+                  <a:schemeClr val="tx1">
+                    <a:tint val="75000"/>
+                  </a:schemeClr>
+                </a:solidFill>
+              </a:defRPr>
             </a:lvl2pPr>
             <a:lvl3pPr marL="914400" indent="0" algn="ctr">
               <a:buNone/>
-              <a:defRPr sz="1800"/>
+              <a:defRPr>
+                <a:solidFill>
+                  <a:schemeClr val="tx1">
+                    <a:tint val="75000"/>
+                  </a:schemeClr>
+                </a:solidFill>
+              </a:defRPr>
             </a:lvl3pPr>
             <a:lvl4pPr marL="1371600" indent="0" algn="ctr">
               <a:buNone/>
-              <a:defRPr sz="1600"/>
+              <a:defRPr>
+                <a:solidFill>
+                  <a:schemeClr val="tx1">
+                    <a:tint val="75000"/>
+                  </a:schemeClr>
+                </a:solidFill>
+              </a:defRPr>
             </a:lvl4pPr>
             <a:lvl5pPr marL="1828800" indent="0" algn="ctr">
               <a:buNone/>
-              <a:defRPr sz="1600"/>
+              <a:defRPr>
+                <a:solidFill>
+                  <a:schemeClr val="tx1">
+                    <a:tint val="75000"/>
+                  </a:schemeClr>
+                </a:solidFill>
+              </a:defRPr>
             </a:lvl5pPr>
             <a:lvl6pPr marL="2286000" indent="0" algn="ctr">
               <a:buNone/>
-              <a:defRPr sz="1600"/>
+              <a:defRPr>
+                <a:solidFill>
+                  <a:schemeClr val="tx1">
+                    <a:tint val="75000"/>
+                  </a:schemeClr>
+                </a:solidFill>
+              </a:defRPr>
             </a:lvl6pPr>
             <a:lvl7pPr marL="2743200" indent="0" algn="ctr">
               <a:buNone/>
-              <a:defRPr sz="1600"/>
+              <a:defRPr>
+                <a:solidFill>
+                  <a:schemeClr val="tx1">
+                    <a:tint val="75000"/>
+                  </a:schemeClr>
+                </a:solidFill>
+              </a:defRPr>
             </a:lvl7pPr>
             <a:lvl8pPr marL="3200400" indent="0" algn="ctr">
               <a:buNone/>
-              <a:defRPr sz="1600"/>
+              <a:defRPr>
+                <a:solidFill>
+                  <a:schemeClr val="tx1">
+                    <a:tint val="75000"/>
+                  </a:schemeClr>
+                </a:solidFill>
+              </a:defRPr>
             </a:lvl8pPr>
             <a:lvl9pPr marL="3657600" indent="0" algn="ctr">
               <a:buNone/>
-              <a:defRPr sz="1600"/>
+              <a:defRPr>
+                <a:solidFill>
+                  <a:schemeClr val="tx1">
+                    <a:tint val="75000"/>
+                  </a:schemeClr>
+                </a:solidFill>
+              </a:defRPr>
             </a:lvl9pPr>
           </a:lstStyle>
           <a:p>
@@ -219,7 +420,7 @@
               <a:rPr lang="en-US" smtClean="0"/>
               <a:t>Click to edit Master subtitle style</a:t>
             </a:r>
-            <a:endParaRPr lang="en-GB"/>
+            <a:endParaRPr lang="en-US" dirty="0"/>
           </a:p>
         </p:txBody>
       </p:sp>
@@ -233,14 +434,19 @@
             <p:ph type="dt" sz="half" idx="10"/>
           </p:nvPr>
         </p:nvSpPr>
-        <p:spPr/>
+        <p:spPr>
+          <a:xfrm>
+            <a:off x="7983232" y="5037663"/>
+            <a:ext cx="897467" cy="279400"/>
+          </a:xfrm>
+        </p:spPr>
         <p:txBody>
           <a:bodyPr/>
           <a:lstStyle/>
           <a:p>
             <a:fld id="{115C48E2-7E56-40C8-9685-3F8DF3CF180A}" type="datetimeFigureOut">
               <a:rPr lang="en-GB" smtClean="0"/>
-              <a:t>26/11/2017</a:t>
+              <a:t>02/12/2017</a:t>
             </a:fld>
             <a:endParaRPr lang="en-GB"/>
           </a:p>
@@ -256,7 +462,12 @@
             <p:ph type="ftr" sz="quarter" idx="11"/>
           </p:nvPr>
         </p:nvSpPr>
-        <p:spPr/>
+        <p:spPr>
+          <a:xfrm>
+            <a:off x="2692397" y="5037663"/>
+            <a:ext cx="5214635" cy="279400"/>
+          </a:xfrm>
+        </p:spPr>
         <p:txBody>
           <a:bodyPr/>
           <a:lstStyle/>
@@ -275,7 +486,12 @@
             <p:ph type="sldNum" sz="quarter" idx="12"/>
           </p:nvPr>
         </p:nvSpPr>
-        <p:spPr/>
+        <p:spPr>
+          <a:xfrm>
+            <a:off x="8956900" y="5037663"/>
+            <a:ext cx="551167" cy="279400"/>
+          </a:xfrm>
+        </p:spPr>
         <p:txBody>
           <a:bodyPr/>
           <a:lstStyle/>
@@ -288,10 +504,40 @@
           </a:p>
         </p:txBody>
       </p:sp>
+      <p:cxnSp>
+        <p:nvCxnSpPr>
+          <p:cNvPr id="15" name="Straight Connector 14"/>
+          <p:cNvCxnSpPr/>
+          <p:nvPr/>
+        </p:nvCxnSpPr>
+        <p:spPr>
+          <a:xfrm>
+            <a:off x="2692399" y="3522131"/>
+            <a:ext cx="6815668" cy="0"/>
+          </a:xfrm>
+          <a:prstGeom prst="line">
+            <a:avLst/>
+          </a:prstGeom>
+        </p:spPr>
+        <p:style>
+          <a:lnRef idx="2">
+            <a:schemeClr val="accent1"/>
+          </a:lnRef>
+          <a:fillRef idx="0">
+            <a:schemeClr val="accent1"/>
+          </a:fillRef>
+          <a:effectRef idx="1">
+            <a:schemeClr val="accent1"/>
+          </a:effectRef>
+          <a:fontRef idx="minor">
+            <a:schemeClr val="tx1"/>
+          </a:fontRef>
+        </p:style>
+      </p:cxnSp>
     </p:spTree>
     <p:extLst>
       <p:ext uri="{BB962C8B-B14F-4D97-AF65-F5344CB8AC3E}">
-        <p14:creationId xmlns:p14="http://schemas.microsoft.com/office/powerpoint/2010/main" val="2440577900"/>
+        <p14:creationId xmlns:p14="http://schemas.microsoft.com/office/powerpoint/2010/main" val="1563479906"/>
       </p:ext>
     </p:extLst>
   </p:cSld>
@@ -302,6 +548,2099 @@
 </file>
 
 <file path=ppt/slideLayouts/slideLayout10.xml><?xml version="1.0" encoding="utf-8"?>
+<p:sldLayout xmlns:a="http://schemas.openxmlformats.org/drawingml/2006/main" xmlns:r="http://schemas.openxmlformats.org/officeDocument/2006/relationships" xmlns:p="http://schemas.openxmlformats.org/presentationml/2006/main" preserve="1">
+  <p:cSld name="Panoramic Picture with Caption">
+    <p:spTree>
+      <p:nvGrpSpPr>
+        <p:cNvPr id="1" name=""/>
+        <p:cNvGrpSpPr/>
+        <p:nvPr/>
+      </p:nvGrpSpPr>
+      <p:grpSpPr>
+        <a:xfrm>
+          <a:off x="0" y="0"/>
+          <a:ext cx="0" cy="0"/>
+          <a:chOff x="0" y="0"/>
+          <a:chExt cx="0" cy="0"/>
+        </a:xfrm>
+      </p:grpSpPr>
+      <p:sp>
+        <p:nvSpPr>
+          <p:cNvPr id="2" name="Title 1"/>
+          <p:cNvSpPr>
+            <a:spLocks noGrp="1"/>
+          </p:cNvSpPr>
+          <p:nvPr>
+            <p:ph type="title"/>
+          </p:nvPr>
+        </p:nvSpPr>
+        <p:spPr>
+          <a:xfrm>
+            <a:off x="1295401" y="4815415"/>
+            <a:ext cx="9609666" cy="566738"/>
+          </a:xfrm>
+        </p:spPr>
+        <p:txBody>
+          <a:bodyPr anchor="b">
+            <a:normAutofit/>
+          </a:bodyPr>
+          <a:lstStyle>
+            <a:lvl1pPr algn="ctr">
+              <a:defRPr sz="2400" b="0"/>
+            </a:lvl1pPr>
+          </a:lstStyle>
+          <a:p>
+            <a:r>
+              <a:rPr lang="en-US" smtClean="0"/>
+              <a:t>Click to edit Master title style</a:t>
+            </a:r>
+            <a:endParaRPr lang="en-US" dirty="0"/>
+          </a:p>
+        </p:txBody>
+      </p:sp>
+      <p:sp>
+        <p:nvSpPr>
+          <p:cNvPr id="3" name="Picture Placeholder 2"/>
+          <p:cNvSpPr>
+            <a:spLocks noGrp="1" noChangeAspect="1"/>
+          </p:cNvSpPr>
+          <p:nvPr>
+            <p:ph type="pic" idx="1"/>
+          </p:nvPr>
+        </p:nvSpPr>
+        <p:spPr>
+          <a:xfrm>
+            <a:off x="1041427" y="1041399"/>
+            <a:ext cx="10105972" cy="3335869"/>
+          </a:xfrm>
+          <a:prstGeom prst="roundRect">
+            <a:avLst>
+              <a:gd name="adj" fmla="val 0"/>
+            </a:avLst>
+          </a:prstGeom>
+          <a:ln w="57150" cmpd="thickThin">
+            <a:solidFill>
+              <a:schemeClr val="tx1">
+                <a:lumMod val="50000"/>
+                <a:lumOff val="50000"/>
+              </a:schemeClr>
+            </a:solidFill>
+            <a:miter lim="800000"/>
+          </a:ln>
+          <a:effectLst>
+            <a:innerShdw blurRad="57150" dist="38100" dir="14460000">
+              <a:srgbClr val="000000">
+                <a:alpha val="70000"/>
+              </a:srgbClr>
+            </a:innerShdw>
+          </a:effectLst>
+        </p:spPr>
+        <p:txBody>
+          <a:bodyPr anchor="t">
+            <a:normAutofit/>
+          </a:bodyPr>
+          <a:lstStyle>
+            <a:lvl1pPr marL="0" indent="0" algn="ctr">
+              <a:buNone/>
+              <a:defRPr sz="1600"/>
+            </a:lvl1pPr>
+            <a:lvl2pPr marL="457200" indent="0">
+              <a:buNone/>
+              <a:defRPr sz="1600"/>
+            </a:lvl2pPr>
+            <a:lvl3pPr marL="914400" indent="0">
+              <a:buNone/>
+              <a:defRPr sz="1600"/>
+            </a:lvl3pPr>
+            <a:lvl4pPr marL="1371600" indent="0">
+              <a:buNone/>
+              <a:defRPr sz="1600"/>
+            </a:lvl4pPr>
+            <a:lvl5pPr marL="1828800" indent="0">
+              <a:buNone/>
+              <a:defRPr sz="1600"/>
+            </a:lvl5pPr>
+            <a:lvl6pPr marL="2286000" indent="0">
+              <a:buNone/>
+              <a:defRPr sz="1600"/>
+            </a:lvl6pPr>
+            <a:lvl7pPr marL="2743200" indent="0">
+              <a:buNone/>
+              <a:defRPr sz="1600"/>
+            </a:lvl7pPr>
+            <a:lvl8pPr marL="3200400" indent="0">
+              <a:buNone/>
+              <a:defRPr sz="1600"/>
+            </a:lvl8pPr>
+            <a:lvl9pPr marL="3657600" indent="0">
+              <a:buNone/>
+              <a:defRPr sz="1600"/>
+            </a:lvl9pPr>
+          </a:lstStyle>
+          <a:p>
+            <a:r>
+              <a:rPr lang="en-US" smtClean="0"/>
+              <a:t>Click icon to add picture</a:t>
+            </a:r>
+            <a:endParaRPr lang="en-US" dirty="0"/>
+          </a:p>
+        </p:txBody>
+      </p:sp>
+      <p:sp>
+        <p:nvSpPr>
+          <p:cNvPr id="4" name="Text Placeholder 3"/>
+          <p:cNvSpPr>
+            <a:spLocks noGrp="1"/>
+          </p:cNvSpPr>
+          <p:nvPr>
+            <p:ph type="body" sz="half" idx="2"/>
+          </p:nvPr>
+        </p:nvSpPr>
+        <p:spPr>
+          <a:xfrm>
+            <a:off x="1295401" y="5382153"/>
+            <a:ext cx="9609666" cy="493712"/>
+          </a:xfrm>
+        </p:spPr>
+        <p:txBody>
+          <a:bodyPr>
+            <a:normAutofit/>
+          </a:bodyPr>
+          <a:lstStyle>
+            <a:lvl1pPr marL="0" indent="0" algn="ctr">
+              <a:buNone/>
+              <a:defRPr sz="1400"/>
+            </a:lvl1pPr>
+            <a:lvl2pPr marL="457200" indent="0">
+              <a:buNone/>
+              <a:defRPr sz="1200"/>
+            </a:lvl2pPr>
+            <a:lvl3pPr marL="914400" indent="0">
+              <a:buNone/>
+              <a:defRPr sz="1000"/>
+            </a:lvl3pPr>
+            <a:lvl4pPr marL="1371600" indent="0">
+              <a:buNone/>
+              <a:defRPr sz="900"/>
+            </a:lvl4pPr>
+            <a:lvl5pPr marL="1828800" indent="0">
+              <a:buNone/>
+              <a:defRPr sz="900"/>
+            </a:lvl5pPr>
+            <a:lvl6pPr marL="2286000" indent="0">
+              <a:buNone/>
+              <a:defRPr sz="900"/>
+            </a:lvl6pPr>
+            <a:lvl7pPr marL="2743200" indent="0">
+              <a:buNone/>
+              <a:defRPr sz="900"/>
+            </a:lvl7pPr>
+            <a:lvl8pPr marL="3200400" indent="0">
+              <a:buNone/>
+              <a:defRPr sz="900"/>
+            </a:lvl8pPr>
+            <a:lvl9pPr marL="3657600" indent="0">
+              <a:buNone/>
+              <a:defRPr sz="900"/>
+            </a:lvl9pPr>
+          </a:lstStyle>
+          <a:p>
+            <a:pPr lvl="0"/>
+            <a:r>
+              <a:rPr lang="en-US" smtClean="0"/>
+              <a:t>Click to edit Master text styles</a:t>
+            </a:r>
+          </a:p>
+        </p:txBody>
+      </p:sp>
+      <p:sp>
+        <p:nvSpPr>
+          <p:cNvPr id="5" name="Date Placeholder 4"/>
+          <p:cNvSpPr>
+            <a:spLocks noGrp="1"/>
+          </p:cNvSpPr>
+          <p:nvPr>
+            <p:ph type="dt" sz="half" idx="10"/>
+          </p:nvPr>
+        </p:nvSpPr>
+        <p:spPr/>
+        <p:txBody>
+          <a:bodyPr/>
+          <a:lstStyle/>
+          <a:p>
+            <a:fld id="{115C48E2-7E56-40C8-9685-3F8DF3CF180A}" type="datetimeFigureOut">
+              <a:rPr lang="en-GB" smtClean="0"/>
+              <a:t>02/12/2017</a:t>
+            </a:fld>
+            <a:endParaRPr lang="en-GB"/>
+          </a:p>
+        </p:txBody>
+      </p:sp>
+      <p:sp>
+        <p:nvSpPr>
+          <p:cNvPr id="6" name="Footer Placeholder 5"/>
+          <p:cNvSpPr>
+            <a:spLocks noGrp="1"/>
+          </p:cNvSpPr>
+          <p:nvPr>
+            <p:ph type="ftr" sz="quarter" idx="11"/>
+          </p:nvPr>
+        </p:nvSpPr>
+        <p:spPr/>
+        <p:txBody>
+          <a:bodyPr/>
+          <a:lstStyle/>
+          <a:p>
+            <a:endParaRPr lang="en-GB"/>
+          </a:p>
+        </p:txBody>
+      </p:sp>
+      <p:sp>
+        <p:nvSpPr>
+          <p:cNvPr id="7" name="Slide Number Placeholder 6"/>
+          <p:cNvSpPr>
+            <a:spLocks noGrp="1"/>
+          </p:cNvSpPr>
+          <p:nvPr>
+            <p:ph type="sldNum" sz="quarter" idx="12"/>
+          </p:nvPr>
+        </p:nvSpPr>
+        <p:spPr/>
+        <p:txBody>
+          <a:bodyPr/>
+          <a:lstStyle/>
+          <a:p>
+            <a:fld id="{6DEC3507-703F-452A-A720-EA9FF730F3F5}" type="slidenum">
+              <a:rPr lang="en-GB" smtClean="0"/>
+              <a:t>‹#›</a:t>
+            </a:fld>
+            <a:endParaRPr lang="en-GB"/>
+          </a:p>
+        </p:txBody>
+      </p:sp>
+    </p:spTree>
+    <p:extLst>
+      <p:ext uri="{BB962C8B-B14F-4D97-AF65-F5344CB8AC3E}">
+        <p14:creationId xmlns:p14="http://schemas.microsoft.com/office/powerpoint/2010/main" val="3470756967"/>
+      </p:ext>
+    </p:extLst>
+  </p:cSld>
+  <p:clrMapOvr>
+    <a:masterClrMapping/>
+  </p:clrMapOvr>
+</p:sldLayout>
+</file>
+
+<file path=ppt/slideLayouts/slideLayout11.xml><?xml version="1.0" encoding="utf-8"?>
+<p:sldLayout xmlns:a="http://schemas.openxmlformats.org/drawingml/2006/main" xmlns:r="http://schemas.openxmlformats.org/officeDocument/2006/relationships" xmlns:p="http://schemas.openxmlformats.org/presentationml/2006/main" preserve="1">
+  <p:cSld name="Title and Caption">
+    <p:spTree>
+      <p:nvGrpSpPr>
+        <p:cNvPr id="1" name=""/>
+        <p:cNvGrpSpPr/>
+        <p:nvPr/>
+      </p:nvGrpSpPr>
+      <p:grpSpPr>
+        <a:xfrm>
+          <a:off x="0" y="0"/>
+          <a:ext cx="0" cy="0"/>
+          <a:chOff x="0" y="0"/>
+          <a:chExt cx="0" cy="0"/>
+        </a:xfrm>
+      </p:grpSpPr>
+      <p:sp>
+        <p:nvSpPr>
+          <p:cNvPr id="2" name="Title 1"/>
+          <p:cNvSpPr>
+            <a:spLocks noGrp="1"/>
+          </p:cNvSpPr>
+          <p:nvPr>
+            <p:ph type="title"/>
+          </p:nvPr>
+        </p:nvSpPr>
+        <p:spPr>
+          <a:xfrm>
+            <a:off x="1303868" y="982132"/>
+            <a:ext cx="9592732" cy="2954868"/>
+          </a:xfrm>
+        </p:spPr>
+        <p:txBody>
+          <a:bodyPr anchor="ctr">
+            <a:normAutofit/>
+          </a:bodyPr>
+          <a:lstStyle>
+            <a:lvl1pPr algn="ctr">
+              <a:defRPr sz="3200" b="0" cap="none"/>
+            </a:lvl1pPr>
+          </a:lstStyle>
+          <a:p>
+            <a:r>
+              <a:rPr lang="en-US" smtClean="0"/>
+              <a:t>Click to edit Master title style</a:t>
+            </a:r>
+            <a:endParaRPr lang="en-US" dirty="0"/>
+          </a:p>
+        </p:txBody>
+      </p:sp>
+      <p:sp>
+        <p:nvSpPr>
+          <p:cNvPr id="3" name="Text Placeholder 2"/>
+          <p:cNvSpPr>
+            <a:spLocks noGrp="1"/>
+          </p:cNvSpPr>
+          <p:nvPr>
+            <p:ph type="body" idx="1"/>
+          </p:nvPr>
+        </p:nvSpPr>
+        <p:spPr>
+          <a:xfrm>
+            <a:off x="1303868" y="4343399"/>
+            <a:ext cx="9592732" cy="1532467"/>
+          </a:xfrm>
+        </p:spPr>
+        <p:txBody>
+          <a:bodyPr anchor="ctr">
+            <a:normAutofit/>
+          </a:bodyPr>
+          <a:lstStyle>
+            <a:lvl1pPr marL="0" indent="0" algn="ctr">
+              <a:buNone/>
+              <a:defRPr sz="2000">
+                <a:solidFill>
+                  <a:schemeClr val="tx1"/>
+                </a:solidFill>
+              </a:defRPr>
+            </a:lvl1pPr>
+            <a:lvl2pPr marL="457200" indent="0">
+              <a:buNone/>
+              <a:defRPr sz="1800">
+                <a:solidFill>
+                  <a:schemeClr val="tx1">
+                    <a:tint val="75000"/>
+                  </a:schemeClr>
+                </a:solidFill>
+              </a:defRPr>
+            </a:lvl2pPr>
+            <a:lvl3pPr marL="914400" indent="0">
+              <a:buNone/>
+              <a:defRPr sz="1600">
+                <a:solidFill>
+                  <a:schemeClr val="tx1">
+                    <a:tint val="75000"/>
+                  </a:schemeClr>
+                </a:solidFill>
+              </a:defRPr>
+            </a:lvl3pPr>
+            <a:lvl4pPr marL="1371600" indent="0">
+              <a:buNone/>
+              <a:defRPr sz="1400">
+                <a:solidFill>
+                  <a:schemeClr val="tx1">
+                    <a:tint val="75000"/>
+                  </a:schemeClr>
+                </a:solidFill>
+              </a:defRPr>
+            </a:lvl4pPr>
+            <a:lvl5pPr marL="1828800" indent="0">
+              <a:buNone/>
+              <a:defRPr sz="1400">
+                <a:solidFill>
+                  <a:schemeClr val="tx1">
+                    <a:tint val="75000"/>
+                  </a:schemeClr>
+                </a:solidFill>
+              </a:defRPr>
+            </a:lvl5pPr>
+            <a:lvl6pPr marL="2286000" indent="0">
+              <a:buNone/>
+              <a:defRPr sz="1400">
+                <a:solidFill>
+                  <a:schemeClr val="tx1">
+                    <a:tint val="75000"/>
+                  </a:schemeClr>
+                </a:solidFill>
+              </a:defRPr>
+            </a:lvl6pPr>
+            <a:lvl7pPr marL="2743200" indent="0">
+              <a:buNone/>
+              <a:defRPr sz="1400">
+                <a:solidFill>
+                  <a:schemeClr val="tx1">
+                    <a:tint val="75000"/>
+                  </a:schemeClr>
+                </a:solidFill>
+              </a:defRPr>
+            </a:lvl7pPr>
+            <a:lvl8pPr marL="3200400" indent="0">
+              <a:buNone/>
+              <a:defRPr sz="1400">
+                <a:solidFill>
+                  <a:schemeClr val="tx1">
+                    <a:tint val="75000"/>
+                  </a:schemeClr>
+                </a:solidFill>
+              </a:defRPr>
+            </a:lvl8pPr>
+            <a:lvl9pPr marL="3657600" indent="0">
+              <a:buNone/>
+              <a:defRPr sz="1400">
+                <a:solidFill>
+                  <a:schemeClr val="tx1">
+                    <a:tint val="75000"/>
+                  </a:schemeClr>
+                </a:solidFill>
+              </a:defRPr>
+            </a:lvl9pPr>
+          </a:lstStyle>
+          <a:p>
+            <a:pPr lvl="0"/>
+            <a:r>
+              <a:rPr lang="en-US" smtClean="0"/>
+              <a:t>Click to edit Master text styles</a:t>
+            </a:r>
+          </a:p>
+        </p:txBody>
+      </p:sp>
+      <p:sp>
+        <p:nvSpPr>
+          <p:cNvPr id="4" name="Date Placeholder 3"/>
+          <p:cNvSpPr>
+            <a:spLocks noGrp="1"/>
+          </p:cNvSpPr>
+          <p:nvPr>
+            <p:ph type="dt" sz="half" idx="10"/>
+          </p:nvPr>
+        </p:nvSpPr>
+        <p:spPr/>
+        <p:txBody>
+          <a:bodyPr/>
+          <a:lstStyle/>
+          <a:p>
+            <a:fld id="{115C48E2-7E56-40C8-9685-3F8DF3CF180A}" type="datetimeFigureOut">
+              <a:rPr lang="en-GB" smtClean="0"/>
+              <a:t>02/12/2017</a:t>
+            </a:fld>
+            <a:endParaRPr lang="en-GB"/>
+          </a:p>
+        </p:txBody>
+      </p:sp>
+      <p:sp>
+        <p:nvSpPr>
+          <p:cNvPr id="5" name="Footer Placeholder 4"/>
+          <p:cNvSpPr>
+            <a:spLocks noGrp="1"/>
+          </p:cNvSpPr>
+          <p:nvPr>
+            <p:ph type="ftr" sz="quarter" idx="11"/>
+          </p:nvPr>
+        </p:nvSpPr>
+        <p:spPr/>
+        <p:txBody>
+          <a:bodyPr/>
+          <a:lstStyle/>
+          <a:p>
+            <a:endParaRPr lang="en-GB"/>
+          </a:p>
+        </p:txBody>
+      </p:sp>
+      <p:sp>
+        <p:nvSpPr>
+          <p:cNvPr id="6" name="Slide Number Placeholder 5"/>
+          <p:cNvSpPr>
+            <a:spLocks noGrp="1"/>
+          </p:cNvSpPr>
+          <p:nvPr>
+            <p:ph type="sldNum" sz="quarter" idx="12"/>
+          </p:nvPr>
+        </p:nvSpPr>
+        <p:spPr/>
+        <p:txBody>
+          <a:bodyPr/>
+          <a:lstStyle/>
+          <a:p>
+            <a:fld id="{6DEC3507-703F-452A-A720-EA9FF730F3F5}" type="slidenum">
+              <a:rPr lang="en-GB" smtClean="0"/>
+              <a:t>‹#›</a:t>
+            </a:fld>
+            <a:endParaRPr lang="en-GB"/>
+          </a:p>
+        </p:txBody>
+      </p:sp>
+      <p:cxnSp>
+        <p:nvCxnSpPr>
+          <p:cNvPr id="15" name="Straight Connector 14"/>
+          <p:cNvCxnSpPr/>
+          <p:nvPr/>
+        </p:nvCxnSpPr>
+        <p:spPr>
+          <a:xfrm>
+            <a:off x="1396169" y="4140199"/>
+            <a:ext cx="9407298" cy="0"/>
+          </a:xfrm>
+          <a:prstGeom prst="line">
+            <a:avLst/>
+          </a:prstGeom>
+          <a:ln w="15875"/>
+        </p:spPr>
+        <p:style>
+          <a:lnRef idx="2">
+            <a:schemeClr val="accent1"/>
+          </a:lnRef>
+          <a:fillRef idx="0">
+            <a:schemeClr val="accent1"/>
+          </a:fillRef>
+          <a:effectRef idx="1">
+            <a:schemeClr val="accent1"/>
+          </a:effectRef>
+          <a:fontRef idx="minor">
+            <a:schemeClr val="tx1"/>
+          </a:fontRef>
+        </p:style>
+      </p:cxnSp>
+    </p:spTree>
+    <p:extLst>
+      <p:ext uri="{BB962C8B-B14F-4D97-AF65-F5344CB8AC3E}">
+        <p14:creationId xmlns:p14="http://schemas.microsoft.com/office/powerpoint/2010/main" val="2048267445"/>
+      </p:ext>
+    </p:extLst>
+  </p:cSld>
+  <p:clrMapOvr>
+    <a:masterClrMapping/>
+  </p:clrMapOvr>
+</p:sldLayout>
+</file>
+
+<file path=ppt/slideLayouts/slideLayout12.xml><?xml version="1.0" encoding="utf-8"?>
+<p:sldLayout xmlns:a="http://schemas.openxmlformats.org/drawingml/2006/main" xmlns:r="http://schemas.openxmlformats.org/officeDocument/2006/relationships" xmlns:p="http://schemas.openxmlformats.org/presentationml/2006/main" preserve="1">
+  <p:cSld name="Quote with Caption">
+    <p:spTree>
+      <p:nvGrpSpPr>
+        <p:cNvPr id="1" name=""/>
+        <p:cNvGrpSpPr/>
+        <p:nvPr/>
+      </p:nvGrpSpPr>
+      <p:grpSpPr>
+        <a:xfrm>
+          <a:off x="0" y="0"/>
+          <a:ext cx="0" cy="0"/>
+          <a:chOff x="0" y="0"/>
+          <a:chExt cx="0" cy="0"/>
+        </a:xfrm>
+      </p:grpSpPr>
+      <p:sp>
+        <p:nvSpPr>
+          <p:cNvPr id="2" name="Title 1"/>
+          <p:cNvSpPr>
+            <a:spLocks noGrp="1"/>
+          </p:cNvSpPr>
+          <p:nvPr>
+            <p:ph type="title"/>
+          </p:nvPr>
+        </p:nvSpPr>
+        <p:spPr>
+          <a:xfrm>
+            <a:off x="1446213" y="982132"/>
+            <a:ext cx="9296398" cy="2370668"/>
+          </a:xfrm>
+        </p:spPr>
+        <p:txBody>
+          <a:bodyPr anchor="ctr">
+            <a:normAutofit/>
+          </a:bodyPr>
+          <a:lstStyle>
+            <a:lvl1pPr algn="ctr">
+              <a:defRPr sz="3200" b="0" cap="none">
+                <a:solidFill>
+                  <a:schemeClr val="tx1"/>
+                </a:solidFill>
+              </a:defRPr>
+            </a:lvl1pPr>
+          </a:lstStyle>
+          <a:p>
+            <a:r>
+              <a:rPr lang="en-US" smtClean="0"/>
+              <a:t>Click to edit Master title style</a:t>
+            </a:r>
+            <a:endParaRPr lang="en-US" dirty="0"/>
+          </a:p>
+        </p:txBody>
+      </p:sp>
+      <p:sp>
+        <p:nvSpPr>
+          <p:cNvPr id="10" name="Text Placeholder 9"/>
+          <p:cNvSpPr>
+            <a:spLocks noGrp="1"/>
+          </p:cNvSpPr>
+          <p:nvPr>
+            <p:ph type="body" sz="quarter" idx="13"/>
+          </p:nvPr>
+        </p:nvSpPr>
+        <p:spPr>
+          <a:xfrm>
+            <a:off x="1674812" y="3352800"/>
+            <a:ext cx="8839202" cy="584200"/>
+          </a:xfrm>
+        </p:spPr>
+        <p:txBody>
+          <a:bodyPr anchor="ctr">
+            <a:normAutofit/>
+          </a:bodyPr>
+          <a:lstStyle>
+            <a:lvl1pPr marL="0" indent="0" algn="r">
+              <a:buFontTx/>
+              <a:buNone/>
+              <a:defRPr sz="2000"/>
+            </a:lvl1pPr>
+            <a:lvl2pPr marL="457200" indent="0">
+              <a:buFontTx/>
+              <a:buNone/>
+              <a:defRPr/>
+            </a:lvl2pPr>
+            <a:lvl3pPr marL="914400" indent="0">
+              <a:buFontTx/>
+              <a:buNone/>
+              <a:defRPr/>
+            </a:lvl3pPr>
+            <a:lvl4pPr marL="1371600" indent="0">
+              <a:buFontTx/>
+              <a:buNone/>
+              <a:defRPr/>
+            </a:lvl4pPr>
+            <a:lvl5pPr marL="1828800" indent="0">
+              <a:buFontTx/>
+              <a:buNone/>
+              <a:defRPr/>
+            </a:lvl5pPr>
+          </a:lstStyle>
+          <a:p>
+            <a:pPr lvl="0"/>
+            <a:r>
+              <a:rPr lang="en-US" smtClean="0"/>
+              <a:t>Click to edit Master text styles</a:t>
+            </a:r>
+          </a:p>
+        </p:txBody>
+      </p:sp>
+      <p:sp>
+        <p:nvSpPr>
+          <p:cNvPr id="3" name="Text Placeholder 2"/>
+          <p:cNvSpPr>
+            <a:spLocks noGrp="1"/>
+          </p:cNvSpPr>
+          <p:nvPr>
+            <p:ph type="body" idx="1"/>
+          </p:nvPr>
+        </p:nvSpPr>
+        <p:spPr>
+          <a:xfrm>
+            <a:off x="1295401" y="4343399"/>
+            <a:ext cx="9609666" cy="1532467"/>
+          </a:xfrm>
+        </p:spPr>
+        <p:txBody>
+          <a:bodyPr anchor="ctr">
+            <a:normAutofit/>
+          </a:bodyPr>
+          <a:lstStyle>
+            <a:lvl1pPr marL="0" indent="0" algn="ctr">
+              <a:buNone/>
+              <a:defRPr sz="2000">
+                <a:solidFill>
+                  <a:schemeClr val="tx1"/>
+                </a:solidFill>
+              </a:defRPr>
+            </a:lvl1pPr>
+            <a:lvl2pPr marL="457200" indent="0">
+              <a:buNone/>
+              <a:defRPr sz="1800">
+                <a:solidFill>
+                  <a:schemeClr val="tx1">
+                    <a:tint val="75000"/>
+                  </a:schemeClr>
+                </a:solidFill>
+              </a:defRPr>
+            </a:lvl2pPr>
+            <a:lvl3pPr marL="914400" indent="0">
+              <a:buNone/>
+              <a:defRPr sz="1600">
+                <a:solidFill>
+                  <a:schemeClr val="tx1">
+                    <a:tint val="75000"/>
+                  </a:schemeClr>
+                </a:solidFill>
+              </a:defRPr>
+            </a:lvl3pPr>
+            <a:lvl4pPr marL="1371600" indent="0">
+              <a:buNone/>
+              <a:defRPr sz="1400">
+                <a:solidFill>
+                  <a:schemeClr val="tx1">
+                    <a:tint val="75000"/>
+                  </a:schemeClr>
+                </a:solidFill>
+              </a:defRPr>
+            </a:lvl4pPr>
+            <a:lvl5pPr marL="1828800" indent="0">
+              <a:buNone/>
+              <a:defRPr sz="1400">
+                <a:solidFill>
+                  <a:schemeClr val="tx1">
+                    <a:tint val="75000"/>
+                  </a:schemeClr>
+                </a:solidFill>
+              </a:defRPr>
+            </a:lvl5pPr>
+            <a:lvl6pPr marL="2286000" indent="0">
+              <a:buNone/>
+              <a:defRPr sz="1400">
+                <a:solidFill>
+                  <a:schemeClr val="tx1">
+                    <a:tint val="75000"/>
+                  </a:schemeClr>
+                </a:solidFill>
+              </a:defRPr>
+            </a:lvl6pPr>
+            <a:lvl7pPr marL="2743200" indent="0">
+              <a:buNone/>
+              <a:defRPr sz="1400">
+                <a:solidFill>
+                  <a:schemeClr val="tx1">
+                    <a:tint val="75000"/>
+                  </a:schemeClr>
+                </a:solidFill>
+              </a:defRPr>
+            </a:lvl7pPr>
+            <a:lvl8pPr marL="3200400" indent="0">
+              <a:buNone/>
+              <a:defRPr sz="1400">
+                <a:solidFill>
+                  <a:schemeClr val="tx1">
+                    <a:tint val="75000"/>
+                  </a:schemeClr>
+                </a:solidFill>
+              </a:defRPr>
+            </a:lvl8pPr>
+            <a:lvl9pPr marL="3657600" indent="0">
+              <a:buNone/>
+              <a:defRPr sz="1400">
+                <a:solidFill>
+                  <a:schemeClr val="tx1">
+                    <a:tint val="75000"/>
+                  </a:schemeClr>
+                </a:solidFill>
+              </a:defRPr>
+            </a:lvl9pPr>
+          </a:lstStyle>
+          <a:p>
+            <a:pPr lvl="0"/>
+            <a:r>
+              <a:rPr lang="en-US" smtClean="0"/>
+              <a:t>Click to edit Master text styles</a:t>
+            </a:r>
+          </a:p>
+        </p:txBody>
+      </p:sp>
+      <p:sp>
+        <p:nvSpPr>
+          <p:cNvPr id="4" name="Date Placeholder 3"/>
+          <p:cNvSpPr>
+            <a:spLocks noGrp="1"/>
+          </p:cNvSpPr>
+          <p:nvPr>
+            <p:ph type="dt" sz="half" idx="10"/>
+          </p:nvPr>
+        </p:nvSpPr>
+        <p:spPr/>
+        <p:txBody>
+          <a:bodyPr/>
+          <a:lstStyle/>
+          <a:p>
+            <a:fld id="{115C48E2-7E56-40C8-9685-3F8DF3CF180A}" type="datetimeFigureOut">
+              <a:rPr lang="en-GB" smtClean="0"/>
+              <a:t>02/12/2017</a:t>
+            </a:fld>
+            <a:endParaRPr lang="en-GB"/>
+          </a:p>
+        </p:txBody>
+      </p:sp>
+      <p:sp>
+        <p:nvSpPr>
+          <p:cNvPr id="5" name="Footer Placeholder 4"/>
+          <p:cNvSpPr>
+            <a:spLocks noGrp="1"/>
+          </p:cNvSpPr>
+          <p:nvPr>
+            <p:ph type="ftr" sz="quarter" idx="11"/>
+          </p:nvPr>
+        </p:nvSpPr>
+        <p:spPr/>
+        <p:txBody>
+          <a:bodyPr/>
+          <a:lstStyle/>
+          <a:p>
+            <a:endParaRPr lang="en-GB"/>
+          </a:p>
+        </p:txBody>
+      </p:sp>
+      <p:sp>
+        <p:nvSpPr>
+          <p:cNvPr id="6" name="Slide Number Placeholder 5"/>
+          <p:cNvSpPr>
+            <a:spLocks noGrp="1"/>
+          </p:cNvSpPr>
+          <p:nvPr>
+            <p:ph type="sldNum" sz="quarter" idx="12"/>
+          </p:nvPr>
+        </p:nvSpPr>
+        <p:spPr/>
+        <p:txBody>
+          <a:bodyPr/>
+          <a:lstStyle/>
+          <a:p>
+            <a:fld id="{6DEC3507-703F-452A-A720-EA9FF730F3F5}" type="slidenum">
+              <a:rPr lang="en-GB" smtClean="0"/>
+              <a:t>‹#›</a:t>
+            </a:fld>
+            <a:endParaRPr lang="en-GB"/>
+          </a:p>
+        </p:txBody>
+      </p:sp>
+      <p:sp>
+        <p:nvSpPr>
+          <p:cNvPr id="14" name="TextBox 13"/>
+          <p:cNvSpPr txBox="1"/>
+          <p:nvPr/>
+        </p:nvSpPr>
+        <p:spPr>
+          <a:xfrm>
+            <a:off x="862013" y="879961"/>
+            <a:ext cx="609600" cy="584776"/>
+          </a:xfrm>
+          <a:prstGeom prst="rect">
+            <a:avLst/>
+          </a:prstGeom>
+        </p:spPr>
+        <p:txBody>
+          <a:bodyPr vert="horz" lIns="91440" tIns="45720" rIns="91440" bIns="45720" rtlCol="0" anchor="ctr">
+            <a:noAutofit/>
+          </a:bodyPr>
+          <a:lstStyle/>
+          <a:p>
+            <a:pPr lvl="0"/>
+            <a:r>
+              <a:rPr lang="en-US" sz="8000" dirty="0">
+                <a:solidFill>
+                  <a:schemeClr val="tx1"/>
+                </a:solidFill>
+                <a:effectLst/>
+              </a:rPr>
+              <a:t>“</a:t>
+            </a:r>
+          </a:p>
+        </p:txBody>
+      </p:sp>
+      <p:sp>
+        <p:nvSpPr>
+          <p:cNvPr id="15" name="TextBox 14"/>
+          <p:cNvSpPr txBox="1"/>
+          <p:nvPr/>
+        </p:nvSpPr>
+        <p:spPr>
+          <a:xfrm>
+            <a:off x="10600267" y="2827870"/>
+            <a:ext cx="609600" cy="584776"/>
+          </a:xfrm>
+          <a:prstGeom prst="rect">
+            <a:avLst/>
+          </a:prstGeom>
+        </p:spPr>
+        <p:txBody>
+          <a:bodyPr vert="horz" lIns="91440" tIns="45720" rIns="91440" bIns="45720" rtlCol="0" anchor="ctr">
+            <a:noAutofit/>
+          </a:bodyPr>
+          <a:lstStyle/>
+          <a:p>
+            <a:pPr lvl="0" algn="r"/>
+            <a:r>
+              <a:rPr lang="en-US" sz="8000" dirty="0">
+                <a:solidFill>
+                  <a:schemeClr val="tx1"/>
+                </a:solidFill>
+                <a:effectLst/>
+              </a:rPr>
+              <a:t>”</a:t>
+            </a:r>
+          </a:p>
+        </p:txBody>
+      </p:sp>
+      <p:cxnSp>
+        <p:nvCxnSpPr>
+          <p:cNvPr id="19" name="Straight Connector 18"/>
+          <p:cNvCxnSpPr/>
+          <p:nvPr/>
+        </p:nvCxnSpPr>
+        <p:spPr>
+          <a:xfrm>
+            <a:off x="1396169" y="4140199"/>
+            <a:ext cx="9407298" cy="0"/>
+          </a:xfrm>
+          <a:prstGeom prst="line">
+            <a:avLst/>
+          </a:prstGeom>
+          <a:ln w="15875"/>
+        </p:spPr>
+        <p:style>
+          <a:lnRef idx="2">
+            <a:schemeClr val="accent1"/>
+          </a:lnRef>
+          <a:fillRef idx="0">
+            <a:schemeClr val="accent1"/>
+          </a:fillRef>
+          <a:effectRef idx="1">
+            <a:schemeClr val="accent1"/>
+          </a:effectRef>
+          <a:fontRef idx="minor">
+            <a:schemeClr val="tx1"/>
+          </a:fontRef>
+        </p:style>
+      </p:cxnSp>
+    </p:spTree>
+    <p:extLst>
+      <p:ext uri="{BB962C8B-B14F-4D97-AF65-F5344CB8AC3E}">
+        <p14:creationId xmlns:p14="http://schemas.microsoft.com/office/powerpoint/2010/main" val="524649815"/>
+      </p:ext>
+    </p:extLst>
+  </p:cSld>
+  <p:clrMapOvr>
+    <a:masterClrMapping/>
+  </p:clrMapOvr>
+</p:sldLayout>
+</file>
+
+<file path=ppt/slideLayouts/slideLayout13.xml><?xml version="1.0" encoding="utf-8"?>
+<p:sldLayout xmlns:a="http://schemas.openxmlformats.org/drawingml/2006/main" xmlns:r="http://schemas.openxmlformats.org/officeDocument/2006/relationships" xmlns:p="http://schemas.openxmlformats.org/presentationml/2006/main" preserve="1">
+  <p:cSld name="Name Card">
+    <p:spTree>
+      <p:nvGrpSpPr>
+        <p:cNvPr id="1" name=""/>
+        <p:cNvGrpSpPr/>
+        <p:nvPr/>
+      </p:nvGrpSpPr>
+      <p:grpSpPr>
+        <a:xfrm>
+          <a:off x="0" y="0"/>
+          <a:ext cx="0" cy="0"/>
+          <a:chOff x="0" y="0"/>
+          <a:chExt cx="0" cy="0"/>
+        </a:xfrm>
+      </p:grpSpPr>
+      <p:sp>
+        <p:nvSpPr>
+          <p:cNvPr id="2" name="Title 1"/>
+          <p:cNvSpPr>
+            <a:spLocks noGrp="1"/>
+          </p:cNvSpPr>
+          <p:nvPr>
+            <p:ph type="title"/>
+          </p:nvPr>
+        </p:nvSpPr>
+        <p:spPr>
+          <a:xfrm>
+            <a:off x="1295402" y="3308581"/>
+            <a:ext cx="9609668" cy="1468800"/>
+          </a:xfrm>
+        </p:spPr>
+        <p:txBody>
+          <a:bodyPr anchor="b">
+            <a:normAutofit/>
+          </a:bodyPr>
+          <a:lstStyle>
+            <a:lvl1pPr algn="l">
+              <a:defRPr sz="3200" b="0" cap="none"/>
+            </a:lvl1pPr>
+          </a:lstStyle>
+          <a:p>
+            <a:r>
+              <a:rPr lang="en-US" smtClean="0"/>
+              <a:t>Click to edit Master title style</a:t>
+            </a:r>
+            <a:endParaRPr lang="en-US" dirty="0"/>
+          </a:p>
+        </p:txBody>
+      </p:sp>
+      <p:sp>
+        <p:nvSpPr>
+          <p:cNvPr id="3" name="Text Placeholder 2"/>
+          <p:cNvSpPr>
+            <a:spLocks noGrp="1"/>
+          </p:cNvSpPr>
+          <p:nvPr>
+            <p:ph type="body" idx="1"/>
+          </p:nvPr>
+        </p:nvSpPr>
+        <p:spPr>
+          <a:xfrm>
+            <a:off x="1295401" y="4777381"/>
+            <a:ext cx="9609668" cy="860400"/>
+          </a:xfrm>
+        </p:spPr>
+        <p:txBody>
+          <a:bodyPr anchor="t">
+            <a:normAutofit/>
+          </a:bodyPr>
+          <a:lstStyle>
+            <a:lvl1pPr marL="0" indent="0" algn="l">
+              <a:buNone/>
+              <a:defRPr sz="2000">
+                <a:solidFill>
+                  <a:schemeClr val="tx1"/>
+                </a:solidFill>
+              </a:defRPr>
+            </a:lvl1pPr>
+            <a:lvl2pPr marL="457200" indent="0">
+              <a:buNone/>
+              <a:defRPr sz="1800">
+                <a:solidFill>
+                  <a:schemeClr val="tx1">
+                    <a:tint val="75000"/>
+                  </a:schemeClr>
+                </a:solidFill>
+              </a:defRPr>
+            </a:lvl2pPr>
+            <a:lvl3pPr marL="914400" indent="0">
+              <a:buNone/>
+              <a:defRPr sz="1600">
+                <a:solidFill>
+                  <a:schemeClr val="tx1">
+                    <a:tint val="75000"/>
+                  </a:schemeClr>
+                </a:solidFill>
+              </a:defRPr>
+            </a:lvl3pPr>
+            <a:lvl4pPr marL="1371600" indent="0">
+              <a:buNone/>
+              <a:defRPr sz="1400">
+                <a:solidFill>
+                  <a:schemeClr val="tx1">
+                    <a:tint val="75000"/>
+                  </a:schemeClr>
+                </a:solidFill>
+              </a:defRPr>
+            </a:lvl4pPr>
+            <a:lvl5pPr marL="1828800" indent="0">
+              <a:buNone/>
+              <a:defRPr sz="1400">
+                <a:solidFill>
+                  <a:schemeClr val="tx1">
+                    <a:tint val="75000"/>
+                  </a:schemeClr>
+                </a:solidFill>
+              </a:defRPr>
+            </a:lvl5pPr>
+            <a:lvl6pPr marL="2286000" indent="0">
+              <a:buNone/>
+              <a:defRPr sz="1400">
+                <a:solidFill>
+                  <a:schemeClr val="tx1">
+                    <a:tint val="75000"/>
+                  </a:schemeClr>
+                </a:solidFill>
+              </a:defRPr>
+            </a:lvl6pPr>
+            <a:lvl7pPr marL="2743200" indent="0">
+              <a:buNone/>
+              <a:defRPr sz="1400">
+                <a:solidFill>
+                  <a:schemeClr val="tx1">
+                    <a:tint val="75000"/>
+                  </a:schemeClr>
+                </a:solidFill>
+              </a:defRPr>
+            </a:lvl7pPr>
+            <a:lvl8pPr marL="3200400" indent="0">
+              <a:buNone/>
+              <a:defRPr sz="1400">
+                <a:solidFill>
+                  <a:schemeClr val="tx1">
+                    <a:tint val="75000"/>
+                  </a:schemeClr>
+                </a:solidFill>
+              </a:defRPr>
+            </a:lvl8pPr>
+            <a:lvl9pPr marL="3657600" indent="0">
+              <a:buNone/>
+              <a:defRPr sz="1400">
+                <a:solidFill>
+                  <a:schemeClr val="tx1">
+                    <a:tint val="75000"/>
+                  </a:schemeClr>
+                </a:solidFill>
+              </a:defRPr>
+            </a:lvl9pPr>
+          </a:lstStyle>
+          <a:p>
+            <a:pPr lvl="0"/>
+            <a:r>
+              <a:rPr lang="en-US" smtClean="0"/>
+              <a:t>Click to edit Master text styles</a:t>
+            </a:r>
+          </a:p>
+        </p:txBody>
+      </p:sp>
+      <p:sp>
+        <p:nvSpPr>
+          <p:cNvPr id="4" name="Date Placeholder 3"/>
+          <p:cNvSpPr>
+            <a:spLocks noGrp="1"/>
+          </p:cNvSpPr>
+          <p:nvPr>
+            <p:ph type="dt" sz="half" idx="10"/>
+          </p:nvPr>
+        </p:nvSpPr>
+        <p:spPr/>
+        <p:txBody>
+          <a:bodyPr/>
+          <a:lstStyle/>
+          <a:p>
+            <a:fld id="{115C48E2-7E56-40C8-9685-3F8DF3CF180A}" type="datetimeFigureOut">
+              <a:rPr lang="en-GB" smtClean="0"/>
+              <a:t>02/12/2017</a:t>
+            </a:fld>
+            <a:endParaRPr lang="en-GB"/>
+          </a:p>
+        </p:txBody>
+      </p:sp>
+      <p:sp>
+        <p:nvSpPr>
+          <p:cNvPr id="5" name="Footer Placeholder 4"/>
+          <p:cNvSpPr>
+            <a:spLocks noGrp="1"/>
+          </p:cNvSpPr>
+          <p:nvPr>
+            <p:ph type="ftr" sz="quarter" idx="11"/>
+          </p:nvPr>
+        </p:nvSpPr>
+        <p:spPr/>
+        <p:txBody>
+          <a:bodyPr/>
+          <a:lstStyle/>
+          <a:p>
+            <a:endParaRPr lang="en-GB"/>
+          </a:p>
+        </p:txBody>
+      </p:sp>
+      <p:sp>
+        <p:nvSpPr>
+          <p:cNvPr id="6" name="Slide Number Placeholder 5"/>
+          <p:cNvSpPr>
+            <a:spLocks noGrp="1"/>
+          </p:cNvSpPr>
+          <p:nvPr>
+            <p:ph type="sldNum" sz="quarter" idx="12"/>
+          </p:nvPr>
+        </p:nvSpPr>
+        <p:spPr/>
+        <p:txBody>
+          <a:bodyPr/>
+          <a:lstStyle/>
+          <a:p>
+            <a:fld id="{6DEC3507-703F-452A-A720-EA9FF730F3F5}" type="slidenum">
+              <a:rPr lang="en-GB" smtClean="0"/>
+              <a:t>‹#›</a:t>
+            </a:fld>
+            <a:endParaRPr lang="en-GB"/>
+          </a:p>
+        </p:txBody>
+      </p:sp>
+    </p:spTree>
+    <p:extLst>
+      <p:ext uri="{BB962C8B-B14F-4D97-AF65-F5344CB8AC3E}">
+        <p14:creationId xmlns:p14="http://schemas.microsoft.com/office/powerpoint/2010/main" val="812065766"/>
+      </p:ext>
+    </p:extLst>
+  </p:cSld>
+  <p:clrMapOvr>
+    <a:masterClrMapping/>
+  </p:clrMapOvr>
+</p:sldLayout>
+</file>
+
+<file path=ppt/slideLayouts/slideLayout14.xml><?xml version="1.0" encoding="utf-8"?>
+<p:sldLayout xmlns:a="http://schemas.openxmlformats.org/drawingml/2006/main" xmlns:r="http://schemas.openxmlformats.org/officeDocument/2006/relationships" xmlns:p="http://schemas.openxmlformats.org/presentationml/2006/main" preserve="1">
+  <p:cSld name="Quote Name Card">
+    <p:spTree>
+      <p:nvGrpSpPr>
+        <p:cNvPr id="1" name=""/>
+        <p:cNvGrpSpPr/>
+        <p:nvPr/>
+      </p:nvGrpSpPr>
+      <p:grpSpPr>
+        <a:xfrm>
+          <a:off x="0" y="0"/>
+          <a:ext cx="0" cy="0"/>
+          <a:chOff x="0" y="0"/>
+          <a:chExt cx="0" cy="0"/>
+        </a:xfrm>
+      </p:grpSpPr>
+      <p:sp>
+        <p:nvSpPr>
+          <p:cNvPr id="2" name="Title 1"/>
+          <p:cNvSpPr>
+            <a:spLocks noGrp="1"/>
+          </p:cNvSpPr>
+          <p:nvPr>
+            <p:ph type="title"/>
+          </p:nvPr>
+        </p:nvSpPr>
+        <p:spPr>
+          <a:xfrm>
+            <a:off x="1446213" y="982132"/>
+            <a:ext cx="9296398" cy="2243668"/>
+          </a:xfrm>
+        </p:spPr>
+        <p:txBody>
+          <a:bodyPr anchor="ctr">
+            <a:normAutofit/>
+          </a:bodyPr>
+          <a:lstStyle>
+            <a:lvl1pPr algn="ctr">
+              <a:defRPr sz="3200" b="0" cap="none">
+                <a:solidFill>
+                  <a:schemeClr val="tx1"/>
+                </a:solidFill>
+              </a:defRPr>
+            </a:lvl1pPr>
+          </a:lstStyle>
+          <a:p>
+            <a:r>
+              <a:rPr lang="en-US" smtClean="0"/>
+              <a:t>Click to edit Master title style</a:t>
+            </a:r>
+            <a:endParaRPr lang="en-US" dirty="0"/>
+          </a:p>
+        </p:txBody>
+      </p:sp>
+      <p:sp>
+        <p:nvSpPr>
+          <p:cNvPr id="23" name="Text Placeholder 2"/>
+          <p:cNvSpPr>
+            <a:spLocks noGrp="1"/>
+          </p:cNvSpPr>
+          <p:nvPr>
+            <p:ph type="body" idx="13"/>
+          </p:nvPr>
+        </p:nvSpPr>
+        <p:spPr>
+          <a:xfrm>
+            <a:off x="1295401" y="3639312"/>
+            <a:ext cx="9609668" cy="886968"/>
+          </a:xfrm>
+        </p:spPr>
+        <p:txBody>
+          <a:bodyPr anchor="b">
+            <a:normAutofit/>
+          </a:bodyPr>
+          <a:lstStyle>
+            <a:lvl1pPr marL="0" indent="0" algn="l">
+              <a:spcBef>
+                <a:spcPts val="0"/>
+              </a:spcBef>
+              <a:buNone/>
+              <a:defRPr sz="2400">
+                <a:solidFill>
+                  <a:schemeClr val="tx1"/>
+                </a:solidFill>
+              </a:defRPr>
+            </a:lvl1pPr>
+            <a:lvl2pPr marL="457200" indent="0">
+              <a:buNone/>
+              <a:defRPr sz="1800">
+                <a:solidFill>
+                  <a:schemeClr val="tx1">
+                    <a:tint val="75000"/>
+                  </a:schemeClr>
+                </a:solidFill>
+              </a:defRPr>
+            </a:lvl2pPr>
+            <a:lvl3pPr marL="914400" indent="0">
+              <a:buNone/>
+              <a:defRPr sz="1600">
+                <a:solidFill>
+                  <a:schemeClr val="tx1">
+                    <a:tint val="75000"/>
+                  </a:schemeClr>
+                </a:solidFill>
+              </a:defRPr>
+            </a:lvl3pPr>
+            <a:lvl4pPr marL="1371600" indent="0">
+              <a:buNone/>
+              <a:defRPr sz="1400">
+                <a:solidFill>
+                  <a:schemeClr val="tx1">
+                    <a:tint val="75000"/>
+                  </a:schemeClr>
+                </a:solidFill>
+              </a:defRPr>
+            </a:lvl4pPr>
+            <a:lvl5pPr marL="1828800" indent="0">
+              <a:buNone/>
+              <a:defRPr sz="1400">
+                <a:solidFill>
+                  <a:schemeClr val="tx1">
+                    <a:tint val="75000"/>
+                  </a:schemeClr>
+                </a:solidFill>
+              </a:defRPr>
+            </a:lvl5pPr>
+            <a:lvl6pPr marL="2286000" indent="0">
+              <a:buNone/>
+              <a:defRPr sz="1400">
+                <a:solidFill>
+                  <a:schemeClr val="tx1">
+                    <a:tint val="75000"/>
+                  </a:schemeClr>
+                </a:solidFill>
+              </a:defRPr>
+            </a:lvl6pPr>
+            <a:lvl7pPr marL="2743200" indent="0">
+              <a:buNone/>
+              <a:defRPr sz="1400">
+                <a:solidFill>
+                  <a:schemeClr val="tx1">
+                    <a:tint val="75000"/>
+                  </a:schemeClr>
+                </a:solidFill>
+              </a:defRPr>
+            </a:lvl7pPr>
+            <a:lvl8pPr marL="3200400" indent="0">
+              <a:buNone/>
+              <a:defRPr sz="1400">
+                <a:solidFill>
+                  <a:schemeClr val="tx1">
+                    <a:tint val="75000"/>
+                  </a:schemeClr>
+                </a:solidFill>
+              </a:defRPr>
+            </a:lvl8pPr>
+            <a:lvl9pPr marL="3657600" indent="0">
+              <a:buNone/>
+              <a:defRPr sz="1400">
+                <a:solidFill>
+                  <a:schemeClr val="tx1">
+                    <a:tint val="75000"/>
+                  </a:schemeClr>
+                </a:solidFill>
+              </a:defRPr>
+            </a:lvl9pPr>
+          </a:lstStyle>
+          <a:p>
+            <a:pPr lvl="0"/>
+            <a:r>
+              <a:rPr lang="en-US" smtClean="0"/>
+              <a:t>Click to edit Master text styles</a:t>
+            </a:r>
+          </a:p>
+        </p:txBody>
+      </p:sp>
+      <p:sp>
+        <p:nvSpPr>
+          <p:cNvPr id="3" name="Text Placeholder 2"/>
+          <p:cNvSpPr>
+            <a:spLocks noGrp="1"/>
+          </p:cNvSpPr>
+          <p:nvPr>
+            <p:ph type="body" idx="1"/>
+          </p:nvPr>
+        </p:nvSpPr>
+        <p:spPr>
+          <a:xfrm>
+            <a:off x="1295401" y="4529667"/>
+            <a:ext cx="9609668" cy="1346200"/>
+          </a:xfrm>
+        </p:spPr>
+        <p:txBody>
+          <a:bodyPr anchor="t">
+            <a:normAutofit/>
+          </a:bodyPr>
+          <a:lstStyle>
+            <a:lvl1pPr marL="0" indent="0" algn="l">
+              <a:buNone/>
+              <a:defRPr sz="1800">
+                <a:solidFill>
+                  <a:schemeClr val="tx1"/>
+                </a:solidFill>
+              </a:defRPr>
+            </a:lvl1pPr>
+            <a:lvl2pPr marL="457200" indent="0">
+              <a:buNone/>
+              <a:defRPr sz="1800">
+                <a:solidFill>
+                  <a:schemeClr val="tx1">
+                    <a:tint val="75000"/>
+                  </a:schemeClr>
+                </a:solidFill>
+              </a:defRPr>
+            </a:lvl2pPr>
+            <a:lvl3pPr marL="914400" indent="0">
+              <a:buNone/>
+              <a:defRPr sz="1600">
+                <a:solidFill>
+                  <a:schemeClr val="tx1">
+                    <a:tint val="75000"/>
+                  </a:schemeClr>
+                </a:solidFill>
+              </a:defRPr>
+            </a:lvl3pPr>
+            <a:lvl4pPr marL="1371600" indent="0">
+              <a:buNone/>
+              <a:defRPr sz="1400">
+                <a:solidFill>
+                  <a:schemeClr val="tx1">
+                    <a:tint val="75000"/>
+                  </a:schemeClr>
+                </a:solidFill>
+              </a:defRPr>
+            </a:lvl4pPr>
+            <a:lvl5pPr marL="1828800" indent="0">
+              <a:buNone/>
+              <a:defRPr sz="1400">
+                <a:solidFill>
+                  <a:schemeClr val="tx1">
+                    <a:tint val="75000"/>
+                  </a:schemeClr>
+                </a:solidFill>
+              </a:defRPr>
+            </a:lvl5pPr>
+            <a:lvl6pPr marL="2286000" indent="0">
+              <a:buNone/>
+              <a:defRPr sz="1400">
+                <a:solidFill>
+                  <a:schemeClr val="tx1">
+                    <a:tint val="75000"/>
+                  </a:schemeClr>
+                </a:solidFill>
+              </a:defRPr>
+            </a:lvl6pPr>
+            <a:lvl7pPr marL="2743200" indent="0">
+              <a:buNone/>
+              <a:defRPr sz="1400">
+                <a:solidFill>
+                  <a:schemeClr val="tx1">
+                    <a:tint val="75000"/>
+                  </a:schemeClr>
+                </a:solidFill>
+              </a:defRPr>
+            </a:lvl7pPr>
+            <a:lvl8pPr marL="3200400" indent="0">
+              <a:buNone/>
+              <a:defRPr sz="1400">
+                <a:solidFill>
+                  <a:schemeClr val="tx1">
+                    <a:tint val="75000"/>
+                  </a:schemeClr>
+                </a:solidFill>
+              </a:defRPr>
+            </a:lvl8pPr>
+            <a:lvl9pPr marL="3657600" indent="0">
+              <a:buNone/>
+              <a:defRPr sz="1400">
+                <a:solidFill>
+                  <a:schemeClr val="tx1">
+                    <a:tint val="75000"/>
+                  </a:schemeClr>
+                </a:solidFill>
+              </a:defRPr>
+            </a:lvl9pPr>
+          </a:lstStyle>
+          <a:p>
+            <a:pPr lvl="0"/>
+            <a:r>
+              <a:rPr lang="en-US" smtClean="0"/>
+              <a:t>Click to edit Master text styles</a:t>
+            </a:r>
+          </a:p>
+        </p:txBody>
+      </p:sp>
+      <p:sp>
+        <p:nvSpPr>
+          <p:cNvPr id="4" name="Date Placeholder 3"/>
+          <p:cNvSpPr>
+            <a:spLocks noGrp="1"/>
+          </p:cNvSpPr>
+          <p:nvPr>
+            <p:ph type="dt" sz="half" idx="10"/>
+          </p:nvPr>
+        </p:nvSpPr>
+        <p:spPr/>
+        <p:txBody>
+          <a:bodyPr/>
+          <a:lstStyle/>
+          <a:p>
+            <a:fld id="{115C48E2-7E56-40C8-9685-3F8DF3CF180A}" type="datetimeFigureOut">
+              <a:rPr lang="en-GB" smtClean="0"/>
+              <a:t>02/12/2017</a:t>
+            </a:fld>
+            <a:endParaRPr lang="en-GB"/>
+          </a:p>
+        </p:txBody>
+      </p:sp>
+      <p:sp>
+        <p:nvSpPr>
+          <p:cNvPr id="5" name="Footer Placeholder 4"/>
+          <p:cNvSpPr>
+            <a:spLocks noGrp="1"/>
+          </p:cNvSpPr>
+          <p:nvPr>
+            <p:ph type="ftr" sz="quarter" idx="11"/>
+          </p:nvPr>
+        </p:nvSpPr>
+        <p:spPr/>
+        <p:txBody>
+          <a:bodyPr/>
+          <a:lstStyle/>
+          <a:p>
+            <a:endParaRPr lang="en-GB"/>
+          </a:p>
+        </p:txBody>
+      </p:sp>
+      <p:sp>
+        <p:nvSpPr>
+          <p:cNvPr id="6" name="Slide Number Placeholder 5"/>
+          <p:cNvSpPr>
+            <a:spLocks noGrp="1"/>
+          </p:cNvSpPr>
+          <p:nvPr>
+            <p:ph type="sldNum" sz="quarter" idx="12"/>
+          </p:nvPr>
+        </p:nvSpPr>
+        <p:spPr/>
+        <p:txBody>
+          <a:bodyPr/>
+          <a:lstStyle/>
+          <a:p>
+            <a:fld id="{6DEC3507-703F-452A-A720-EA9FF730F3F5}" type="slidenum">
+              <a:rPr lang="en-GB" smtClean="0"/>
+              <a:t>‹#›</a:t>
+            </a:fld>
+            <a:endParaRPr lang="en-GB"/>
+          </a:p>
+        </p:txBody>
+      </p:sp>
+      <p:sp>
+        <p:nvSpPr>
+          <p:cNvPr id="12" name="TextBox 11"/>
+          <p:cNvSpPr txBox="1"/>
+          <p:nvPr/>
+        </p:nvSpPr>
+        <p:spPr>
+          <a:xfrm>
+            <a:off x="862013" y="879961"/>
+            <a:ext cx="609600" cy="584776"/>
+          </a:xfrm>
+          <a:prstGeom prst="rect">
+            <a:avLst/>
+          </a:prstGeom>
+        </p:spPr>
+        <p:txBody>
+          <a:bodyPr vert="horz" lIns="91440" tIns="45720" rIns="91440" bIns="45720" rtlCol="0" anchor="ctr">
+            <a:noAutofit/>
+          </a:bodyPr>
+          <a:lstStyle/>
+          <a:p>
+            <a:pPr lvl="0"/>
+            <a:r>
+              <a:rPr lang="en-US" sz="8000" dirty="0">
+                <a:solidFill>
+                  <a:schemeClr val="tx1"/>
+                </a:solidFill>
+                <a:effectLst/>
+              </a:rPr>
+              <a:t>“</a:t>
+            </a:r>
+          </a:p>
+        </p:txBody>
+      </p:sp>
+      <p:sp>
+        <p:nvSpPr>
+          <p:cNvPr id="13" name="TextBox 12"/>
+          <p:cNvSpPr txBox="1"/>
+          <p:nvPr/>
+        </p:nvSpPr>
+        <p:spPr>
+          <a:xfrm>
+            <a:off x="10600267" y="2599261"/>
+            <a:ext cx="609600" cy="584776"/>
+          </a:xfrm>
+          <a:prstGeom prst="rect">
+            <a:avLst/>
+          </a:prstGeom>
+        </p:spPr>
+        <p:txBody>
+          <a:bodyPr vert="horz" lIns="91440" tIns="45720" rIns="91440" bIns="45720" rtlCol="0" anchor="ctr">
+            <a:noAutofit/>
+          </a:bodyPr>
+          <a:lstStyle/>
+          <a:p>
+            <a:pPr lvl="0" algn="r"/>
+            <a:r>
+              <a:rPr lang="en-US" sz="8000" dirty="0">
+                <a:solidFill>
+                  <a:schemeClr val="tx1"/>
+                </a:solidFill>
+                <a:effectLst/>
+              </a:rPr>
+              <a:t>”</a:t>
+            </a:r>
+          </a:p>
+        </p:txBody>
+      </p:sp>
+      <p:cxnSp>
+        <p:nvCxnSpPr>
+          <p:cNvPr id="26" name="Straight Connector 25"/>
+          <p:cNvCxnSpPr/>
+          <p:nvPr/>
+        </p:nvCxnSpPr>
+        <p:spPr>
+          <a:xfrm>
+            <a:off x="1396169" y="3429000"/>
+            <a:ext cx="9407298" cy="0"/>
+          </a:xfrm>
+          <a:prstGeom prst="line">
+            <a:avLst/>
+          </a:prstGeom>
+          <a:ln w="15875"/>
+        </p:spPr>
+        <p:style>
+          <a:lnRef idx="2">
+            <a:schemeClr val="accent1"/>
+          </a:lnRef>
+          <a:fillRef idx="0">
+            <a:schemeClr val="accent1"/>
+          </a:fillRef>
+          <a:effectRef idx="1">
+            <a:schemeClr val="accent1"/>
+          </a:effectRef>
+          <a:fontRef idx="minor">
+            <a:schemeClr val="tx1"/>
+          </a:fontRef>
+        </p:style>
+      </p:cxnSp>
+    </p:spTree>
+    <p:extLst>
+      <p:ext uri="{BB962C8B-B14F-4D97-AF65-F5344CB8AC3E}">
+        <p14:creationId xmlns:p14="http://schemas.microsoft.com/office/powerpoint/2010/main" val="1164691528"/>
+      </p:ext>
+    </p:extLst>
+  </p:cSld>
+  <p:clrMapOvr>
+    <a:masterClrMapping/>
+  </p:clrMapOvr>
+</p:sldLayout>
+</file>
+
+<file path=ppt/slideLayouts/slideLayout15.xml><?xml version="1.0" encoding="utf-8"?>
+<p:sldLayout xmlns:a="http://schemas.openxmlformats.org/drawingml/2006/main" xmlns:r="http://schemas.openxmlformats.org/officeDocument/2006/relationships" xmlns:p="http://schemas.openxmlformats.org/presentationml/2006/main" preserve="1">
+  <p:cSld name="True or False">
+    <p:spTree>
+      <p:nvGrpSpPr>
+        <p:cNvPr id="1" name=""/>
+        <p:cNvGrpSpPr/>
+        <p:nvPr/>
+      </p:nvGrpSpPr>
+      <p:grpSpPr>
+        <a:xfrm>
+          <a:off x="0" y="0"/>
+          <a:ext cx="0" cy="0"/>
+          <a:chOff x="0" y="0"/>
+          <a:chExt cx="0" cy="0"/>
+        </a:xfrm>
+      </p:grpSpPr>
+      <p:sp>
+        <p:nvSpPr>
+          <p:cNvPr id="2" name="Title 1"/>
+          <p:cNvSpPr>
+            <a:spLocks noGrp="1"/>
+          </p:cNvSpPr>
+          <p:nvPr>
+            <p:ph type="title"/>
+          </p:nvPr>
+        </p:nvSpPr>
+        <p:spPr>
+          <a:xfrm>
+            <a:off x="1295401" y="982132"/>
+            <a:ext cx="9609666" cy="2243668"/>
+          </a:xfrm>
+        </p:spPr>
+        <p:txBody>
+          <a:bodyPr vert="horz" lIns="91440" tIns="45720" rIns="91440" bIns="45720" rtlCol="0" anchor="ctr">
+            <a:normAutofit/>
+          </a:bodyPr>
+          <a:lstStyle>
+            <a:lvl1pPr>
+              <a:defRPr lang="en-US" b="0" dirty="0"/>
+            </a:lvl1pPr>
+          </a:lstStyle>
+          <a:p>
+            <a:pPr marL="0" lvl="0"/>
+            <a:r>
+              <a:rPr lang="en-US" smtClean="0"/>
+              <a:t>Click to edit Master title style</a:t>
+            </a:r>
+            <a:endParaRPr lang="en-US" dirty="0"/>
+          </a:p>
+        </p:txBody>
+      </p:sp>
+      <p:sp>
+        <p:nvSpPr>
+          <p:cNvPr id="20" name="Text Placeholder 2"/>
+          <p:cNvSpPr>
+            <a:spLocks noGrp="1"/>
+          </p:cNvSpPr>
+          <p:nvPr>
+            <p:ph type="body" idx="13"/>
+          </p:nvPr>
+        </p:nvSpPr>
+        <p:spPr>
+          <a:xfrm>
+            <a:off x="1295401" y="3630168"/>
+            <a:ext cx="9609668" cy="841248"/>
+          </a:xfrm>
+        </p:spPr>
+        <p:txBody>
+          <a:bodyPr anchor="b">
+            <a:normAutofit/>
+          </a:bodyPr>
+          <a:lstStyle>
+            <a:lvl1pPr marL="0" indent="0" algn="l">
+              <a:spcBef>
+                <a:spcPts val="0"/>
+              </a:spcBef>
+              <a:buNone/>
+              <a:defRPr sz="2800">
+                <a:solidFill>
+                  <a:schemeClr val="tx1"/>
+                </a:solidFill>
+              </a:defRPr>
+            </a:lvl1pPr>
+            <a:lvl2pPr marL="457200" indent="0">
+              <a:buNone/>
+              <a:defRPr sz="1800">
+                <a:solidFill>
+                  <a:schemeClr val="tx1">
+                    <a:tint val="75000"/>
+                  </a:schemeClr>
+                </a:solidFill>
+              </a:defRPr>
+            </a:lvl2pPr>
+            <a:lvl3pPr marL="914400" indent="0">
+              <a:buNone/>
+              <a:defRPr sz="1600">
+                <a:solidFill>
+                  <a:schemeClr val="tx1">
+                    <a:tint val="75000"/>
+                  </a:schemeClr>
+                </a:solidFill>
+              </a:defRPr>
+            </a:lvl3pPr>
+            <a:lvl4pPr marL="1371600" indent="0">
+              <a:buNone/>
+              <a:defRPr sz="1400">
+                <a:solidFill>
+                  <a:schemeClr val="tx1">
+                    <a:tint val="75000"/>
+                  </a:schemeClr>
+                </a:solidFill>
+              </a:defRPr>
+            </a:lvl4pPr>
+            <a:lvl5pPr marL="1828800" indent="0">
+              <a:buNone/>
+              <a:defRPr sz="1400">
+                <a:solidFill>
+                  <a:schemeClr val="tx1">
+                    <a:tint val="75000"/>
+                  </a:schemeClr>
+                </a:solidFill>
+              </a:defRPr>
+            </a:lvl5pPr>
+            <a:lvl6pPr marL="2286000" indent="0">
+              <a:buNone/>
+              <a:defRPr sz="1400">
+                <a:solidFill>
+                  <a:schemeClr val="tx1">
+                    <a:tint val="75000"/>
+                  </a:schemeClr>
+                </a:solidFill>
+              </a:defRPr>
+            </a:lvl6pPr>
+            <a:lvl7pPr marL="2743200" indent="0">
+              <a:buNone/>
+              <a:defRPr sz="1400">
+                <a:solidFill>
+                  <a:schemeClr val="tx1">
+                    <a:tint val="75000"/>
+                  </a:schemeClr>
+                </a:solidFill>
+              </a:defRPr>
+            </a:lvl7pPr>
+            <a:lvl8pPr marL="3200400" indent="0">
+              <a:buNone/>
+              <a:defRPr sz="1400">
+                <a:solidFill>
+                  <a:schemeClr val="tx1">
+                    <a:tint val="75000"/>
+                  </a:schemeClr>
+                </a:solidFill>
+              </a:defRPr>
+            </a:lvl8pPr>
+            <a:lvl9pPr marL="3657600" indent="0">
+              <a:buNone/>
+              <a:defRPr sz="1400">
+                <a:solidFill>
+                  <a:schemeClr val="tx1">
+                    <a:tint val="75000"/>
+                  </a:schemeClr>
+                </a:solidFill>
+              </a:defRPr>
+            </a:lvl9pPr>
+          </a:lstStyle>
+          <a:p>
+            <a:pPr lvl="0"/>
+            <a:r>
+              <a:rPr lang="en-US" smtClean="0"/>
+              <a:t>Click to edit Master text styles</a:t>
+            </a:r>
+          </a:p>
+        </p:txBody>
+      </p:sp>
+      <p:sp>
+        <p:nvSpPr>
+          <p:cNvPr id="3" name="Text Placeholder 2"/>
+          <p:cNvSpPr>
+            <a:spLocks noGrp="1"/>
+          </p:cNvSpPr>
+          <p:nvPr>
+            <p:ph type="body" idx="1"/>
+          </p:nvPr>
+        </p:nvSpPr>
+        <p:spPr>
+          <a:xfrm>
+            <a:off x="1295400" y="4470399"/>
+            <a:ext cx="9609670" cy="1405467"/>
+          </a:xfrm>
+        </p:spPr>
+        <p:txBody>
+          <a:bodyPr anchor="t">
+            <a:normAutofit/>
+          </a:bodyPr>
+          <a:lstStyle>
+            <a:lvl1pPr marL="0" indent="0" algn="l">
+              <a:buNone/>
+              <a:defRPr sz="1800">
+                <a:solidFill>
+                  <a:schemeClr val="tx1"/>
+                </a:solidFill>
+              </a:defRPr>
+            </a:lvl1pPr>
+            <a:lvl2pPr marL="457200" indent="0">
+              <a:buNone/>
+              <a:defRPr sz="1800">
+                <a:solidFill>
+                  <a:schemeClr val="tx1">
+                    <a:tint val="75000"/>
+                  </a:schemeClr>
+                </a:solidFill>
+              </a:defRPr>
+            </a:lvl2pPr>
+            <a:lvl3pPr marL="914400" indent="0">
+              <a:buNone/>
+              <a:defRPr sz="1600">
+                <a:solidFill>
+                  <a:schemeClr val="tx1">
+                    <a:tint val="75000"/>
+                  </a:schemeClr>
+                </a:solidFill>
+              </a:defRPr>
+            </a:lvl3pPr>
+            <a:lvl4pPr marL="1371600" indent="0">
+              <a:buNone/>
+              <a:defRPr sz="1400">
+                <a:solidFill>
+                  <a:schemeClr val="tx1">
+                    <a:tint val="75000"/>
+                  </a:schemeClr>
+                </a:solidFill>
+              </a:defRPr>
+            </a:lvl4pPr>
+            <a:lvl5pPr marL="1828800" indent="0">
+              <a:buNone/>
+              <a:defRPr sz="1400">
+                <a:solidFill>
+                  <a:schemeClr val="tx1">
+                    <a:tint val="75000"/>
+                  </a:schemeClr>
+                </a:solidFill>
+              </a:defRPr>
+            </a:lvl5pPr>
+            <a:lvl6pPr marL="2286000" indent="0">
+              <a:buNone/>
+              <a:defRPr sz="1400">
+                <a:solidFill>
+                  <a:schemeClr val="tx1">
+                    <a:tint val="75000"/>
+                  </a:schemeClr>
+                </a:solidFill>
+              </a:defRPr>
+            </a:lvl6pPr>
+            <a:lvl7pPr marL="2743200" indent="0">
+              <a:buNone/>
+              <a:defRPr sz="1400">
+                <a:solidFill>
+                  <a:schemeClr val="tx1">
+                    <a:tint val="75000"/>
+                  </a:schemeClr>
+                </a:solidFill>
+              </a:defRPr>
+            </a:lvl7pPr>
+            <a:lvl8pPr marL="3200400" indent="0">
+              <a:buNone/>
+              <a:defRPr sz="1400">
+                <a:solidFill>
+                  <a:schemeClr val="tx1">
+                    <a:tint val="75000"/>
+                  </a:schemeClr>
+                </a:solidFill>
+              </a:defRPr>
+            </a:lvl8pPr>
+            <a:lvl9pPr marL="3657600" indent="0">
+              <a:buNone/>
+              <a:defRPr sz="1400">
+                <a:solidFill>
+                  <a:schemeClr val="tx1">
+                    <a:tint val="75000"/>
+                  </a:schemeClr>
+                </a:solidFill>
+              </a:defRPr>
+            </a:lvl9pPr>
+          </a:lstStyle>
+          <a:p>
+            <a:pPr lvl="0"/>
+            <a:r>
+              <a:rPr lang="en-US" smtClean="0"/>
+              <a:t>Click to edit Master text styles</a:t>
+            </a:r>
+          </a:p>
+        </p:txBody>
+      </p:sp>
+      <p:sp>
+        <p:nvSpPr>
+          <p:cNvPr id="4" name="Date Placeholder 3"/>
+          <p:cNvSpPr>
+            <a:spLocks noGrp="1"/>
+          </p:cNvSpPr>
+          <p:nvPr>
+            <p:ph type="dt" sz="half" idx="10"/>
+          </p:nvPr>
+        </p:nvSpPr>
+        <p:spPr/>
+        <p:txBody>
+          <a:bodyPr/>
+          <a:lstStyle/>
+          <a:p>
+            <a:fld id="{115C48E2-7E56-40C8-9685-3F8DF3CF180A}" type="datetimeFigureOut">
+              <a:rPr lang="en-GB" smtClean="0"/>
+              <a:t>02/12/2017</a:t>
+            </a:fld>
+            <a:endParaRPr lang="en-GB"/>
+          </a:p>
+        </p:txBody>
+      </p:sp>
+      <p:sp>
+        <p:nvSpPr>
+          <p:cNvPr id="5" name="Footer Placeholder 4"/>
+          <p:cNvSpPr>
+            <a:spLocks noGrp="1"/>
+          </p:cNvSpPr>
+          <p:nvPr>
+            <p:ph type="ftr" sz="quarter" idx="11"/>
+          </p:nvPr>
+        </p:nvSpPr>
+        <p:spPr/>
+        <p:txBody>
+          <a:bodyPr/>
+          <a:lstStyle/>
+          <a:p>
+            <a:endParaRPr lang="en-GB"/>
+          </a:p>
+        </p:txBody>
+      </p:sp>
+      <p:sp>
+        <p:nvSpPr>
+          <p:cNvPr id="6" name="Slide Number Placeholder 5"/>
+          <p:cNvSpPr>
+            <a:spLocks noGrp="1"/>
+          </p:cNvSpPr>
+          <p:nvPr>
+            <p:ph type="sldNum" sz="quarter" idx="12"/>
+          </p:nvPr>
+        </p:nvSpPr>
+        <p:spPr/>
+        <p:txBody>
+          <a:bodyPr/>
+          <a:lstStyle/>
+          <a:p>
+            <a:fld id="{6DEC3507-703F-452A-A720-EA9FF730F3F5}" type="slidenum">
+              <a:rPr lang="en-GB" smtClean="0"/>
+              <a:t>‹#›</a:t>
+            </a:fld>
+            <a:endParaRPr lang="en-GB"/>
+          </a:p>
+        </p:txBody>
+      </p:sp>
+      <p:cxnSp>
+        <p:nvCxnSpPr>
+          <p:cNvPr id="15" name="Straight Connector 14"/>
+          <p:cNvCxnSpPr/>
+          <p:nvPr/>
+        </p:nvCxnSpPr>
+        <p:spPr>
+          <a:xfrm>
+            <a:off x="1396169" y="3429000"/>
+            <a:ext cx="9407298" cy="0"/>
+          </a:xfrm>
+          <a:prstGeom prst="line">
+            <a:avLst/>
+          </a:prstGeom>
+          <a:ln w="15875"/>
+        </p:spPr>
+        <p:style>
+          <a:lnRef idx="2">
+            <a:schemeClr val="accent1"/>
+          </a:lnRef>
+          <a:fillRef idx="0">
+            <a:schemeClr val="accent1"/>
+          </a:fillRef>
+          <a:effectRef idx="1">
+            <a:schemeClr val="accent1"/>
+          </a:effectRef>
+          <a:fontRef idx="minor">
+            <a:schemeClr val="tx1"/>
+          </a:fontRef>
+        </p:style>
+      </p:cxnSp>
+    </p:spTree>
+    <p:extLst>
+      <p:ext uri="{BB962C8B-B14F-4D97-AF65-F5344CB8AC3E}">
+        <p14:creationId xmlns:p14="http://schemas.microsoft.com/office/powerpoint/2010/main" val="3615287835"/>
+      </p:ext>
+    </p:extLst>
+  </p:cSld>
+  <p:clrMapOvr>
+    <a:masterClrMapping/>
+  </p:clrMapOvr>
+</p:sldLayout>
+</file>
+
+<file path=ppt/slideLayouts/slideLayout16.xml><?xml version="1.0" encoding="utf-8"?>
 <p:sldLayout xmlns:a="http://schemas.openxmlformats.org/drawingml/2006/main" xmlns:r="http://schemas.openxmlformats.org/officeDocument/2006/relationships" xmlns:p="http://schemas.openxmlformats.org/presentationml/2006/main" type="vertTx" preserve="1">
   <p:cSld name="Title and Vertical Text">
     <p:spTree>
@@ -331,13 +2670,17 @@
         <p:spPr/>
         <p:txBody>
           <a:bodyPr/>
-          <a:lstStyle/>
+          <a:lstStyle>
+            <a:lvl1pPr algn="ctr">
+              <a:defRPr/>
+            </a:lvl1pPr>
+          </a:lstStyle>
           <a:p>
             <a:r>
               <a:rPr lang="en-US" smtClean="0"/>
               <a:t>Click to edit Master title style</a:t>
             </a:r>
-            <a:endParaRPr lang="en-GB"/>
+            <a:endParaRPr lang="en-US" dirty="0"/>
           </a:p>
         </p:txBody>
       </p:sp>
@@ -353,7 +2696,7 @@
         </p:nvSpPr>
         <p:spPr/>
         <p:txBody>
-          <a:bodyPr vert="eaVert"/>
+          <a:bodyPr vert="eaVert" anchor="t"/>
           <a:lstStyle/>
           <a:p>
             <a:pPr lvl="0"/>
@@ -389,7 +2732,7 @@
               <a:rPr lang="en-US" smtClean="0"/>
               <a:t>Fifth level</a:t>
             </a:r>
-            <a:endParaRPr lang="en-GB"/>
+            <a:endParaRPr lang="en-US" dirty="0"/>
           </a:p>
         </p:txBody>
       </p:sp>
@@ -410,7 +2753,7 @@
           <a:p>
             <a:fld id="{115C48E2-7E56-40C8-9685-3F8DF3CF180A}" type="datetimeFigureOut">
               <a:rPr lang="en-GB" smtClean="0"/>
-              <a:t>26/11/2017</a:t>
+              <a:t>02/12/2017</a:t>
             </a:fld>
             <a:endParaRPr lang="en-GB"/>
           </a:p>
@@ -458,10 +2801,41 @@
           </a:p>
         </p:txBody>
       </p:sp>
+      <p:cxnSp>
+        <p:nvCxnSpPr>
+          <p:cNvPr id="14" name="Straight Connector 13"/>
+          <p:cNvCxnSpPr/>
+          <p:nvPr/>
+        </p:nvCxnSpPr>
+        <p:spPr>
+          <a:xfrm>
+            <a:off x="1396169" y="2421466"/>
+            <a:ext cx="9407298" cy="0"/>
+          </a:xfrm>
+          <a:prstGeom prst="line">
+            <a:avLst/>
+          </a:prstGeom>
+          <a:ln w="15875"/>
+        </p:spPr>
+        <p:style>
+          <a:lnRef idx="2">
+            <a:schemeClr val="accent1"/>
+          </a:lnRef>
+          <a:fillRef idx="0">
+            <a:schemeClr val="accent1"/>
+          </a:fillRef>
+          <a:effectRef idx="1">
+            <a:schemeClr val="accent1"/>
+          </a:effectRef>
+          <a:fontRef idx="minor">
+            <a:schemeClr val="tx1"/>
+          </a:fontRef>
+        </p:style>
+      </p:cxnSp>
     </p:spTree>
     <p:extLst>
       <p:ext uri="{BB962C8B-B14F-4D97-AF65-F5344CB8AC3E}">
-        <p14:creationId xmlns:p14="http://schemas.microsoft.com/office/powerpoint/2010/main" val="488120755"/>
+        <p14:creationId xmlns:p14="http://schemas.microsoft.com/office/powerpoint/2010/main" val="3166232871"/>
       </p:ext>
     </p:extLst>
   </p:cSld>
@@ -471,7 +2845,7 @@
 </p:sldLayout>
 </file>
 
-<file path=ppt/slideLayouts/slideLayout11.xml><?xml version="1.0" encoding="utf-8"?>
+<file path=ppt/slideLayouts/slideLayout17.xml><?xml version="1.0" encoding="utf-8"?>
 <p:sldLayout xmlns:a="http://schemas.openxmlformats.org/drawingml/2006/main" xmlns:r="http://schemas.openxmlformats.org/officeDocument/2006/relationships" xmlns:p="http://schemas.openxmlformats.org/presentationml/2006/main" type="vertTitleAndTx" preserve="1">
   <p:cSld name="Vertical Title and Text">
     <p:spTree>
@@ -500,8 +2874,8 @@
         </p:nvSpPr>
         <p:spPr>
           <a:xfrm>
-            <a:off x="8724900" y="365125"/>
-            <a:ext cx="2628900" cy="5811838"/>
+            <a:off x="8999356" y="982131"/>
+            <a:ext cx="1890895" cy="4893735"/>
           </a:xfrm>
         </p:spPr>
         <p:txBody>
@@ -512,7 +2886,7 @@
               <a:rPr lang="en-US" smtClean="0"/>
               <a:t>Click to edit Master title style</a:t>
             </a:r>
-            <a:endParaRPr lang="en-GB"/>
+            <a:endParaRPr lang="en-US" dirty="0"/>
           </a:p>
         </p:txBody>
       </p:sp>
@@ -528,12 +2902,12 @@
         </p:nvSpPr>
         <p:spPr>
           <a:xfrm>
-            <a:off x="838200" y="365125"/>
-            <a:ext cx="7734300" cy="5811838"/>
+            <a:off x="1295398" y="982132"/>
+            <a:ext cx="7433025" cy="4893734"/>
           </a:xfrm>
         </p:spPr>
         <p:txBody>
-          <a:bodyPr vert="eaVert"/>
+          <a:bodyPr vert="eaVert" anchor="t"/>
           <a:lstStyle/>
           <a:p>
             <a:pPr lvl="0"/>
@@ -569,7 +2943,7 @@
               <a:rPr lang="en-US" smtClean="0"/>
               <a:t>Fifth level</a:t>
             </a:r>
-            <a:endParaRPr lang="en-GB"/>
+            <a:endParaRPr lang="en-US" dirty="0"/>
           </a:p>
         </p:txBody>
       </p:sp>
@@ -590,7 +2964,7 @@
           <a:p>
             <a:fld id="{115C48E2-7E56-40C8-9685-3F8DF3CF180A}" type="datetimeFigureOut">
               <a:rPr lang="en-GB" smtClean="0"/>
-              <a:t>26/11/2017</a:t>
+              <a:t>02/12/2017</a:t>
             </a:fld>
             <a:endParaRPr lang="en-GB"/>
           </a:p>
@@ -638,10 +3012,41 @@
           </a:p>
         </p:txBody>
       </p:sp>
+      <p:cxnSp>
+        <p:nvCxnSpPr>
+          <p:cNvPr id="14" name="Straight Connector 13"/>
+          <p:cNvCxnSpPr/>
+          <p:nvPr/>
+        </p:nvCxnSpPr>
+        <p:spPr>
+          <a:xfrm>
+            <a:off x="8863890" y="990600"/>
+            <a:ext cx="0" cy="4876800"/>
+          </a:xfrm>
+          <a:prstGeom prst="line">
+            <a:avLst/>
+          </a:prstGeom>
+          <a:ln w="15875"/>
+        </p:spPr>
+        <p:style>
+          <a:lnRef idx="2">
+            <a:schemeClr val="accent1"/>
+          </a:lnRef>
+          <a:fillRef idx="0">
+            <a:schemeClr val="accent1"/>
+          </a:fillRef>
+          <a:effectRef idx="1">
+            <a:schemeClr val="accent1"/>
+          </a:effectRef>
+          <a:fontRef idx="minor">
+            <a:schemeClr val="tx1"/>
+          </a:fontRef>
+        </p:style>
+      </p:cxnSp>
     </p:spTree>
     <p:extLst>
       <p:ext uri="{BB962C8B-B14F-4D97-AF65-F5344CB8AC3E}">
-        <p14:creationId xmlns:p14="http://schemas.microsoft.com/office/powerpoint/2010/main" val="3301720913"/>
+        <p14:creationId xmlns:p14="http://schemas.microsoft.com/office/powerpoint/2010/main" val="4193081573"/>
       </p:ext>
     </p:extLst>
   </p:cSld>
@@ -668,6 +3073,37 @@
           <a:chExt cx="0" cy="0"/>
         </a:xfrm>
       </p:grpSpPr>
+      <p:cxnSp>
+        <p:nvCxnSpPr>
+          <p:cNvPr id="7" name="Straight Connector 6"/>
+          <p:cNvCxnSpPr/>
+          <p:nvPr/>
+        </p:nvCxnSpPr>
+        <p:spPr>
+          <a:xfrm>
+            <a:off x="1396169" y="2421466"/>
+            <a:ext cx="9407298" cy="0"/>
+          </a:xfrm>
+          <a:prstGeom prst="line">
+            <a:avLst/>
+          </a:prstGeom>
+          <a:ln w="15875"/>
+        </p:spPr>
+        <p:style>
+          <a:lnRef idx="2">
+            <a:schemeClr val="accent1"/>
+          </a:lnRef>
+          <a:fillRef idx="0">
+            <a:schemeClr val="accent1"/>
+          </a:fillRef>
+          <a:effectRef idx="1">
+            <a:schemeClr val="accent1"/>
+          </a:effectRef>
+          <a:fontRef idx="minor">
+            <a:schemeClr val="tx1"/>
+          </a:fontRef>
+        </p:style>
+      </p:cxnSp>
       <p:sp>
         <p:nvSpPr>
           <p:cNvPr id="2" name="Title 1"/>
@@ -687,7 +3123,7 @@
               <a:rPr lang="en-US" smtClean="0"/>
               <a:t>Click to edit Master title style</a:t>
             </a:r>
-            <a:endParaRPr lang="en-GB"/>
+            <a:endParaRPr lang="en-US" dirty="0"/>
           </a:p>
         </p:txBody>
       </p:sp>
@@ -739,7 +3175,7 @@
               <a:rPr lang="en-US" smtClean="0"/>
               <a:t>Fifth level</a:t>
             </a:r>
-            <a:endParaRPr lang="en-GB"/>
+            <a:endParaRPr lang="en-US" dirty="0"/>
           </a:p>
         </p:txBody>
       </p:sp>
@@ -760,7 +3196,7 @@
           <a:p>
             <a:fld id="{115C48E2-7E56-40C8-9685-3F8DF3CF180A}" type="datetimeFigureOut">
               <a:rPr lang="en-GB" smtClean="0"/>
-              <a:t>26/11/2017</a:t>
+              <a:t>02/12/2017</a:t>
             </a:fld>
             <a:endParaRPr lang="en-GB"/>
           </a:p>
@@ -811,7 +3247,7 @@
     </p:spTree>
     <p:extLst>
       <p:ext uri="{BB962C8B-B14F-4D97-AF65-F5344CB8AC3E}">
-        <p14:creationId xmlns:p14="http://schemas.microsoft.com/office/powerpoint/2010/main" val="1544303082"/>
+        <p14:creationId xmlns:p14="http://schemas.microsoft.com/office/powerpoint/2010/main" val="39278873"/>
       </p:ext>
     </p:extLst>
   </p:cSld>
@@ -850,15 +3286,17 @@
         </p:nvSpPr>
         <p:spPr>
           <a:xfrm>
-            <a:off x="831850" y="1709738"/>
-            <a:ext cx="10515600" cy="2852737"/>
+            <a:off x="2015069" y="1752606"/>
+            <a:ext cx="8158688" cy="1822514"/>
           </a:xfrm>
         </p:spPr>
         <p:txBody>
-          <a:bodyPr anchor="b"/>
+          <a:bodyPr anchor="b">
+            <a:normAutofit/>
+          </a:bodyPr>
           <a:lstStyle>
-            <a:lvl1pPr>
-              <a:defRPr sz="6000"/>
+            <a:lvl1pPr algn="ctr">
+              <a:defRPr sz="4400" b="0" cap="none"/>
             </a:lvl1pPr>
           </a:lstStyle>
           <a:p>
@@ -866,7 +3304,7 @@
               <a:rPr lang="en-US" smtClean="0"/>
               <a:t>Click to edit Master title style</a:t>
             </a:r>
-            <a:endParaRPr lang="en-GB"/>
+            <a:endParaRPr lang="en-US" dirty="0"/>
           </a:p>
         </p:txBody>
       </p:sp>
@@ -882,26 +3320,26 @@
         </p:nvSpPr>
         <p:spPr>
           <a:xfrm>
-            <a:off x="831850" y="4589463"/>
-            <a:ext cx="10515600" cy="1500187"/>
+            <a:off x="2015067" y="3846051"/>
+            <a:ext cx="8158690" cy="954547"/>
           </a:xfrm>
         </p:spPr>
         <p:txBody>
-          <a:bodyPr/>
+          <a:bodyPr anchor="t">
+            <a:normAutofit/>
+          </a:bodyPr>
           <a:lstStyle>
-            <a:lvl1pPr marL="0" indent="0">
+            <a:lvl1pPr marL="0" indent="0" algn="ctr">
               <a:buNone/>
               <a:defRPr sz="2400">
                 <a:solidFill>
-                  <a:schemeClr val="tx1">
-                    <a:tint val="75000"/>
-                  </a:schemeClr>
+                  <a:schemeClr val="tx1"/>
                 </a:solidFill>
               </a:defRPr>
             </a:lvl1pPr>
             <a:lvl2pPr marL="457200" indent="0">
               <a:buNone/>
-              <a:defRPr sz="2000">
+              <a:defRPr sz="1800">
                 <a:solidFill>
                   <a:schemeClr val="tx1">
                     <a:tint val="75000"/>
@@ -911,7 +3349,7 @@
             </a:lvl2pPr>
             <a:lvl3pPr marL="914400" indent="0">
               <a:buNone/>
-              <a:defRPr sz="1800">
+              <a:defRPr sz="1600">
                 <a:solidFill>
                   <a:schemeClr val="tx1">
                     <a:tint val="75000"/>
@@ -921,7 +3359,7 @@
             </a:lvl3pPr>
             <a:lvl4pPr marL="1371600" indent="0">
               <a:buNone/>
-              <a:defRPr sz="1600">
+              <a:defRPr sz="1400">
                 <a:solidFill>
                   <a:schemeClr val="tx1">
                     <a:tint val="75000"/>
@@ -931,7 +3369,7 @@
             </a:lvl4pPr>
             <a:lvl5pPr marL="1828800" indent="0">
               <a:buNone/>
-              <a:defRPr sz="1600">
+              <a:defRPr sz="1400">
                 <a:solidFill>
                   <a:schemeClr val="tx1">
                     <a:tint val="75000"/>
@@ -941,7 +3379,7 @@
             </a:lvl5pPr>
             <a:lvl6pPr marL="2286000" indent="0">
               <a:buNone/>
-              <a:defRPr sz="1600">
+              <a:defRPr sz="1400">
                 <a:solidFill>
                   <a:schemeClr val="tx1">
                     <a:tint val="75000"/>
@@ -951,7 +3389,7 @@
             </a:lvl6pPr>
             <a:lvl7pPr marL="2743200" indent="0">
               <a:buNone/>
-              <a:defRPr sz="1600">
+              <a:defRPr sz="1400">
                 <a:solidFill>
                   <a:schemeClr val="tx1">
                     <a:tint val="75000"/>
@@ -961,7 +3399,7 @@
             </a:lvl7pPr>
             <a:lvl8pPr marL="3200400" indent="0">
               <a:buNone/>
-              <a:defRPr sz="1600">
+              <a:defRPr sz="1400">
                 <a:solidFill>
                   <a:schemeClr val="tx1">
                     <a:tint val="75000"/>
@@ -971,7 +3409,7 @@
             </a:lvl8pPr>
             <a:lvl9pPr marL="3657600" indent="0">
               <a:buNone/>
-              <a:defRPr sz="1600">
+              <a:defRPr sz="1400">
                 <a:solidFill>
                   <a:schemeClr val="tx1">
                     <a:tint val="75000"/>
@@ -1006,7 +3444,7 @@
           <a:p>
             <a:fld id="{115C48E2-7E56-40C8-9685-3F8DF3CF180A}" type="datetimeFigureOut">
               <a:rPr lang="en-GB" smtClean="0"/>
-              <a:t>26/11/2017</a:t>
+              <a:t>02/12/2017</a:t>
             </a:fld>
             <a:endParaRPr lang="en-GB"/>
           </a:p>
@@ -1054,10 +3492,41 @@
           </a:p>
         </p:txBody>
       </p:sp>
+      <p:cxnSp>
+        <p:nvCxnSpPr>
+          <p:cNvPr id="16" name="Straight Connector 15"/>
+          <p:cNvCxnSpPr/>
+          <p:nvPr/>
+        </p:nvCxnSpPr>
+        <p:spPr>
+          <a:xfrm>
+            <a:off x="2012723" y="3710585"/>
+            <a:ext cx="8163380" cy="0"/>
+          </a:xfrm>
+          <a:prstGeom prst="line">
+            <a:avLst/>
+          </a:prstGeom>
+          <a:ln w="15875"/>
+        </p:spPr>
+        <p:style>
+          <a:lnRef idx="2">
+            <a:schemeClr val="accent1"/>
+          </a:lnRef>
+          <a:fillRef idx="0">
+            <a:schemeClr val="accent1"/>
+          </a:fillRef>
+          <a:effectRef idx="1">
+            <a:schemeClr val="accent1"/>
+          </a:effectRef>
+          <a:fontRef idx="minor">
+            <a:schemeClr val="tx1"/>
+          </a:fontRef>
+        </p:style>
+      </p:cxnSp>
     </p:spTree>
     <p:extLst>
       <p:ext uri="{BB962C8B-B14F-4D97-AF65-F5344CB8AC3E}">
-        <p14:creationId xmlns:p14="http://schemas.microsoft.com/office/powerpoint/2010/main" val="4104749917"/>
+        <p14:creationId xmlns:p14="http://schemas.microsoft.com/office/powerpoint/2010/main" val="2150010184"/>
       </p:ext>
     </p:extLst>
   </p:cSld>
@@ -1084,47 +3553,80 @@
           <a:chExt cx="0" cy="0"/>
         </a:xfrm>
       </p:grpSpPr>
-      <p:sp>
-        <p:nvSpPr>
-          <p:cNvPr id="2" name="Title 1"/>
-          <p:cNvSpPr>
-            <a:spLocks noGrp="1"/>
-          </p:cNvSpPr>
-          <p:nvPr>
-            <p:ph type="title"/>
-          </p:nvPr>
-        </p:nvSpPr>
-        <p:spPr/>
-        <p:txBody>
-          <a:bodyPr/>
-          <a:lstStyle/>
-          <a:p>
-            <a:r>
-              <a:rPr lang="en-US" smtClean="0"/>
-              <a:t>Click to edit Master title style</a:t>
-            </a:r>
-            <a:endParaRPr lang="en-GB"/>
-          </a:p>
-        </p:txBody>
-      </p:sp>
-      <p:sp>
-        <p:nvSpPr>
-          <p:cNvPr id="3" name="Content Placeholder 2"/>
-          <p:cNvSpPr>
-            <a:spLocks noGrp="1"/>
-          </p:cNvSpPr>
-          <p:nvPr>
-            <p:ph sz="half" idx="1"/>
-          </p:nvPr>
-        </p:nvSpPr>
+      <p:cxnSp>
+        <p:nvCxnSpPr>
+          <p:cNvPr id="8" name="Straight Connector 7"/>
+          <p:cNvCxnSpPr/>
+          <p:nvPr/>
+        </p:nvCxnSpPr>
         <p:spPr>
           <a:xfrm>
-            <a:off x="838200" y="1825625"/>
-            <a:ext cx="5181600" cy="4351338"/>
+            <a:off x="1396169" y="2421466"/>
+            <a:ext cx="9407298" cy="0"/>
+          </a:xfrm>
+          <a:prstGeom prst="line">
+            <a:avLst/>
+          </a:prstGeom>
+          <a:ln w="15875"/>
+        </p:spPr>
+        <p:style>
+          <a:lnRef idx="2">
+            <a:schemeClr val="accent1"/>
+          </a:lnRef>
+          <a:fillRef idx="0">
+            <a:schemeClr val="accent1"/>
+          </a:fillRef>
+          <a:effectRef idx="1">
+            <a:schemeClr val="accent1"/>
+          </a:effectRef>
+          <a:fontRef idx="minor">
+            <a:schemeClr val="tx1"/>
+          </a:fontRef>
+        </p:style>
+      </p:cxnSp>
+      <p:sp>
+        <p:nvSpPr>
+          <p:cNvPr id="2" name="Title 1"/>
+          <p:cNvSpPr>
+            <a:spLocks noGrp="1"/>
+          </p:cNvSpPr>
+          <p:nvPr>
+            <p:ph type="title"/>
+          </p:nvPr>
+        </p:nvSpPr>
+        <p:spPr/>
+        <p:txBody>
+          <a:bodyPr/>
+          <a:lstStyle/>
+          <a:p>
+            <a:r>
+              <a:rPr lang="en-US" smtClean="0"/>
+              <a:t>Click to edit Master title style</a:t>
+            </a:r>
+            <a:endParaRPr lang="en-US" dirty="0"/>
+          </a:p>
+        </p:txBody>
+      </p:sp>
+      <p:sp>
+        <p:nvSpPr>
+          <p:cNvPr id="3" name="Content Placeholder 2"/>
+          <p:cNvSpPr>
+            <a:spLocks noGrp="1"/>
+          </p:cNvSpPr>
+          <p:nvPr>
+            <p:ph sz="half" idx="1"/>
+          </p:nvPr>
+        </p:nvSpPr>
+        <p:spPr>
+          <a:xfrm>
+            <a:off x="1298448" y="2560320"/>
+            <a:ext cx="4718304" cy="3310128"/>
           </a:xfrm>
         </p:spPr>
         <p:txBody>
-          <a:bodyPr/>
+          <a:bodyPr>
+            <a:normAutofit/>
+          </a:bodyPr>
           <a:lstStyle/>
           <a:p>
             <a:pPr lvl="0"/>
@@ -1160,7 +3662,7 @@
               <a:rPr lang="en-US" smtClean="0"/>
               <a:t>Fifth level</a:t>
             </a:r>
-            <a:endParaRPr lang="en-GB"/>
+            <a:endParaRPr lang="en-US" dirty="0"/>
           </a:p>
         </p:txBody>
       </p:sp>
@@ -1176,12 +3678,14 @@
         </p:nvSpPr>
         <p:spPr>
           <a:xfrm>
-            <a:off x="6172200" y="1825625"/>
-            <a:ext cx="5181600" cy="4351338"/>
+            <a:off x="6181344" y="2560320"/>
+            <a:ext cx="4718304" cy="3310128"/>
           </a:xfrm>
         </p:spPr>
         <p:txBody>
-          <a:bodyPr/>
+          <a:bodyPr>
+            <a:normAutofit/>
+          </a:bodyPr>
           <a:lstStyle/>
           <a:p>
             <a:pPr lvl="0"/>
@@ -1217,7 +3721,7 @@
               <a:rPr lang="en-US" smtClean="0"/>
               <a:t>Fifth level</a:t>
             </a:r>
-            <a:endParaRPr lang="en-GB"/>
+            <a:endParaRPr lang="en-US" dirty="0"/>
           </a:p>
         </p:txBody>
       </p:sp>
@@ -1238,7 +3742,7 @@
           <a:p>
             <a:fld id="{115C48E2-7E56-40C8-9685-3F8DF3CF180A}" type="datetimeFigureOut">
               <a:rPr lang="en-GB" smtClean="0"/>
-              <a:t>26/11/2017</a:t>
+              <a:t>02/12/2017</a:t>
             </a:fld>
             <a:endParaRPr lang="en-GB"/>
           </a:p>
@@ -1289,7 +3793,7 @@
     </p:spTree>
     <p:extLst>
       <p:ext uri="{BB962C8B-B14F-4D97-AF65-F5344CB8AC3E}">
-        <p14:creationId xmlns:p14="http://schemas.microsoft.com/office/powerpoint/2010/main" val="2633437163"/>
+        <p14:creationId xmlns:p14="http://schemas.microsoft.com/office/powerpoint/2010/main" val="1001370804"/>
       </p:ext>
     </p:extLst>
   </p:cSld>
@@ -1326,46 +3830,57 @@
             <p:ph type="title"/>
           </p:nvPr>
         </p:nvSpPr>
+        <p:spPr/>
+        <p:txBody>
+          <a:bodyPr/>
+          <a:lstStyle>
+            <a:lvl1pPr>
+              <a:defRPr/>
+            </a:lvl1pPr>
+          </a:lstStyle>
+          <a:p>
+            <a:r>
+              <a:rPr lang="en-US" smtClean="0"/>
+              <a:t>Click to edit Master title style</a:t>
+            </a:r>
+            <a:endParaRPr lang="en-US" dirty="0"/>
+          </a:p>
+        </p:txBody>
+      </p:sp>
+      <p:sp>
+        <p:nvSpPr>
+          <p:cNvPr id="3" name="Text Placeholder 2"/>
+          <p:cNvSpPr>
+            <a:spLocks noGrp="1"/>
+          </p:cNvSpPr>
+          <p:nvPr>
+            <p:ph type="body" idx="1"/>
+          </p:nvPr>
+        </p:nvSpPr>
         <p:spPr>
           <a:xfrm>
-            <a:off x="839788" y="365125"/>
-            <a:ext cx="10515600" cy="1325563"/>
+            <a:off x="1295400" y="2658533"/>
+            <a:ext cx="4718304" cy="576262"/>
           </a:xfrm>
         </p:spPr>
         <p:txBody>
-          <a:bodyPr/>
-          <a:lstStyle/>
-          <a:p>
-            <a:r>
-              <a:rPr lang="en-US" smtClean="0"/>
-              <a:t>Click to edit Master title style</a:t>
-            </a:r>
-            <a:endParaRPr lang="en-GB"/>
-          </a:p>
-        </p:txBody>
-      </p:sp>
-      <p:sp>
-        <p:nvSpPr>
-          <p:cNvPr id="3" name="Text Placeholder 2"/>
-          <p:cNvSpPr>
-            <a:spLocks noGrp="1"/>
-          </p:cNvSpPr>
-          <p:nvPr>
-            <p:ph type="body" idx="1"/>
-          </p:nvPr>
-        </p:nvSpPr>
-        <p:spPr>
-          <a:xfrm>
-            <a:off x="839788" y="1681163"/>
-            <a:ext cx="5157787" cy="823912"/>
-          </a:xfrm>
-        </p:spPr>
-        <p:txBody>
-          <a:bodyPr anchor="b"/>
+          <a:bodyPr anchor="b">
+            <a:noAutofit/>
+          </a:bodyPr>
           <a:lstStyle>
             <a:lvl1pPr marL="0" indent="0">
-              <a:buNone/>
-              <a:defRPr sz="2400" b="1"/>
+              <a:spcBef>
+                <a:spcPts val="672"/>
+              </a:spcBef>
+              <a:spcAft>
+                <a:spcPts val="600"/>
+              </a:spcAft>
+              <a:buNone/>
+              <a:defRPr sz="2800" b="0">
+                <a:solidFill>
+                  <a:schemeClr val="accent1"/>
+                </a:solidFill>
+              </a:defRPr>
             </a:lvl1pPr>
             <a:lvl2pPr marL="457200" indent="0">
               <a:buNone/>
@@ -1421,12 +3936,14 @@
         </p:nvSpPr>
         <p:spPr>
           <a:xfrm>
-            <a:off x="839788" y="2505075"/>
-            <a:ext cx="5157787" cy="3684588"/>
+            <a:off x="1295400" y="3243262"/>
+            <a:ext cx="4718304" cy="2632605"/>
           </a:xfrm>
         </p:spPr>
         <p:txBody>
-          <a:bodyPr/>
+          <a:bodyPr anchor="t">
+            <a:normAutofit/>
+          </a:bodyPr>
           <a:lstStyle/>
           <a:p>
             <a:pPr lvl="0"/>
@@ -1462,7 +3979,7 @@
               <a:rPr lang="en-US" smtClean="0"/>
               <a:t>Fifth level</a:t>
             </a:r>
-            <a:endParaRPr lang="en-GB"/>
+            <a:endParaRPr lang="en-US" dirty="0"/>
           </a:p>
         </p:txBody>
       </p:sp>
@@ -1478,16 +3995,28 @@
         </p:nvSpPr>
         <p:spPr>
           <a:xfrm>
-            <a:off x="6172200" y="1681163"/>
-            <a:ext cx="5183188" cy="823912"/>
+            <a:off x="6180670" y="2658533"/>
+            <a:ext cx="4718304" cy="576262"/>
           </a:xfrm>
         </p:spPr>
         <p:txBody>
-          <a:bodyPr anchor="b"/>
+          <a:bodyPr anchor="b">
+            <a:noAutofit/>
+          </a:bodyPr>
           <a:lstStyle>
             <a:lvl1pPr marL="0" indent="0">
-              <a:buNone/>
-              <a:defRPr sz="2400" b="1"/>
+              <a:spcBef>
+                <a:spcPts val="672"/>
+              </a:spcBef>
+              <a:spcAft>
+                <a:spcPts val="600"/>
+              </a:spcAft>
+              <a:buNone/>
+              <a:defRPr sz="2800" b="0">
+                <a:solidFill>
+                  <a:schemeClr val="accent1"/>
+                </a:solidFill>
+              </a:defRPr>
             </a:lvl1pPr>
             <a:lvl2pPr marL="457200" indent="0">
               <a:buNone/>
@@ -1543,12 +4072,14 @@
         </p:nvSpPr>
         <p:spPr>
           <a:xfrm>
-            <a:off x="6172200" y="2505075"/>
-            <a:ext cx="5183188" cy="3684588"/>
+            <a:off x="6180670" y="3243262"/>
+            <a:ext cx="4718304" cy="2632605"/>
           </a:xfrm>
         </p:spPr>
         <p:txBody>
-          <a:bodyPr/>
+          <a:bodyPr anchor="t">
+            <a:normAutofit/>
+          </a:bodyPr>
           <a:lstStyle/>
           <a:p>
             <a:pPr lvl="0"/>
@@ -1584,7 +4115,7 @@
               <a:rPr lang="en-US" smtClean="0"/>
               <a:t>Fifth level</a:t>
             </a:r>
-            <a:endParaRPr lang="en-GB"/>
+            <a:endParaRPr lang="en-US" dirty="0"/>
           </a:p>
         </p:txBody>
       </p:sp>
@@ -1605,7 +4136,7 @@
           <a:p>
             <a:fld id="{115C48E2-7E56-40C8-9685-3F8DF3CF180A}" type="datetimeFigureOut">
               <a:rPr lang="en-GB" smtClean="0"/>
-              <a:t>26/11/2017</a:t>
+              <a:t>02/12/2017</a:t>
             </a:fld>
             <a:endParaRPr lang="en-GB"/>
           </a:p>
@@ -1653,10 +4184,41 @@
           </a:p>
         </p:txBody>
       </p:sp>
+      <p:cxnSp>
+        <p:nvCxnSpPr>
+          <p:cNvPr id="18" name="Straight Connector 17"/>
+          <p:cNvCxnSpPr/>
+          <p:nvPr/>
+        </p:nvCxnSpPr>
+        <p:spPr>
+          <a:xfrm>
+            <a:off x="1396169" y="2421466"/>
+            <a:ext cx="9407298" cy="0"/>
+          </a:xfrm>
+          <a:prstGeom prst="line">
+            <a:avLst/>
+          </a:prstGeom>
+          <a:ln w="15875"/>
+        </p:spPr>
+        <p:style>
+          <a:lnRef idx="2">
+            <a:schemeClr val="accent1"/>
+          </a:lnRef>
+          <a:fillRef idx="0">
+            <a:schemeClr val="accent1"/>
+          </a:fillRef>
+          <a:effectRef idx="1">
+            <a:schemeClr val="accent1"/>
+          </a:effectRef>
+          <a:fontRef idx="minor">
+            <a:schemeClr val="tx1"/>
+          </a:fontRef>
+        </p:style>
+      </p:cxnSp>
     </p:spTree>
     <p:extLst>
       <p:ext uri="{BB962C8B-B14F-4D97-AF65-F5344CB8AC3E}">
-        <p14:creationId xmlns:p14="http://schemas.microsoft.com/office/powerpoint/2010/main" val="4099177672"/>
+        <p14:creationId xmlns:p14="http://schemas.microsoft.com/office/powerpoint/2010/main" val="1666491711"/>
       </p:ext>
     </p:extLst>
   </p:cSld>
@@ -1702,7 +4264,7 @@
               <a:rPr lang="en-US" smtClean="0"/>
               <a:t>Click to edit Master title style</a:t>
             </a:r>
-            <a:endParaRPr lang="en-GB"/>
+            <a:endParaRPr lang="en-US" dirty="0"/>
           </a:p>
         </p:txBody>
       </p:sp>
@@ -1723,7 +4285,7 @@
           <a:p>
             <a:fld id="{115C48E2-7E56-40C8-9685-3F8DF3CF180A}" type="datetimeFigureOut">
               <a:rPr lang="en-GB" smtClean="0"/>
-              <a:t>26/11/2017</a:t>
+              <a:t>02/12/2017</a:t>
             </a:fld>
             <a:endParaRPr lang="en-GB"/>
           </a:p>
@@ -1771,10 +4333,41 @@
           </a:p>
         </p:txBody>
       </p:sp>
+      <p:cxnSp>
+        <p:nvCxnSpPr>
+          <p:cNvPr id="14" name="Straight Connector 13"/>
+          <p:cNvCxnSpPr/>
+          <p:nvPr/>
+        </p:nvCxnSpPr>
+        <p:spPr>
+          <a:xfrm>
+            <a:off x="1396169" y="2421466"/>
+            <a:ext cx="9407298" cy="0"/>
+          </a:xfrm>
+          <a:prstGeom prst="line">
+            <a:avLst/>
+          </a:prstGeom>
+          <a:ln w="15875"/>
+        </p:spPr>
+        <p:style>
+          <a:lnRef idx="2">
+            <a:schemeClr val="accent1"/>
+          </a:lnRef>
+          <a:fillRef idx="0">
+            <a:schemeClr val="accent1"/>
+          </a:fillRef>
+          <a:effectRef idx="1">
+            <a:schemeClr val="accent1"/>
+          </a:effectRef>
+          <a:fontRef idx="minor">
+            <a:schemeClr val="tx1"/>
+          </a:fontRef>
+        </p:style>
+      </p:cxnSp>
     </p:spTree>
     <p:extLst>
       <p:ext uri="{BB962C8B-B14F-4D97-AF65-F5344CB8AC3E}">
-        <p14:creationId xmlns:p14="http://schemas.microsoft.com/office/powerpoint/2010/main" val="573362201"/>
+        <p14:creationId xmlns:p14="http://schemas.microsoft.com/office/powerpoint/2010/main" val="3636990717"/>
       </p:ext>
     </p:extLst>
   </p:cSld>
@@ -1818,7 +4411,7 @@
           <a:p>
             <a:fld id="{115C48E2-7E56-40C8-9685-3F8DF3CF180A}" type="datetimeFigureOut">
               <a:rPr lang="en-GB" smtClean="0"/>
-              <a:t>26/11/2017</a:t>
+              <a:t>02/12/2017</a:t>
             </a:fld>
             <a:endParaRPr lang="en-GB"/>
           </a:p>
@@ -1869,7 +4462,7 @@
     </p:spTree>
     <p:extLst>
       <p:ext uri="{BB962C8B-B14F-4D97-AF65-F5344CB8AC3E}">
-        <p14:creationId xmlns:p14="http://schemas.microsoft.com/office/powerpoint/2010/main" val="950650862"/>
+        <p14:creationId xmlns:p14="http://schemas.microsoft.com/office/powerpoint/2010/main" val="3777954257"/>
       </p:ext>
     </p:extLst>
   </p:cSld>
@@ -1908,15 +4501,17 @@
         </p:nvSpPr>
         <p:spPr>
           <a:xfrm>
-            <a:off x="839788" y="457200"/>
-            <a:ext cx="3932237" cy="1600200"/>
+            <a:off x="1293811" y="1388534"/>
+            <a:ext cx="3718455" cy="1371600"/>
           </a:xfrm>
         </p:spPr>
         <p:txBody>
-          <a:bodyPr anchor="b"/>
+          <a:bodyPr anchor="b">
+            <a:normAutofit/>
+          </a:bodyPr>
           <a:lstStyle>
-            <a:lvl1pPr>
-              <a:defRPr sz="3200"/>
+            <a:lvl1pPr algn="ctr">
+              <a:defRPr sz="2400" b="0"/>
             </a:lvl1pPr>
           </a:lstStyle>
           <a:p>
@@ -1924,7 +4519,7 @@
               <a:rPr lang="en-US" smtClean="0"/>
               <a:t>Click to edit Master title style</a:t>
             </a:r>
-            <a:endParaRPr lang="en-GB"/>
+            <a:endParaRPr lang="en-US" dirty="0"/>
           </a:p>
         </p:txBody>
       </p:sp>
@@ -1940,41 +4535,15 @@
         </p:nvSpPr>
         <p:spPr>
           <a:xfrm>
-            <a:off x="5183188" y="987425"/>
-            <a:ext cx="6172200" cy="4873625"/>
+            <a:off x="5418668" y="982131"/>
+            <a:ext cx="5469466" cy="4893735"/>
           </a:xfrm>
         </p:spPr>
         <p:txBody>
-          <a:bodyPr/>
-          <a:lstStyle>
-            <a:lvl1pPr>
-              <a:defRPr sz="3200"/>
-            </a:lvl1pPr>
-            <a:lvl2pPr>
-              <a:defRPr sz="2800"/>
-            </a:lvl2pPr>
-            <a:lvl3pPr>
-              <a:defRPr sz="2400"/>
-            </a:lvl3pPr>
-            <a:lvl4pPr>
-              <a:defRPr sz="2000"/>
-            </a:lvl4pPr>
-            <a:lvl5pPr>
-              <a:defRPr sz="2000"/>
-            </a:lvl5pPr>
-            <a:lvl6pPr>
-              <a:defRPr sz="2000"/>
-            </a:lvl6pPr>
-            <a:lvl7pPr>
-              <a:defRPr sz="2000"/>
-            </a:lvl7pPr>
-            <a:lvl8pPr>
-              <a:defRPr sz="2000"/>
-            </a:lvl8pPr>
-            <a:lvl9pPr>
-              <a:defRPr sz="2000"/>
-            </a:lvl9pPr>
-          </a:lstStyle>
+          <a:bodyPr anchor="ctr">
+            <a:normAutofit/>
+          </a:bodyPr>
+          <a:lstStyle/>
           <a:p>
             <a:pPr lvl="0"/>
             <a:r>
@@ -2009,7 +4578,7 @@
               <a:rPr lang="en-US" smtClean="0"/>
               <a:t>Fifth level</a:t>
             </a:r>
-            <a:endParaRPr lang="en-GB"/>
+            <a:endParaRPr lang="en-US" dirty="0"/>
           </a:p>
         </p:txBody>
       </p:sp>
@@ -2025,48 +4594,50 @@
         </p:nvSpPr>
         <p:spPr>
           <a:xfrm>
-            <a:off x="839788" y="2057400"/>
-            <a:ext cx="3932237" cy="3811588"/>
+            <a:off x="1293811" y="3031065"/>
+            <a:ext cx="3718455" cy="2438404"/>
           </a:xfrm>
         </p:spPr>
         <p:txBody>
-          <a:bodyPr/>
+          <a:bodyPr anchor="t">
+            <a:normAutofit/>
+          </a:bodyPr>
           <a:lstStyle>
-            <a:lvl1pPr marL="0" indent="0">
+            <a:lvl1pPr marL="0" indent="0" algn="ctr">
               <a:buNone/>
               <a:defRPr sz="1600"/>
             </a:lvl1pPr>
             <a:lvl2pPr marL="457200" indent="0">
               <a:buNone/>
-              <a:defRPr sz="1400"/>
+              <a:defRPr sz="1200"/>
             </a:lvl2pPr>
             <a:lvl3pPr marL="914400" indent="0">
               <a:buNone/>
-              <a:defRPr sz="1200"/>
+              <a:defRPr sz="1000"/>
             </a:lvl3pPr>
             <a:lvl4pPr marL="1371600" indent="0">
               <a:buNone/>
-              <a:defRPr sz="1000"/>
+              <a:defRPr sz="900"/>
             </a:lvl4pPr>
             <a:lvl5pPr marL="1828800" indent="0">
               <a:buNone/>
-              <a:defRPr sz="1000"/>
+              <a:defRPr sz="900"/>
             </a:lvl5pPr>
             <a:lvl6pPr marL="2286000" indent="0">
               <a:buNone/>
-              <a:defRPr sz="1000"/>
+              <a:defRPr sz="900"/>
             </a:lvl6pPr>
             <a:lvl7pPr marL="2743200" indent="0">
               <a:buNone/>
-              <a:defRPr sz="1000"/>
+              <a:defRPr sz="900"/>
             </a:lvl7pPr>
             <a:lvl8pPr marL="3200400" indent="0">
               <a:buNone/>
-              <a:defRPr sz="1000"/>
+              <a:defRPr sz="900"/>
             </a:lvl8pPr>
             <a:lvl9pPr marL="3657600" indent="0">
               <a:buNone/>
-              <a:defRPr sz="1000"/>
+              <a:defRPr sz="900"/>
             </a:lvl9pPr>
           </a:lstStyle>
           <a:p>
@@ -2095,7 +4666,7 @@
           <a:p>
             <a:fld id="{115C48E2-7E56-40C8-9685-3F8DF3CF180A}" type="datetimeFigureOut">
               <a:rPr lang="en-GB" smtClean="0"/>
-              <a:t>26/11/2017</a:t>
+              <a:t>02/12/2017</a:t>
             </a:fld>
             <a:endParaRPr lang="en-GB"/>
           </a:p>
@@ -2143,10 +4714,41 @@
           </a:p>
         </p:txBody>
       </p:sp>
+      <p:cxnSp>
+        <p:nvCxnSpPr>
+          <p:cNvPr id="16" name="Straight Connector 15"/>
+          <p:cNvCxnSpPr/>
+          <p:nvPr/>
+        </p:nvCxnSpPr>
+        <p:spPr>
+          <a:xfrm>
+            <a:off x="1396169" y="2912533"/>
+            <a:ext cx="3514498" cy="0"/>
+          </a:xfrm>
+          <a:prstGeom prst="line">
+            <a:avLst/>
+          </a:prstGeom>
+          <a:ln w="15875"/>
+        </p:spPr>
+        <p:style>
+          <a:lnRef idx="2">
+            <a:schemeClr val="accent1"/>
+          </a:lnRef>
+          <a:fillRef idx="0">
+            <a:schemeClr val="accent1"/>
+          </a:fillRef>
+          <a:effectRef idx="1">
+            <a:schemeClr val="accent1"/>
+          </a:effectRef>
+          <a:fontRef idx="minor">
+            <a:schemeClr val="tx1"/>
+          </a:fontRef>
+        </p:style>
+      </p:cxnSp>
     </p:spTree>
     <p:extLst>
       <p:ext uri="{BB962C8B-B14F-4D97-AF65-F5344CB8AC3E}">
-        <p14:creationId xmlns:p14="http://schemas.microsoft.com/office/powerpoint/2010/main" val="172816948"/>
+        <p14:creationId xmlns:p14="http://schemas.microsoft.com/office/powerpoint/2010/main" val="964398696"/>
       </p:ext>
     </p:extLst>
   </p:cSld>
@@ -2185,15 +4787,17 @@
         </p:nvSpPr>
         <p:spPr>
           <a:xfrm>
-            <a:off x="839788" y="457200"/>
-            <a:ext cx="3932237" cy="1600200"/>
+            <a:off x="1295399" y="1883832"/>
+            <a:ext cx="6241816" cy="1371600"/>
           </a:xfrm>
         </p:spPr>
         <p:txBody>
-          <a:bodyPr anchor="b"/>
+          <a:bodyPr anchor="b">
+            <a:normAutofit/>
+          </a:bodyPr>
           <a:lstStyle>
-            <a:lvl1pPr>
-              <a:defRPr sz="3200"/>
+            <a:lvl1pPr algn="ctr">
+              <a:defRPr sz="2800" b="0"/>
             </a:lvl1pPr>
           </a:lstStyle>
           <a:p>
@@ -2201,15 +4805,15 @@
               <a:rPr lang="en-US" smtClean="0"/>
               <a:t>Click to edit Master title style</a:t>
             </a:r>
-            <a:endParaRPr lang="en-GB"/>
-          </a:p>
-        </p:txBody>
-      </p:sp>
-      <p:sp>
-        <p:nvSpPr>
-          <p:cNvPr id="3" name="Picture Placeholder 2"/>
-          <p:cNvSpPr>
-            <a:spLocks noGrp="1"/>
+            <a:endParaRPr lang="en-US" dirty="0"/>
+          </a:p>
+        </p:txBody>
+      </p:sp>
+      <p:sp>
+        <p:nvSpPr>
+          <p:cNvPr id="17" name="Picture Placeholder 2"/>
+          <p:cNvSpPr>
+            <a:spLocks noGrp="1" noChangeAspect="1"/>
           </p:cNvSpPr>
           <p:nvPr>
             <p:ph type="pic" idx="1"/>
@@ -2217,112 +4821,141 @@
         </p:nvSpPr>
         <p:spPr>
           <a:xfrm>
-            <a:off x="5183188" y="987425"/>
-            <a:ext cx="6172200" cy="4873625"/>
+            <a:off x="8094831" y="1041400"/>
+            <a:ext cx="3063347" cy="4775200"/>
           </a:xfrm>
+          <a:prstGeom prst="roundRect">
+            <a:avLst>
+              <a:gd name="adj" fmla="val 0"/>
+            </a:avLst>
+          </a:prstGeom>
+          <a:ln w="57150" cmpd="thickThin">
+            <a:solidFill>
+              <a:schemeClr val="tx1">
+                <a:lumMod val="50000"/>
+                <a:lumOff val="50000"/>
+              </a:schemeClr>
+            </a:solidFill>
+            <a:miter lim="800000"/>
+          </a:ln>
+          <a:effectLst>
+            <a:innerShdw blurRad="57150" dist="38100" dir="14460000">
+              <a:srgbClr val="000000">
+                <a:alpha val="70000"/>
+              </a:srgbClr>
+            </a:innerShdw>
+          </a:effectLst>
         </p:spPr>
         <p:txBody>
-          <a:bodyPr/>
+          <a:bodyPr anchor="t">
+            <a:normAutofit/>
+          </a:bodyPr>
           <a:lstStyle>
-            <a:lvl1pPr marL="0" indent="0">
-              <a:buNone/>
-              <a:defRPr sz="3200"/>
-            </a:lvl1pPr>
-            <a:lvl2pPr marL="457200" indent="0">
-              <a:buNone/>
-              <a:defRPr sz="2800"/>
-            </a:lvl2pPr>
-            <a:lvl3pPr marL="914400" indent="0">
-              <a:buNone/>
-              <a:defRPr sz="2400"/>
-            </a:lvl3pPr>
-            <a:lvl4pPr marL="1371600" indent="0">
-              <a:buNone/>
-              <a:defRPr sz="2000"/>
-            </a:lvl4pPr>
-            <a:lvl5pPr marL="1828800" indent="0">
-              <a:buNone/>
-              <a:defRPr sz="2000"/>
-            </a:lvl5pPr>
-            <a:lvl6pPr marL="2286000" indent="0">
-              <a:buNone/>
-              <a:defRPr sz="2000"/>
-            </a:lvl6pPr>
-            <a:lvl7pPr marL="2743200" indent="0">
-              <a:buNone/>
-              <a:defRPr sz="2000"/>
-            </a:lvl7pPr>
-            <a:lvl8pPr marL="3200400" indent="0">
-              <a:buNone/>
-              <a:defRPr sz="2000"/>
-            </a:lvl8pPr>
-            <a:lvl9pPr marL="3657600" indent="0">
-              <a:buNone/>
-              <a:defRPr sz="2000"/>
-            </a:lvl9pPr>
-          </a:lstStyle>
-          <a:p>
-            <a:endParaRPr lang="en-GB"/>
-          </a:p>
-        </p:txBody>
-      </p:sp>
-      <p:sp>
-        <p:nvSpPr>
-          <p:cNvPr id="4" name="Text Placeholder 3"/>
-          <p:cNvSpPr>
-            <a:spLocks noGrp="1"/>
-          </p:cNvSpPr>
-          <p:nvPr>
-            <p:ph type="body" sz="half" idx="2"/>
-          </p:nvPr>
-        </p:nvSpPr>
-        <p:spPr>
-          <a:xfrm>
-            <a:off x="839788" y="2057400"/>
-            <a:ext cx="3932237" cy="3811588"/>
-          </a:xfrm>
-        </p:spPr>
-        <p:txBody>
-          <a:bodyPr/>
-          <a:lstStyle>
-            <a:lvl1pPr marL="0" indent="0">
+            <a:lvl1pPr marL="0" indent="0" algn="ctr">
               <a:buNone/>
               <a:defRPr sz="1600"/>
             </a:lvl1pPr>
             <a:lvl2pPr marL="457200" indent="0">
               <a:buNone/>
-              <a:defRPr sz="1400"/>
+              <a:defRPr sz="1600"/>
             </a:lvl2pPr>
             <a:lvl3pPr marL="914400" indent="0">
               <a:buNone/>
-              <a:defRPr sz="1200"/>
+              <a:defRPr sz="1600"/>
             </a:lvl3pPr>
             <a:lvl4pPr marL="1371600" indent="0">
               <a:buNone/>
-              <a:defRPr sz="1000"/>
+              <a:defRPr sz="1600"/>
             </a:lvl4pPr>
             <a:lvl5pPr marL="1828800" indent="0">
               <a:buNone/>
-              <a:defRPr sz="1000"/>
+              <a:defRPr sz="1600"/>
             </a:lvl5pPr>
             <a:lvl6pPr marL="2286000" indent="0">
               <a:buNone/>
-              <a:defRPr sz="1000"/>
+              <a:defRPr sz="1600"/>
             </a:lvl6pPr>
             <a:lvl7pPr marL="2743200" indent="0">
               <a:buNone/>
-              <a:defRPr sz="1000"/>
+              <a:defRPr sz="1600"/>
             </a:lvl7pPr>
             <a:lvl8pPr marL="3200400" indent="0">
               <a:buNone/>
-              <a:defRPr sz="1000"/>
+              <a:defRPr sz="1600"/>
             </a:lvl8pPr>
             <a:lvl9pPr marL="3657600" indent="0">
               <a:buNone/>
-              <a:defRPr sz="1000"/>
+              <a:defRPr sz="1600"/>
             </a:lvl9pPr>
           </a:lstStyle>
           <a:p>
+            <a:r>
+              <a:rPr lang="en-US" smtClean="0"/>
+              <a:t>Click icon to add picture</a:t>
+            </a:r>
+            <a:endParaRPr lang="en-US" dirty="0"/>
+          </a:p>
+        </p:txBody>
+      </p:sp>
+      <p:sp>
+        <p:nvSpPr>
+          <p:cNvPr id="4" name="Text Placeholder 3"/>
+          <p:cNvSpPr>
+            <a:spLocks noGrp="1"/>
+          </p:cNvSpPr>
+          <p:nvPr>
+            <p:ph type="body" sz="half" idx="2"/>
+          </p:nvPr>
+        </p:nvSpPr>
+        <p:spPr>
+          <a:xfrm>
+            <a:off x="1295399" y="3255432"/>
+            <a:ext cx="6241816" cy="1828800"/>
+          </a:xfrm>
+        </p:spPr>
+        <p:txBody>
+          <a:bodyPr anchor="t">
+            <a:normAutofit/>
+          </a:bodyPr>
+          <a:lstStyle>
+            <a:lvl1pPr marL="0" indent="0" algn="ctr">
+              <a:buNone/>
+              <a:defRPr sz="1800"/>
+            </a:lvl1pPr>
+            <a:lvl2pPr marL="457200" indent="0">
+              <a:buNone/>
+              <a:defRPr sz="1200"/>
+            </a:lvl2pPr>
+            <a:lvl3pPr marL="914400" indent="0">
+              <a:buNone/>
+              <a:defRPr sz="1000"/>
+            </a:lvl3pPr>
+            <a:lvl4pPr marL="1371600" indent="0">
+              <a:buNone/>
+              <a:defRPr sz="900"/>
+            </a:lvl4pPr>
+            <a:lvl5pPr marL="1828800" indent="0">
+              <a:buNone/>
+              <a:defRPr sz="900"/>
+            </a:lvl5pPr>
+            <a:lvl6pPr marL="2286000" indent="0">
+              <a:buNone/>
+              <a:defRPr sz="900"/>
+            </a:lvl6pPr>
+            <a:lvl7pPr marL="2743200" indent="0">
+              <a:buNone/>
+              <a:defRPr sz="900"/>
+            </a:lvl7pPr>
+            <a:lvl8pPr marL="3200400" indent="0">
+              <a:buNone/>
+              <a:defRPr sz="900"/>
+            </a:lvl8pPr>
+            <a:lvl9pPr marL="3657600" indent="0">
+              <a:buNone/>
+              <a:defRPr sz="900"/>
+            </a:lvl9pPr>
+          </a:lstStyle>
+          <a:p>
             <a:pPr lvl="0"/>
             <a:r>
               <a:rPr lang="en-US" smtClean="0"/>
@@ -2348,7 +4981,7 @@
           <a:p>
             <a:fld id="{115C48E2-7E56-40C8-9685-3F8DF3CF180A}" type="datetimeFigureOut">
               <a:rPr lang="en-GB" smtClean="0"/>
-              <a:t>26/11/2017</a:t>
+              <a:t>02/12/2017</a:t>
             </a:fld>
             <a:endParaRPr lang="en-GB"/>
           </a:p>
@@ -2369,7 +5002,7 @@
           <a:bodyPr/>
           <a:lstStyle/>
           <a:p>
-            <a:endParaRPr lang="en-GB"/>
+            <a:endParaRPr lang="en-US" dirty="0"/>
           </a:p>
         </p:txBody>
       </p:sp>
@@ -2399,7 +5032,7 @@
     </p:spTree>
     <p:extLst>
       <p:ext uri="{BB962C8B-B14F-4D97-AF65-F5344CB8AC3E}">
-        <p14:creationId xmlns:p14="http://schemas.microsoft.com/office/powerpoint/2010/main" val="1268629255"/>
+        <p14:creationId xmlns:p14="http://schemas.microsoft.com/office/powerpoint/2010/main" val="556232661"/>
       </p:ext>
     </p:extLst>
   </p:cSld>
@@ -2413,7 +5046,7 @@
 <p:sldMaster xmlns:a="http://schemas.openxmlformats.org/drawingml/2006/main" xmlns:r="http://schemas.openxmlformats.org/officeDocument/2006/relationships" xmlns:p="http://schemas.openxmlformats.org/presentationml/2006/main">
   <p:cSld>
     <p:bg>
-      <p:bgRef idx="1001">
+      <p:bgRef idx="1003">
         <a:schemeClr val="bg1"/>
       </p:bgRef>
     </p:bg>
@@ -2431,6 +5064,143 @@
           <a:chExt cx="0" cy="0"/>
         </a:xfrm>
       </p:grpSpPr>
+      <p:grpSp>
+        <p:nvGrpSpPr>
+          <p:cNvPr id="7" name="Group 6"/>
+          <p:cNvGrpSpPr/>
+          <p:nvPr/>
+        </p:nvGrpSpPr>
+        <p:grpSpPr>
+          <a:xfrm>
+            <a:off x="-15736" y="0"/>
+            <a:ext cx="12229962" cy="6856214"/>
+            <a:chOff x="-15736" y="0"/>
+            <a:chExt cx="12229962" cy="6856214"/>
+          </a:xfrm>
+        </p:grpSpPr>
+        <p:pic>
+          <p:nvPicPr>
+            <p:cNvPr id="8" name="Picture 7" descr="HD-PanelContent.png"/>
+            <p:cNvPicPr>
+              <a:picLocks noChangeAspect="1"/>
+            </p:cNvPicPr>
+            <p:nvPr/>
+          </p:nvPicPr>
+          <p:blipFill>
+            <a:blip r:embed="rId19">
+              <a:extLst>
+                <a:ext uri="{28A0092B-C50C-407E-A947-70E740481C1C}">
+                  <a14:useLocalDpi xmlns:a14="http://schemas.microsoft.com/office/drawing/2010/main" val="0"/>
+                </a:ext>
+              </a:extLst>
+            </a:blip>
+            <a:stretch>
+              <a:fillRect/>
+            </a:stretch>
+          </p:blipFill>
+          <p:spPr>
+            <a:xfrm>
+              <a:off x="0" y="0"/>
+              <a:ext cx="12188825" cy="6856214"/>
+            </a:xfrm>
+            <a:prstGeom prst="rect">
+              <a:avLst/>
+            </a:prstGeom>
+          </p:spPr>
+        </p:pic>
+        <p:sp>
+          <p:nvSpPr>
+            <p:cNvPr id="9" name="Rectangle 8"/>
+            <p:cNvSpPr/>
+            <p:nvPr/>
+          </p:nvSpPr>
+          <p:spPr>
+            <a:xfrm>
+              <a:off x="608012" y="609600"/>
+              <a:ext cx="10972800" cy="5638800"/>
+            </a:xfrm>
+            <a:prstGeom prst="rect">
+              <a:avLst/>
+            </a:prstGeom>
+            <a:noFill/>
+            <a:ln w="15875" cap="flat">
+              <a:miter lim="800000"/>
+            </a:ln>
+          </p:spPr>
+          <p:style>
+            <a:lnRef idx="1">
+              <a:schemeClr val="accent1"/>
+            </a:lnRef>
+            <a:fillRef idx="3">
+              <a:schemeClr val="accent1"/>
+            </a:fillRef>
+            <a:effectRef idx="2">
+              <a:schemeClr val="accent1"/>
+            </a:effectRef>
+            <a:fontRef idx="minor">
+              <a:schemeClr val="lt1"/>
+            </a:fontRef>
+          </p:style>
+        </p:sp>
+        <p:pic>
+          <p:nvPicPr>
+            <p:cNvPr id="10" name="Picture 9" descr="HDRibbonContent-UniformTrim.png"/>
+            <p:cNvPicPr>
+              <a:picLocks noChangeAspect="1"/>
+            </p:cNvPicPr>
+            <p:nvPr/>
+          </p:nvPicPr>
+          <p:blipFill rotWithShape="1">
+            <a:blip r:embed="rId20">
+              <a:extLst>
+                <a:ext uri="{28A0092B-C50C-407E-A947-70E740481C1C}">
+                  <a14:useLocalDpi xmlns:a14="http://schemas.microsoft.com/office/drawing/2010/main" val="0"/>
+                </a:ext>
+              </a:extLst>
+            </a:blip>
+            <a:srcRect/>
+            <a:stretch/>
+          </p:blipFill>
+          <p:spPr>
+            <a:xfrm>
+              <a:off x="-15736" y="3153832"/>
+              <a:ext cx="777240" cy="606425"/>
+            </a:xfrm>
+            <a:prstGeom prst="rect">
+              <a:avLst/>
+            </a:prstGeom>
+          </p:spPr>
+        </p:pic>
+        <p:pic>
+          <p:nvPicPr>
+            <p:cNvPr id="11" name="Picture 10" descr="HDRibbonContent-UniformTrim.png"/>
+            <p:cNvPicPr>
+              <a:picLocks noChangeAspect="1"/>
+            </p:cNvPicPr>
+            <p:nvPr/>
+          </p:nvPicPr>
+          <p:blipFill rotWithShape="1">
+            <a:blip r:embed="rId20">
+              <a:extLst>
+                <a:ext uri="{28A0092B-C50C-407E-A947-70E740481C1C}">
+                  <a14:useLocalDpi xmlns:a14="http://schemas.microsoft.com/office/drawing/2010/main" val="0"/>
+                </a:ext>
+              </a:extLst>
+            </a:blip>
+            <a:srcRect/>
+            <a:stretch/>
+          </p:blipFill>
+          <p:spPr>
+            <a:xfrm>
+              <a:off x="11436986" y="3153832"/>
+              <a:ext cx="777240" cy="606425"/>
+            </a:xfrm>
+            <a:prstGeom prst="rect">
+              <a:avLst/>
+            </a:prstGeom>
+          </p:spPr>
+        </p:pic>
+      </p:grpSp>
       <p:sp>
         <p:nvSpPr>
           <p:cNvPr id="2" name="Title Placeholder 1"/>
@@ -2443,103 +5213,145 @@
         </p:nvSpPr>
         <p:spPr>
           <a:xfrm>
-            <a:off x="838200" y="365125"/>
-            <a:ext cx="10515600" cy="1325563"/>
+            <a:off x="1295402" y="982132"/>
+            <a:ext cx="9601196" cy="1303867"/>
+          </a:xfrm>
+          <a:prstGeom prst="rect">
+            <a:avLst/>
+          </a:prstGeom>
+          <a:effectLst/>
+        </p:spPr>
+        <p:txBody>
+          <a:bodyPr vert="horz" lIns="91440" tIns="45720" rIns="91440" bIns="45720" rtlCol="0" anchor="ctr">
+            <a:normAutofit/>
+          </a:bodyPr>
+          <a:lstStyle/>
+          <a:p>
+            <a:r>
+              <a:rPr lang="en-US" smtClean="0"/>
+              <a:t>Click to edit Master title style</a:t>
+            </a:r>
+            <a:endParaRPr lang="en-US" dirty="0"/>
+          </a:p>
+        </p:txBody>
+      </p:sp>
+      <p:sp>
+        <p:nvSpPr>
+          <p:cNvPr id="3" name="Text Placeholder 2"/>
+          <p:cNvSpPr>
+            <a:spLocks noGrp="1"/>
+          </p:cNvSpPr>
+          <p:nvPr>
+            <p:ph type="body" idx="1"/>
+          </p:nvPr>
+        </p:nvSpPr>
+        <p:spPr>
+          <a:xfrm>
+            <a:off x="1295401" y="2556932"/>
+            <a:ext cx="9601196" cy="3318936"/>
           </a:xfrm>
           <a:prstGeom prst="rect">
             <a:avLst/>
           </a:prstGeom>
         </p:spPr>
         <p:txBody>
-          <a:bodyPr vert="horz" lIns="91440" tIns="45720" rIns="91440" bIns="45720" rtlCol="0" anchor="ctr">
+          <a:bodyPr vert="horz" lIns="91440" tIns="45720" rIns="91440" bIns="45720" rtlCol="0" anchor="t">
             <a:normAutofit/>
           </a:bodyPr>
           <a:lstStyle/>
           <a:p>
-            <a:r>
-              <a:rPr lang="en-US" smtClean="0"/>
-              <a:t>Click to edit Master title style</a:t>
-            </a:r>
-            <a:endParaRPr lang="en-GB"/>
-          </a:p>
-        </p:txBody>
-      </p:sp>
-      <p:sp>
-        <p:nvSpPr>
-          <p:cNvPr id="3" name="Text Placeholder 2"/>
-          <p:cNvSpPr>
-            <a:spLocks noGrp="1"/>
-          </p:cNvSpPr>
-          <p:nvPr>
-            <p:ph type="body" idx="1"/>
+            <a:pPr lvl="0"/>
+            <a:r>
+              <a:rPr lang="en-US" smtClean="0"/>
+              <a:t>Click to edit Master text styles</a:t>
+            </a:r>
+          </a:p>
+          <a:p>
+            <a:pPr lvl="1"/>
+            <a:r>
+              <a:rPr lang="en-US" smtClean="0"/>
+              <a:t>Second level</a:t>
+            </a:r>
+          </a:p>
+          <a:p>
+            <a:pPr lvl="2"/>
+            <a:r>
+              <a:rPr lang="en-US" smtClean="0"/>
+              <a:t>Third level</a:t>
+            </a:r>
+          </a:p>
+          <a:p>
+            <a:pPr lvl="3"/>
+            <a:r>
+              <a:rPr lang="en-US" smtClean="0"/>
+              <a:t>Fourth level</a:t>
+            </a:r>
+          </a:p>
+          <a:p>
+            <a:pPr lvl="4"/>
+            <a:r>
+              <a:rPr lang="en-US" smtClean="0"/>
+              <a:t>Fifth level</a:t>
+            </a:r>
+            <a:endParaRPr lang="en-US" dirty="0"/>
+          </a:p>
+        </p:txBody>
+      </p:sp>
+      <p:sp>
+        <p:nvSpPr>
+          <p:cNvPr id="4" name="Date Placeholder 3"/>
+          <p:cNvSpPr>
+            <a:spLocks noGrp="1"/>
+          </p:cNvSpPr>
+          <p:nvPr>
+            <p:ph type="dt" sz="half" idx="2"/>
           </p:nvPr>
         </p:nvSpPr>
         <p:spPr>
           <a:xfrm>
-            <a:off x="838200" y="1825625"/>
-            <a:ext cx="10515600" cy="4351338"/>
+            <a:off x="8677501" y="5969000"/>
+            <a:ext cx="1600200" cy="279400"/>
           </a:xfrm>
           <a:prstGeom prst="rect">
             <a:avLst/>
           </a:prstGeom>
         </p:spPr>
         <p:txBody>
-          <a:bodyPr vert="horz" lIns="91440" tIns="45720" rIns="91440" bIns="45720" rtlCol="0">
-            <a:normAutofit/>
-          </a:bodyPr>
-          <a:lstStyle/>
-          <a:p>
-            <a:pPr lvl="0"/>
-            <a:r>
-              <a:rPr lang="en-US" smtClean="0"/>
-              <a:t>Click to edit Master text styles</a:t>
-            </a:r>
-          </a:p>
-          <a:p>
-            <a:pPr lvl="1"/>
-            <a:r>
-              <a:rPr lang="en-US" smtClean="0"/>
-              <a:t>Second level</a:t>
-            </a:r>
-          </a:p>
-          <a:p>
-            <a:pPr lvl="2"/>
-            <a:r>
-              <a:rPr lang="en-US" smtClean="0"/>
-              <a:t>Third level</a:t>
-            </a:r>
-          </a:p>
-          <a:p>
-            <a:pPr lvl="3"/>
-            <a:r>
-              <a:rPr lang="en-US" smtClean="0"/>
-              <a:t>Fourth level</a:t>
-            </a:r>
-          </a:p>
-          <a:p>
-            <a:pPr lvl="4"/>
-            <a:r>
-              <a:rPr lang="en-US" smtClean="0"/>
-              <a:t>Fifth level</a:t>
-            </a:r>
+          <a:bodyPr vert="horz" lIns="91440" tIns="45720" rIns="91440" bIns="45720" rtlCol="0" anchor="ctr"/>
+          <a:lstStyle>
+            <a:lvl1pPr algn="r">
+              <a:defRPr sz="1000" b="0" i="0">
+                <a:solidFill>
+                  <a:schemeClr val="tx1"/>
+                </a:solidFill>
+                <a:effectLst/>
+                <a:latin typeface="+mn-lt"/>
+              </a:defRPr>
+            </a:lvl1pPr>
+          </a:lstStyle>
+          <a:p>
+            <a:fld id="{115C48E2-7E56-40C8-9685-3F8DF3CF180A}" type="datetimeFigureOut">
+              <a:rPr lang="en-GB" smtClean="0"/>
+              <a:t>02/12/2017</a:t>
+            </a:fld>
             <a:endParaRPr lang="en-GB"/>
           </a:p>
         </p:txBody>
       </p:sp>
       <p:sp>
         <p:nvSpPr>
-          <p:cNvPr id="4" name="Date Placeholder 3"/>
-          <p:cNvSpPr>
-            <a:spLocks noGrp="1"/>
-          </p:cNvSpPr>
-          <p:nvPr>
-            <p:ph type="dt" sz="half" idx="2"/>
+          <p:cNvPr id="5" name="Footer Placeholder 4"/>
+          <p:cNvSpPr>
+            <a:spLocks noGrp="1"/>
+          </p:cNvSpPr>
+          <p:nvPr>
+            <p:ph type="ftr" sz="quarter" idx="3"/>
           </p:nvPr>
         </p:nvSpPr>
         <p:spPr>
           <a:xfrm>
-            <a:off x="838200" y="6356350"/>
-            <a:ext cx="2743200" cy="365125"/>
+            <a:off x="1295401" y="5969000"/>
+            <a:ext cx="7305900" cy="279400"/>
           </a:xfrm>
           <a:prstGeom prst="rect">
             <a:avLst/>
@@ -2549,38 +5361,34 @@
           <a:bodyPr vert="horz" lIns="91440" tIns="45720" rIns="91440" bIns="45720" rtlCol="0" anchor="ctr"/>
           <a:lstStyle>
             <a:lvl1pPr algn="l">
-              <a:defRPr sz="1200">
-                <a:solidFill>
-                  <a:schemeClr val="tx1">
-                    <a:tint val="75000"/>
-                  </a:schemeClr>
-                </a:solidFill>
+              <a:defRPr sz="1000" b="0" i="0">
+                <a:solidFill>
+                  <a:schemeClr val="tx1"/>
+                </a:solidFill>
+                <a:effectLst/>
+                <a:latin typeface="+mn-lt"/>
               </a:defRPr>
             </a:lvl1pPr>
           </a:lstStyle>
           <a:p>
-            <a:fld id="{115C48E2-7E56-40C8-9685-3F8DF3CF180A}" type="datetimeFigureOut">
-              <a:rPr lang="en-GB" smtClean="0"/>
-              <a:t>26/11/2017</a:t>
-            </a:fld>
             <a:endParaRPr lang="en-GB"/>
           </a:p>
         </p:txBody>
       </p:sp>
       <p:sp>
         <p:nvSpPr>
-          <p:cNvPr id="5" name="Footer Placeholder 4"/>
-          <p:cNvSpPr>
-            <a:spLocks noGrp="1"/>
-          </p:cNvSpPr>
-          <p:nvPr>
-            <p:ph type="ftr" sz="quarter" idx="3"/>
+          <p:cNvPr id="6" name="Slide Number Placeholder 5"/>
+          <p:cNvSpPr>
+            <a:spLocks noGrp="1"/>
+          </p:cNvSpPr>
+          <p:nvPr>
+            <p:ph type="sldNum" sz="quarter" idx="4"/>
           </p:nvPr>
         </p:nvSpPr>
         <p:spPr>
           <a:xfrm>
-            <a:off x="4038600" y="6356350"/>
-            <a:ext cx="4114800" cy="365125"/>
+            <a:off x="10353901" y="5969000"/>
+            <a:ext cx="542697" cy="279400"/>
           </a:xfrm>
           <a:prstGeom prst="rect">
             <a:avLst/>
@@ -2589,50 +5397,13 @@
         <p:txBody>
           <a:bodyPr vert="horz" lIns="91440" tIns="45720" rIns="91440" bIns="45720" rtlCol="0" anchor="ctr"/>
           <a:lstStyle>
-            <a:lvl1pPr algn="ctr">
-              <a:defRPr sz="1200">
-                <a:solidFill>
-                  <a:schemeClr val="tx1">
-                    <a:tint val="75000"/>
-                  </a:schemeClr>
-                </a:solidFill>
-              </a:defRPr>
-            </a:lvl1pPr>
-          </a:lstStyle>
-          <a:p>
-            <a:endParaRPr lang="en-GB"/>
-          </a:p>
-        </p:txBody>
-      </p:sp>
-      <p:sp>
-        <p:nvSpPr>
-          <p:cNvPr id="6" name="Slide Number Placeholder 5"/>
-          <p:cNvSpPr>
-            <a:spLocks noGrp="1"/>
-          </p:cNvSpPr>
-          <p:nvPr>
-            <p:ph type="sldNum" sz="quarter" idx="4"/>
-          </p:nvPr>
-        </p:nvSpPr>
-        <p:spPr>
-          <a:xfrm>
-            <a:off x="8610600" y="6356350"/>
-            <a:ext cx="2743200" cy="365125"/>
-          </a:xfrm>
-          <a:prstGeom prst="rect">
-            <a:avLst/>
-          </a:prstGeom>
-        </p:spPr>
-        <p:txBody>
-          <a:bodyPr vert="horz" lIns="91440" tIns="45720" rIns="91440" bIns="45720" rtlCol="0" anchor="ctr"/>
-          <a:lstStyle>
             <a:lvl1pPr algn="r">
-              <a:defRPr sz="1200">
-                <a:solidFill>
-                  <a:schemeClr val="tx1">
-                    <a:tint val="75000"/>
-                  </a:schemeClr>
-                </a:solidFill>
+              <a:defRPr sz="1000" b="0" i="0">
+                <a:solidFill>
+                  <a:schemeClr val="tx1"/>
+                </a:solidFill>
+                <a:effectLst/>
+                <a:latin typeface="+mn-lt"/>
               </a:defRPr>
             </a:lvl1pPr>
           </a:lstStyle>
@@ -2648,202 +5419,340 @@
     </p:spTree>
     <p:extLst>
       <p:ext uri="{BB962C8B-B14F-4D97-AF65-F5344CB8AC3E}">
-        <p14:creationId xmlns:p14="http://schemas.microsoft.com/office/powerpoint/2010/main" val="106005823"/>
+        <p14:creationId xmlns:p14="http://schemas.microsoft.com/office/powerpoint/2010/main" val="4205438872"/>
       </p:ext>
     </p:extLst>
   </p:cSld>
   <p:clrMap bg1="lt1" tx1="dk1" bg2="lt2" tx2="dk2" accent1="accent1" accent2="accent2" accent3="accent3" accent4="accent4" accent5="accent5" accent6="accent6" hlink="hlink" folHlink="folHlink"/>
   <p:sldLayoutIdLst>
-    <p:sldLayoutId id="2147483649" r:id="rId1"/>
-    <p:sldLayoutId id="2147483650" r:id="rId2"/>
-    <p:sldLayoutId id="2147483651" r:id="rId3"/>
-    <p:sldLayoutId id="2147483652" r:id="rId4"/>
-    <p:sldLayoutId id="2147483653" r:id="rId5"/>
-    <p:sldLayoutId id="2147483654" r:id="rId6"/>
-    <p:sldLayoutId id="2147483655" r:id="rId7"/>
-    <p:sldLayoutId id="2147483656" r:id="rId8"/>
-    <p:sldLayoutId id="2147483657" r:id="rId9"/>
-    <p:sldLayoutId id="2147483658" r:id="rId10"/>
-    <p:sldLayoutId id="2147483659" r:id="rId11"/>
+    <p:sldLayoutId id="2147483982" r:id="rId1"/>
+    <p:sldLayoutId id="2147483983" r:id="rId2"/>
+    <p:sldLayoutId id="2147483984" r:id="rId3"/>
+    <p:sldLayoutId id="2147483985" r:id="rId4"/>
+    <p:sldLayoutId id="2147483986" r:id="rId5"/>
+    <p:sldLayoutId id="2147483987" r:id="rId6"/>
+    <p:sldLayoutId id="2147483988" r:id="rId7"/>
+    <p:sldLayoutId id="2147483989" r:id="rId8"/>
+    <p:sldLayoutId id="2147483990" r:id="rId9"/>
+    <p:sldLayoutId id="2147483991" r:id="rId10"/>
+    <p:sldLayoutId id="2147483992" r:id="rId11"/>
+    <p:sldLayoutId id="2147483993" r:id="rId12"/>
+    <p:sldLayoutId id="2147483994" r:id="rId13"/>
+    <p:sldLayoutId id="2147483995" r:id="rId14"/>
+    <p:sldLayoutId id="2147483996" r:id="rId15"/>
+    <p:sldLayoutId id="2147483997" r:id="rId16"/>
+    <p:sldLayoutId id="2147483998" r:id="rId17"/>
   </p:sldLayoutIdLst>
   <p:txStyles>
     <p:titleStyle>
-      <a:lvl1pPr algn="l" defTabSz="914400" rtl="0" eaLnBrk="1" latinLnBrk="0" hangingPunct="1">
-        <a:lnSpc>
-          <a:spcPct val="90000"/>
-        </a:lnSpc>
+      <a:lvl1pPr algn="ctr" defTabSz="457200" rtl="0" eaLnBrk="1" latinLnBrk="0" hangingPunct="1">
         <a:spcBef>
           <a:spcPct val="0"/>
         </a:spcBef>
         <a:buNone/>
-        <a:defRPr sz="4400" kern="1200">
+        <a:defRPr sz="4400" kern="1200" cap="none">
+          <a:ln w="3175" cmpd="sng">
+            <a:noFill/>
+          </a:ln>
           <a:solidFill>
-            <a:schemeClr val="tx1"/>
+            <a:schemeClr val="tx1">
+              <a:lumMod val="85000"/>
+              <a:lumOff val="15000"/>
+            </a:schemeClr>
           </a:solidFill>
+          <a:effectLst/>
           <a:latin typeface="+mj-lt"/>
           <a:ea typeface="+mj-ea"/>
           <a:cs typeface="+mj-cs"/>
         </a:defRPr>
       </a:lvl1pPr>
+      <a:lvl2pPr eaLnBrk="1" hangingPunct="1">
+        <a:defRPr>
+          <a:solidFill>
+            <a:schemeClr val="tx2"/>
+          </a:solidFill>
+        </a:defRPr>
+      </a:lvl2pPr>
+      <a:lvl3pPr eaLnBrk="1" hangingPunct="1">
+        <a:defRPr>
+          <a:solidFill>
+            <a:schemeClr val="tx2"/>
+          </a:solidFill>
+        </a:defRPr>
+      </a:lvl3pPr>
+      <a:lvl4pPr eaLnBrk="1" hangingPunct="1">
+        <a:defRPr>
+          <a:solidFill>
+            <a:schemeClr val="tx2"/>
+          </a:solidFill>
+        </a:defRPr>
+      </a:lvl4pPr>
+      <a:lvl5pPr eaLnBrk="1" hangingPunct="1">
+        <a:defRPr>
+          <a:solidFill>
+            <a:schemeClr val="tx2"/>
+          </a:solidFill>
+        </a:defRPr>
+      </a:lvl5pPr>
+      <a:lvl6pPr eaLnBrk="1" hangingPunct="1">
+        <a:defRPr>
+          <a:solidFill>
+            <a:schemeClr val="tx2"/>
+          </a:solidFill>
+        </a:defRPr>
+      </a:lvl6pPr>
+      <a:lvl7pPr eaLnBrk="1" hangingPunct="1">
+        <a:defRPr>
+          <a:solidFill>
+            <a:schemeClr val="tx2"/>
+          </a:solidFill>
+        </a:defRPr>
+      </a:lvl7pPr>
+      <a:lvl8pPr eaLnBrk="1" hangingPunct="1">
+        <a:defRPr>
+          <a:solidFill>
+            <a:schemeClr val="tx2"/>
+          </a:solidFill>
+        </a:defRPr>
+      </a:lvl8pPr>
+      <a:lvl9pPr eaLnBrk="1" hangingPunct="1">
+        <a:defRPr>
+          <a:solidFill>
+            <a:schemeClr val="tx2"/>
+          </a:solidFill>
+        </a:defRPr>
+      </a:lvl9pPr>
     </p:titleStyle>
     <p:bodyStyle>
-      <a:lvl1pPr marL="228600" indent="-228600" algn="l" defTabSz="914400" rtl="0" eaLnBrk="1" latinLnBrk="0" hangingPunct="1">
-        <a:lnSpc>
-          <a:spcPct val="90000"/>
-        </a:lnSpc>
+      <a:lvl1pPr marL="285750" indent="-285750" algn="l" defTabSz="457200" rtl="0" eaLnBrk="1" latinLnBrk="0" hangingPunct="1">
         <a:spcBef>
-          <a:spcPts val="1000"/>
+          <a:spcPct val="20000"/>
         </a:spcBef>
-        <a:buFont typeface="Arial" panose="020B0604020202020204" pitchFamily="34" charset="0"/>
+        <a:spcAft>
+          <a:spcPts val="600"/>
+        </a:spcAft>
+        <a:buClr>
+          <a:schemeClr val="accent1"/>
+        </a:buClr>
+        <a:buSzPct val="115000"/>
+        <a:buFont typeface="Arial"/>
         <a:buChar char="•"/>
-        <a:defRPr sz="2800" kern="1200">
+        <a:defRPr sz="2400" kern="1200" cap="none">
           <a:solidFill>
-            <a:schemeClr val="tx1"/>
+            <a:schemeClr val="tx1">
+              <a:lumMod val="85000"/>
+              <a:lumOff val="15000"/>
+            </a:schemeClr>
           </a:solidFill>
+          <a:effectLst/>
           <a:latin typeface="+mn-lt"/>
           <a:ea typeface="+mn-ea"/>
           <a:cs typeface="+mn-cs"/>
         </a:defRPr>
       </a:lvl1pPr>
-      <a:lvl2pPr marL="685800" indent="-228600" algn="l" defTabSz="914400" rtl="0" eaLnBrk="1" latinLnBrk="0" hangingPunct="1">
-        <a:lnSpc>
-          <a:spcPct val="90000"/>
-        </a:lnSpc>
+      <a:lvl2pPr marL="742950" indent="-285750" algn="l" defTabSz="457200" rtl="0" eaLnBrk="1" latinLnBrk="0" hangingPunct="1">
         <a:spcBef>
-          <a:spcPts val="500"/>
+          <a:spcPct val="20000"/>
         </a:spcBef>
-        <a:buFont typeface="Arial" panose="020B0604020202020204" pitchFamily="34" charset="0"/>
+        <a:spcAft>
+          <a:spcPts val="600"/>
+        </a:spcAft>
+        <a:buClr>
+          <a:schemeClr val="accent1"/>
+        </a:buClr>
+        <a:buSzPct val="115000"/>
+        <a:buFont typeface="Arial"/>
         <a:buChar char="•"/>
-        <a:defRPr sz="2400" kern="1200">
+        <a:defRPr sz="2000" kern="1200" cap="none">
           <a:solidFill>
-            <a:schemeClr val="tx1"/>
+            <a:schemeClr val="tx1">
+              <a:lumMod val="85000"/>
+              <a:lumOff val="15000"/>
+            </a:schemeClr>
           </a:solidFill>
+          <a:effectLst/>
           <a:latin typeface="+mn-lt"/>
           <a:ea typeface="+mn-ea"/>
           <a:cs typeface="+mn-cs"/>
         </a:defRPr>
       </a:lvl2pPr>
-      <a:lvl3pPr marL="1143000" indent="-228600" algn="l" defTabSz="914400" rtl="0" eaLnBrk="1" latinLnBrk="0" hangingPunct="1">
-        <a:lnSpc>
-          <a:spcPct val="90000"/>
-        </a:lnSpc>
+      <a:lvl3pPr marL="1200150" indent="-285750" algn="l" defTabSz="457200" rtl="0" eaLnBrk="1" latinLnBrk="0" hangingPunct="1">
         <a:spcBef>
-          <a:spcPts val="500"/>
+          <a:spcPct val="20000"/>
         </a:spcBef>
-        <a:buFont typeface="Arial" panose="020B0604020202020204" pitchFamily="34" charset="0"/>
+        <a:spcAft>
+          <a:spcPts val="600"/>
+        </a:spcAft>
+        <a:buClr>
+          <a:schemeClr val="accent1"/>
+        </a:buClr>
+        <a:buSzPct val="115000"/>
+        <a:buFont typeface="Arial"/>
         <a:buChar char="•"/>
-        <a:defRPr sz="2000" kern="1200">
+        <a:defRPr sz="1800" kern="1200" cap="none">
           <a:solidFill>
-            <a:schemeClr val="tx1"/>
+            <a:schemeClr val="tx1">
+              <a:lumMod val="85000"/>
+              <a:lumOff val="15000"/>
+            </a:schemeClr>
           </a:solidFill>
+          <a:effectLst/>
           <a:latin typeface="+mn-lt"/>
           <a:ea typeface="+mn-ea"/>
           <a:cs typeface="+mn-cs"/>
         </a:defRPr>
       </a:lvl3pPr>
-      <a:lvl4pPr marL="1600200" indent="-228600" algn="l" defTabSz="914400" rtl="0" eaLnBrk="1" latinLnBrk="0" hangingPunct="1">
-        <a:lnSpc>
-          <a:spcPct val="90000"/>
-        </a:lnSpc>
+      <a:lvl4pPr marL="1543050" indent="-171450" algn="l" defTabSz="457200" rtl="0" eaLnBrk="1" latinLnBrk="0" hangingPunct="1">
         <a:spcBef>
-          <a:spcPts val="500"/>
+          <a:spcPct val="20000"/>
         </a:spcBef>
-        <a:buFont typeface="Arial" panose="020B0604020202020204" pitchFamily="34" charset="0"/>
+        <a:spcAft>
+          <a:spcPts val="600"/>
+        </a:spcAft>
+        <a:buClr>
+          <a:schemeClr val="accent1"/>
+        </a:buClr>
+        <a:buSzPct val="115000"/>
+        <a:buFont typeface="Arial"/>
         <a:buChar char="•"/>
-        <a:defRPr sz="1800" kern="1200">
+        <a:defRPr sz="1600" kern="1200" cap="none">
           <a:solidFill>
-            <a:schemeClr val="tx1"/>
+            <a:schemeClr val="tx1">
+              <a:lumMod val="85000"/>
+              <a:lumOff val="15000"/>
+            </a:schemeClr>
           </a:solidFill>
+          <a:effectLst/>
           <a:latin typeface="+mn-lt"/>
           <a:ea typeface="+mn-ea"/>
           <a:cs typeface="+mn-cs"/>
         </a:defRPr>
       </a:lvl4pPr>
-      <a:lvl5pPr marL="2057400" indent="-228600" algn="l" defTabSz="914400" rtl="0" eaLnBrk="1" latinLnBrk="0" hangingPunct="1">
-        <a:lnSpc>
-          <a:spcPct val="90000"/>
-        </a:lnSpc>
+      <a:lvl5pPr marL="2000250" indent="-171450" algn="l" defTabSz="457200" rtl="0" eaLnBrk="1" latinLnBrk="0" hangingPunct="1">
         <a:spcBef>
-          <a:spcPts val="500"/>
+          <a:spcPct val="20000"/>
         </a:spcBef>
-        <a:buFont typeface="Arial" panose="020B0604020202020204" pitchFamily="34" charset="0"/>
+        <a:spcAft>
+          <a:spcPts val="600"/>
+        </a:spcAft>
+        <a:buClr>
+          <a:schemeClr val="accent1"/>
+        </a:buClr>
+        <a:buSzPct val="115000"/>
+        <a:buFont typeface="Arial"/>
         <a:buChar char="•"/>
-        <a:defRPr sz="1800" kern="1200">
+        <a:defRPr sz="1400" kern="1200" cap="none">
           <a:solidFill>
-            <a:schemeClr val="tx1"/>
+            <a:schemeClr val="tx1">
+              <a:lumMod val="85000"/>
+              <a:lumOff val="15000"/>
+            </a:schemeClr>
           </a:solidFill>
+          <a:effectLst/>
           <a:latin typeface="+mn-lt"/>
           <a:ea typeface="+mn-ea"/>
           <a:cs typeface="+mn-cs"/>
         </a:defRPr>
       </a:lvl5pPr>
-      <a:lvl6pPr marL="2514600" indent="-228600" algn="l" defTabSz="914400" rtl="0" eaLnBrk="1" latinLnBrk="0" hangingPunct="1">
-        <a:lnSpc>
-          <a:spcPct val="90000"/>
-        </a:lnSpc>
+      <a:lvl6pPr marL="2514600" indent="-228600" algn="l" defTabSz="457200" rtl="0" eaLnBrk="1" latinLnBrk="0" hangingPunct="1">
         <a:spcBef>
-          <a:spcPts val="500"/>
+          <a:spcPct val="20000"/>
         </a:spcBef>
-        <a:buFont typeface="Arial" panose="020B0604020202020204" pitchFamily="34" charset="0"/>
+        <a:spcAft>
+          <a:spcPts val="600"/>
+        </a:spcAft>
+        <a:buClr>
+          <a:schemeClr val="accent1"/>
+        </a:buClr>
+        <a:buSzPct val="115000"/>
+        <a:buFont typeface="Arial"/>
         <a:buChar char="•"/>
-        <a:defRPr sz="1800" kern="1200">
+        <a:defRPr sz="1400" kern="1200" cap="none">
           <a:solidFill>
-            <a:schemeClr val="tx1"/>
+            <a:schemeClr val="tx1">
+              <a:lumMod val="85000"/>
+              <a:lumOff val="15000"/>
+            </a:schemeClr>
           </a:solidFill>
+          <a:effectLst/>
           <a:latin typeface="+mn-lt"/>
           <a:ea typeface="+mn-ea"/>
           <a:cs typeface="+mn-cs"/>
         </a:defRPr>
       </a:lvl6pPr>
-      <a:lvl7pPr marL="2971800" indent="-228600" algn="l" defTabSz="914400" rtl="0" eaLnBrk="1" latinLnBrk="0" hangingPunct="1">
-        <a:lnSpc>
-          <a:spcPct val="90000"/>
-        </a:lnSpc>
+      <a:lvl7pPr marL="2971800" indent="-228600" algn="l" defTabSz="457200" rtl="0" eaLnBrk="1" latinLnBrk="0" hangingPunct="1">
         <a:spcBef>
-          <a:spcPts val="500"/>
+          <a:spcPct val="20000"/>
         </a:spcBef>
-        <a:buFont typeface="Arial" panose="020B0604020202020204" pitchFamily="34" charset="0"/>
+        <a:spcAft>
+          <a:spcPts val="600"/>
+        </a:spcAft>
+        <a:buClr>
+          <a:schemeClr val="accent1"/>
+        </a:buClr>
+        <a:buSzPct val="115000"/>
+        <a:buFont typeface="Arial"/>
         <a:buChar char="•"/>
-        <a:defRPr sz="1800" kern="1200">
+        <a:defRPr sz="1400" kern="1200" cap="none">
           <a:solidFill>
-            <a:schemeClr val="tx1"/>
+            <a:schemeClr val="tx1">
+              <a:lumMod val="85000"/>
+              <a:lumOff val="15000"/>
+            </a:schemeClr>
           </a:solidFill>
+          <a:effectLst/>
           <a:latin typeface="+mn-lt"/>
           <a:ea typeface="+mn-ea"/>
           <a:cs typeface="+mn-cs"/>
         </a:defRPr>
       </a:lvl7pPr>
-      <a:lvl8pPr marL="3429000" indent="-228600" algn="l" defTabSz="914400" rtl="0" eaLnBrk="1" latinLnBrk="0" hangingPunct="1">
-        <a:lnSpc>
-          <a:spcPct val="90000"/>
-        </a:lnSpc>
+      <a:lvl8pPr marL="3429000" indent="-228600" algn="l" defTabSz="457200" rtl="0" eaLnBrk="1" latinLnBrk="0" hangingPunct="1">
         <a:spcBef>
-          <a:spcPts val="500"/>
+          <a:spcPct val="20000"/>
         </a:spcBef>
-        <a:buFont typeface="Arial" panose="020B0604020202020204" pitchFamily="34" charset="0"/>
+        <a:spcAft>
+          <a:spcPts val="600"/>
+        </a:spcAft>
+        <a:buClr>
+          <a:schemeClr val="accent1"/>
+        </a:buClr>
+        <a:buSzPct val="115000"/>
+        <a:buFont typeface="Arial"/>
         <a:buChar char="•"/>
-        <a:defRPr sz="1800" kern="1200">
+        <a:defRPr sz="1400" kern="1200" cap="none">
           <a:solidFill>
-            <a:schemeClr val="tx1"/>
+            <a:schemeClr val="tx1">
+              <a:lumMod val="85000"/>
+              <a:lumOff val="15000"/>
+            </a:schemeClr>
           </a:solidFill>
+          <a:effectLst/>
           <a:latin typeface="+mn-lt"/>
           <a:ea typeface="+mn-ea"/>
           <a:cs typeface="+mn-cs"/>
         </a:defRPr>
       </a:lvl8pPr>
-      <a:lvl9pPr marL="3886200" indent="-228600" algn="l" defTabSz="914400" rtl="0" eaLnBrk="1" latinLnBrk="0" hangingPunct="1">
-        <a:lnSpc>
-          <a:spcPct val="90000"/>
-        </a:lnSpc>
+      <a:lvl9pPr marL="3886200" indent="-228600" algn="l" defTabSz="457200" rtl="0" eaLnBrk="1" latinLnBrk="0" hangingPunct="1">
         <a:spcBef>
-          <a:spcPts val="500"/>
+          <a:spcPct val="20000"/>
         </a:spcBef>
-        <a:buFont typeface="Arial" panose="020B0604020202020204" pitchFamily="34" charset="0"/>
+        <a:spcAft>
+          <a:spcPts val="600"/>
+        </a:spcAft>
+        <a:buClr>
+          <a:schemeClr val="accent1"/>
+        </a:buClr>
+        <a:buSzPct val="115000"/>
+        <a:buFont typeface="Arial"/>
         <a:buChar char="•"/>
-        <a:defRPr sz="1800" kern="1200">
+        <a:defRPr sz="1400" kern="1200" cap="none">
           <a:solidFill>
-            <a:schemeClr val="tx1"/>
+            <a:schemeClr val="tx1">
+              <a:lumMod val="85000"/>
+              <a:lumOff val="15000"/>
+            </a:schemeClr>
           </a:solidFill>
+          <a:effectLst/>
           <a:latin typeface="+mn-lt"/>
           <a:ea typeface="+mn-ea"/>
           <a:cs typeface="+mn-cs"/>
@@ -2854,7 +5763,7 @@
       <a:defPPr>
         <a:defRPr lang="en-US"/>
       </a:defPPr>
-      <a:lvl1pPr marL="0" algn="l" defTabSz="914400" rtl="0" eaLnBrk="1" latinLnBrk="0" hangingPunct="1">
+      <a:lvl1pPr marL="0" algn="l" defTabSz="457200" rtl="0" eaLnBrk="1" latinLnBrk="0" hangingPunct="1">
         <a:defRPr sz="1800" kern="1200">
           <a:solidFill>
             <a:schemeClr val="tx1"/>
@@ -2864,7 +5773,7 @@
           <a:cs typeface="+mn-cs"/>
         </a:defRPr>
       </a:lvl1pPr>
-      <a:lvl2pPr marL="457200" algn="l" defTabSz="914400" rtl="0" eaLnBrk="1" latinLnBrk="0" hangingPunct="1">
+      <a:lvl2pPr marL="457200" algn="l" defTabSz="457200" rtl="0" eaLnBrk="1" latinLnBrk="0" hangingPunct="1">
         <a:defRPr sz="1800" kern="1200">
           <a:solidFill>
             <a:schemeClr val="tx1"/>
@@ -2874,7 +5783,7 @@
           <a:cs typeface="+mn-cs"/>
         </a:defRPr>
       </a:lvl2pPr>
-      <a:lvl3pPr marL="914400" algn="l" defTabSz="914400" rtl="0" eaLnBrk="1" latinLnBrk="0" hangingPunct="1">
+      <a:lvl3pPr marL="914400" algn="l" defTabSz="457200" rtl="0" eaLnBrk="1" latinLnBrk="0" hangingPunct="1">
         <a:defRPr sz="1800" kern="1200">
           <a:solidFill>
             <a:schemeClr val="tx1"/>
@@ -2884,7 +5793,7 @@
           <a:cs typeface="+mn-cs"/>
         </a:defRPr>
       </a:lvl3pPr>
-      <a:lvl4pPr marL="1371600" algn="l" defTabSz="914400" rtl="0" eaLnBrk="1" latinLnBrk="0" hangingPunct="1">
+      <a:lvl4pPr marL="1371600" algn="l" defTabSz="457200" rtl="0" eaLnBrk="1" latinLnBrk="0" hangingPunct="1">
         <a:defRPr sz="1800" kern="1200">
           <a:solidFill>
             <a:schemeClr val="tx1"/>
@@ -2894,7 +5803,7 @@
           <a:cs typeface="+mn-cs"/>
         </a:defRPr>
       </a:lvl4pPr>
-      <a:lvl5pPr marL="1828800" algn="l" defTabSz="914400" rtl="0" eaLnBrk="1" latinLnBrk="0" hangingPunct="1">
+      <a:lvl5pPr marL="1828800" algn="l" defTabSz="457200" rtl="0" eaLnBrk="1" latinLnBrk="0" hangingPunct="1">
         <a:defRPr sz="1800" kern="1200">
           <a:solidFill>
             <a:schemeClr val="tx1"/>
@@ -2904,7 +5813,7 @@
           <a:cs typeface="+mn-cs"/>
         </a:defRPr>
       </a:lvl5pPr>
-      <a:lvl6pPr marL="2286000" algn="l" defTabSz="914400" rtl="0" eaLnBrk="1" latinLnBrk="0" hangingPunct="1">
+      <a:lvl6pPr marL="2286000" algn="l" defTabSz="457200" rtl="0" eaLnBrk="1" latinLnBrk="0" hangingPunct="1">
         <a:defRPr sz="1800" kern="1200">
           <a:solidFill>
             <a:schemeClr val="tx1"/>
@@ -2914,7 +5823,7 @@
           <a:cs typeface="+mn-cs"/>
         </a:defRPr>
       </a:lvl6pPr>
-      <a:lvl7pPr marL="2743200" algn="l" defTabSz="914400" rtl="0" eaLnBrk="1" latinLnBrk="0" hangingPunct="1">
+      <a:lvl7pPr marL="2743200" algn="l" defTabSz="457200" rtl="0" eaLnBrk="1" latinLnBrk="0" hangingPunct="1">
         <a:defRPr sz="1800" kern="1200">
           <a:solidFill>
             <a:schemeClr val="tx1"/>
@@ -2924,7 +5833,7 @@
           <a:cs typeface="+mn-cs"/>
         </a:defRPr>
       </a:lvl7pPr>
-      <a:lvl8pPr marL="3200400" algn="l" defTabSz="914400" rtl="0" eaLnBrk="1" latinLnBrk="0" hangingPunct="1">
+      <a:lvl8pPr marL="3200400" algn="l" defTabSz="457200" rtl="0" eaLnBrk="1" latinLnBrk="0" hangingPunct="1">
         <a:defRPr sz="1800" kern="1200">
           <a:solidFill>
             <a:schemeClr val="tx1"/>
@@ -2934,7 +5843,7 @@
           <a:cs typeface="+mn-cs"/>
         </a:defRPr>
       </a:lvl8pPr>
-      <a:lvl9pPr marL="3657600" algn="l" defTabSz="914400" rtl="0" eaLnBrk="1" latinLnBrk="0" hangingPunct="1">
+      <a:lvl9pPr marL="3657600" algn="l" defTabSz="457200" rtl="0" eaLnBrk="1" latinLnBrk="0" hangingPunct="1">
         <a:defRPr sz="1800" kern="1200">
           <a:solidFill>
             <a:schemeClr val="tx1"/>
@@ -2946,6 +5855,11 @@
       </a:lvl9pPr>
     </p:otherStyle>
   </p:txStyles>
+  <p:extLst>
+    <p:ext uri="{27BBF7A9-308A-43DC-89C8-2F10F3537804}">
+      <p15:sldGuideLst xmlns:p15="http://schemas.microsoft.com/office/powerpoint/2012/main"/>
+    </p:ext>
+  </p:extLst>
 </p:sldMaster>
 </file>
 
@@ -2983,7 +5897,15 @@
           <a:p>
             <a:r>
               <a:rPr lang="en-GB" dirty="0" smtClean="0"/>
-              <a:t>Virtual cards App</a:t>
+              <a:t>Virtual </a:t>
+            </a:r>
+            <a:r>
+              <a:rPr lang="en-GB" dirty="0" smtClean="0"/>
+              <a:t>Cards </a:t>
+            </a:r>
+            <a:r>
+              <a:rPr lang="en-GB" dirty="0" smtClean="0"/>
+              <a:t>App</a:t>
             </a:r>
             <a:endParaRPr lang="en-GB" dirty="0"/>
           </a:p>
@@ -3056,29 +5978,36 @@
             <p:ph type="title"/>
           </p:nvPr>
         </p:nvSpPr>
-        <p:spPr/>
+        <p:spPr>
+          <a:xfrm>
+            <a:off x="839788" y="420537"/>
+            <a:ext cx="3932237" cy="1216325"/>
+          </a:xfrm>
+        </p:spPr>
         <p:txBody>
           <a:bodyPr>
-            <a:normAutofit fontScale="90000"/>
+            <a:normAutofit/>
           </a:bodyPr>
           <a:lstStyle/>
           <a:p>
-            <a:r>
-              <a:rPr lang="en-GB" dirty="0" smtClean="0"/>
-              <a:t>Virtual cards allows the user to register and manage loyalty cards and obtain </a:t>
-            </a:r>
-            <a:r>
-              <a:rPr lang="en-GB" dirty="0"/>
-              <a:t>discount coupons</a:t>
-            </a:r>
-            <a:r>
-              <a:rPr lang="en-GB" dirty="0" smtClean="0"/>
-              <a:t> </a:t>
-            </a:r>
-            <a:r>
-              <a:rPr lang="en-GB" dirty="0"/>
-              <a:t>granted by merchants</a:t>
-            </a:r>
+            <a:pPr algn="ctr"/>
+            <a:r>
+              <a:rPr lang="en-GB" sz="4000" dirty="0" smtClean="0">
+                <a:solidFill>
+                  <a:schemeClr val="accent1">
+                    <a:lumMod val="50000"/>
+                  </a:schemeClr>
+                </a:solidFill>
+              </a:rPr>
+              <a:t>Short description</a:t>
+            </a:r>
+            <a:endParaRPr lang="en-GB" sz="4000" dirty="0">
+              <a:solidFill>
+                <a:schemeClr val="accent1">
+                  <a:lumMod val="50000"/>
+                </a:schemeClr>
+              </a:solidFill>
+            </a:endParaRPr>
           </a:p>
         </p:txBody>
       </p:sp>
@@ -3106,11 +6035,35 @@
         </p:blipFill>
         <p:spPr>
           <a:xfrm>
-            <a:off x="3829498" y="1825625"/>
-            <a:ext cx="4533004" cy="4351338"/>
+            <a:off x="5657850" y="1033463"/>
+            <a:ext cx="4991100" cy="4791075"/>
           </a:xfrm>
         </p:spPr>
       </p:pic>
+      <p:sp>
+        <p:nvSpPr>
+          <p:cNvPr id="5" name="Text Placeholder 4"/>
+          <p:cNvSpPr>
+            <a:spLocks noGrp="1"/>
+          </p:cNvSpPr>
+          <p:nvPr>
+            <p:ph type="body" sz="half" idx="2"/>
+          </p:nvPr>
+        </p:nvSpPr>
+        <p:spPr/>
+        <p:txBody>
+          <a:bodyPr>
+            <a:normAutofit fontScale="85000" lnSpcReduction="20000"/>
+          </a:bodyPr>
+          <a:lstStyle/>
+          <a:p>
+            <a:r>
+              <a:rPr lang="en-GB" sz="3600" dirty="0"/>
+              <a:t>Virtual cards allows the user to register and manage loyalty cards and obtain discount coupons granted by merchants.</a:t>
+            </a:r>
+          </a:p>
+        </p:txBody>
+      </p:sp>
     </p:spTree>
     <p:extLst>
       <p:ext uri="{BB962C8B-B14F-4D97-AF65-F5344CB8AC3E}">
@@ -3157,10 +6110,22 @@
           <a:lstStyle/>
           <a:p>
             <a:r>
-              <a:rPr lang="en-US" dirty="0" smtClean="0"/>
+              <a:rPr lang="en-US" dirty="0" smtClean="0">
+                <a:solidFill>
+                  <a:schemeClr val="accent1">
+                    <a:lumMod val="50000"/>
+                  </a:schemeClr>
+                </a:solidFill>
+              </a:rPr>
               <a:t>TESTING APPROACH</a:t>
             </a:r>
-            <a:endParaRPr lang="en-GB" dirty="0"/>
+            <a:endParaRPr lang="en-GB" dirty="0">
+              <a:solidFill>
+                <a:schemeClr val="accent1">
+                  <a:lumMod val="50000"/>
+                </a:schemeClr>
+              </a:solidFill>
+            </a:endParaRPr>
           </a:p>
         </p:txBody>
       </p:sp>
@@ -3177,25 +6142,72 @@
         <p:spPr/>
         <p:txBody>
           <a:bodyPr>
-            <a:normAutofit lnSpcReduction="10000"/>
+            <a:normAutofit fontScale="70000" lnSpcReduction="20000"/>
           </a:bodyPr>
           <a:lstStyle/>
           <a:p>
             <a:r>
+              <a:rPr lang="en-GB" dirty="0" smtClean="0">
+                <a:solidFill>
+                  <a:schemeClr val="accent1">
+                    <a:lumMod val="75000"/>
+                  </a:schemeClr>
+                </a:solidFill>
+              </a:rPr>
+              <a:t>Objective:</a:t>
+            </a:r>
+            <a:r>
               <a:rPr lang="en-GB" dirty="0" smtClean="0"/>
-              <a:t>Objective: leave no bug unturned</a:t>
-            </a:r>
-          </a:p>
-          <a:p>
+              <a:t> </a:t>
+            </a:r>
             <a:endParaRPr lang="en-GB" dirty="0" smtClean="0"/>
           </a:p>
           <a:p>
+            <a:pPr lvl="1"/>
             <a:r>
               <a:rPr lang="en-GB" dirty="0" smtClean="0"/>
-              <a:t>Break down the features</a:t>
-            </a:r>
-          </a:p>
-          <a:p>
+              <a:t>leave </a:t>
+            </a:r>
+            <a:r>
+              <a:rPr lang="en-GB" dirty="0" smtClean="0"/>
+              <a:t>no bug unturned</a:t>
+            </a:r>
+          </a:p>
+          <a:p>
+            <a:r>
+              <a:rPr lang="en-GB" b="1" dirty="0">
+                <a:solidFill>
+                  <a:schemeClr val="accent1"/>
+                </a:solidFill>
+              </a:rPr>
+              <a:t>Strategy</a:t>
+            </a:r>
+          </a:p>
+          <a:p>
+            <a:pPr lvl="1"/>
+            <a:r>
+              <a:rPr lang="en-GB" dirty="0" smtClean="0"/>
+              <a:t>Breakdown </a:t>
+            </a:r>
+            <a:r>
+              <a:rPr lang="en-GB" dirty="0"/>
+              <a:t>the </a:t>
+            </a:r>
+            <a:r>
+              <a:rPr lang="en-GB" dirty="0" smtClean="0"/>
+              <a:t>functionality</a:t>
+            </a:r>
+          </a:p>
+          <a:p>
+            <a:pPr lvl="1"/>
+            <a:r>
+              <a:rPr lang="en-GB" dirty="0"/>
+              <a:t>Identify the system inputs and outputs</a:t>
+            </a:r>
+            <a:endParaRPr lang="en-GB" b="1" dirty="0" smtClean="0"/>
+          </a:p>
+          <a:p>
+            <a:pPr lvl="1"/>
             <a:r>
               <a:rPr lang="en-GB" dirty="0" smtClean="0"/>
               <a:t>Methodical </a:t>
@@ -3210,6 +6222,7 @@
             </a:r>
           </a:p>
           <a:p>
+            <a:pPr lvl="1"/>
             <a:r>
               <a:rPr lang="en-GB" dirty="0"/>
               <a:t>Context-driven testing </a:t>
@@ -3217,23 +6230,38 @@
             <a:endParaRPr lang="en-GB" dirty="0" smtClean="0"/>
           </a:p>
           <a:p>
+            <a:pPr lvl="1"/>
             <a:r>
               <a:rPr lang="en-GB" dirty="0" smtClean="0"/>
               <a:t>Create and run testing </a:t>
             </a:r>
             <a:r>
-              <a:rPr lang="en-GB" dirty="0"/>
+              <a:rPr lang="en-GB" dirty="0" smtClean="0"/>
               <a:t>scenarios</a:t>
             </a:r>
-          </a:p>
-          <a:p>
+            <a:endParaRPr lang="en-GB" dirty="0"/>
+          </a:p>
+          <a:p>
+            <a:pPr lvl="1"/>
             <a:r>
               <a:rPr lang="en-GB" dirty="0" smtClean="0"/>
-              <a:t>Test Techniques: Manual, dynamic, functional testing:</a:t>
-            </a:r>
-          </a:p>
-          <a:p>
-            <a:pPr marL="0" indent="0">
+              <a:t>Test Techniques: Manual, dynamic, </a:t>
+            </a:r>
+            <a:r>
+              <a:rPr lang="en-GB" dirty="0" smtClean="0"/>
+              <a:t>black-box, </a:t>
+            </a:r>
+            <a:r>
+              <a:rPr lang="en-GB" dirty="0" smtClean="0"/>
+              <a:t>functional </a:t>
+            </a:r>
+            <a:r>
+              <a:rPr lang="en-GB" dirty="0" smtClean="0"/>
+              <a:t>testing:</a:t>
+            </a:r>
+          </a:p>
+          <a:p>
+            <a:pPr marL="457200" lvl="1" indent="0">
               <a:buNone/>
             </a:pPr>
             <a:r>
@@ -3242,7 +6270,11 @@
             </a:r>
             <a:r>
               <a:rPr lang="en-GB" dirty="0"/>
-              <a:t> system </a:t>
+              <a:t> </a:t>
+            </a:r>
+            <a:r>
+              <a:rPr lang="en-GB" dirty="0" smtClean="0"/>
+              <a:t>System </a:t>
             </a:r>
             <a:r>
               <a:rPr lang="en-GB" dirty="0" smtClean="0"/>
@@ -3262,6 +6294,36 @@
           </a:p>
         </p:txBody>
       </p:sp>
+      <p:pic>
+        <p:nvPicPr>
+          <p:cNvPr id="4" name="Picture 3"/>
+          <p:cNvPicPr>
+            <a:picLocks noChangeAspect="1"/>
+          </p:cNvPicPr>
+          <p:nvPr/>
+        </p:nvPicPr>
+        <p:blipFill>
+          <a:blip r:embed="rId2">
+            <a:extLst>
+              <a:ext uri="{28A0092B-C50C-407E-A947-70E740481C1C}">
+                <a14:useLocalDpi xmlns:a14="http://schemas.microsoft.com/office/drawing/2010/main" val="0"/>
+              </a:ext>
+            </a:extLst>
+          </a:blip>
+          <a:stretch>
+            <a:fillRect/>
+          </a:stretch>
+        </p:blipFill>
+        <p:spPr>
+          <a:xfrm>
+            <a:off x="6081623" y="2556932"/>
+            <a:ext cx="4719537" cy="2332851"/>
+          </a:xfrm>
+          <a:prstGeom prst="rect">
+            <a:avLst/>
+          </a:prstGeom>
+        </p:spPr>
+      </p:pic>
     </p:spTree>
     <p:extLst>
       <p:ext uri="{BB962C8B-B14F-4D97-AF65-F5344CB8AC3E}">
@@ -3275,10 +6337,140 @@
 </p:sld>
 </file>
 
+<file path=ppt/slides/slide4.xml><?xml version="1.0" encoding="utf-8"?>
+<p:sld xmlns:a="http://schemas.openxmlformats.org/drawingml/2006/main" xmlns:r="http://schemas.openxmlformats.org/officeDocument/2006/relationships" xmlns:p="http://schemas.openxmlformats.org/presentationml/2006/main">
+  <p:cSld>
+    <p:spTree>
+      <p:nvGrpSpPr>
+        <p:cNvPr id="1" name=""/>
+        <p:cNvGrpSpPr/>
+        <p:nvPr/>
+      </p:nvGrpSpPr>
+      <p:grpSpPr>
+        <a:xfrm>
+          <a:off x="0" y="0"/>
+          <a:ext cx="0" cy="0"/>
+          <a:chOff x="0" y="0"/>
+          <a:chExt cx="0" cy="0"/>
+        </a:xfrm>
+      </p:grpSpPr>
+      <p:sp>
+        <p:nvSpPr>
+          <p:cNvPr id="2" name="Title 1"/>
+          <p:cNvSpPr>
+            <a:spLocks noGrp="1"/>
+          </p:cNvSpPr>
+          <p:nvPr>
+            <p:ph type="title"/>
+          </p:nvPr>
+        </p:nvSpPr>
+        <p:spPr/>
+        <p:txBody>
+          <a:bodyPr/>
+          <a:lstStyle/>
+          <a:p>
+            <a:r>
+              <a:rPr lang="en-GB" dirty="0" smtClean="0"/>
+              <a:t>Used </a:t>
+            </a:r>
+            <a:r>
+              <a:rPr lang="en-GB" dirty="0"/>
+              <a:t>Tools </a:t>
+            </a:r>
+            <a:endParaRPr lang="en-GB" b="1" dirty="0"/>
+          </a:p>
+        </p:txBody>
+      </p:sp>
+      <p:sp>
+        <p:nvSpPr>
+          <p:cNvPr id="3" name="Content Placeholder 2"/>
+          <p:cNvSpPr>
+            <a:spLocks noGrp="1"/>
+          </p:cNvSpPr>
+          <p:nvPr>
+            <p:ph idx="1"/>
+          </p:nvPr>
+        </p:nvSpPr>
+        <p:spPr/>
+        <p:txBody>
+          <a:bodyPr/>
+          <a:lstStyle/>
+          <a:p>
+            <a:r>
+              <a:rPr lang="en-US" dirty="0" err="1"/>
+              <a:t>TestLink</a:t>
+            </a:r>
+            <a:r>
+              <a:rPr lang="en-US" dirty="0"/>
+              <a:t> – Test Case Management</a:t>
+            </a:r>
+          </a:p>
+          <a:p>
+            <a:r>
+              <a:rPr lang="en-US" dirty="0"/>
+              <a:t>Mantis Bug Tracker – Bug Reporting</a:t>
+            </a:r>
+          </a:p>
+          <a:p>
+            <a:r>
+              <a:rPr lang="en-US" dirty="0" err="1"/>
+              <a:t>Xmind</a:t>
+            </a:r>
+            <a:r>
+              <a:rPr lang="en-US" dirty="0"/>
+              <a:t> Tool – Mind Maps</a:t>
+            </a:r>
+            <a:endParaRPr lang="en-US" dirty="0"/>
+          </a:p>
+        </p:txBody>
+      </p:sp>
+      <p:pic>
+        <p:nvPicPr>
+          <p:cNvPr id="4" name="Picture 3"/>
+          <p:cNvPicPr>
+            <a:picLocks noChangeAspect="1"/>
+          </p:cNvPicPr>
+          <p:nvPr/>
+        </p:nvPicPr>
+        <p:blipFill>
+          <a:blip r:embed="rId2" cstate="print">
+            <a:extLst>
+              <a:ext uri="{28A0092B-C50C-407E-A947-70E740481C1C}">
+                <a14:useLocalDpi xmlns:a14="http://schemas.microsoft.com/office/drawing/2010/main" val="0"/>
+              </a:ext>
+            </a:extLst>
+          </a:blip>
+          <a:stretch>
+            <a:fillRect/>
+          </a:stretch>
+        </p:blipFill>
+        <p:spPr>
+          <a:xfrm>
+            <a:off x="6354436" y="2848888"/>
+            <a:ext cx="4688612" cy="2735023"/>
+          </a:xfrm>
+          <a:prstGeom prst="rect">
+            <a:avLst/>
+          </a:prstGeom>
+        </p:spPr>
+      </p:pic>
+    </p:spTree>
+    <p:extLst>
+      <p:ext uri="{BB962C8B-B14F-4D97-AF65-F5344CB8AC3E}">
+        <p14:creationId xmlns:p14="http://schemas.microsoft.com/office/powerpoint/2010/main" val="1527659223"/>
+      </p:ext>
+    </p:extLst>
+  </p:cSld>
+  <p:clrMapOvr>
+    <a:masterClrMapping/>
+  </p:clrMapOvr>
+</p:sld>
+</file>
+
 <file path=ppt/theme/theme1.xml><?xml version="1.0" encoding="utf-8"?>
-<a:theme xmlns:a="http://schemas.openxmlformats.org/drawingml/2006/main" name="Office Theme">
+<a:theme xmlns:a="http://schemas.openxmlformats.org/drawingml/2006/main" name="Organic">
   <a:themeElements>
-    <a:clrScheme name="Office">
+    <a:clrScheme name="Organic">
       <a:dk1>
         <a:sysClr val="windowText" lastClr="000000"/>
       </a:dk1>
@@ -3286,44 +6478,79 @@
         <a:sysClr val="window" lastClr="FFFFFF"/>
       </a:lt1>
       <a:dk2>
-        <a:srgbClr val="44546A"/>
+        <a:srgbClr val="212121"/>
       </a:dk2>
       <a:lt2>
-        <a:srgbClr val="E7E6E6"/>
+        <a:srgbClr val="DADADA"/>
       </a:lt2>
       <a:accent1>
-        <a:srgbClr val="5B9BD5"/>
+        <a:srgbClr val="83992A"/>
       </a:accent1>
       <a:accent2>
-        <a:srgbClr val="ED7D31"/>
+        <a:srgbClr val="3C9770"/>
       </a:accent2>
       <a:accent3>
-        <a:srgbClr val="A5A5A5"/>
+        <a:srgbClr val="44709D"/>
       </a:accent3>
       <a:accent4>
-        <a:srgbClr val="FFC000"/>
+        <a:srgbClr val="A23C33"/>
       </a:accent4>
       <a:accent5>
-        <a:srgbClr val="4472C4"/>
+        <a:srgbClr val="D97828"/>
       </a:accent5>
       <a:accent6>
-        <a:srgbClr val="70AD47"/>
+        <a:srgbClr val="DEB340"/>
       </a:accent6>
       <a:hlink>
-        <a:srgbClr val="0563C1"/>
+        <a:srgbClr val="A8BF4D"/>
       </a:hlink>
       <a:folHlink>
-        <a:srgbClr val="954F72"/>
+        <a:srgbClr val="B4CA80"/>
       </a:folHlink>
     </a:clrScheme>
-    <a:fontScheme name="Office">
+    <a:fontScheme name="Organic">
       <a:majorFont>
-        <a:latin typeface="Calibri Light" panose="020F0302020204030204"/>
+        <a:latin typeface="Garamond" panose="02020404030301010803"/>
         <a:ea typeface=""/>
         <a:cs typeface=""/>
         <a:font script="Jpan" typeface="ＭＳ Ｐゴシック"/>
-        <a:font script="Hang" typeface="맑은 고딕"/>
-        <a:font script="Hans" typeface="宋体"/>
+        <a:font script="Hang" typeface="돋움"/>
+        <a:font script="Hans" typeface="方正舒体"/>
+        <a:font script="Hant" typeface="微軟正黑體"/>
+        <a:font script="Arab" typeface="Arial"/>
+        <a:font script="Hebr" typeface="Arial"/>
+        <a:font script="Thai" typeface="Cordia New"/>
+        <a:font script="Ethi" typeface="Nyala"/>
+        <a:font script="Beng" typeface="Vrinda"/>
+        <a:font script="Gujr" typeface="Shruti"/>
+        <a:font script="Khmr" typeface="DaunPenh"/>
+        <a:font script="Knda" typeface="Tunga"/>
+        <a:font script="Guru" typeface="Raavi"/>
+        <a:font script="Cans" typeface="Euphemia"/>
+        <a:font script="Cher" typeface="Plantagenet Cherokee"/>
+        <a:font script="Yiii" typeface="Microsoft Yi Baiti"/>
+        <a:font script="Tibt" typeface="Microsoft Himalaya"/>
+        <a:font script="Thaa" typeface="MV Boli"/>
+        <a:font script="Deva" typeface="Mangal"/>
+        <a:font script="Telu" typeface="Gautami"/>
+        <a:font script="Taml" typeface="Latha"/>
+        <a:font script="Syrc" typeface="Estrangelo Edessa"/>
+        <a:font script="Orya" typeface="Kalinga"/>
+        <a:font script="Mlym" typeface="Kartika"/>
+        <a:font script="Laoo" typeface="DokChampa"/>
+        <a:font script="Sinh" typeface="Iskoola Pota"/>
+        <a:font script="Mong" typeface="Mongolian Baiti"/>
+        <a:font script="Viet" typeface="Arial"/>
+        <a:font script="Uigh" typeface="Microsoft Uighur"/>
+        <a:font script="Geor" typeface="Sylfaen"/>
+      </a:majorFont>
+      <a:minorFont>
+        <a:latin typeface="Garamond" panose="02020404030301010803"/>
+        <a:ea typeface=""/>
+        <a:cs typeface=""/>
+        <a:font script="Jpan" typeface="ＭＳ Ｐ明朝"/>
+        <a:font script="Hang" typeface="바탕"/>
+        <a:font script="Hans" typeface="方正舒体"/>
         <a:font script="Hant" typeface="新細明體"/>
         <a:font script="Arab" typeface="Times New Roman"/>
         <a:font script="Hebr" typeface="Times New Roman"/>
@@ -3351,44 +6578,9 @@
         <a:font script="Viet" typeface="Times New Roman"/>
         <a:font script="Uigh" typeface="Microsoft Uighur"/>
         <a:font script="Geor" typeface="Sylfaen"/>
-      </a:majorFont>
-      <a:minorFont>
-        <a:latin typeface="Calibri" panose="020F0502020204030204"/>
-        <a:ea typeface=""/>
-        <a:cs typeface=""/>
-        <a:font script="Jpan" typeface="ＭＳ Ｐゴシック"/>
-        <a:font script="Hang" typeface="맑은 고딕"/>
-        <a:font script="Hans" typeface="宋体"/>
-        <a:font script="Hant" typeface="新細明體"/>
-        <a:font script="Arab" typeface="Arial"/>
-        <a:font script="Hebr" typeface="Arial"/>
-        <a:font script="Thai" typeface="Cordia New"/>
-        <a:font script="Ethi" typeface="Nyala"/>
-        <a:font script="Beng" typeface="Vrinda"/>
-        <a:font script="Gujr" typeface="Shruti"/>
-        <a:font script="Khmr" typeface="DaunPenh"/>
-        <a:font script="Knda" typeface="Tunga"/>
-        <a:font script="Guru" typeface="Raavi"/>
-        <a:font script="Cans" typeface="Euphemia"/>
-        <a:font script="Cher" typeface="Plantagenet Cherokee"/>
-        <a:font script="Yiii" typeface="Microsoft Yi Baiti"/>
-        <a:font script="Tibt" typeface="Microsoft Himalaya"/>
-        <a:font script="Thaa" typeface="MV Boli"/>
-        <a:font script="Deva" typeface="Mangal"/>
-        <a:font script="Telu" typeface="Gautami"/>
-        <a:font script="Taml" typeface="Latha"/>
-        <a:font script="Syrc" typeface="Estrangelo Edessa"/>
-        <a:font script="Orya" typeface="Kalinga"/>
-        <a:font script="Mlym" typeface="Kartika"/>
-        <a:font script="Laoo" typeface="DokChampa"/>
-        <a:font script="Sinh" typeface="Iskoola Pota"/>
-        <a:font script="Mong" typeface="Mongolian Baiti"/>
-        <a:font script="Viet" typeface="Arial"/>
-        <a:font script="Uigh" typeface="Microsoft Uighur"/>
-        <a:font script="Geor" typeface="Sylfaen"/>
       </a:minorFont>
     </a:fontScheme>
-    <a:fmtScheme name="Office">
+    <a:fmtScheme name="Organic">
       <a:fillStyleLst>
         <a:solidFill>
           <a:schemeClr val="phClr"/>
@@ -3397,76 +6589,54 @@
           <a:gsLst>
             <a:gs pos="0">
               <a:schemeClr val="phClr">
+                <a:tint val="60000"/>
                 <a:lumMod val="110000"/>
-                <a:satMod val="105000"/>
-                <a:tint val="67000"/>
-              </a:schemeClr>
-            </a:gs>
-            <a:gs pos="50000">
-              <a:schemeClr val="phClr">
-                <a:lumMod val="105000"/>
-                <a:satMod val="103000"/>
-                <a:tint val="73000"/>
               </a:schemeClr>
             </a:gs>
             <a:gs pos="100000">
               <a:schemeClr val="phClr">
-                <a:lumMod val="105000"/>
-                <a:satMod val="109000"/>
-                <a:tint val="81000"/>
+                <a:tint val="82000"/>
               </a:schemeClr>
             </a:gs>
           </a:gsLst>
           <a:lin ang="5400000" scaled="0"/>
         </a:gradFill>
-        <a:gradFill rotWithShape="1">
-          <a:gsLst>
-            <a:gs pos="0">
+        <a:blipFill>
+          <a:blip xmlns:r="http://schemas.openxmlformats.org/officeDocument/2006/relationships" r:embed="rId1">
+            <a:duotone>
               <a:schemeClr val="phClr">
-                <a:satMod val="103000"/>
-                <a:lumMod val="102000"/>
+                <a:shade val="74000"/>
+                <a:satMod val="130000"/>
+                <a:lumMod val="90000"/>
+              </a:schemeClr>
+              <a:schemeClr val="phClr">
                 <a:tint val="94000"/>
+                <a:satMod val="120000"/>
+                <a:lumMod val="104000"/>
               </a:schemeClr>
-            </a:gs>
-            <a:gs pos="50000">
-              <a:schemeClr val="phClr">
-                <a:satMod val="110000"/>
-                <a:lumMod val="100000"/>
-                <a:shade val="100000"/>
-              </a:schemeClr>
-            </a:gs>
-            <a:gs pos="100000">
-              <a:schemeClr val="phClr">
-                <a:lumMod val="99000"/>
-                <a:satMod val="120000"/>
-                <a:shade val="78000"/>
-              </a:schemeClr>
-            </a:gs>
-          </a:gsLst>
-          <a:lin ang="5400000" scaled="0"/>
-        </a:gradFill>
+            </a:duotone>
+          </a:blip>
+          <a:tile tx="0" ty="0" sx="100000" sy="100000" flip="none" algn="tl"/>
+        </a:blipFill>
       </a:fillStyleLst>
       <a:lnStyleLst>
-        <a:ln w="6350" cap="flat" cmpd="sng" algn="ctr">
+        <a:ln w="9525" cap="flat" cmpd="sng" algn="ctr">
           <a:solidFill>
             <a:schemeClr val="phClr"/>
           </a:solidFill>
           <a:prstDash val="solid"/>
-          <a:miter lim="800000"/>
         </a:ln>
-        <a:ln w="12700" cap="flat" cmpd="sng" algn="ctr">
+        <a:ln w="15875" cap="flat" cmpd="sng" algn="ctr">
           <a:solidFill>
             <a:schemeClr val="phClr"/>
           </a:solidFill>
           <a:prstDash val="solid"/>
-          <a:miter lim="800000"/>
         </a:ln>
-        <a:ln w="19050" cap="flat" cmpd="sng" algn="ctr">
+        <a:ln w="25400" cap="flat" cmpd="sng" algn="ctr">
           <a:solidFill>
             <a:schemeClr val="phClr"/>
           </a:solidFill>
           <a:prstDash val="solid"/>
-          <a:miter lim="800000"/>
         </a:ln>
       </a:lnStyleLst>
       <a:effectStyleLst>
@@ -3474,13 +6644,19 @@
           <a:effectLst/>
         </a:effectStyle>
         <a:effectStyle>
-          <a:effectLst/>
+          <a:effectLst>
+            <a:innerShdw blurRad="25400" dist="12700" dir="13500000">
+              <a:srgbClr val="000000">
+                <a:alpha val="45000"/>
+              </a:srgbClr>
+            </a:innerShdw>
+          </a:effectLst>
         </a:effectStyle>
         <a:effectStyle>
           <a:effectLst>
-            <a:outerShdw blurRad="57150" dist="19050" dir="5400000" algn="ctr" rotWithShape="0">
+            <a:outerShdw blurRad="38100" dist="25400" dir="5400000" rotWithShape="0">
               <a:srgbClr val="000000">
-                <a:alpha val="63000"/>
+                <a:alpha val="60000"/>
               </a:srgbClr>
             </a:outerShdw>
           </a:effectLst>
@@ -3490,39 +6666,27 @@
         <a:solidFill>
           <a:schemeClr val="phClr"/>
         </a:solidFill>
-        <a:solidFill>
-          <a:schemeClr val="phClr">
-            <a:tint val="95000"/>
-            <a:satMod val="170000"/>
-          </a:schemeClr>
-        </a:solidFill>
         <a:gradFill rotWithShape="1">
           <a:gsLst>
             <a:gs pos="0">
               <a:schemeClr val="phClr">
-                <a:tint val="93000"/>
-                <a:satMod val="150000"/>
-                <a:shade val="98000"/>
-                <a:lumMod val="102000"/>
-              </a:schemeClr>
-            </a:gs>
-            <a:gs pos="50000">
-              <a:schemeClr val="phClr">
-                <a:tint val="98000"/>
-                <a:satMod val="130000"/>
-                <a:shade val="90000"/>
-                <a:lumMod val="103000"/>
+                <a:tint val="90000"/>
+                <a:lumMod val="110000"/>
               </a:schemeClr>
             </a:gs>
             <a:gs pos="100000">
               <a:schemeClr val="phClr">
-                <a:shade val="63000"/>
-                <a:satMod val="120000"/>
+                <a:shade val="88000"/>
+                <a:lumMod val="98000"/>
               </a:schemeClr>
             </a:gs>
           </a:gsLst>
           <a:lin ang="5400000" scaled="0"/>
         </a:gradFill>
+        <a:blipFill>
+          <a:blip xmlns:r="http://schemas.openxmlformats.org/officeDocument/2006/relationships" r:embed="rId2"/>
+          <a:stretch/>
+        </a:blipFill>
       </a:bgFillStyleLst>
     </a:fmtScheme>
   </a:themeElements>
@@ -3530,7 +6694,7 @@
   <a:extraClrSchemeLst/>
   <a:extLst>
     <a:ext uri="{05A4C25C-085E-4340-85A3-A5531E510DB2}">
-      <thm15:themeFamily xmlns:thm15="http://schemas.microsoft.com/office/thememl/2012/main" name="Office Theme" id="{62F939B6-93AF-4DB8-9C6B-D6C7DFDC589F}" vid="{4A3C46E8-61CC-4603-A589-7422A47A8E4A}"/>
+      <thm15:themeFamily xmlns:thm15="http://schemas.microsoft.com/office/thememl/2012/main" name="Organic" id="{28CDC826-8792-45C0-861B-85EB3ADEDA33}" vid="{7DAC20F1-423D-49E2-BD0B-50532748BAD0}"/>
     </a:ext>
   </a:extLst>
 </a:theme>

--- a/final-project/virtual-cards/virtual-cards.pptx
+++ b/final-project/virtual-cards/virtual-cards.pptx
@@ -446,7 +446,7 @@
           <a:p>
             <a:fld id="{115C48E2-7E56-40C8-9685-3F8DF3CF180A}" type="datetimeFigureOut">
               <a:rPr lang="en-GB" smtClean="0"/>
-              <a:t>02/12/2017</a:t>
+              <a:t>06/12/2017</a:t>
             </a:fld>
             <a:endParaRPr lang="en-GB"/>
           </a:p>
@@ -770,7 +770,7 @@
           <a:p>
             <a:fld id="{115C48E2-7E56-40C8-9685-3F8DF3CF180A}" type="datetimeFigureOut">
               <a:rPr lang="en-GB" smtClean="0"/>
-              <a:t>02/12/2017</a:t>
+              <a:t>06/12/2017</a:t>
             </a:fld>
             <a:endParaRPr lang="en-GB"/>
           </a:p>
@@ -1018,7 +1018,7 @@
           <a:p>
             <a:fld id="{115C48E2-7E56-40C8-9685-3F8DF3CF180A}" type="datetimeFigureOut">
               <a:rPr lang="en-GB" smtClean="0"/>
-              <a:t>02/12/2017</a:t>
+              <a:t>06/12/2017</a:t>
             </a:fld>
             <a:endParaRPr lang="en-GB"/>
           </a:p>
@@ -1357,7 +1357,7 @@
           <a:p>
             <a:fld id="{115C48E2-7E56-40C8-9685-3F8DF3CF180A}" type="datetimeFigureOut">
               <a:rPr lang="en-GB" smtClean="0"/>
-              <a:t>02/12/2017</a:t>
+              <a:t>06/12/2017</a:t>
             </a:fld>
             <a:endParaRPr lang="en-GB"/>
           </a:p>
@@ -1704,7 +1704,7 @@
           <a:p>
             <a:fld id="{115C48E2-7E56-40C8-9685-3F8DF3CF180A}" type="datetimeFigureOut">
               <a:rPr lang="en-GB" smtClean="0"/>
-              <a:t>02/12/2017</a:t>
+              <a:t>06/12/2017</a:t>
             </a:fld>
             <a:endParaRPr lang="en-GB"/>
           </a:p>
@@ -2078,7 +2078,7 @@
           <a:p>
             <a:fld id="{115C48E2-7E56-40C8-9685-3F8DF3CF180A}" type="datetimeFigureOut">
               <a:rPr lang="en-GB" smtClean="0"/>
-              <a:t>02/12/2017</a:t>
+              <a:t>06/12/2017</a:t>
             </a:fld>
             <a:endParaRPr lang="en-GB"/>
           </a:p>
@@ -2548,7 +2548,7 @@
           <a:p>
             <a:fld id="{115C48E2-7E56-40C8-9685-3F8DF3CF180A}" type="datetimeFigureOut">
               <a:rPr lang="en-GB" smtClean="0"/>
-              <a:t>02/12/2017</a:t>
+              <a:t>06/12/2017</a:t>
             </a:fld>
             <a:endParaRPr lang="en-GB"/>
           </a:p>
@@ -2753,7 +2753,7 @@
           <a:p>
             <a:fld id="{115C48E2-7E56-40C8-9685-3F8DF3CF180A}" type="datetimeFigureOut">
               <a:rPr lang="en-GB" smtClean="0"/>
-              <a:t>02/12/2017</a:t>
+              <a:t>06/12/2017</a:t>
             </a:fld>
             <a:endParaRPr lang="en-GB"/>
           </a:p>
@@ -2964,7 +2964,7 @@
           <a:p>
             <a:fld id="{115C48E2-7E56-40C8-9685-3F8DF3CF180A}" type="datetimeFigureOut">
               <a:rPr lang="en-GB" smtClean="0"/>
-              <a:t>02/12/2017</a:t>
+              <a:t>06/12/2017</a:t>
             </a:fld>
             <a:endParaRPr lang="en-GB"/>
           </a:p>
@@ -3196,7 +3196,7 @@
           <a:p>
             <a:fld id="{115C48E2-7E56-40C8-9685-3F8DF3CF180A}" type="datetimeFigureOut">
               <a:rPr lang="en-GB" smtClean="0"/>
-              <a:t>02/12/2017</a:t>
+              <a:t>06/12/2017</a:t>
             </a:fld>
             <a:endParaRPr lang="en-GB"/>
           </a:p>
@@ -3444,7 +3444,7 @@
           <a:p>
             <a:fld id="{115C48E2-7E56-40C8-9685-3F8DF3CF180A}" type="datetimeFigureOut">
               <a:rPr lang="en-GB" smtClean="0"/>
-              <a:t>02/12/2017</a:t>
+              <a:t>06/12/2017</a:t>
             </a:fld>
             <a:endParaRPr lang="en-GB"/>
           </a:p>
@@ -3742,7 +3742,7 @@
           <a:p>
             <a:fld id="{115C48E2-7E56-40C8-9685-3F8DF3CF180A}" type="datetimeFigureOut">
               <a:rPr lang="en-GB" smtClean="0"/>
-              <a:t>02/12/2017</a:t>
+              <a:t>06/12/2017</a:t>
             </a:fld>
             <a:endParaRPr lang="en-GB"/>
           </a:p>
@@ -4136,7 +4136,7 @@
           <a:p>
             <a:fld id="{115C48E2-7E56-40C8-9685-3F8DF3CF180A}" type="datetimeFigureOut">
               <a:rPr lang="en-GB" smtClean="0"/>
-              <a:t>02/12/2017</a:t>
+              <a:t>06/12/2017</a:t>
             </a:fld>
             <a:endParaRPr lang="en-GB"/>
           </a:p>
@@ -4285,7 +4285,7 @@
           <a:p>
             <a:fld id="{115C48E2-7E56-40C8-9685-3F8DF3CF180A}" type="datetimeFigureOut">
               <a:rPr lang="en-GB" smtClean="0"/>
-              <a:t>02/12/2017</a:t>
+              <a:t>06/12/2017</a:t>
             </a:fld>
             <a:endParaRPr lang="en-GB"/>
           </a:p>
@@ -4411,7 +4411,7 @@
           <a:p>
             <a:fld id="{115C48E2-7E56-40C8-9685-3F8DF3CF180A}" type="datetimeFigureOut">
               <a:rPr lang="en-GB" smtClean="0"/>
-              <a:t>02/12/2017</a:t>
+              <a:t>06/12/2017</a:t>
             </a:fld>
             <a:endParaRPr lang="en-GB"/>
           </a:p>
@@ -4666,7 +4666,7 @@
           <a:p>
             <a:fld id="{115C48E2-7E56-40C8-9685-3F8DF3CF180A}" type="datetimeFigureOut">
               <a:rPr lang="en-GB" smtClean="0"/>
-              <a:t>02/12/2017</a:t>
+              <a:t>06/12/2017</a:t>
             </a:fld>
             <a:endParaRPr lang="en-GB"/>
           </a:p>
@@ -4981,7 +4981,7 @@
           <a:p>
             <a:fld id="{115C48E2-7E56-40C8-9685-3F8DF3CF180A}" type="datetimeFigureOut">
               <a:rPr lang="en-GB" smtClean="0"/>
-              <a:t>02/12/2017</a:t>
+              <a:t>06/12/2017</a:t>
             </a:fld>
             <a:endParaRPr lang="en-GB"/>
           </a:p>
@@ -5332,7 +5332,7 @@
           <a:p>
             <a:fld id="{115C48E2-7E56-40C8-9685-3F8DF3CF180A}" type="datetimeFigureOut">
               <a:rPr lang="en-GB" smtClean="0"/>
-              <a:t>02/12/2017</a:t>
+              <a:t>06/12/2017</a:t>
             </a:fld>
             <a:endParaRPr lang="en-GB"/>
           </a:p>
@@ -5897,15 +5897,7 @@
           <a:p>
             <a:r>
               <a:rPr lang="en-GB" dirty="0" smtClean="0"/>
-              <a:t>Virtual </a:t>
-            </a:r>
-            <a:r>
-              <a:rPr lang="en-GB" dirty="0" smtClean="0"/>
-              <a:t>Cards </a:t>
-            </a:r>
-            <a:r>
-              <a:rPr lang="en-GB" dirty="0" smtClean="0"/>
-              <a:t>App</a:t>
+              <a:t>Virtual Cards App</a:t>
             </a:r>
             <a:endParaRPr lang="en-GB" dirty="0"/>
           </a:p>
@@ -6147,7 +6139,7 @@
           <a:lstStyle/>
           <a:p>
             <a:r>
-              <a:rPr lang="en-GB" dirty="0" smtClean="0">
+              <a:rPr lang="en-GB" b="1" dirty="0" smtClean="0">
                 <a:solidFill>
                   <a:schemeClr val="accent1">
                     <a:lumMod val="75000"/>
@@ -6157,20 +6149,15 @@
               <a:t>Objective:</a:t>
             </a:r>
             <a:r>
+              <a:rPr lang="en-GB" b="1" dirty="0" smtClean="0"/>
+              <a:t> </a:t>
+            </a:r>
+          </a:p>
+          <a:p>
+            <a:pPr lvl="1"/>
+            <a:r>
               <a:rPr lang="en-GB" dirty="0" smtClean="0"/>
-              <a:t> </a:t>
-            </a:r>
-            <a:endParaRPr lang="en-GB" dirty="0" smtClean="0"/>
-          </a:p>
-          <a:p>
-            <a:pPr lvl="1"/>
-            <a:r>
-              <a:rPr lang="en-GB" dirty="0" smtClean="0"/>
-              <a:t>leave </a:t>
-            </a:r>
-            <a:r>
-              <a:rPr lang="en-GB" dirty="0" smtClean="0"/>
-              <a:t>no bug unturned</a:t>
+              <a:t>leave no bug unturned</a:t>
             </a:r>
           </a:p>
           <a:p>
@@ -6195,8 +6182,9 @@
             </a:r>
             <a:r>
               <a:rPr lang="en-GB" dirty="0" smtClean="0"/>
-              <a:t>functionality</a:t>
-            </a:r>
+              <a:t>functionalities</a:t>
+            </a:r>
+            <a:endParaRPr lang="en-GB" dirty="0" smtClean="0"/>
           </a:p>
           <a:p>
             <a:pPr lvl="1"/>
@@ -6233,31 +6221,15 @@
             <a:pPr lvl="1"/>
             <a:r>
               <a:rPr lang="en-GB" dirty="0" smtClean="0"/>
-              <a:t>Create and run testing </a:t>
-            </a:r>
+              <a:t>Create and run testing scenarios</a:t>
+            </a:r>
+            <a:endParaRPr lang="en-GB" dirty="0"/>
+          </a:p>
+          <a:p>
+            <a:pPr lvl="1"/>
             <a:r>
               <a:rPr lang="en-GB" dirty="0" smtClean="0"/>
-              <a:t>scenarios</a:t>
-            </a:r>
-            <a:endParaRPr lang="en-GB" dirty="0"/>
-          </a:p>
-          <a:p>
-            <a:pPr lvl="1"/>
-            <a:r>
-              <a:rPr lang="en-GB" dirty="0" smtClean="0"/>
-              <a:t>Test Techniques: Manual, dynamic, </a:t>
-            </a:r>
-            <a:r>
-              <a:rPr lang="en-GB" dirty="0" smtClean="0"/>
-              <a:t>black-box, </a:t>
-            </a:r>
-            <a:r>
-              <a:rPr lang="en-GB" dirty="0" smtClean="0"/>
-              <a:t>functional </a:t>
-            </a:r>
-            <a:r>
-              <a:rPr lang="en-GB" dirty="0" smtClean="0"/>
-              <a:t>testing:</a:t>
+              <a:t>Test Techniques: Manual, dynamic, black-box, functional testing:</a:t>
             </a:r>
           </a:p>
           <a:p>
@@ -6274,11 +6246,7 @@
             </a:r>
             <a:r>
               <a:rPr lang="en-GB" dirty="0" smtClean="0"/>
-              <a:t>System </a:t>
-            </a:r>
-            <a:r>
-              <a:rPr lang="en-GB" dirty="0" smtClean="0"/>
-              <a:t>testing, </a:t>
+              <a:t>System testing, </a:t>
             </a:r>
             <a:r>
               <a:rPr lang="en-GB" dirty="0"/>
@@ -6420,7 +6388,6 @@
               <a:rPr lang="en-US" dirty="0"/>
               <a:t> Tool – Mind Maps</a:t>
             </a:r>
-            <a:endParaRPr lang="en-US" dirty="0"/>
           </a:p>
         </p:txBody>
       </p:sp>

--- a/final-project/virtual-cards/virtual-cards.pptx
+++ b/final-project/virtual-cards/virtual-cards.pptx
@@ -446,7 +446,7 @@
           <a:p>
             <a:fld id="{115C48E2-7E56-40C8-9685-3F8DF3CF180A}" type="datetimeFigureOut">
               <a:rPr lang="en-GB" smtClean="0"/>
-              <a:t>06/12/2017</a:t>
+              <a:t>07/12/2017</a:t>
             </a:fld>
             <a:endParaRPr lang="en-GB"/>
           </a:p>
@@ -770,7 +770,7 @@
           <a:p>
             <a:fld id="{115C48E2-7E56-40C8-9685-3F8DF3CF180A}" type="datetimeFigureOut">
               <a:rPr lang="en-GB" smtClean="0"/>
-              <a:t>06/12/2017</a:t>
+              <a:t>07/12/2017</a:t>
             </a:fld>
             <a:endParaRPr lang="en-GB"/>
           </a:p>
@@ -1018,7 +1018,7 @@
           <a:p>
             <a:fld id="{115C48E2-7E56-40C8-9685-3F8DF3CF180A}" type="datetimeFigureOut">
               <a:rPr lang="en-GB" smtClean="0"/>
-              <a:t>06/12/2017</a:t>
+              <a:t>07/12/2017</a:t>
             </a:fld>
             <a:endParaRPr lang="en-GB"/>
           </a:p>
@@ -1357,7 +1357,7 @@
           <a:p>
             <a:fld id="{115C48E2-7E56-40C8-9685-3F8DF3CF180A}" type="datetimeFigureOut">
               <a:rPr lang="en-GB" smtClean="0"/>
-              <a:t>06/12/2017</a:t>
+              <a:t>07/12/2017</a:t>
             </a:fld>
             <a:endParaRPr lang="en-GB"/>
           </a:p>
@@ -1704,7 +1704,7 @@
           <a:p>
             <a:fld id="{115C48E2-7E56-40C8-9685-3F8DF3CF180A}" type="datetimeFigureOut">
               <a:rPr lang="en-GB" smtClean="0"/>
-              <a:t>06/12/2017</a:t>
+              <a:t>07/12/2017</a:t>
             </a:fld>
             <a:endParaRPr lang="en-GB"/>
           </a:p>
@@ -2078,7 +2078,7 @@
           <a:p>
             <a:fld id="{115C48E2-7E56-40C8-9685-3F8DF3CF180A}" type="datetimeFigureOut">
               <a:rPr lang="en-GB" smtClean="0"/>
-              <a:t>06/12/2017</a:t>
+              <a:t>07/12/2017</a:t>
             </a:fld>
             <a:endParaRPr lang="en-GB"/>
           </a:p>
@@ -2548,7 +2548,7 @@
           <a:p>
             <a:fld id="{115C48E2-7E56-40C8-9685-3F8DF3CF180A}" type="datetimeFigureOut">
               <a:rPr lang="en-GB" smtClean="0"/>
-              <a:t>06/12/2017</a:t>
+              <a:t>07/12/2017</a:t>
             </a:fld>
             <a:endParaRPr lang="en-GB"/>
           </a:p>
@@ -2753,7 +2753,7 @@
           <a:p>
             <a:fld id="{115C48E2-7E56-40C8-9685-3F8DF3CF180A}" type="datetimeFigureOut">
               <a:rPr lang="en-GB" smtClean="0"/>
-              <a:t>06/12/2017</a:t>
+              <a:t>07/12/2017</a:t>
             </a:fld>
             <a:endParaRPr lang="en-GB"/>
           </a:p>
@@ -2964,7 +2964,7 @@
           <a:p>
             <a:fld id="{115C48E2-7E56-40C8-9685-3F8DF3CF180A}" type="datetimeFigureOut">
               <a:rPr lang="en-GB" smtClean="0"/>
-              <a:t>06/12/2017</a:t>
+              <a:t>07/12/2017</a:t>
             </a:fld>
             <a:endParaRPr lang="en-GB"/>
           </a:p>
@@ -3196,7 +3196,7 @@
           <a:p>
             <a:fld id="{115C48E2-7E56-40C8-9685-3F8DF3CF180A}" type="datetimeFigureOut">
               <a:rPr lang="en-GB" smtClean="0"/>
-              <a:t>06/12/2017</a:t>
+              <a:t>07/12/2017</a:t>
             </a:fld>
             <a:endParaRPr lang="en-GB"/>
           </a:p>
@@ -3444,7 +3444,7 @@
           <a:p>
             <a:fld id="{115C48E2-7E56-40C8-9685-3F8DF3CF180A}" type="datetimeFigureOut">
               <a:rPr lang="en-GB" smtClean="0"/>
-              <a:t>06/12/2017</a:t>
+              <a:t>07/12/2017</a:t>
             </a:fld>
             <a:endParaRPr lang="en-GB"/>
           </a:p>
@@ -3742,7 +3742,7 @@
           <a:p>
             <a:fld id="{115C48E2-7E56-40C8-9685-3F8DF3CF180A}" type="datetimeFigureOut">
               <a:rPr lang="en-GB" smtClean="0"/>
-              <a:t>06/12/2017</a:t>
+              <a:t>07/12/2017</a:t>
             </a:fld>
             <a:endParaRPr lang="en-GB"/>
           </a:p>
@@ -4136,7 +4136,7 @@
           <a:p>
             <a:fld id="{115C48E2-7E56-40C8-9685-3F8DF3CF180A}" type="datetimeFigureOut">
               <a:rPr lang="en-GB" smtClean="0"/>
-              <a:t>06/12/2017</a:t>
+              <a:t>07/12/2017</a:t>
             </a:fld>
             <a:endParaRPr lang="en-GB"/>
           </a:p>
@@ -4285,7 +4285,7 @@
           <a:p>
             <a:fld id="{115C48E2-7E56-40C8-9685-3F8DF3CF180A}" type="datetimeFigureOut">
               <a:rPr lang="en-GB" smtClean="0"/>
-              <a:t>06/12/2017</a:t>
+              <a:t>07/12/2017</a:t>
             </a:fld>
             <a:endParaRPr lang="en-GB"/>
           </a:p>
@@ -4411,7 +4411,7 @@
           <a:p>
             <a:fld id="{115C48E2-7E56-40C8-9685-3F8DF3CF180A}" type="datetimeFigureOut">
               <a:rPr lang="en-GB" smtClean="0"/>
-              <a:t>06/12/2017</a:t>
+              <a:t>07/12/2017</a:t>
             </a:fld>
             <a:endParaRPr lang="en-GB"/>
           </a:p>
@@ -4666,7 +4666,7 @@
           <a:p>
             <a:fld id="{115C48E2-7E56-40C8-9685-3F8DF3CF180A}" type="datetimeFigureOut">
               <a:rPr lang="en-GB" smtClean="0"/>
-              <a:t>06/12/2017</a:t>
+              <a:t>07/12/2017</a:t>
             </a:fld>
             <a:endParaRPr lang="en-GB"/>
           </a:p>
@@ -4981,7 +4981,7 @@
           <a:p>
             <a:fld id="{115C48E2-7E56-40C8-9685-3F8DF3CF180A}" type="datetimeFigureOut">
               <a:rPr lang="en-GB" smtClean="0"/>
-              <a:t>06/12/2017</a:t>
+              <a:t>07/12/2017</a:t>
             </a:fld>
             <a:endParaRPr lang="en-GB"/>
           </a:p>
@@ -5332,7 +5332,7 @@
           <a:p>
             <a:fld id="{115C48E2-7E56-40C8-9685-3F8DF3CF180A}" type="datetimeFigureOut">
               <a:rPr lang="en-GB" smtClean="0"/>
-              <a:t>06/12/2017</a:t>
+              <a:t>07/12/2017</a:t>
             </a:fld>
             <a:endParaRPr lang="en-GB"/>
           </a:p>
@@ -6184,7 +6184,6 @@
               <a:rPr lang="en-GB" dirty="0" smtClean="0"/>
               <a:t>functionalities</a:t>
             </a:r>
-            <a:endParaRPr lang="en-GB" dirty="0" smtClean="0"/>
           </a:p>
           <a:p>
             <a:pPr lvl="1"/>
@@ -6386,8 +6385,19 @@
             </a:r>
             <a:r>
               <a:rPr lang="en-US" dirty="0"/>
-              <a:t> Tool – Mind Maps</a:t>
-            </a:r>
+              <a:t> Tool – Mind </a:t>
+            </a:r>
+            <a:r>
+              <a:rPr lang="en-US" dirty="0" smtClean="0"/>
+              <a:t>Maps</a:t>
+            </a:r>
+          </a:p>
+          <a:p>
+            <a:r>
+              <a:rPr lang="en-US" dirty="0" smtClean="0"/>
+              <a:t>QR Code &amp; Barcode Scanner</a:t>
+            </a:r>
+            <a:endParaRPr lang="en-US" dirty="0"/>
           </a:p>
         </p:txBody>
       </p:sp>

--- a/final-project/virtual-cards/virtual-cards.pptx
+++ b/final-project/virtual-cards/virtual-cards.pptx
@@ -2,13 +2,14 @@
 <file path=ppt/presentation.xml><?xml version="1.0" encoding="utf-8"?>
 <p:presentation xmlns:a="http://schemas.openxmlformats.org/drawingml/2006/main" xmlns:r="http://schemas.openxmlformats.org/officeDocument/2006/relationships" xmlns:p="http://schemas.openxmlformats.org/presentationml/2006/main" saveSubsetFonts="1">
   <p:sldMasterIdLst>
-    <p:sldMasterId id="2147483981" r:id="rId1"/>
+    <p:sldMasterId id="2147484113" r:id="rId1"/>
   </p:sldMasterIdLst>
   <p:sldIdLst>
     <p:sldId id="256" r:id="rId2"/>
     <p:sldId id="257" r:id="rId3"/>
     <p:sldId id="258" r:id="rId4"/>
     <p:sldId id="259" r:id="rId5"/>
+    <p:sldId id="260" r:id="rId6"/>
   </p:sldIdLst>
   <p:sldSz cx="12192000" cy="6858000"/>
   <p:notesSz cx="6858000" cy="9144000"/>
@@ -446,7 +447,7 @@
           <a:p>
             <a:fld id="{115C48E2-7E56-40C8-9685-3F8DF3CF180A}" type="datetimeFigureOut">
               <a:rPr lang="en-GB" smtClean="0"/>
-              <a:t>07/12/2017</a:t>
+              <a:t>04/01/2018</a:t>
             </a:fld>
             <a:endParaRPr lang="en-GB"/>
           </a:p>
@@ -537,7 +538,7 @@
     </p:spTree>
     <p:extLst>
       <p:ext uri="{BB962C8B-B14F-4D97-AF65-F5344CB8AC3E}">
-        <p14:creationId xmlns:p14="http://schemas.microsoft.com/office/powerpoint/2010/main" val="1563479906"/>
+        <p14:creationId xmlns:p14="http://schemas.microsoft.com/office/powerpoint/2010/main" val="463041921"/>
       </p:ext>
     </p:extLst>
   </p:cSld>
@@ -770,7 +771,7 @@
           <a:p>
             <a:fld id="{115C48E2-7E56-40C8-9685-3F8DF3CF180A}" type="datetimeFigureOut">
               <a:rPr lang="en-GB" smtClean="0"/>
-              <a:t>07/12/2017</a:t>
+              <a:t>04/01/2018</a:t>
             </a:fld>
             <a:endParaRPr lang="en-GB"/>
           </a:p>
@@ -821,7 +822,7 @@
     </p:spTree>
     <p:extLst>
       <p:ext uri="{BB962C8B-B14F-4D97-AF65-F5344CB8AC3E}">
-        <p14:creationId xmlns:p14="http://schemas.microsoft.com/office/powerpoint/2010/main" val="3470756967"/>
+        <p14:creationId xmlns:p14="http://schemas.microsoft.com/office/powerpoint/2010/main" val="245948366"/>
       </p:ext>
     </p:extLst>
   </p:cSld>
@@ -1018,7 +1019,7 @@
           <a:p>
             <a:fld id="{115C48E2-7E56-40C8-9685-3F8DF3CF180A}" type="datetimeFigureOut">
               <a:rPr lang="en-GB" smtClean="0"/>
-              <a:t>07/12/2017</a:t>
+              <a:t>04/01/2018</a:t>
             </a:fld>
             <a:endParaRPr lang="en-GB"/>
           </a:p>
@@ -1100,7 +1101,7 @@
     </p:spTree>
     <p:extLst>
       <p:ext uri="{BB962C8B-B14F-4D97-AF65-F5344CB8AC3E}">
-        <p14:creationId xmlns:p14="http://schemas.microsoft.com/office/powerpoint/2010/main" val="2048267445"/>
+        <p14:creationId xmlns:p14="http://schemas.microsoft.com/office/powerpoint/2010/main" val="488599036"/>
       </p:ext>
     </p:extLst>
   </p:cSld>
@@ -1357,7 +1358,7 @@
           <a:p>
             <a:fld id="{115C48E2-7E56-40C8-9685-3F8DF3CF180A}" type="datetimeFigureOut">
               <a:rPr lang="en-GB" smtClean="0"/>
-              <a:t>07/12/2017</a:t>
+              <a:t>04/01/2018</a:t>
             </a:fld>
             <a:endParaRPr lang="en-GB"/>
           </a:p>
@@ -1507,7 +1508,7 @@
     </p:spTree>
     <p:extLst>
       <p:ext uri="{BB962C8B-B14F-4D97-AF65-F5344CB8AC3E}">
-        <p14:creationId xmlns:p14="http://schemas.microsoft.com/office/powerpoint/2010/main" val="524649815"/>
+        <p14:creationId xmlns:p14="http://schemas.microsoft.com/office/powerpoint/2010/main" val="2980275106"/>
       </p:ext>
     </p:extLst>
   </p:cSld>
@@ -1704,7 +1705,7 @@
           <a:p>
             <a:fld id="{115C48E2-7E56-40C8-9685-3F8DF3CF180A}" type="datetimeFigureOut">
               <a:rPr lang="en-GB" smtClean="0"/>
-              <a:t>07/12/2017</a:t>
+              <a:t>04/01/2018</a:t>
             </a:fld>
             <a:endParaRPr lang="en-GB"/>
           </a:p>
@@ -1755,7 +1756,7 @@
     </p:spTree>
     <p:extLst>
       <p:ext uri="{BB962C8B-B14F-4D97-AF65-F5344CB8AC3E}">
-        <p14:creationId xmlns:p14="http://schemas.microsoft.com/office/powerpoint/2010/main" val="812065766"/>
+        <p14:creationId xmlns:p14="http://schemas.microsoft.com/office/powerpoint/2010/main" val="3153777076"/>
       </p:ext>
     </p:extLst>
   </p:cSld>
@@ -2078,7 +2079,7 @@
           <a:p>
             <a:fld id="{115C48E2-7E56-40C8-9685-3F8DF3CF180A}" type="datetimeFigureOut">
               <a:rPr lang="en-GB" smtClean="0"/>
-              <a:t>07/12/2017</a:t>
+              <a:t>04/01/2018</a:t>
             </a:fld>
             <a:endParaRPr lang="en-GB"/>
           </a:p>
@@ -2228,7 +2229,7 @@
     </p:spTree>
     <p:extLst>
       <p:ext uri="{BB962C8B-B14F-4D97-AF65-F5344CB8AC3E}">
-        <p14:creationId xmlns:p14="http://schemas.microsoft.com/office/powerpoint/2010/main" val="1164691528"/>
+        <p14:creationId xmlns:p14="http://schemas.microsoft.com/office/powerpoint/2010/main" val="1267958594"/>
       </p:ext>
     </p:extLst>
   </p:cSld>
@@ -2548,7 +2549,7 @@
           <a:p>
             <a:fld id="{115C48E2-7E56-40C8-9685-3F8DF3CF180A}" type="datetimeFigureOut">
               <a:rPr lang="en-GB" smtClean="0"/>
-              <a:t>07/12/2017</a:t>
+              <a:t>04/01/2018</a:t>
             </a:fld>
             <a:endParaRPr lang="en-GB"/>
           </a:p>
@@ -2630,7 +2631,7 @@
     </p:spTree>
     <p:extLst>
       <p:ext uri="{BB962C8B-B14F-4D97-AF65-F5344CB8AC3E}">
-        <p14:creationId xmlns:p14="http://schemas.microsoft.com/office/powerpoint/2010/main" val="3615287835"/>
+        <p14:creationId xmlns:p14="http://schemas.microsoft.com/office/powerpoint/2010/main" val="3966588036"/>
       </p:ext>
     </p:extLst>
   </p:cSld>
@@ -2753,7 +2754,7 @@
           <a:p>
             <a:fld id="{115C48E2-7E56-40C8-9685-3F8DF3CF180A}" type="datetimeFigureOut">
               <a:rPr lang="en-GB" smtClean="0"/>
-              <a:t>07/12/2017</a:t>
+              <a:t>04/01/2018</a:t>
             </a:fld>
             <a:endParaRPr lang="en-GB"/>
           </a:p>
@@ -2835,7 +2836,7 @@
     </p:spTree>
     <p:extLst>
       <p:ext uri="{BB962C8B-B14F-4D97-AF65-F5344CB8AC3E}">
-        <p14:creationId xmlns:p14="http://schemas.microsoft.com/office/powerpoint/2010/main" val="3166232871"/>
+        <p14:creationId xmlns:p14="http://schemas.microsoft.com/office/powerpoint/2010/main" val="1200672592"/>
       </p:ext>
     </p:extLst>
   </p:cSld>
@@ -2964,7 +2965,7 @@
           <a:p>
             <a:fld id="{115C48E2-7E56-40C8-9685-3F8DF3CF180A}" type="datetimeFigureOut">
               <a:rPr lang="en-GB" smtClean="0"/>
-              <a:t>07/12/2017</a:t>
+              <a:t>04/01/2018</a:t>
             </a:fld>
             <a:endParaRPr lang="en-GB"/>
           </a:p>
@@ -3046,7 +3047,7 @@
     </p:spTree>
     <p:extLst>
       <p:ext uri="{BB962C8B-B14F-4D97-AF65-F5344CB8AC3E}">
-        <p14:creationId xmlns:p14="http://schemas.microsoft.com/office/powerpoint/2010/main" val="4193081573"/>
+        <p14:creationId xmlns:p14="http://schemas.microsoft.com/office/powerpoint/2010/main" val="1048630685"/>
       </p:ext>
     </p:extLst>
   </p:cSld>
@@ -3196,7 +3197,7 @@
           <a:p>
             <a:fld id="{115C48E2-7E56-40C8-9685-3F8DF3CF180A}" type="datetimeFigureOut">
               <a:rPr lang="en-GB" smtClean="0"/>
-              <a:t>07/12/2017</a:t>
+              <a:t>04/01/2018</a:t>
             </a:fld>
             <a:endParaRPr lang="en-GB"/>
           </a:p>
@@ -3247,7 +3248,7 @@
     </p:spTree>
     <p:extLst>
       <p:ext uri="{BB962C8B-B14F-4D97-AF65-F5344CB8AC3E}">
-        <p14:creationId xmlns:p14="http://schemas.microsoft.com/office/powerpoint/2010/main" val="39278873"/>
+        <p14:creationId xmlns:p14="http://schemas.microsoft.com/office/powerpoint/2010/main" val="493277027"/>
       </p:ext>
     </p:extLst>
   </p:cSld>
@@ -3444,7 +3445,7 @@
           <a:p>
             <a:fld id="{115C48E2-7E56-40C8-9685-3F8DF3CF180A}" type="datetimeFigureOut">
               <a:rPr lang="en-GB" smtClean="0"/>
-              <a:t>07/12/2017</a:t>
+              <a:t>04/01/2018</a:t>
             </a:fld>
             <a:endParaRPr lang="en-GB"/>
           </a:p>
@@ -3526,7 +3527,7 @@
     </p:spTree>
     <p:extLst>
       <p:ext uri="{BB962C8B-B14F-4D97-AF65-F5344CB8AC3E}">
-        <p14:creationId xmlns:p14="http://schemas.microsoft.com/office/powerpoint/2010/main" val="2150010184"/>
+        <p14:creationId xmlns:p14="http://schemas.microsoft.com/office/powerpoint/2010/main" val="2292518193"/>
       </p:ext>
     </p:extLst>
   </p:cSld>
@@ -3742,7 +3743,7 @@
           <a:p>
             <a:fld id="{115C48E2-7E56-40C8-9685-3F8DF3CF180A}" type="datetimeFigureOut">
               <a:rPr lang="en-GB" smtClean="0"/>
-              <a:t>07/12/2017</a:t>
+              <a:t>04/01/2018</a:t>
             </a:fld>
             <a:endParaRPr lang="en-GB"/>
           </a:p>
@@ -3793,7 +3794,7 @@
     </p:spTree>
     <p:extLst>
       <p:ext uri="{BB962C8B-B14F-4D97-AF65-F5344CB8AC3E}">
-        <p14:creationId xmlns:p14="http://schemas.microsoft.com/office/powerpoint/2010/main" val="1001370804"/>
+        <p14:creationId xmlns:p14="http://schemas.microsoft.com/office/powerpoint/2010/main" val="1542736784"/>
       </p:ext>
     </p:extLst>
   </p:cSld>
@@ -4136,7 +4137,7 @@
           <a:p>
             <a:fld id="{115C48E2-7E56-40C8-9685-3F8DF3CF180A}" type="datetimeFigureOut">
               <a:rPr lang="en-GB" smtClean="0"/>
-              <a:t>07/12/2017</a:t>
+              <a:t>04/01/2018</a:t>
             </a:fld>
             <a:endParaRPr lang="en-GB"/>
           </a:p>
@@ -4218,7 +4219,7 @@
     </p:spTree>
     <p:extLst>
       <p:ext uri="{BB962C8B-B14F-4D97-AF65-F5344CB8AC3E}">
-        <p14:creationId xmlns:p14="http://schemas.microsoft.com/office/powerpoint/2010/main" val="1666491711"/>
+        <p14:creationId xmlns:p14="http://schemas.microsoft.com/office/powerpoint/2010/main" val="745803703"/>
       </p:ext>
     </p:extLst>
   </p:cSld>
@@ -4285,7 +4286,7 @@
           <a:p>
             <a:fld id="{115C48E2-7E56-40C8-9685-3F8DF3CF180A}" type="datetimeFigureOut">
               <a:rPr lang="en-GB" smtClean="0"/>
-              <a:t>07/12/2017</a:t>
+              <a:t>04/01/2018</a:t>
             </a:fld>
             <a:endParaRPr lang="en-GB"/>
           </a:p>
@@ -4367,7 +4368,7 @@
     </p:spTree>
     <p:extLst>
       <p:ext uri="{BB962C8B-B14F-4D97-AF65-F5344CB8AC3E}">
-        <p14:creationId xmlns:p14="http://schemas.microsoft.com/office/powerpoint/2010/main" val="3636990717"/>
+        <p14:creationId xmlns:p14="http://schemas.microsoft.com/office/powerpoint/2010/main" val="1267448755"/>
       </p:ext>
     </p:extLst>
   </p:cSld>
@@ -4411,7 +4412,7 @@
           <a:p>
             <a:fld id="{115C48E2-7E56-40C8-9685-3F8DF3CF180A}" type="datetimeFigureOut">
               <a:rPr lang="en-GB" smtClean="0"/>
-              <a:t>07/12/2017</a:t>
+              <a:t>04/01/2018</a:t>
             </a:fld>
             <a:endParaRPr lang="en-GB"/>
           </a:p>
@@ -4462,7 +4463,7 @@
     </p:spTree>
     <p:extLst>
       <p:ext uri="{BB962C8B-B14F-4D97-AF65-F5344CB8AC3E}">
-        <p14:creationId xmlns:p14="http://schemas.microsoft.com/office/powerpoint/2010/main" val="3777954257"/>
+        <p14:creationId xmlns:p14="http://schemas.microsoft.com/office/powerpoint/2010/main" val="2480609926"/>
       </p:ext>
     </p:extLst>
   </p:cSld>
@@ -4666,7 +4667,7 @@
           <a:p>
             <a:fld id="{115C48E2-7E56-40C8-9685-3F8DF3CF180A}" type="datetimeFigureOut">
               <a:rPr lang="en-GB" smtClean="0"/>
-              <a:t>07/12/2017</a:t>
+              <a:t>04/01/2018</a:t>
             </a:fld>
             <a:endParaRPr lang="en-GB"/>
           </a:p>
@@ -4748,7 +4749,7 @@
     </p:spTree>
     <p:extLst>
       <p:ext uri="{BB962C8B-B14F-4D97-AF65-F5344CB8AC3E}">
-        <p14:creationId xmlns:p14="http://schemas.microsoft.com/office/powerpoint/2010/main" val="964398696"/>
+        <p14:creationId xmlns:p14="http://schemas.microsoft.com/office/powerpoint/2010/main" val="1935092355"/>
       </p:ext>
     </p:extLst>
   </p:cSld>
@@ -4981,7 +4982,7 @@
           <a:p>
             <a:fld id="{115C48E2-7E56-40C8-9685-3F8DF3CF180A}" type="datetimeFigureOut">
               <a:rPr lang="en-GB" smtClean="0"/>
-              <a:t>07/12/2017</a:t>
+              <a:t>04/01/2018</a:t>
             </a:fld>
             <a:endParaRPr lang="en-GB"/>
           </a:p>
@@ -5032,7 +5033,7 @@
     </p:spTree>
     <p:extLst>
       <p:ext uri="{BB962C8B-B14F-4D97-AF65-F5344CB8AC3E}">
-        <p14:creationId xmlns:p14="http://schemas.microsoft.com/office/powerpoint/2010/main" val="556232661"/>
+        <p14:creationId xmlns:p14="http://schemas.microsoft.com/office/powerpoint/2010/main" val="1681217137"/>
       </p:ext>
     </p:extLst>
   </p:cSld>
@@ -5332,7 +5333,7 @@
           <a:p>
             <a:fld id="{115C48E2-7E56-40C8-9685-3F8DF3CF180A}" type="datetimeFigureOut">
               <a:rPr lang="en-GB" smtClean="0"/>
-              <a:t>07/12/2017</a:t>
+              <a:t>04/01/2018</a:t>
             </a:fld>
             <a:endParaRPr lang="en-GB"/>
           </a:p>
@@ -5419,29 +5420,29 @@
     </p:spTree>
     <p:extLst>
       <p:ext uri="{BB962C8B-B14F-4D97-AF65-F5344CB8AC3E}">
-        <p14:creationId xmlns:p14="http://schemas.microsoft.com/office/powerpoint/2010/main" val="4205438872"/>
+        <p14:creationId xmlns:p14="http://schemas.microsoft.com/office/powerpoint/2010/main" val="198917975"/>
       </p:ext>
     </p:extLst>
   </p:cSld>
   <p:clrMap bg1="lt1" tx1="dk1" bg2="lt2" tx2="dk2" accent1="accent1" accent2="accent2" accent3="accent3" accent4="accent4" accent5="accent5" accent6="accent6" hlink="hlink" folHlink="folHlink"/>
   <p:sldLayoutIdLst>
-    <p:sldLayoutId id="2147483982" r:id="rId1"/>
-    <p:sldLayoutId id="2147483983" r:id="rId2"/>
-    <p:sldLayoutId id="2147483984" r:id="rId3"/>
-    <p:sldLayoutId id="2147483985" r:id="rId4"/>
-    <p:sldLayoutId id="2147483986" r:id="rId5"/>
-    <p:sldLayoutId id="2147483987" r:id="rId6"/>
-    <p:sldLayoutId id="2147483988" r:id="rId7"/>
-    <p:sldLayoutId id="2147483989" r:id="rId8"/>
-    <p:sldLayoutId id="2147483990" r:id="rId9"/>
-    <p:sldLayoutId id="2147483991" r:id="rId10"/>
-    <p:sldLayoutId id="2147483992" r:id="rId11"/>
-    <p:sldLayoutId id="2147483993" r:id="rId12"/>
-    <p:sldLayoutId id="2147483994" r:id="rId13"/>
-    <p:sldLayoutId id="2147483995" r:id="rId14"/>
-    <p:sldLayoutId id="2147483996" r:id="rId15"/>
-    <p:sldLayoutId id="2147483997" r:id="rId16"/>
-    <p:sldLayoutId id="2147483998" r:id="rId17"/>
+    <p:sldLayoutId id="2147484114" r:id="rId1"/>
+    <p:sldLayoutId id="2147484115" r:id="rId2"/>
+    <p:sldLayoutId id="2147484116" r:id="rId3"/>
+    <p:sldLayoutId id="2147484117" r:id="rId4"/>
+    <p:sldLayoutId id="2147484118" r:id="rId5"/>
+    <p:sldLayoutId id="2147484119" r:id="rId6"/>
+    <p:sldLayoutId id="2147484120" r:id="rId7"/>
+    <p:sldLayoutId id="2147484121" r:id="rId8"/>
+    <p:sldLayoutId id="2147484122" r:id="rId9"/>
+    <p:sldLayoutId id="2147484123" r:id="rId10"/>
+    <p:sldLayoutId id="2147484124" r:id="rId11"/>
+    <p:sldLayoutId id="2147484125" r:id="rId12"/>
+    <p:sldLayoutId id="2147484126" r:id="rId13"/>
+    <p:sldLayoutId id="2147484127" r:id="rId14"/>
+    <p:sldLayoutId id="2147484128" r:id="rId15"/>
+    <p:sldLayoutId id="2147484129" r:id="rId16"/>
+    <p:sldLayoutId id="2147484130" r:id="rId17"/>
   </p:sldLayoutIdLst>
   <p:txStyles>
     <p:titleStyle>
@@ -5940,6 +5941,13 @@
   <p:clrMapOvr>
     <a:masterClrMapping/>
   </p:clrMapOvr>
+  <p:timing>
+    <p:tnLst>
+      <p:par>
+        <p:cTn id="1" dur="indefinite" restart="never" nodeType="tmRoot"/>
+      </p:par>
+    </p:tnLst>
+  </p:timing>
 </p:sld>
 </file>
 
@@ -6066,6 +6074,13 @@
   <p:clrMapOvr>
     <a:masterClrMapping/>
   </p:clrMapOvr>
+  <p:timing>
+    <p:tnLst>
+      <p:par>
+        <p:cTn id="1" dur="indefinite" restart="never" nodeType="tmRoot"/>
+      </p:par>
+    </p:tnLst>
+  </p:timing>
 </p:sld>
 </file>
 
@@ -6134,7 +6149,7 @@
         <p:spPr/>
         <p:txBody>
           <a:bodyPr>
-            <a:normAutofit fontScale="70000" lnSpcReduction="20000"/>
+            <a:normAutofit fontScale="85000" lnSpcReduction="20000"/>
           </a:bodyPr>
           <a:lstStyle/>
           <a:p>
@@ -6146,7 +6161,17 @@
                   </a:schemeClr>
                 </a:solidFill>
               </a:rPr>
-              <a:t>Objective:</a:t>
+              <a:t>Objective</a:t>
+            </a:r>
+            <a:r>
+              <a:rPr lang="en-GB" b="1" dirty="0" smtClean="0">
+                <a:solidFill>
+                  <a:schemeClr val="accent1">
+                    <a:lumMod val="75000"/>
+                  </a:schemeClr>
+                </a:solidFill>
+              </a:rPr>
+              <a:t>:</a:t>
             </a:r>
             <a:r>
               <a:rPr lang="en-GB" b="1" dirty="0" smtClean="0"/>
@@ -6156,18 +6181,33 @@
           <a:p>
             <a:pPr lvl="1"/>
             <a:r>
+              <a:rPr lang="en-GB" dirty="0"/>
+              <a:t>L</a:t>
+            </a:r>
+            <a:r>
               <a:rPr lang="en-GB" dirty="0" smtClean="0"/>
-              <a:t>leave no bug unturned</a:t>
-            </a:r>
-          </a:p>
-          <a:p>
-            <a:r>
-              <a:rPr lang="en-GB" b="1" dirty="0">
+              <a:t>eave </a:t>
+            </a:r>
+            <a:r>
+              <a:rPr lang="en-GB" dirty="0" smtClean="0"/>
+              <a:t>no bug unturned</a:t>
+            </a:r>
+          </a:p>
+          <a:p>
+            <a:r>
+              <a:rPr lang="en-GB" b="1" dirty="0" smtClean="0">
                 <a:solidFill>
                   <a:schemeClr val="accent1"/>
                 </a:solidFill>
               </a:rPr>
-              <a:t>Strategy</a:t>
+              <a:t>Strategy:</a:t>
+            </a:r>
+          </a:p>
+          <a:p>
+            <a:pPr lvl="1"/>
+            <a:r>
+              <a:rPr lang="en-GB" dirty="0" smtClean="0"/>
+              <a:t>Explore the app </a:t>
             </a:r>
           </a:p>
           <a:p>
@@ -6184,76 +6224,46 @@
               <a:rPr lang="en-GB" dirty="0" smtClean="0"/>
               <a:t>functionalities</a:t>
             </a:r>
+            <a:r>
+              <a:rPr lang="en-GB" dirty="0" smtClean="0"/>
+              <a:t> </a:t>
+            </a:r>
           </a:p>
           <a:p>
             <a:pPr lvl="1"/>
             <a:r>
-              <a:rPr lang="en-GB" dirty="0"/>
-              <a:t>Identify the system inputs and outputs</a:t>
-            </a:r>
-            <a:endParaRPr lang="en-GB" b="1" dirty="0" smtClean="0"/>
+              <a:rPr lang="en-GB" dirty="0" smtClean="0"/>
+              <a:t>Create a test data set</a:t>
+            </a:r>
           </a:p>
           <a:p>
             <a:pPr lvl="1"/>
             <a:r>
               <a:rPr lang="en-GB" dirty="0" smtClean="0"/>
-              <a:t>Methodical </a:t>
-            </a:r>
-            <a:r>
-              <a:rPr lang="en-GB" dirty="0"/>
-              <a:t>approach, which is based on failures</a:t>
+              <a:t>Create </a:t>
             </a:r>
             <a:r>
               <a:rPr lang="en-GB" dirty="0" smtClean="0"/>
-              <a:t>.</a:t>
+              <a:t>and run testing </a:t>
+            </a:r>
+            <a:r>
+              <a:rPr lang="en-GB" dirty="0" smtClean="0"/>
+              <a:t>scenarios</a:t>
             </a:r>
           </a:p>
           <a:p>
             <a:pPr lvl="1"/>
             <a:r>
-              <a:rPr lang="en-GB" dirty="0"/>
-              <a:t>Context-driven testing </a:t>
-            </a:r>
-            <a:endParaRPr lang="en-GB" dirty="0" smtClean="0"/>
+              <a:rPr lang="en-GB" dirty="0" smtClean="0"/>
+              <a:t>Report bugs</a:t>
+            </a:r>
+            <a:endParaRPr lang="en-GB" dirty="0"/>
           </a:p>
           <a:p>
             <a:pPr lvl="1"/>
             <a:r>
               <a:rPr lang="en-GB" dirty="0" smtClean="0"/>
-              <a:t>Create and run testing scenarios</a:t>
-            </a:r>
-            <a:endParaRPr lang="en-GB" dirty="0"/>
-          </a:p>
-          <a:p>
-            <a:pPr lvl="1"/>
-            <a:r>
-              <a:rPr lang="en-GB" dirty="0" smtClean="0"/>
-              <a:t>Test Techniques: Manual, dynamic, black-box, functional testing:</a:t>
-            </a:r>
-          </a:p>
-          <a:p>
-            <a:pPr marL="457200" lvl="1" indent="0">
-              <a:buNone/>
-            </a:pPr>
-            <a:r>
-              <a:rPr lang="en-GB" dirty="0" smtClean="0"/>
-              <a:t>Exploratory testing, Component testing,</a:t>
-            </a:r>
-            <a:r>
-              <a:rPr lang="en-GB" dirty="0"/>
-              <a:t> </a:t>
-            </a:r>
-            <a:r>
-              <a:rPr lang="en-GB" dirty="0" smtClean="0"/>
-              <a:t>System testing, </a:t>
-            </a:r>
-            <a:r>
-              <a:rPr lang="en-GB" dirty="0"/>
-              <a:t>Usability Testing</a:t>
-            </a:r>
-            <a:r>
-              <a:rPr lang="en-GB" dirty="0" smtClean="0"/>
-              <a:t> </a:t>
+              <a:t>Create a test report</a:t>
             </a:r>
           </a:p>
           <a:p>
@@ -6282,9 +6292,39 @@
           </a:stretch>
         </p:blipFill>
         <p:spPr>
+          <a:xfrm rot="3314503">
+            <a:off x="7796399" y="3404195"/>
+            <a:ext cx="3353863" cy="1657803"/>
+          </a:xfrm>
+          <a:prstGeom prst="rect">
+            <a:avLst/>
+          </a:prstGeom>
+        </p:spPr>
+      </p:pic>
+      <p:pic>
+        <p:nvPicPr>
+          <p:cNvPr id="5" name="Picture 4"/>
+          <p:cNvPicPr>
+            <a:picLocks noChangeAspect="1"/>
+          </p:cNvPicPr>
+          <p:nvPr/>
+        </p:nvPicPr>
+        <p:blipFill>
+          <a:blip r:embed="rId3">
+            <a:extLst>
+              <a:ext uri="{28A0092B-C50C-407E-A947-70E740481C1C}">
+                <a14:useLocalDpi xmlns:a14="http://schemas.microsoft.com/office/drawing/2010/main" val="0"/>
+              </a:ext>
+            </a:extLst>
+          </a:blip>
+          <a:stretch>
+            <a:fillRect/>
+          </a:stretch>
+        </p:blipFill>
+        <p:spPr>
           <a:xfrm>
-            <a:off x="6081623" y="2556932"/>
-            <a:ext cx="4719537" cy="2332851"/>
+            <a:off x="4890247" y="2520860"/>
+            <a:ext cx="1205751" cy="1205751"/>
           </a:xfrm>
           <a:prstGeom prst="rect">
             <a:avLst/>
@@ -6301,6 +6341,13 @@
   <p:clrMapOvr>
     <a:masterClrMapping/>
   </p:clrMapOvr>
+  <p:timing>
+    <p:tnLst>
+      <p:par>
+        <p:cTn id="1" dur="indefinite" restart="never" nodeType="tmRoot"/>
+      </p:par>
+    </p:tnLst>
+  </p:timing>
 </p:sld>
 </file>
 
@@ -6441,6 +6488,141 @@
   <p:clrMapOvr>
     <a:masterClrMapping/>
   </p:clrMapOvr>
+  <p:timing>
+    <p:tnLst>
+      <p:par>
+        <p:cTn id="1" dur="indefinite" restart="never" nodeType="tmRoot"/>
+      </p:par>
+    </p:tnLst>
+  </p:timing>
+</p:sld>
+</file>
+
+<file path=ppt/slides/slide5.xml><?xml version="1.0" encoding="utf-8"?>
+<p:sld xmlns:a="http://schemas.openxmlformats.org/drawingml/2006/main" xmlns:r="http://schemas.openxmlformats.org/officeDocument/2006/relationships" xmlns:p="http://schemas.openxmlformats.org/presentationml/2006/main">
+  <p:cSld>
+    <p:spTree>
+      <p:nvGrpSpPr>
+        <p:cNvPr id="1" name=""/>
+        <p:cNvGrpSpPr/>
+        <p:nvPr/>
+      </p:nvGrpSpPr>
+      <p:grpSpPr>
+        <a:xfrm>
+          <a:off x="0" y="0"/>
+          <a:ext cx="0" cy="0"/>
+          <a:chOff x="0" y="0"/>
+          <a:chExt cx="0" cy="0"/>
+        </a:xfrm>
+      </p:grpSpPr>
+      <p:sp>
+        <p:nvSpPr>
+          <p:cNvPr id="2" name="Title 1"/>
+          <p:cNvSpPr>
+            <a:spLocks noGrp="1"/>
+          </p:cNvSpPr>
+          <p:nvPr>
+            <p:ph type="title"/>
+          </p:nvPr>
+        </p:nvSpPr>
+        <p:spPr/>
+        <p:txBody>
+          <a:bodyPr/>
+          <a:lstStyle/>
+          <a:p>
+            <a:r>
+              <a:rPr lang="en-GB" dirty="0"/>
+              <a:t>T</a:t>
+            </a:r>
+            <a:r>
+              <a:rPr lang="en-GB" dirty="0" smtClean="0"/>
+              <a:t>esting </a:t>
+            </a:r>
+            <a:r>
+              <a:rPr lang="en-GB" dirty="0"/>
+              <a:t>types covered</a:t>
+            </a:r>
+            <a:endParaRPr lang="en-GB" dirty="0"/>
+          </a:p>
+        </p:txBody>
+      </p:sp>
+      <p:sp>
+        <p:nvSpPr>
+          <p:cNvPr id="3" name="Content Placeholder 2"/>
+          <p:cNvSpPr>
+            <a:spLocks noGrp="1"/>
+          </p:cNvSpPr>
+          <p:nvPr>
+            <p:ph idx="1"/>
+          </p:nvPr>
+        </p:nvSpPr>
+        <p:spPr/>
+        <p:txBody>
+          <a:bodyPr/>
+          <a:lstStyle/>
+          <a:p>
+            <a:r>
+              <a:rPr lang="en-GB" dirty="0"/>
+              <a:t>Exploratory </a:t>
+            </a:r>
+            <a:r>
+              <a:rPr lang="en-GB" dirty="0" smtClean="0"/>
+              <a:t>testing</a:t>
+            </a:r>
+          </a:p>
+          <a:p>
+            <a:r>
+              <a:rPr lang="en-GB" dirty="0" smtClean="0"/>
+              <a:t>Component testing</a:t>
+            </a:r>
+            <a:endParaRPr lang="en-GB" dirty="0"/>
+          </a:p>
+          <a:p>
+            <a:r>
+              <a:rPr lang="en-GB" dirty="0" smtClean="0"/>
+              <a:t>System testing</a:t>
+            </a:r>
+          </a:p>
+          <a:p>
+            <a:r>
+              <a:rPr lang="en-GB" dirty="0" smtClean="0"/>
+              <a:t>Usability </a:t>
+            </a:r>
+            <a:r>
+              <a:rPr lang="en-GB" dirty="0"/>
+              <a:t>Testing </a:t>
+            </a:r>
+            <a:endParaRPr lang="en-GB" dirty="0" smtClean="0"/>
+          </a:p>
+          <a:p>
+            <a:r>
+              <a:rPr lang="en-GB" dirty="0" smtClean="0"/>
+              <a:t>Interruption </a:t>
+            </a:r>
+            <a:r>
+              <a:rPr lang="en-GB" dirty="0"/>
+              <a:t>testing</a:t>
+            </a:r>
+          </a:p>
+        </p:txBody>
+      </p:sp>
+    </p:spTree>
+    <p:extLst>
+      <p:ext uri="{BB962C8B-B14F-4D97-AF65-F5344CB8AC3E}">
+        <p14:creationId xmlns:p14="http://schemas.microsoft.com/office/powerpoint/2010/main" val="1297059855"/>
+      </p:ext>
+    </p:extLst>
+  </p:cSld>
+  <p:clrMapOvr>
+    <a:masterClrMapping/>
+  </p:clrMapOvr>
+  <p:timing>
+    <p:tnLst>
+      <p:par>
+        <p:cTn id="1" dur="indefinite" restart="never" nodeType="tmRoot"/>
+      </p:par>
+    </p:tnLst>
+  </p:timing>
 </p:sld>
 </file>
 

--- a/final-project/virtual-cards/virtual-cards.pptx
+++ b/final-project/virtual-cards/virtual-cards.pptx
@@ -343,7 +343,7 @@
           <a:p>
             <a:fld id="{115C48E2-7E56-40C8-9685-3F8DF3CF180A}" type="datetimeFigureOut">
               <a:rPr lang="en-GB" smtClean="0"/>
-              <a:t>11/01/2018</a:t>
+              <a:t>15/01/2018</a:t>
             </a:fld>
             <a:endParaRPr lang="en-GB"/>
           </a:p>
@@ -551,7 +551,7 @@
           <a:p>
             <a:fld id="{115C48E2-7E56-40C8-9685-3F8DF3CF180A}" type="datetimeFigureOut">
               <a:rPr lang="en-GB" smtClean="0"/>
-              <a:t>11/01/2018</a:t>
+              <a:t>15/01/2018</a:t>
             </a:fld>
             <a:endParaRPr lang="en-GB"/>
           </a:p>
@@ -807,7 +807,7 @@
           <a:p>
             <a:fld id="{115C48E2-7E56-40C8-9685-3F8DF3CF180A}" type="datetimeFigureOut">
               <a:rPr lang="en-GB" smtClean="0"/>
-              <a:t>11/01/2018</a:t>
+              <a:t>15/01/2018</a:t>
             </a:fld>
             <a:endParaRPr lang="en-GB"/>
           </a:p>
@@ -1091,7 +1091,7 @@
           <a:p>
             <a:fld id="{115C48E2-7E56-40C8-9685-3F8DF3CF180A}" type="datetimeFigureOut">
               <a:rPr lang="en-GB" smtClean="0"/>
-              <a:t>11/01/2018</a:t>
+              <a:t>15/01/2018</a:t>
             </a:fld>
             <a:endParaRPr lang="en-GB"/>
           </a:p>
@@ -1265,7 +1265,7 @@
           <a:p>
             <a:fld id="{115C48E2-7E56-40C8-9685-3F8DF3CF180A}" type="datetimeFigureOut">
               <a:rPr lang="en-GB" smtClean="0"/>
-              <a:t>11/01/2018</a:t>
+              <a:t>15/01/2018</a:t>
             </a:fld>
             <a:endParaRPr lang="en-GB"/>
           </a:p>
@@ -1608,7 +1608,7 @@
           <a:p>
             <a:fld id="{115C48E2-7E56-40C8-9685-3F8DF3CF180A}" type="datetimeFigureOut">
               <a:rPr lang="en-GB" smtClean="0"/>
-              <a:t>11/01/2018</a:t>
+              <a:t>15/01/2018</a:t>
             </a:fld>
             <a:endParaRPr lang="en-GB"/>
           </a:p>
@@ -1883,7 +1883,7 @@
           <a:p>
             <a:fld id="{115C48E2-7E56-40C8-9685-3F8DF3CF180A}" type="datetimeFigureOut">
               <a:rPr lang="en-GB" smtClean="0"/>
-              <a:t>11/01/2018</a:t>
+              <a:t>15/01/2018</a:t>
             </a:fld>
             <a:endParaRPr lang="en-GB"/>
           </a:p>
@@ -2262,7 +2262,7 @@
           <a:p>
             <a:fld id="{115C48E2-7E56-40C8-9685-3F8DF3CF180A}" type="datetimeFigureOut">
               <a:rPr lang="en-GB" smtClean="0"/>
-              <a:t>11/01/2018</a:t>
+              <a:t>15/01/2018</a:t>
             </a:fld>
             <a:endParaRPr lang="en-GB"/>
           </a:p>
@@ -2380,7 +2380,7 @@
           <a:p>
             <a:fld id="{115C48E2-7E56-40C8-9685-3F8DF3CF180A}" type="datetimeFigureOut">
               <a:rPr lang="en-GB" smtClean="0"/>
-              <a:t>11/01/2018</a:t>
+              <a:t>15/01/2018</a:t>
             </a:fld>
             <a:endParaRPr lang="en-GB"/>
           </a:p>
@@ -2551,7 +2551,7 @@
           <a:p>
             <a:fld id="{115C48E2-7E56-40C8-9685-3F8DF3CF180A}" type="datetimeFigureOut">
               <a:rPr lang="en-GB" smtClean="0"/>
-              <a:t>11/01/2018</a:t>
+              <a:t>15/01/2018</a:t>
             </a:fld>
             <a:endParaRPr lang="en-GB"/>
           </a:p>
@@ -2905,7 +2905,7 @@
           <a:p>
             <a:fld id="{115C48E2-7E56-40C8-9685-3F8DF3CF180A}" type="datetimeFigureOut">
               <a:rPr lang="en-GB" smtClean="0"/>
-              <a:t>11/01/2018</a:t>
+              <a:t>15/01/2018</a:t>
             </a:fld>
             <a:endParaRPr lang="en-GB"/>
           </a:p>
@@ -3287,7 +3287,7 @@
           <a:p>
             <a:fld id="{115C48E2-7E56-40C8-9685-3F8DF3CF180A}" type="datetimeFigureOut">
               <a:rPr lang="en-GB" smtClean="0"/>
-              <a:t>11/01/2018</a:t>
+              <a:t>15/01/2018</a:t>
             </a:fld>
             <a:endParaRPr lang="en-GB"/>
           </a:p>
@@ -3574,7 +3574,7 @@
           <a:p>
             <a:fld id="{115C48E2-7E56-40C8-9685-3F8DF3CF180A}" type="datetimeFigureOut">
               <a:rPr lang="en-GB" smtClean="0"/>
-              <a:t>11/01/2018</a:t>
+              <a:t>15/01/2018</a:t>
             </a:fld>
             <a:endParaRPr lang="en-GB"/>
           </a:p>
@@ -4254,8 +4254,8 @@
         </p:blipFill>
         <p:spPr>
           <a:xfrm>
-            <a:off x="5085660" y="1166722"/>
-            <a:ext cx="4991100" cy="4791075"/>
+            <a:off x="4278701" y="434347"/>
+            <a:ext cx="3192880" cy="3064921"/>
           </a:xfrm>
         </p:spPr>
       </p:pic>
@@ -4283,6 +4283,96 @@
           </a:p>
         </p:txBody>
       </p:sp>
+      <p:pic>
+        <p:nvPicPr>
+          <p:cNvPr id="3" name="Picture 2"/>
+          <p:cNvPicPr>
+            <a:picLocks noChangeAspect="1"/>
+          </p:cNvPicPr>
+          <p:nvPr/>
+        </p:nvPicPr>
+        <p:blipFill>
+          <a:blip r:embed="rId3">
+            <a:extLst>
+              <a:ext uri="{28A0092B-C50C-407E-A947-70E740481C1C}">
+                <a14:useLocalDpi xmlns:a14="http://schemas.microsoft.com/office/drawing/2010/main" val="0"/>
+              </a:ext>
+            </a:extLst>
+          </a:blip>
+          <a:stretch>
+            <a:fillRect/>
+          </a:stretch>
+        </p:blipFill>
+        <p:spPr>
+          <a:xfrm>
+            <a:off x="4342344" y="3830130"/>
+            <a:ext cx="3209991" cy="2921298"/>
+          </a:xfrm>
+          <a:prstGeom prst="rect">
+            <a:avLst/>
+          </a:prstGeom>
+        </p:spPr>
+      </p:pic>
+      <p:pic>
+        <p:nvPicPr>
+          <p:cNvPr id="6" name="Picture 5"/>
+          <p:cNvPicPr>
+            <a:picLocks noChangeAspect="1"/>
+          </p:cNvPicPr>
+          <p:nvPr/>
+        </p:nvPicPr>
+        <p:blipFill>
+          <a:blip r:embed="rId4">
+            <a:extLst>
+              <a:ext uri="{28A0092B-C50C-407E-A947-70E740481C1C}">
+                <a14:useLocalDpi xmlns:a14="http://schemas.microsoft.com/office/drawing/2010/main" val="0"/>
+              </a:ext>
+            </a:extLst>
+          </a:blip>
+          <a:stretch>
+            <a:fillRect/>
+          </a:stretch>
+        </p:blipFill>
+        <p:spPr>
+          <a:xfrm>
+            <a:off x="8802201" y="820336"/>
+            <a:ext cx="2538431" cy="2105744"/>
+          </a:xfrm>
+          <a:prstGeom prst="rect">
+            <a:avLst/>
+          </a:prstGeom>
+        </p:spPr>
+      </p:pic>
+      <p:pic>
+        <p:nvPicPr>
+          <p:cNvPr id="7" name="Picture 6"/>
+          <p:cNvPicPr>
+            <a:picLocks noChangeAspect="1"/>
+          </p:cNvPicPr>
+          <p:nvPr/>
+        </p:nvPicPr>
+        <p:blipFill>
+          <a:blip r:embed="rId5">
+            <a:extLst>
+              <a:ext uri="{28A0092B-C50C-407E-A947-70E740481C1C}">
+                <a14:useLocalDpi xmlns:a14="http://schemas.microsoft.com/office/drawing/2010/main" val="0"/>
+              </a:ext>
+            </a:extLst>
+          </a:blip>
+          <a:stretch>
+            <a:fillRect/>
+          </a:stretch>
+        </p:blipFill>
+        <p:spPr>
+          <a:xfrm>
+            <a:off x="8789278" y="4071668"/>
+            <a:ext cx="2692479" cy="2233534"/>
+          </a:xfrm>
+          <a:prstGeom prst="rect">
+            <a:avLst/>
+          </a:prstGeom>
+        </p:spPr>
+      </p:pic>
     </p:spTree>
     <p:extLst>
       <p:ext uri="{BB962C8B-B14F-4D97-AF65-F5344CB8AC3E}">
@@ -4402,7 +4492,9 @@
             <a:r>
               <a:rPr lang="en-GB" b="1" dirty="0" smtClean="0">
                 <a:solidFill>
-                  <a:schemeClr val="accent1"/>
+                  <a:schemeClr val="accent1">
+                    <a:lumMod val="75000"/>
+                  </a:schemeClr>
                 </a:solidFill>
               </a:rPr>
               <a:t>Strategy:</a:t>
@@ -4486,7 +4578,7 @@
         </p:blipFill>
         <p:spPr>
           <a:xfrm rot="3150007">
-            <a:off x="8333726" y="2728473"/>
+            <a:off x="8488796" y="2952761"/>
             <a:ext cx="2604736" cy="1287512"/>
           </a:xfrm>
           <a:prstGeom prst="rect">
@@ -4496,14 +4588,14 @@
       </p:pic>
       <p:pic>
         <p:nvPicPr>
-          <p:cNvPr id="6" name="Picture 5"/>
+          <p:cNvPr id="5" name="Picture 4"/>
           <p:cNvPicPr>
             <a:picLocks noChangeAspect="1"/>
           </p:cNvPicPr>
           <p:nvPr/>
         </p:nvPicPr>
         <p:blipFill>
-          <a:blip r:embed="rId3" cstate="print">
+          <a:blip r:embed="rId3">
             <a:extLst>
               <a:ext uri="{28A0092B-C50C-407E-A947-70E740481C1C}">
                 <a14:useLocalDpi xmlns:a14="http://schemas.microsoft.com/office/drawing/2010/main" val="0"/>
@@ -4516,8 +4608,8 @@
         </p:blipFill>
         <p:spPr>
           <a:xfrm>
-            <a:off x="5069743" y="2155521"/>
-            <a:ext cx="2113473" cy="2641841"/>
+            <a:off x="5024437" y="2357437"/>
+            <a:ext cx="2143125" cy="2143125"/>
           </a:xfrm>
           <a:prstGeom prst="rect">
             <a:avLst/>

--- a/final-project/virtual-cards/virtual-cards.pptx
+++ b/final-project/virtual-cards/virtual-cards.pptx
@@ -13,7 +13,8 @@
     <p:sldId id="261" r:id="rId7"/>
     <p:sldId id="265" r:id="rId8"/>
     <p:sldId id="267" r:id="rId9"/>
-    <p:sldId id="264" r:id="rId10"/>
+    <p:sldId id="268" r:id="rId10"/>
+    <p:sldId id="264" r:id="rId11"/>
   </p:sldIdLst>
   <p:sldSz cx="12192000" cy="6858000"/>
   <p:notesSz cx="6858000" cy="9144000"/>
@@ -1256,7 +1257,7 @@
           <a:p>
             <a:fld id="{115C48E2-7E56-40C8-9685-3F8DF3CF180A}" type="datetimeFigureOut">
               <a:rPr lang="en-GB" smtClean="0"/>
-              <a:t>20/01/2018</a:t>
+              <a:t>22/01/2018</a:t>
             </a:fld>
             <a:endParaRPr lang="en-GB"/>
           </a:p>
@@ -1464,7 +1465,7 @@
           <a:p>
             <a:fld id="{115C48E2-7E56-40C8-9685-3F8DF3CF180A}" type="datetimeFigureOut">
               <a:rPr lang="en-GB" smtClean="0"/>
-              <a:t>20/01/2018</a:t>
+              <a:t>22/01/2018</a:t>
             </a:fld>
             <a:endParaRPr lang="en-GB"/>
           </a:p>
@@ -1720,7 +1721,7 @@
           <a:p>
             <a:fld id="{115C48E2-7E56-40C8-9685-3F8DF3CF180A}" type="datetimeFigureOut">
               <a:rPr lang="en-GB" smtClean="0"/>
-              <a:t>20/01/2018</a:t>
+              <a:t>22/01/2018</a:t>
             </a:fld>
             <a:endParaRPr lang="en-GB"/>
           </a:p>
@@ -2004,7 +2005,7 @@
           <a:p>
             <a:fld id="{115C48E2-7E56-40C8-9685-3F8DF3CF180A}" type="datetimeFigureOut">
               <a:rPr lang="en-GB" smtClean="0"/>
-              <a:t>20/01/2018</a:t>
+              <a:t>22/01/2018</a:t>
             </a:fld>
             <a:endParaRPr lang="en-GB"/>
           </a:p>
@@ -2178,7 +2179,7 @@
           <a:p>
             <a:fld id="{115C48E2-7E56-40C8-9685-3F8DF3CF180A}" type="datetimeFigureOut">
               <a:rPr lang="en-GB" smtClean="0"/>
-              <a:t>20/01/2018</a:t>
+              <a:t>22/01/2018</a:t>
             </a:fld>
             <a:endParaRPr lang="en-GB"/>
           </a:p>
@@ -2521,7 +2522,7 @@
           <a:p>
             <a:fld id="{115C48E2-7E56-40C8-9685-3F8DF3CF180A}" type="datetimeFigureOut">
               <a:rPr lang="en-GB" smtClean="0"/>
-              <a:t>20/01/2018</a:t>
+              <a:t>22/01/2018</a:t>
             </a:fld>
             <a:endParaRPr lang="en-GB"/>
           </a:p>
@@ -2796,7 +2797,7 @@
           <a:p>
             <a:fld id="{115C48E2-7E56-40C8-9685-3F8DF3CF180A}" type="datetimeFigureOut">
               <a:rPr lang="en-GB" smtClean="0"/>
-              <a:t>20/01/2018</a:t>
+              <a:t>22/01/2018</a:t>
             </a:fld>
             <a:endParaRPr lang="en-GB"/>
           </a:p>
@@ -3175,7 +3176,7 @@
           <a:p>
             <a:fld id="{115C48E2-7E56-40C8-9685-3F8DF3CF180A}" type="datetimeFigureOut">
               <a:rPr lang="en-GB" smtClean="0"/>
-              <a:t>20/01/2018</a:t>
+              <a:t>22/01/2018</a:t>
             </a:fld>
             <a:endParaRPr lang="en-GB"/>
           </a:p>
@@ -3293,7 +3294,7 @@
           <a:p>
             <a:fld id="{115C48E2-7E56-40C8-9685-3F8DF3CF180A}" type="datetimeFigureOut">
               <a:rPr lang="en-GB" smtClean="0"/>
-              <a:t>20/01/2018</a:t>
+              <a:t>22/01/2018</a:t>
             </a:fld>
             <a:endParaRPr lang="en-GB"/>
           </a:p>
@@ -3464,7 +3465,7 @@
           <a:p>
             <a:fld id="{115C48E2-7E56-40C8-9685-3F8DF3CF180A}" type="datetimeFigureOut">
               <a:rPr lang="en-GB" smtClean="0"/>
-              <a:t>20/01/2018</a:t>
+              <a:t>22/01/2018</a:t>
             </a:fld>
             <a:endParaRPr lang="en-GB"/>
           </a:p>
@@ -3818,7 +3819,7 @@
           <a:p>
             <a:fld id="{115C48E2-7E56-40C8-9685-3F8DF3CF180A}" type="datetimeFigureOut">
               <a:rPr lang="en-GB" smtClean="0"/>
-              <a:t>20/01/2018</a:t>
+              <a:t>22/01/2018</a:t>
             </a:fld>
             <a:endParaRPr lang="en-GB"/>
           </a:p>
@@ -4200,7 +4201,7 @@
           <a:p>
             <a:fld id="{115C48E2-7E56-40C8-9685-3F8DF3CF180A}" type="datetimeFigureOut">
               <a:rPr lang="en-GB" smtClean="0"/>
-              <a:t>20/01/2018</a:t>
+              <a:t>22/01/2018</a:t>
             </a:fld>
             <a:endParaRPr lang="en-GB"/>
           </a:p>
@@ -4487,7 +4488,7 @@
           <a:p>
             <a:fld id="{115C48E2-7E56-40C8-9685-3F8DF3CF180A}" type="datetimeFigureOut">
               <a:rPr lang="en-GB" smtClean="0"/>
-              <a:t>20/01/2018</a:t>
+              <a:t>22/01/2018</a:t>
             </a:fld>
             <a:endParaRPr lang="en-GB"/>
           </a:p>
@@ -5087,6 +5088,202 @@
 </p:sld>
 </file>
 
+<file path=ppt/slides/slide10.xml><?xml version="1.0" encoding="utf-8"?>
+<p:sld xmlns:a="http://schemas.openxmlformats.org/drawingml/2006/main" xmlns:r="http://schemas.openxmlformats.org/officeDocument/2006/relationships" xmlns:p="http://schemas.openxmlformats.org/presentationml/2006/main">
+  <p:cSld>
+    <p:spTree>
+      <p:nvGrpSpPr>
+        <p:cNvPr id="1" name=""/>
+        <p:cNvGrpSpPr/>
+        <p:nvPr/>
+      </p:nvGrpSpPr>
+      <p:grpSpPr>
+        <a:xfrm>
+          <a:off x="0" y="0"/>
+          <a:ext cx="0" cy="0"/>
+          <a:chOff x="0" y="0"/>
+          <a:chExt cx="0" cy="0"/>
+        </a:xfrm>
+      </p:grpSpPr>
+      <p:sp>
+        <p:nvSpPr>
+          <p:cNvPr id="2" name="Title 1"/>
+          <p:cNvSpPr>
+            <a:spLocks noGrp="1"/>
+          </p:cNvSpPr>
+          <p:nvPr>
+            <p:ph type="title"/>
+          </p:nvPr>
+        </p:nvSpPr>
+        <p:spPr/>
+        <p:txBody>
+          <a:bodyPr/>
+          <a:lstStyle/>
+          <a:p>
+            <a:r>
+              <a:rPr lang="en-GB" dirty="0" smtClean="0"/>
+              <a:t>Lessons learnt</a:t>
+            </a:r>
+            <a:endParaRPr lang="en-GB" dirty="0"/>
+          </a:p>
+        </p:txBody>
+      </p:sp>
+      <p:sp>
+        <p:nvSpPr>
+          <p:cNvPr id="3" name="Content Placeholder 2"/>
+          <p:cNvSpPr>
+            <a:spLocks noGrp="1"/>
+          </p:cNvSpPr>
+          <p:nvPr>
+            <p:ph idx="1"/>
+          </p:nvPr>
+        </p:nvSpPr>
+        <p:spPr/>
+        <p:txBody>
+          <a:bodyPr/>
+          <a:lstStyle/>
+          <a:p>
+            <a:pPr lvl="1"/>
+            <a:r>
+              <a:rPr lang="en-GB" sz="2800" dirty="0" smtClean="0"/>
+              <a:t>Testing is an important phase on </a:t>
+            </a:r>
+            <a:r>
+              <a:rPr lang="en-GB" sz="2800" dirty="0"/>
+              <a:t>the software development life </a:t>
+            </a:r>
+            <a:r>
+              <a:rPr lang="en-GB" sz="2800" dirty="0" smtClean="0"/>
+              <a:t>cycle in order to deliver a good product.</a:t>
+            </a:r>
+            <a:endParaRPr lang="en-GB" sz="2800" dirty="0"/>
+          </a:p>
+          <a:p>
+            <a:pPr lvl="1"/>
+            <a:r>
+              <a:rPr lang="en-GB" sz="2800" dirty="0" smtClean="0"/>
+              <a:t>Testing is challenging (‘Testing is easy’ is a myth)</a:t>
+            </a:r>
+          </a:p>
+          <a:p>
+            <a:pPr lvl="1"/>
+            <a:r>
+              <a:rPr lang="en-GB" sz="2800" dirty="0"/>
+              <a:t>T</a:t>
+            </a:r>
+            <a:r>
+              <a:rPr lang="en-GB" sz="2800" dirty="0" smtClean="0"/>
+              <a:t>esting requires high </a:t>
+            </a:r>
+            <a:r>
+              <a:rPr lang="en-GB" sz="2800" dirty="0"/>
+              <a:t>analytical skills in </a:t>
+            </a:r>
+            <a:r>
+              <a:rPr lang="en-GB" sz="2800" dirty="0" smtClean="0"/>
+              <a:t>order </a:t>
+            </a:r>
+            <a:r>
+              <a:rPr lang="en-GB" sz="2800" dirty="0"/>
+              <a:t>to use </a:t>
+            </a:r>
+            <a:r>
+              <a:rPr lang="en-GB" sz="2800" dirty="0" smtClean="0"/>
+              <a:t/>
+            </a:r>
+            <a:br>
+              <a:rPr lang="en-GB" sz="2800" dirty="0" smtClean="0"/>
+            </a:br>
+            <a:r>
+              <a:rPr lang="en-GB" sz="2800" dirty="0" smtClean="0"/>
+              <a:t>minimum </a:t>
+            </a:r>
+            <a:r>
+              <a:rPr lang="en-GB" sz="2800" dirty="0"/>
+              <a:t>set of test cases with </a:t>
+            </a:r>
+            <a:r>
+              <a:rPr lang="en-GB" sz="2800" dirty="0" smtClean="0"/>
+              <a:t>maximum test coverage</a:t>
+            </a:r>
+          </a:p>
+          <a:p>
+            <a:pPr lvl="1"/>
+            <a:r>
+              <a:rPr lang="en-GB" sz="2800" dirty="0" smtClean="0"/>
+              <a:t>Testers need to be patient, creative, </a:t>
+            </a:r>
+            <a:br>
+              <a:rPr lang="en-GB" sz="2800" dirty="0" smtClean="0"/>
+            </a:br>
+            <a:r>
+              <a:rPr lang="en-GB" sz="2800" dirty="0" smtClean="0"/>
+              <a:t>open-minded</a:t>
+            </a:r>
+          </a:p>
+          <a:p>
+            <a:pPr lvl="1"/>
+            <a:r>
+              <a:rPr lang="en-GB" sz="2800" dirty="0" smtClean="0"/>
+              <a:t>Testers need to think and act with an end user </a:t>
+            </a:r>
+            <a:br>
+              <a:rPr lang="en-GB" sz="2800" dirty="0" smtClean="0"/>
+            </a:br>
+            <a:r>
+              <a:rPr lang="en-GB" sz="2800" dirty="0" smtClean="0"/>
+              <a:t>perspective</a:t>
+            </a:r>
+            <a:endParaRPr lang="en-GB" sz="2800" dirty="0"/>
+          </a:p>
+          <a:p>
+            <a:endParaRPr lang="en-GB" dirty="0"/>
+          </a:p>
+        </p:txBody>
+      </p:sp>
+      <p:pic>
+        <p:nvPicPr>
+          <p:cNvPr id="5" name="Picture 4"/>
+          <p:cNvPicPr>
+            <a:picLocks noChangeAspect="1"/>
+          </p:cNvPicPr>
+          <p:nvPr/>
+        </p:nvPicPr>
+        <p:blipFill>
+          <a:blip r:embed="rId2" cstate="print">
+            <a:extLst>
+              <a:ext uri="{28A0092B-C50C-407E-A947-70E740481C1C}">
+                <a14:useLocalDpi xmlns:a14="http://schemas.microsoft.com/office/drawing/2010/main" val="0"/>
+              </a:ext>
+            </a:extLst>
+          </a:blip>
+          <a:stretch>
+            <a:fillRect/>
+          </a:stretch>
+        </p:blipFill>
+        <p:spPr>
+          <a:xfrm>
+            <a:off x="9499409" y="3088257"/>
+            <a:ext cx="2372263" cy="2372263"/>
+          </a:xfrm>
+          <a:prstGeom prst="rect">
+            <a:avLst/>
+          </a:prstGeom>
+        </p:spPr>
+      </p:pic>
+    </p:spTree>
+    <p:extLst>
+      <p:ext uri="{BB962C8B-B14F-4D97-AF65-F5344CB8AC3E}">
+        <p14:creationId xmlns:p14="http://schemas.microsoft.com/office/powerpoint/2010/main" val="2227593326"/>
+      </p:ext>
+    </p:extLst>
+  </p:cSld>
+  <p:clrMapOvr>
+    <a:masterClrMapping/>
+  </p:clrMapOvr>
+</p:sld>
+</file>
+
 <file path=ppt/slides/slide2.xml><?xml version="1.0" encoding="utf-8"?>
 <p:sld xmlns:a="http://schemas.openxmlformats.org/drawingml/2006/main" xmlns:r="http://schemas.openxmlformats.org/officeDocument/2006/relationships" xmlns:p="http://schemas.openxmlformats.org/presentationml/2006/main">
   <p:cSld>
@@ -5640,11 +5837,7 @@
           <a:p>
             <a:r>
               <a:rPr lang="en-US" dirty="0" smtClean="0"/>
-              <a:t>QR Code &amp; Barcode </a:t>
-            </a:r>
-            <a:r>
-              <a:rPr lang="en-US" dirty="0" smtClean="0"/>
-              <a:t>Scanner</a:t>
+              <a:t>QR Code &amp; Barcode Scanner</a:t>
             </a:r>
           </a:p>
           <a:p>
@@ -6844,9 +7037,20 @@
           <a:p>
             <a:r>
               <a:rPr lang="en-GB" dirty="0" smtClean="0"/>
-              <a:t>Bugs overview</a:t>
-            </a:r>
-            <a:endParaRPr lang="en-GB" dirty="0"/>
+              <a:t>Bugs </a:t>
+            </a:r>
+            <a:r>
+              <a:rPr lang="en-GB" dirty="0" smtClean="0"/>
+              <a:t>overview</a:t>
+            </a:r>
+            <a:br>
+              <a:rPr lang="en-GB" dirty="0" smtClean="0"/>
+            </a:br>
+            <a:r>
+              <a:rPr lang="en-GB" sz="3600" dirty="0" smtClean="0"/>
+              <a:t>12 bugs</a:t>
+            </a:r>
+            <a:endParaRPr lang="en-GB" sz="3600" dirty="0"/>
           </a:p>
         </p:txBody>
       </p:sp>
@@ -6922,7 +7126,7 @@
           <a:p>
             <a:r>
               <a:rPr lang="en-GB" dirty="0" smtClean="0"/>
-              <a:t>Lessons learnt</a:t>
+              <a:t>Conclusions</a:t>
             </a:r>
             <a:endParaRPr lang="en-GB" dirty="0"/>
           </a:p>
@@ -6943,98 +7147,48 @@
           <a:bodyPr/>
           <a:lstStyle/>
           <a:p>
-            <a:pPr lvl="1"/>
-            <a:r>
-              <a:rPr lang="en-GB" sz="2800" dirty="0" smtClean="0"/>
-              <a:t>Testing is an important phase on </a:t>
-            </a:r>
-            <a:r>
-              <a:rPr lang="en-GB" sz="2800" dirty="0"/>
-              <a:t>the software development life </a:t>
-            </a:r>
-            <a:r>
-              <a:rPr lang="en-GB" sz="2800" dirty="0" smtClean="0"/>
-              <a:t>cycle in order to deliver a good product.</a:t>
-            </a:r>
-            <a:endParaRPr lang="en-GB" sz="2800" dirty="0"/>
-          </a:p>
-          <a:p>
-            <a:pPr lvl="1"/>
-            <a:r>
-              <a:rPr lang="en-GB" sz="2800" dirty="0" smtClean="0"/>
-              <a:t>Testing is challenging (‘Testing is easy’ is a myth)</a:t>
-            </a:r>
-          </a:p>
-          <a:p>
-            <a:pPr lvl="1"/>
-            <a:r>
-              <a:rPr lang="en-GB" sz="2800" dirty="0"/>
-              <a:t>T</a:t>
-            </a:r>
-            <a:r>
-              <a:rPr lang="en-GB" sz="2800" dirty="0" smtClean="0"/>
-              <a:t>esting requires high </a:t>
-            </a:r>
-            <a:r>
-              <a:rPr lang="en-GB" sz="2800" dirty="0"/>
-              <a:t>analytical skills in </a:t>
-            </a:r>
-            <a:r>
-              <a:rPr lang="en-GB" sz="2800" dirty="0" smtClean="0"/>
-              <a:t>order </a:t>
-            </a:r>
-            <a:r>
-              <a:rPr lang="en-GB" sz="2800" dirty="0"/>
-              <a:t>to use </a:t>
-            </a:r>
-            <a:r>
-              <a:rPr lang="en-GB" sz="2800" dirty="0" smtClean="0"/>
-              <a:t/>
-            </a:r>
-            <a:br>
-              <a:rPr lang="en-GB" sz="2800" dirty="0" smtClean="0"/>
-            </a:br>
-            <a:r>
-              <a:rPr lang="en-GB" sz="2800" dirty="0" smtClean="0"/>
-              <a:t>minimum </a:t>
-            </a:r>
-            <a:r>
-              <a:rPr lang="en-GB" sz="2800" dirty="0"/>
-              <a:t>set of test cases with </a:t>
-            </a:r>
-            <a:r>
-              <a:rPr lang="en-GB" sz="2800" dirty="0" smtClean="0"/>
-              <a:t>maximum test coverage</a:t>
-            </a:r>
-          </a:p>
-          <a:p>
-            <a:pPr lvl="1"/>
-            <a:r>
-              <a:rPr lang="en-GB" sz="2800" dirty="0" smtClean="0"/>
-              <a:t>Testers need to be patient, creative, </a:t>
-            </a:r>
-            <a:br>
-              <a:rPr lang="en-GB" sz="2800" dirty="0" smtClean="0"/>
-            </a:br>
-            <a:r>
-              <a:rPr lang="en-GB" sz="2800" dirty="0" smtClean="0"/>
-              <a:t>open-minded</a:t>
-            </a:r>
-          </a:p>
-          <a:p>
-            <a:pPr lvl="1"/>
-            <a:r>
-              <a:rPr lang="en-GB" sz="2800" dirty="0" smtClean="0"/>
-              <a:t>Testers need to think and act with an end user </a:t>
-            </a:r>
-            <a:br>
-              <a:rPr lang="en-GB" sz="2800" dirty="0" smtClean="0"/>
-            </a:br>
-            <a:r>
-              <a:rPr lang="en-GB" sz="2800" dirty="0" smtClean="0"/>
-              <a:t>perspective</a:t>
-            </a:r>
-            <a:endParaRPr lang="en-GB" sz="2800" dirty="0"/>
+            <a:r>
+              <a:rPr lang="en-US" dirty="0" smtClean="0"/>
+              <a:t>- 19 smoke test cases </a:t>
+            </a:r>
+            <a:r>
+              <a:rPr lang="en-US" dirty="0"/>
+              <a:t>were </a:t>
+            </a:r>
+            <a:r>
+              <a:rPr lang="en-US" dirty="0" smtClean="0"/>
+              <a:t>executed: 18 </a:t>
+            </a:r>
+            <a:r>
+              <a:rPr lang="en-US" dirty="0"/>
+              <a:t>passed and 1</a:t>
+            </a:r>
+            <a:r>
+              <a:rPr lang="en-US" dirty="0" smtClean="0"/>
+              <a:t> failed</a:t>
+            </a:r>
+          </a:p>
+          <a:p>
+            <a:r>
+              <a:rPr lang="en-US" dirty="0" smtClean="0"/>
+              <a:t>- 12 bug identified: 1 major, 11 normal</a:t>
+            </a:r>
+            <a:endParaRPr lang="en-US" dirty="0"/>
+          </a:p>
+          <a:p>
+            <a:endParaRPr lang="en-GB" dirty="0" smtClean="0"/>
+          </a:p>
+          <a:p>
+            <a:r>
+              <a:rPr lang="en-GB" dirty="0" smtClean="0"/>
+              <a:t>Virtual cards is a stable product, user friendly, helpful,</a:t>
+            </a:r>
+          </a:p>
+          <a:p>
+            <a:r>
+              <a:rPr lang="en-GB" dirty="0" smtClean="0"/>
+              <a:t>users like it!</a:t>
+            </a:r>
           </a:p>
           <a:p>
             <a:endParaRPr lang="en-GB" dirty="0"/>
@@ -7043,7 +7197,7 @@
       </p:sp>
       <p:pic>
         <p:nvPicPr>
-          <p:cNvPr id="5" name="Picture 4"/>
+          <p:cNvPr id="4" name="Picture 3"/>
           <p:cNvPicPr>
             <a:picLocks noChangeAspect="1"/>
           </p:cNvPicPr>
@@ -7062,9 +7216,69 @@
           </a:stretch>
         </p:blipFill>
         <p:spPr>
+          <a:xfrm rot="1336953">
+            <a:off x="6694099" y="2203805"/>
+            <a:ext cx="2113472" cy="3759112"/>
+          </a:xfrm>
+          <a:prstGeom prst="rect">
+            <a:avLst/>
+          </a:prstGeom>
+        </p:spPr>
+      </p:pic>
+      <p:pic>
+        <p:nvPicPr>
+          <p:cNvPr id="5" name="Picture 4"/>
+          <p:cNvPicPr>
+            <a:picLocks noChangeAspect="1"/>
+          </p:cNvPicPr>
+          <p:nvPr/>
+        </p:nvPicPr>
+        <p:blipFill>
+          <a:blip r:embed="rId3" cstate="print">
+            <a:extLst>
+              <a:ext uri="{28A0092B-C50C-407E-A947-70E740481C1C}">
+                <a14:useLocalDpi xmlns:a14="http://schemas.microsoft.com/office/drawing/2010/main" val="0"/>
+              </a:ext>
+            </a:extLst>
+          </a:blip>
+          <a:stretch>
+            <a:fillRect/>
+          </a:stretch>
+        </p:blipFill>
+        <p:spPr>
+          <a:xfrm rot="20523594">
+            <a:off x="8662206" y="2097158"/>
+            <a:ext cx="2269768" cy="4037161"/>
+          </a:xfrm>
+          <a:prstGeom prst="rect">
+            <a:avLst/>
+          </a:prstGeom>
+        </p:spPr>
+      </p:pic>
+      <p:pic>
+        <p:nvPicPr>
+          <p:cNvPr id="6" name="Picture 5"/>
+          <p:cNvPicPr>
+            <a:picLocks noChangeAspect="1"/>
+          </p:cNvPicPr>
+          <p:nvPr/>
+        </p:nvPicPr>
+        <p:blipFill>
+          <a:blip r:embed="rId4">
+            <a:extLst>
+              <a:ext uri="{28A0092B-C50C-407E-A947-70E740481C1C}">
+                <a14:useLocalDpi xmlns:a14="http://schemas.microsoft.com/office/drawing/2010/main" val="0"/>
+              </a:ext>
+            </a:extLst>
+          </a:blip>
+          <a:stretch>
+            <a:fillRect/>
+          </a:stretch>
+        </p:blipFill>
+        <p:spPr>
           <a:xfrm>
-            <a:off x="9499409" y="3088257"/>
-            <a:ext cx="2372263" cy="2372263"/>
+            <a:off x="1247325" y="4198908"/>
+            <a:ext cx="2847975" cy="1600200"/>
           </a:xfrm>
           <a:prstGeom prst="rect">
             <a:avLst/>
@@ -7074,7 +7288,7 @@
     </p:spTree>
     <p:extLst>
       <p:ext uri="{BB962C8B-B14F-4D97-AF65-F5344CB8AC3E}">
-        <p14:creationId xmlns:p14="http://schemas.microsoft.com/office/powerpoint/2010/main" val="2227593326"/>
+        <p14:creationId xmlns:p14="http://schemas.microsoft.com/office/powerpoint/2010/main" val="1467703484"/>
       </p:ext>
     </p:extLst>
   </p:cSld>

--- a/final-project/virtual-cards/virtual-cards.pptx
+++ b/final-project/virtual-cards/virtual-cards.pptx
@@ -176,7 +176,17 @@
       </c:spPr>
     </c:backWall>
     <c:plotArea>
-      <c:layout/>
+      <c:layout>
+        <c:manualLayout>
+          <c:layoutTarget val="inner"/>
+          <c:xMode val="edge"/>
+          <c:yMode val="edge"/>
+          <c:x val="2.7896679075064695E-2"/>
+          <c:y val="0.11832188779656155"/>
+          <c:w val="0.84572052788892427"/>
+          <c:h val="0.79824501159021988"/>
+        </c:manualLayout>
+      </c:layout>
       <c:pie3DChart>
         <c:varyColors val="1"/>
         <c:ser>
@@ -313,6 +323,28 @@
               </a:sp3d>
             </c:spPr>
           </c:dPt>
+          <c:dPt>
+            <c:idx val="6"/>
+            <c:bubble3D val="0"/>
+            <c:spPr>
+              <a:solidFill>
+                <a:schemeClr val="accent1">
+                  <a:lumMod val="60000"/>
+                </a:schemeClr>
+              </a:solidFill>
+              <a:ln w="25400">
+                <a:solidFill>
+                  <a:schemeClr val="lt1"/>
+                </a:solidFill>
+              </a:ln>
+              <a:effectLst/>
+              <a:sp3d contourW="25400">
+                <a:contourClr>
+                  <a:schemeClr val="lt1"/>
+                </a:contourClr>
+              </a:sp3d>
+            </c:spPr>
+          </c:dPt>
           <c:dLbls>
             <c:spPr>
               <a:solidFill>
@@ -375,9 +407,9 @@
           </c:dLbls>
           <c:cat>
             <c:strRef>
-              <c:f>Sheet1!$A$2:$A$7</c:f>
+              <c:f>Sheet1!$A$2:$A$8</c:f>
               <c:strCache>
-                <c:ptCount val="6"/>
+                <c:ptCount val="7"/>
                 <c:pt idx="0">
                   <c:v>Add card</c:v>
                 </c:pt>
@@ -396,17 +428,20 @@
                 <c:pt idx="5">
                   <c:v>Location</c:v>
                 </c:pt>
+                <c:pt idx="6">
+                  <c:v>Birthday calendar</c:v>
+                </c:pt>
               </c:strCache>
             </c:strRef>
           </c:cat>
           <c:val>
             <c:numRef>
-              <c:f>Sheet1!$B$2:$B$7</c:f>
+              <c:f>Sheet1!$B$2:$B$8</c:f>
               <c:numCache>
                 <c:formatCode>General</c:formatCode>
-                <c:ptCount val="6"/>
+                <c:ptCount val="7"/>
                 <c:pt idx="0">
-                  <c:v>2</c:v>
+                  <c:v>1</c:v>
                 </c:pt>
                 <c:pt idx="1">
                   <c:v>2</c:v>
@@ -422,6 +457,9 @@
                 </c:pt>
                 <c:pt idx="5">
                   <c:v>1</c:v>
+                </c:pt>
+                <c:pt idx="6">
+                  <c:v>3</c:v>
                 </c:pt>
               </c:numCache>
             </c:numRef>
@@ -445,6 +483,784 @@
         <a:effectLst/>
       </c:spPr>
     </c:plotArea>
+    <c:legend>
+      <c:legendPos val="r"/>
+      <c:layout/>
+      <c:overlay val="0"/>
+      <c:spPr>
+        <a:noFill/>
+        <a:ln>
+          <a:noFill/>
+        </a:ln>
+        <a:effectLst/>
+      </c:spPr>
+      <c:txPr>
+        <a:bodyPr rot="0" spcFirstLastPara="1" vertOverflow="ellipsis" vert="horz" wrap="square" anchor="ctr" anchorCtr="1"/>
+        <a:lstStyle/>
+        <a:p>
+          <a:pPr>
+            <a:defRPr sz="1197" b="0" i="0" u="none" strike="noStrike" kern="1200" baseline="0">
+              <a:solidFill>
+                <a:schemeClr val="tx1">
+                  <a:lumMod val="65000"/>
+                  <a:lumOff val="35000"/>
+                </a:schemeClr>
+              </a:solidFill>
+              <a:latin typeface="+mn-lt"/>
+              <a:ea typeface="+mn-ea"/>
+              <a:cs typeface="+mn-cs"/>
+            </a:defRPr>
+          </a:pPr>
+          <a:endParaRPr lang="en-US"/>
+        </a:p>
+      </c:txPr>
+    </c:legend>
+    <c:plotVisOnly val="1"/>
+    <c:dispBlanksAs val="gap"/>
+    <c:showDLblsOverMax val="0"/>
+  </c:chart>
+  <c:spPr>
+    <a:noFill/>
+    <a:ln>
+      <a:noFill/>
+    </a:ln>
+    <a:effectLst/>
+  </c:spPr>
+  <c:txPr>
+    <a:bodyPr/>
+    <a:lstStyle/>
+    <a:p>
+      <a:pPr>
+        <a:defRPr/>
+      </a:pPr>
+      <a:endParaRPr lang="en-US"/>
+    </a:p>
+  </c:txPr>
+  <c:externalData r:id="rId3">
+    <c:autoUpdate val="0"/>
+  </c:externalData>
+</c:chartSpace>
+</file>
+
+<file path=ppt/charts/chart2.xml><?xml version="1.0" encoding="utf-8"?>
+<c:chartSpace xmlns:c="http://schemas.openxmlformats.org/drawingml/2006/chart" xmlns:a="http://schemas.openxmlformats.org/drawingml/2006/main" xmlns:r="http://schemas.openxmlformats.org/officeDocument/2006/relationships">
+  <c:date1904 val="0"/>
+  <c:lang val="en-US"/>
+  <c:roundedCorners val="0"/>
+  <mc:AlternateContent xmlns:mc="http://schemas.openxmlformats.org/markup-compatibility/2006">
+    <mc:Choice xmlns:c14="http://schemas.microsoft.com/office/drawing/2007/8/2/chart" Requires="c14">
+      <c14:style val="102"/>
+    </mc:Choice>
+    <mc:Fallback>
+      <c:style val="2"/>
+    </mc:Fallback>
+  </mc:AlternateContent>
+  <c:chart>
+    <c:title>
+      <c:tx>
+        <c:rich>
+          <a:bodyPr rot="0" spcFirstLastPara="1" vertOverflow="ellipsis" vert="horz" wrap="square" anchor="ctr" anchorCtr="1"/>
+          <a:lstStyle/>
+          <a:p>
+            <a:pPr>
+              <a:defRPr sz="2200" b="1" i="0" u="none" strike="noStrike" kern="1200" baseline="0">
+                <a:solidFill>
+                  <a:schemeClr val="dk1">
+                    <a:lumMod val="75000"/>
+                    <a:lumOff val="25000"/>
+                  </a:schemeClr>
+                </a:solidFill>
+                <a:latin typeface="+mn-lt"/>
+                <a:ea typeface="+mn-ea"/>
+                <a:cs typeface="+mn-cs"/>
+              </a:defRPr>
+            </a:pPr>
+            <a:r>
+              <a:rPr lang="en-GB" sz="1200" dirty="0" smtClean="0"/>
+              <a:t>Test</a:t>
+            </a:r>
+            <a:r>
+              <a:rPr lang="en-GB" sz="1200" baseline="0" dirty="0" smtClean="0"/>
+              <a:t> cases result</a:t>
+            </a:r>
+            <a:endParaRPr lang="en-GB" sz="1200" dirty="0"/>
+          </a:p>
+        </c:rich>
+      </c:tx>
+      <c:layout/>
+      <c:overlay val="0"/>
+      <c:spPr>
+        <a:noFill/>
+        <a:ln>
+          <a:noFill/>
+        </a:ln>
+        <a:effectLst/>
+      </c:spPr>
+      <c:txPr>
+        <a:bodyPr rot="0" spcFirstLastPara="1" vertOverflow="ellipsis" vert="horz" wrap="square" anchor="ctr" anchorCtr="1"/>
+        <a:lstStyle/>
+        <a:p>
+          <a:pPr>
+            <a:defRPr sz="2200" b="1" i="0" u="none" strike="noStrike" kern="1200" baseline="0">
+              <a:solidFill>
+                <a:schemeClr val="dk1">
+                  <a:lumMod val="75000"/>
+                  <a:lumOff val="25000"/>
+                </a:schemeClr>
+              </a:solidFill>
+              <a:latin typeface="+mn-lt"/>
+              <a:ea typeface="+mn-ea"/>
+              <a:cs typeface="+mn-cs"/>
+            </a:defRPr>
+          </a:pPr>
+          <a:endParaRPr lang="en-US"/>
+        </a:p>
+      </c:txPr>
+    </c:title>
+    <c:autoTitleDeleted val="0"/>
+    <c:plotArea>
+      <c:layout/>
+      <c:pieChart>
+        <c:varyColors val="1"/>
+        <c:ser>
+          <c:idx val="0"/>
+          <c:order val="0"/>
+          <c:tx>
+            <c:strRef>
+              <c:f>Sheet1!$B$1</c:f>
+              <c:strCache>
+                <c:ptCount val="1"/>
+                <c:pt idx="0">
+                  <c:v>Sales</c:v>
+                </c:pt>
+              </c:strCache>
+            </c:strRef>
+          </c:tx>
+          <c:spPr>
+            <a:solidFill>
+              <a:srgbClr val="92D050"/>
+            </a:solidFill>
+          </c:spPr>
+          <c:dPt>
+            <c:idx val="0"/>
+            <c:bubble3D val="0"/>
+            <c:spPr>
+              <a:solidFill>
+                <a:srgbClr val="92D050"/>
+              </a:solidFill>
+              <a:ln>
+                <a:noFill/>
+              </a:ln>
+              <a:effectLst>
+                <a:outerShdw blurRad="254000" sx="102000" sy="102000" algn="ctr" rotWithShape="0">
+                  <a:prstClr val="black">
+                    <a:alpha val="20000"/>
+                  </a:prstClr>
+                </a:outerShdw>
+              </a:effectLst>
+            </c:spPr>
+          </c:dPt>
+          <c:dPt>
+            <c:idx val="1"/>
+            <c:bubble3D val="0"/>
+            <c:spPr>
+              <a:solidFill>
+                <a:srgbClr val="FF0000"/>
+              </a:solidFill>
+              <a:ln>
+                <a:noFill/>
+              </a:ln>
+              <a:effectLst>
+                <a:outerShdw blurRad="254000" sx="102000" sy="102000" algn="ctr" rotWithShape="0">
+                  <a:prstClr val="black">
+                    <a:alpha val="20000"/>
+                  </a:prstClr>
+                </a:outerShdw>
+              </a:effectLst>
+            </c:spPr>
+          </c:dPt>
+          <c:dLbls>
+            <c:spPr>
+              <a:pattFill prst="pct75">
+                <a:fgClr>
+                  <a:schemeClr val="dk1">
+                    <a:lumMod val="75000"/>
+                    <a:lumOff val="25000"/>
+                  </a:schemeClr>
+                </a:fgClr>
+                <a:bgClr>
+                  <a:schemeClr val="dk1">
+                    <a:lumMod val="65000"/>
+                    <a:lumOff val="35000"/>
+                  </a:schemeClr>
+                </a:bgClr>
+              </a:pattFill>
+              <a:ln>
+                <a:noFill/>
+              </a:ln>
+              <a:effectLst>
+                <a:outerShdw blurRad="50800" dist="38100" dir="2700000" algn="tl" rotWithShape="0">
+                  <a:prstClr val="black">
+                    <a:alpha val="40000"/>
+                  </a:prstClr>
+                </a:outerShdw>
+              </a:effectLst>
+            </c:spPr>
+            <c:txPr>
+              <a:bodyPr rot="0" spcFirstLastPara="1" vertOverflow="ellipsis" vert="horz" wrap="square" lIns="38100" tIns="19050" rIns="38100" bIns="19050" anchor="ctr" anchorCtr="1">
+                <a:spAutoFit/>
+              </a:bodyPr>
+              <a:lstStyle/>
+              <a:p>
+                <a:pPr>
+                  <a:defRPr sz="1330" b="1" i="0" u="none" strike="noStrike" kern="1200" baseline="0">
+                    <a:solidFill>
+                      <a:schemeClr val="lt1"/>
+                    </a:solidFill>
+                    <a:latin typeface="+mn-lt"/>
+                    <a:ea typeface="+mn-ea"/>
+                    <a:cs typeface="+mn-cs"/>
+                  </a:defRPr>
+                </a:pPr>
+                <a:endParaRPr lang="en-US"/>
+              </a:p>
+            </c:txPr>
+            <c:dLblPos val="ctr"/>
+            <c:showLegendKey val="0"/>
+            <c:showVal val="0"/>
+            <c:showCatName val="0"/>
+            <c:showSerName val="0"/>
+            <c:showPercent val="1"/>
+            <c:showBubbleSize val="0"/>
+            <c:showLeaderLines val="1"/>
+            <c:leaderLines>
+              <c:spPr>
+                <a:ln w="9525">
+                  <a:solidFill>
+                    <a:schemeClr val="dk1">
+                      <a:lumMod val="50000"/>
+                      <a:lumOff val="50000"/>
+                    </a:schemeClr>
+                  </a:solidFill>
+                </a:ln>
+                <a:effectLst/>
+              </c:spPr>
+            </c:leaderLines>
+            <c:extLst>
+              <c:ext xmlns:c15="http://schemas.microsoft.com/office/drawing/2012/chart" uri="{CE6537A1-D6FC-4f65-9D91-7224C49458BB}">
+                <c15:layout/>
+              </c:ext>
+            </c:extLst>
+          </c:dLbls>
+          <c:cat>
+            <c:strRef>
+              <c:f>Sheet1!$A$2:$A$3</c:f>
+              <c:strCache>
+                <c:ptCount val="2"/>
+                <c:pt idx="0">
+                  <c:v>Passed</c:v>
+                </c:pt>
+                <c:pt idx="1">
+                  <c:v>Failed</c:v>
+                </c:pt>
+              </c:strCache>
+            </c:strRef>
+          </c:cat>
+          <c:val>
+            <c:numRef>
+              <c:f>Sheet1!$B$2:$B$3</c:f>
+              <c:numCache>
+                <c:formatCode>General</c:formatCode>
+                <c:ptCount val="2"/>
+                <c:pt idx="0">
+                  <c:v>18</c:v>
+                </c:pt>
+                <c:pt idx="1">
+                  <c:v>1</c:v>
+                </c:pt>
+              </c:numCache>
+            </c:numRef>
+          </c:val>
+        </c:ser>
+        <c:dLbls>
+          <c:dLblPos val="ctr"/>
+          <c:showLegendKey val="0"/>
+          <c:showVal val="0"/>
+          <c:showCatName val="0"/>
+          <c:showSerName val="0"/>
+          <c:showPercent val="1"/>
+          <c:showBubbleSize val="0"/>
+          <c:showLeaderLines val="1"/>
+        </c:dLbls>
+        <c:firstSliceAng val="0"/>
+      </c:pieChart>
+      <c:spPr>
+        <a:noFill/>
+        <a:ln>
+          <a:noFill/>
+        </a:ln>
+        <a:effectLst/>
+      </c:spPr>
+    </c:plotArea>
+    <c:legend>
+      <c:legendPos val="r"/>
+      <c:layout/>
+      <c:overlay val="0"/>
+      <c:spPr>
+        <a:solidFill>
+          <a:schemeClr val="lt1">
+            <a:lumMod val="95000"/>
+            <a:alpha val="39000"/>
+          </a:schemeClr>
+        </a:solidFill>
+        <a:ln>
+          <a:noFill/>
+        </a:ln>
+        <a:effectLst/>
+      </c:spPr>
+      <c:txPr>
+        <a:bodyPr rot="0" spcFirstLastPara="1" vertOverflow="ellipsis" vert="horz" wrap="square" anchor="ctr" anchorCtr="1"/>
+        <a:lstStyle/>
+        <a:p>
+          <a:pPr>
+            <a:defRPr sz="1197" b="0" i="0" u="none" strike="noStrike" kern="1200" baseline="0">
+              <a:solidFill>
+                <a:schemeClr val="dk1">
+                  <a:lumMod val="75000"/>
+                  <a:lumOff val="25000"/>
+                </a:schemeClr>
+              </a:solidFill>
+              <a:latin typeface="+mn-lt"/>
+              <a:ea typeface="+mn-ea"/>
+              <a:cs typeface="+mn-cs"/>
+            </a:defRPr>
+          </a:pPr>
+          <a:endParaRPr lang="en-US"/>
+        </a:p>
+      </c:txPr>
+    </c:legend>
+    <c:plotVisOnly val="1"/>
+    <c:dispBlanksAs val="gap"/>
+    <c:showDLblsOverMax val="0"/>
+  </c:chart>
+  <c:spPr>
+    <a:noFill/>
+    <a:ln w="9525" cap="flat" cmpd="sng" algn="ctr">
+      <a:solidFill>
+        <a:schemeClr val="dk1">
+          <a:lumMod val="25000"/>
+          <a:lumOff val="75000"/>
+        </a:schemeClr>
+      </a:solidFill>
+      <a:round/>
+    </a:ln>
+    <a:effectLst/>
+  </c:spPr>
+  <c:txPr>
+    <a:bodyPr/>
+    <a:lstStyle/>
+    <a:p>
+      <a:pPr>
+        <a:defRPr/>
+      </a:pPr>
+      <a:endParaRPr lang="en-US"/>
+    </a:p>
+  </c:txPr>
+  <c:externalData r:id="rId3">
+    <c:autoUpdate val="0"/>
+  </c:externalData>
+</c:chartSpace>
+</file>
+
+<file path=ppt/charts/chart3.xml><?xml version="1.0" encoding="utf-8"?>
+<c:chartSpace xmlns:c="http://schemas.openxmlformats.org/drawingml/2006/chart" xmlns:a="http://schemas.openxmlformats.org/drawingml/2006/main" xmlns:r="http://schemas.openxmlformats.org/officeDocument/2006/relationships">
+  <c:date1904 val="0"/>
+  <c:lang val="en-US"/>
+  <c:roundedCorners val="0"/>
+  <mc:AlternateContent xmlns:mc="http://schemas.openxmlformats.org/markup-compatibility/2006">
+    <mc:Choice xmlns:c14="http://schemas.microsoft.com/office/drawing/2007/8/2/chart" Requires="c14">
+      <c14:style val="102"/>
+    </mc:Choice>
+    <mc:Fallback>
+      <c:style val="2"/>
+    </mc:Fallback>
+  </mc:AlternateContent>
+  <c:chart>
+    <c:title>
+      <c:tx>
+        <c:rich>
+          <a:bodyPr rot="0" spcFirstLastPara="1" vertOverflow="ellipsis" vert="horz" wrap="square" anchor="ctr" anchorCtr="1"/>
+          <a:lstStyle/>
+          <a:p>
+            <a:pPr>
+              <a:defRPr sz="1862" b="0" i="0" u="none" strike="noStrike" kern="1200" spc="0" baseline="0">
+                <a:solidFill>
+                  <a:schemeClr val="tx1">
+                    <a:lumMod val="65000"/>
+                    <a:lumOff val="35000"/>
+                  </a:schemeClr>
+                </a:solidFill>
+                <a:latin typeface="+mn-lt"/>
+                <a:ea typeface="+mn-ea"/>
+                <a:cs typeface="+mn-cs"/>
+              </a:defRPr>
+            </a:pPr>
+            <a:r>
+              <a:rPr lang="en-GB" sz="1200" b="1" dirty="0" smtClean="0"/>
+              <a:t>Bug severity</a:t>
+            </a:r>
+            <a:endParaRPr lang="en-GB" sz="1200" b="1" dirty="0"/>
+          </a:p>
+        </c:rich>
+      </c:tx>
+      <c:layout/>
+      <c:overlay val="0"/>
+      <c:spPr>
+        <a:noFill/>
+        <a:ln>
+          <a:noFill/>
+        </a:ln>
+        <a:effectLst/>
+      </c:spPr>
+      <c:txPr>
+        <a:bodyPr rot="0" spcFirstLastPara="1" vertOverflow="ellipsis" vert="horz" wrap="square" anchor="ctr" anchorCtr="1"/>
+        <a:lstStyle/>
+        <a:p>
+          <a:pPr>
+            <a:defRPr sz="1862" b="0" i="0" u="none" strike="noStrike" kern="1200" spc="0" baseline="0">
+              <a:solidFill>
+                <a:schemeClr val="tx1">
+                  <a:lumMod val="65000"/>
+                  <a:lumOff val="35000"/>
+                </a:schemeClr>
+              </a:solidFill>
+              <a:latin typeface="+mn-lt"/>
+              <a:ea typeface="+mn-ea"/>
+              <a:cs typeface="+mn-cs"/>
+            </a:defRPr>
+          </a:pPr>
+          <a:endParaRPr lang="en-US"/>
+        </a:p>
+      </c:txPr>
+    </c:title>
+    <c:autoTitleDeleted val="0"/>
+    <c:plotArea>
+      <c:layout>
+        <c:manualLayout>
+          <c:layoutTarget val="inner"/>
+          <c:xMode val="edge"/>
+          <c:yMode val="edge"/>
+          <c:x val="3.7160630802134859E-2"/>
+          <c:y val="0.1516496198246001"/>
+          <c:w val="0.94856885787003897"/>
+          <c:h val="0.68680111118706844"/>
+        </c:manualLayout>
+      </c:layout>
+      <c:barChart>
+        <c:barDir val="col"/>
+        <c:grouping val="clustered"/>
+        <c:varyColors val="0"/>
+        <c:ser>
+          <c:idx val="0"/>
+          <c:order val="0"/>
+          <c:tx>
+            <c:strRef>
+              <c:f>Sheet1!$B$1</c:f>
+              <c:strCache>
+                <c:ptCount val="1"/>
+                <c:pt idx="0">
+                  <c:v>Major</c:v>
+                </c:pt>
+              </c:strCache>
+            </c:strRef>
+          </c:tx>
+          <c:spPr>
+            <a:solidFill>
+              <a:srgbClr val="FF0000"/>
+            </a:solidFill>
+            <a:ln>
+              <a:noFill/>
+            </a:ln>
+            <a:effectLst/>
+          </c:spPr>
+          <c:invertIfNegative val="0"/>
+          <c:dLbls>
+            <c:spPr>
+              <a:noFill/>
+              <a:ln>
+                <a:noFill/>
+              </a:ln>
+              <a:effectLst/>
+            </c:spPr>
+            <c:txPr>
+              <a:bodyPr rot="0" spcFirstLastPara="1" vertOverflow="ellipsis" vert="horz" wrap="square" lIns="38100" tIns="19050" rIns="38100" bIns="19050" anchor="ctr" anchorCtr="1">
+                <a:spAutoFit/>
+              </a:bodyPr>
+              <a:lstStyle/>
+              <a:p>
+                <a:pPr>
+                  <a:defRPr sz="1197" b="0" i="0" u="none" strike="noStrike" kern="1200" baseline="0">
+                    <a:solidFill>
+                      <a:schemeClr val="tx1">
+                        <a:lumMod val="75000"/>
+                        <a:lumOff val="25000"/>
+                      </a:schemeClr>
+                    </a:solidFill>
+                    <a:latin typeface="+mn-lt"/>
+                    <a:ea typeface="+mn-ea"/>
+                    <a:cs typeface="+mn-cs"/>
+                  </a:defRPr>
+                </a:pPr>
+                <a:endParaRPr lang="en-US"/>
+              </a:p>
+            </c:txPr>
+            <c:dLblPos val="outEnd"/>
+            <c:showLegendKey val="0"/>
+            <c:showVal val="1"/>
+            <c:showCatName val="0"/>
+            <c:showSerName val="0"/>
+            <c:showPercent val="0"/>
+            <c:showBubbleSize val="0"/>
+            <c:showLeaderLines val="0"/>
+            <c:extLst>
+              <c:ext xmlns:c15="http://schemas.microsoft.com/office/drawing/2012/chart" uri="{CE6537A1-D6FC-4f65-9D91-7224C49458BB}">
+                <c15:layout/>
+                <c15:showLeaderLines val="1"/>
+                <c15:leaderLines>
+                  <c:spPr>
+                    <a:ln w="9525" cap="flat" cmpd="sng" algn="ctr">
+                      <a:solidFill>
+                        <a:schemeClr val="tx1">
+                          <a:lumMod val="35000"/>
+                          <a:lumOff val="65000"/>
+                        </a:schemeClr>
+                      </a:solidFill>
+                      <a:round/>
+                    </a:ln>
+                    <a:effectLst/>
+                  </c:spPr>
+                </c15:leaderLines>
+              </c:ext>
+            </c:extLst>
+          </c:dLbls>
+          <c:cat>
+            <c:strRef>
+              <c:f>Sheet1!$A$2</c:f>
+              <c:strCache>
+                <c:ptCount val="1"/>
+                <c:pt idx="0">
+                  <c:v>Bug severity</c:v>
+                </c:pt>
+              </c:strCache>
+            </c:strRef>
+          </c:cat>
+          <c:val>
+            <c:numRef>
+              <c:f>Sheet1!$B$2</c:f>
+              <c:numCache>
+                <c:formatCode>General</c:formatCode>
+                <c:ptCount val="1"/>
+                <c:pt idx="0">
+                  <c:v>1</c:v>
+                </c:pt>
+              </c:numCache>
+            </c:numRef>
+          </c:val>
+        </c:ser>
+        <c:ser>
+          <c:idx val="1"/>
+          <c:order val="1"/>
+          <c:tx>
+            <c:strRef>
+              <c:f>Sheet1!$C$1</c:f>
+              <c:strCache>
+                <c:ptCount val="1"/>
+                <c:pt idx="0">
+                  <c:v>Normal</c:v>
+                </c:pt>
+              </c:strCache>
+            </c:strRef>
+          </c:tx>
+          <c:spPr>
+            <a:solidFill>
+              <a:srgbClr val="92D050"/>
+            </a:solidFill>
+            <a:ln>
+              <a:noFill/>
+            </a:ln>
+            <a:effectLst/>
+          </c:spPr>
+          <c:invertIfNegative val="0"/>
+          <c:dLbls>
+            <c:spPr>
+              <a:noFill/>
+              <a:ln>
+                <a:noFill/>
+              </a:ln>
+              <a:effectLst/>
+            </c:spPr>
+            <c:txPr>
+              <a:bodyPr rot="0" spcFirstLastPara="1" vertOverflow="ellipsis" vert="horz" wrap="square" lIns="38100" tIns="19050" rIns="38100" bIns="19050" anchor="ctr" anchorCtr="1">
+                <a:spAutoFit/>
+              </a:bodyPr>
+              <a:lstStyle/>
+              <a:p>
+                <a:pPr>
+                  <a:defRPr sz="1197" b="0" i="0" u="none" strike="noStrike" kern="1200" baseline="0">
+                    <a:solidFill>
+                      <a:schemeClr val="tx1">
+                        <a:lumMod val="75000"/>
+                        <a:lumOff val="25000"/>
+                      </a:schemeClr>
+                    </a:solidFill>
+                    <a:latin typeface="+mn-lt"/>
+                    <a:ea typeface="+mn-ea"/>
+                    <a:cs typeface="+mn-cs"/>
+                  </a:defRPr>
+                </a:pPr>
+                <a:endParaRPr lang="en-US"/>
+              </a:p>
+            </c:txPr>
+            <c:dLblPos val="outEnd"/>
+            <c:showLegendKey val="0"/>
+            <c:showVal val="1"/>
+            <c:showCatName val="0"/>
+            <c:showSerName val="0"/>
+            <c:showPercent val="0"/>
+            <c:showBubbleSize val="0"/>
+            <c:showLeaderLines val="0"/>
+            <c:extLst>
+              <c:ext xmlns:c15="http://schemas.microsoft.com/office/drawing/2012/chart" uri="{CE6537A1-D6FC-4f65-9D91-7224C49458BB}">
+                <c15:layout/>
+                <c15:showLeaderLines val="1"/>
+                <c15:leaderLines>
+                  <c:spPr>
+                    <a:ln w="9525" cap="flat" cmpd="sng" algn="ctr">
+                      <a:solidFill>
+                        <a:schemeClr val="tx1">
+                          <a:lumMod val="35000"/>
+                          <a:lumOff val="65000"/>
+                        </a:schemeClr>
+                      </a:solidFill>
+                      <a:round/>
+                    </a:ln>
+                    <a:effectLst/>
+                  </c:spPr>
+                </c15:leaderLines>
+              </c:ext>
+            </c:extLst>
+          </c:dLbls>
+          <c:cat>
+            <c:strRef>
+              <c:f>Sheet1!$A$2</c:f>
+              <c:strCache>
+                <c:ptCount val="1"/>
+                <c:pt idx="0">
+                  <c:v>Bug severity</c:v>
+                </c:pt>
+              </c:strCache>
+            </c:strRef>
+          </c:cat>
+          <c:val>
+            <c:numRef>
+              <c:f>Sheet1!$C$2</c:f>
+              <c:numCache>
+                <c:formatCode>General</c:formatCode>
+                <c:ptCount val="1"/>
+                <c:pt idx="0">
+                  <c:v>13</c:v>
+                </c:pt>
+              </c:numCache>
+            </c:numRef>
+          </c:val>
+        </c:ser>
+        <c:dLbls>
+          <c:dLblPos val="outEnd"/>
+          <c:showLegendKey val="0"/>
+          <c:showVal val="1"/>
+          <c:showCatName val="0"/>
+          <c:showSerName val="0"/>
+          <c:showPercent val="0"/>
+          <c:showBubbleSize val="0"/>
+        </c:dLbls>
+        <c:gapWidth val="219"/>
+        <c:overlap val="-27"/>
+        <c:axId val="351570088"/>
+        <c:axId val="351574400"/>
+      </c:barChart>
+      <c:catAx>
+        <c:axId val="351570088"/>
+        <c:scaling>
+          <c:orientation val="minMax"/>
+        </c:scaling>
+        <c:delete val="1"/>
+        <c:axPos val="b"/>
+        <c:numFmt formatCode="General" sourceLinked="1"/>
+        <c:majorTickMark val="out"/>
+        <c:minorTickMark val="none"/>
+        <c:tickLblPos val="nextTo"/>
+        <c:crossAx val="351574400"/>
+        <c:crosses val="autoZero"/>
+        <c:auto val="1"/>
+        <c:lblAlgn val="ctr"/>
+        <c:lblOffset val="100"/>
+        <c:noMultiLvlLbl val="0"/>
+      </c:catAx>
+      <c:valAx>
+        <c:axId val="351574400"/>
+        <c:scaling>
+          <c:orientation val="minMax"/>
+        </c:scaling>
+        <c:delete val="1"/>
+        <c:axPos val="l"/>
+        <c:numFmt formatCode="General" sourceLinked="1"/>
+        <c:majorTickMark val="out"/>
+        <c:minorTickMark val="none"/>
+        <c:tickLblPos val="nextTo"/>
+        <c:crossAx val="351570088"/>
+        <c:crosses val="autoZero"/>
+        <c:crossBetween val="between"/>
+      </c:valAx>
+      <c:spPr>
+        <a:noFill/>
+        <a:ln>
+          <a:noFill/>
+        </a:ln>
+        <a:effectLst/>
+      </c:spPr>
+    </c:plotArea>
+    <c:legend>
+      <c:legendPos val="b"/>
+      <c:layout/>
+      <c:overlay val="0"/>
+      <c:spPr>
+        <a:noFill/>
+        <a:ln>
+          <a:noFill/>
+        </a:ln>
+        <a:effectLst/>
+      </c:spPr>
+      <c:txPr>
+        <a:bodyPr rot="0" spcFirstLastPara="1" vertOverflow="ellipsis" vert="horz" wrap="square" anchor="ctr" anchorCtr="1"/>
+        <a:lstStyle/>
+        <a:p>
+          <a:pPr>
+            <a:defRPr sz="1197" b="0" i="0" u="none" strike="noStrike" kern="1200" baseline="0">
+              <a:solidFill>
+                <a:schemeClr val="tx1">
+                  <a:lumMod val="65000"/>
+                  <a:lumOff val="35000"/>
+                </a:schemeClr>
+              </a:solidFill>
+              <a:latin typeface="+mn-lt"/>
+              <a:ea typeface="+mn-ea"/>
+              <a:cs typeface="+mn-cs"/>
+            </a:defRPr>
+          </a:pPr>
+          <a:endParaRPr lang="en-US"/>
+        </a:p>
+      </c:txPr>
+    </c:legend>
     <c:plotVisOnly val="1"/>
     <c:dispBlanksAs val="gap"/>
     <c:showDLblsOverMax val="0"/>
@@ -473,6 +1289,86 @@
 </file>
 
 <file path=ppt/charts/colors1.xml><?xml version="1.0" encoding="utf-8"?>
+<cs:colorStyle xmlns:cs="http://schemas.microsoft.com/office/drawing/2012/chartStyle" xmlns:a="http://schemas.openxmlformats.org/drawingml/2006/main" meth="cycle" id="10">
+  <a:schemeClr val="accent1"/>
+  <a:schemeClr val="accent2"/>
+  <a:schemeClr val="accent3"/>
+  <a:schemeClr val="accent4"/>
+  <a:schemeClr val="accent5"/>
+  <a:schemeClr val="accent6"/>
+  <cs:variation/>
+  <cs:variation>
+    <a:lumMod val="60000"/>
+  </cs:variation>
+  <cs:variation>
+    <a:lumMod val="80000"/>
+    <a:lumOff val="20000"/>
+  </cs:variation>
+  <cs:variation>
+    <a:lumMod val="80000"/>
+  </cs:variation>
+  <cs:variation>
+    <a:lumMod val="60000"/>
+    <a:lumOff val="40000"/>
+  </cs:variation>
+  <cs:variation>
+    <a:lumMod val="50000"/>
+  </cs:variation>
+  <cs:variation>
+    <a:lumMod val="70000"/>
+    <a:lumOff val="30000"/>
+  </cs:variation>
+  <cs:variation>
+    <a:lumMod val="70000"/>
+  </cs:variation>
+  <cs:variation>
+    <a:lumMod val="50000"/>
+    <a:lumOff val="50000"/>
+  </cs:variation>
+</cs:colorStyle>
+</file>
+
+<file path=ppt/charts/colors2.xml><?xml version="1.0" encoding="utf-8"?>
+<cs:colorStyle xmlns:cs="http://schemas.microsoft.com/office/drawing/2012/chartStyle" xmlns:a="http://schemas.openxmlformats.org/drawingml/2006/main" meth="cycle" id="10">
+  <a:schemeClr val="accent1"/>
+  <a:schemeClr val="accent2"/>
+  <a:schemeClr val="accent3"/>
+  <a:schemeClr val="accent4"/>
+  <a:schemeClr val="accent5"/>
+  <a:schemeClr val="accent6"/>
+  <cs:variation/>
+  <cs:variation>
+    <a:lumMod val="60000"/>
+  </cs:variation>
+  <cs:variation>
+    <a:lumMod val="80000"/>
+    <a:lumOff val="20000"/>
+  </cs:variation>
+  <cs:variation>
+    <a:lumMod val="80000"/>
+  </cs:variation>
+  <cs:variation>
+    <a:lumMod val="60000"/>
+    <a:lumOff val="40000"/>
+  </cs:variation>
+  <cs:variation>
+    <a:lumMod val="50000"/>
+  </cs:variation>
+  <cs:variation>
+    <a:lumMod val="70000"/>
+    <a:lumOff val="30000"/>
+  </cs:variation>
+  <cs:variation>
+    <a:lumMod val="70000"/>
+  </cs:variation>
+  <cs:variation>
+    <a:lumMod val="50000"/>
+    <a:lumOff val="50000"/>
+  </cs:variation>
+</cs:colorStyle>
+</file>
+
+<file path=ppt/charts/colors3.xml><?xml version="1.0" encoding="utf-8"?>
 <cs:colorStyle xmlns:cs="http://schemas.microsoft.com/office/drawing/2012/chartStyle" xmlns:a="http://schemas.openxmlformats.org/drawingml/2006/main" meth="cycle" id="10">
   <a:schemeClr val="accent1"/>
   <a:schemeClr val="accent2"/>
@@ -1031,6 +1927,1110 @@
 </cs:chartStyle>
 </file>
 
+<file path=ppt/charts/style2.xml><?xml version="1.0" encoding="utf-8"?>
+<cs:chartStyle xmlns:cs="http://schemas.microsoft.com/office/drawing/2012/chartStyle" xmlns:a="http://schemas.openxmlformats.org/drawingml/2006/main" id="253">
+  <cs:axisTitle>
+    <cs:lnRef idx="0"/>
+    <cs:fillRef idx="0"/>
+    <cs:effectRef idx="0"/>
+    <cs:fontRef idx="minor">
+      <a:schemeClr val="dk1">
+        <a:lumMod val="75000"/>
+        <a:lumOff val="25000"/>
+      </a:schemeClr>
+    </cs:fontRef>
+    <cs:defRPr sz="1197" b="1" kern="1200"/>
+  </cs:axisTitle>
+  <cs:categoryAxis>
+    <cs:lnRef idx="0"/>
+    <cs:fillRef idx="0"/>
+    <cs:effectRef idx="0"/>
+    <cs:fontRef idx="minor">
+      <a:schemeClr val="dk1">
+        <a:lumMod val="75000"/>
+        <a:lumOff val="25000"/>
+      </a:schemeClr>
+    </cs:fontRef>
+    <cs:spPr>
+      <a:ln w="19050" cap="flat" cmpd="sng" algn="ctr">
+        <a:solidFill>
+          <a:schemeClr val="dk1">
+            <a:lumMod val="75000"/>
+            <a:lumOff val="25000"/>
+          </a:schemeClr>
+        </a:solidFill>
+        <a:round/>
+      </a:ln>
+    </cs:spPr>
+    <cs:defRPr sz="1197" kern="1200" cap="all" baseline="0"/>
+  </cs:categoryAxis>
+  <cs:chartArea>
+    <cs:lnRef idx="0"/>
+    <cs:fillRef idx="0"/>
+    <cs:effectRef idx="0"/>
+    <cs:fontRef idx="minor">
+      <a:schemeClr val="dk1"/>
+    </cs:fontRef>
+    <cs:spPr>
+      <a:gradFill flip="none" rotWithShape="1">
+        <a:gsLst>
+          <a:gs pos="0">
+            <a:schemeClr val="lt1"/>
+          </a:gs>
+          <a:gs pos="39000">
+            <a:schemeClr val="lt1"/>
+          </a:gs>
+          <a:gs pos="100000">
+            <a:schemeClr val="lt1">
+              <a:lumMod val="75000"/>
+            </a:schemeClr>
+          </a:gs>
+        </a:gsLst>
+        <a:path path="circle">
+          <a:fillToRect l="50000" t="-80000" r="50000" b="180000"/>
+        </a:path>
+        <a:tileRect/>
+      </a:gradFill>
+      <a:ln w="9525" cap="flat" cmpd="sng" algn="ctr">
+        <a:solidFill>
+          <a:schemeClr val="dk1">
+            <a:lumMod val="25000"/>
+            <a:lumOff val="75000"/>
+          </a:schemeClr>
+        </a:solidFill>
+        <a:round/>
+      </a:ln>
+    </cs:spPr>
+    <cs:defRPr sz="1197" kern="1200"/>
+  </cs:chartArea>
+  <cs:dataLabel>
+    <cs:lnRef idx="0"/>
+    <cs:fillRef idx="0"/>
+    <cs:effectRef idx="0"/>
+    <cs:fontRef idx="minor">
+      <a:schemeClr val="lt1"/>
+    </cs:fontRef>
+    <cs:spPr>
+      <a:pattFill prst="pct75">
+        <a:fgClr>
+          <a:schemeClr val="dk1">
+            <a:lumMod val="75000"/>
+            <a:lumOff val="25000"/>
+          </a:schemeClr>
+        </a:fgClr>
+        <a:bgClr>
+          <a:schemeClr val="dk1">
+            <a:lumMod val="65000"/>
+            <a:lumOff val="35000"/>
+          </a:schemeClr>
+        </a:bgClr>
+      </a:pattFill>
+      <a:effectLst>
+        <a:outerShdw blurRad="50800" dist="38100" dir="2700000" algn="tl" rotWithShape="0">
+          <a:prstClr val="black">
+            <a:alpha val="40000"/>
+          </a:prstClr>
+        </a:outerShdw>
+      </a:effectLst>
+    </cs:spPr>
+    <cs:defRPr sz="1330" b="1" i="0" u="none" strike="noStrike" kern="1200" baseline="0"/>
+  </cs:dataLabel>
+  <cs:dataLabelCallout>
+    <cs:lnRef idx="0"/>
+    <cs:fillRef idx="0"/>
+    <cs:effectRef idx="0"/>
+    <cs:fontRef idx="minor">
+      <a:schemeClr val="lt1"/>
+    </cs:fontRef>
+    <cs:spPr>
+      <a:pattFill prst="pct75">
+        <a:fgClr>
+          <a:schemeClr val="dk1">
+            <a:lumMod val="75000"/>
+            <a:lumOff val="25000"/>
+          </a:schemeClr>
+        </a:fgClr>
+        <a:bgClr>
+          <a:schemeClr val="dk1">
+            <a:lumMod val="65000"/>
+            <a:lumOff val="35000"/>
+          </a:schemeClr>
+        </a:bgClr>
+      </a:pattFill>
+      <a:effectLst>
+        <a:outerShdw blurRad="50800" dist="38100" dir="2700000" algn="tl" rotWithShape="0">
+          <a:prstClr val="black">
+            <a:alpha val="40000"/>
+          </a:prstClr>
+        </a:outerShdw>
+      </a:effectLst>
+    </cs:spPr>
+    <cs:defRPr sz="1330" b="1" i="0" u="none" strike="noStrike" kern="1200" baseline="0"/>
+    <cs:bodyPr rot="0" spcFirstLastPara="1" vertOverflow="clip" horzOverflow="clip" vert="horz" wrap="square" lIns="36576" tIns="18288" rIns="36576" bIns="18288" anchor="ctr" anchorCtr="1">
+      <a:spAutoFit/>
+    </cs:bodyPr>
+  </cs:dataLabelCallout>
+  <cs:dataPoint>
+    <cs:lnRef idx="0"/>
+    <cs:fillRef idx="0">
+      <cs:styleClr val="auto"/>
+    </cs:fillRef>
+    <cs:effectRef idx="0"/>
+    <cs:fontRef idx="minor">
+      <a:schemeClr val="dk1"/>
+    </cs:fontRef>
+    <cs:spPr>
+      <a:solidFill>
+        <a:schemeClr val="phClr"/>
+      </a:solidFill>
+      <a:effectLst>
+        <a:outerShdw blurRad="254000" sx="102000" sy="102000" algn="ctr" rotWithShape="0">
+          <a:prstClr val="black">
+            <a:alpha val="20000"/>
+          </a:prstClr>
+        </a:outerShdw>
+      </a:effectLst>
+    </cs:spPr>
+  </cs:dataPoint>
+  <cs:dataPoint3D>
+    <cs:lnRef idx="0"/>
+    <cs:fillRef idx="0">
+      <cs:styleClr val="auto"/>
+    </cs:fillRef>
+    <cs:effectRef idx="0"/>
+    <cs:fontRef idx="minor">
+      <a:schemeClr val="dk1"/>
+    </cs:fontRef>
+    <cs:spPr>
+      <a:solidFill>
+        <a:schemeClr val="phClr"/>
+      </a:solidFill>
+      <a:effectLst>
+        <a:outerShdw blurRad="254000" sx="102000" sy="102000" algn="ctr" rotWithShape="0">
+          <a:prstClr val="black">
+            <a:alpha val="20000"/>
+          </a:prstClr>
+        </a:outerShdw>
+      </a:effectLst>
+    </cs:spPr>
+  </cs:dataPoint3D>
+  <cs:dataPointLine>
+    <cs:lnRef idx="0">
+      <cs:styleClr val="auto"/>
+    </cs:lnRef>
+    <cs:fillRef idx="0"/>
+    <cs:effectRef idx="0"/>
+    <cs:fontRef idx="minor">
+      <a:schemeClr val="dk1"/>
+    </cs:fontRef>
+    <cs:spPr>
+      <a:ln w="31750" cap="rnd">
+        <a:solidFill>
+          <a:schemeClr val="phClr">
+            <a:alpha val="85000"/>
+          </a:schemeClr>
+        </a:solidFill>
+        <a:round/>
+      </a:ln>
+    </cs:spPr>
+  </cs:dataPointLine>
+  <cs:dataPointMarker>
+    <cs:lnRef idx="0"/>
+    <cs:fillRef idx="0">
+      <cs:styleClr val="auto"/>
+    </cs:fillRef>
+    <cs:effectRef idx="0"/>
+    <cs:fontRef idx="minor">
+      <a:schemeClr val="dk1"/>
+    </cs:fontRef>
+    <cs:spPr>
+      <a:solidFill>
+        <a:schemeClr val="phClr">
+          <a:alpha val="85000"/>
+        </a:schemeClr>
+      </a:solidFill>
+    </cs:spPr>
+  </cs:dataPointMarker>
+  <cs:dataPointMarkerLayout symbol="circle" size="6"/>
+  <cs:dataPointWireframe>
+    <cs:lnRef idx="0">
+      <cs:styleClr val="auto"/>
+    </cs:lnRef>
+    <cs:fillRef idx="0"/>
+    <cs:effectRef idx="0"/>
+    <cs:fontRef idx="minor">
+      <a:schemeClr val="dk1"/>
+    </cs:fontRef>
+    <cs:spPr>
+      <a:ln w="9525" cap="rnd">
+        <a:solidFill>
+          <a:schemeClr val="phClr"/>
+        </a:solidFill>
+        <a:round/>
+      </a:ln>
+    </cs:spPr>
+  </cs:dataPointWireframe>
+  <cs:dataTable>
+    <cs:lnRef idx="0"/>
+    <cs:fillRef idx="0"/>
+    <cs:effectRef idx="0"/>
+    <cs:fontRef idx="minor">
+      <a:schemeClr val="dk1">
+        <a:lumMod val="75000"/>
+        <a:lumOff val="25000"/>
+      </a:schemeClr>
+    </cs:fontRef>
+    <cs:spPr>
+      <a:ln w="9525">
+        <a:solidFill>
+          <a:schemeClr val="dk1">
+            <a:lumMod val="35000"/>
+            <a:lumOff val="65000"/>
+          </a:schemeClr>
+        </a:solidFill>
+      </a:ln>
+    </cs:spPr>
+    <cs:defRPr sz="1197" kern="1200"/>
+  </cs:dataTable>
+  <cs:downBar>
+    <cs:lnRef idx="0"/>
+    <cs:fillRef idx="0"/>
+    <cs:effectRef idx="0"/>
+    <cs:fontRef idx="minor">
+      <a:schemeClr val="dk1"/>
+    </cs:fontRef>
+    <cs:spPr>
+      <a:solidFill>
+        <a:schemeClr val="dk1">
+          <a:lumMod val="50000"/>
+          <a:lumOff val="50000"/>
+        </a:schemeClr>
+      </a:solidFill>
+      <a:ln w="9525">
+        <a:solidFill>
+          <a:schemeClr val="dk1">
+            <a:lumMod val="65000"/>
+            <a:lumOff val="35000"/>
+          </a:schemeClr>
+        </a:solidFill>
+      </a:ln>
+    </cs:spPr>
+  </cs:downBar>
+  <cs:dropLine>
+    <cs:lnRef idx="0"/>
+    <cs:fillRef idx="0"/>
+    <cs:effectRef idx="0"/>
+    <cs:fontRef idx="minor">
+      <a:schemeClr val="dk1"/>
+    </cs:fontRef>
+    <cs:spPr>
+      <a:ln w="9525">
+        <a:solidFill>
+          <a:schemeClr val="dk1">
+            <a:lumMod val="35000"/>
+            <a:lumOff val="65000"/>
+          </a:schemeClr>
+        </a:solidFill>
+        <a:prstDash val="dash"/>
+      </a:ln>
+    </cs:spPr>
+  </cs:dropLine>
+  <cs:errorBar>
+    <cs:lnRef idx="0"/>
+    <cs:fillRef idx="0"/>
+    <cs:effectRef idx="0"/>
+    <cs:fontRef idx="minor">
+      <a:schemeClr val="dk1"/>
+    </cs:fontRef>
+    <cs:spPr>
+      <a:ln w="9525">
+        <a:solidFill>
+          <a:schemeClr val="dk1">
+            <a:lumMod val="65000"/>
+            <a:lumOff val="35000"/>
+          </a:schemeClr>
+        </a:solidFill>
+        <a:round/>
+      </a:ln>
+    </cs:spPr>
+  </cs:errorBar>
+  <cs:floor>
+    <cs:lnRef idx="0"/>
+    <cs:fillRef idx="0"/>
+    <cs:effectRef idx="0"/>
+    <cs:fontRef idx="minor">
+      <a:schemeClr val="dk1"/>
+    </cs:fontRef>
+  </cs:floor>
+  <cs:gridlineMajor>
+    <cs:lnRef idx="0"/>
+    <cs:fillRef idx="0"/>
+    <cs:effectRef idx="0"/>
+    <cs:fontRef idx="minor">
+      <a:schemeClr val="dk1"/>
+    </cs:fontRef>
+    <cs:spPr>
+      <a:ln w="9525" cap="flat" cmpd="sng" algn="ctr">
+        <a:gradFill>
+          <a:gsLst>
+            <a:gs pos="100000">
+              <a:schemeClr val="dk1">
+                <a:lumMod val="95000"/>
+                <a:lumOff val="5000"/>
+                <a:alpha val="42000"/>
+              </a:schemeClr>
+            </a:gs>
+            <a:gs pos="0">
+              <a:schemeClr val="lt1">
+                <a:lumMod val="75000"/>
+                <a:alpha val="36000"/>
+              </a:schemeClr>
+            </a:gs>
+          </a:gsLst>
+          <a:lin ang="5400000" scaled="0"/>
+        </a:gradFill>
+        <a:round/>
+      </a:ln>
+    </cs:spPr>
+  </cs:gridlineMajor>
+  <cs:gridlineMinor>
+    <cs:lnRef idx="0"/>
+    <cs:fillRef idx="0"/>
+    <cs:effectRef idx="0"/>
+    <cs:fontRef idx="minor">
+      <a:schemeClr val="dk1"/>
+    </cs:fontRef>
+    <cs:spPr>
+      <a:ln>
+        <a:gradFill>
+          <a:gsLst>
+            <a:gs pos="100000">
+              <a:schemeClr val="dk1">
+                <a:lumMod val="95000"/>
+                <a:lumOff val="5000"/>
+                <a:alpha val="42000"/>
+              </a:schemeClr>
+            </a:gs>
+            <a:gs pos="0">
+              <a:schemeClr val="lt1">
+                <a:lumMod val="75000"/>
+                <a:alpha val="36000"/>
+              </a:schemeClr>
+            </a:gs>
+          </a:gsLst>
+          <a:lin ang="5400000" scaled="0"/>
+        </a:gradFill>
+      </a:ln>
+    </cs:spPr>
+  </cs:gridlineMinor>
+  <cs:hiLoLine>
+    <cs:lnRef idx="0"/>
+    <cs:fillRef idx="0"/>
+    <cs:effectRef idx="0"/>
+    <cs:fontRef idx="minor">
+      <a:schemeClr val="dk1"/>
+    </cs:fontRef>
+    <cs:spPr>
+      <a:ln w="9525">
+        <a:solidFill>
+          <a:schemeClr val="dk1">
+            <a:lumMod val="35000"/>
+            <a:lumOff val="65000"/>
+          </a:schemeClr>
+        </a:solidFill>
+        <a:prstDash val="dash"/>
+      </a:ln>
+    </cs:spPr>
+  </cs:hiLoLine>
+  <cs:leaderLine>
+    <cs:lnRef idx="0"/>
+    <cs:fillRef idx="0"/>
+    <cs:effectRef idx="0"/>
+    <cs:fontRef idx="minor">
+      <a:schemeClr val="dk1"/>
+    </cs:fontRef>
+    <cs:spPr>
+      <a:ln w="9525">
+        <a:solidFill>
+          <a:schemeClr val="dk1">
+            <a:lumMod val="50000"/>
+            <a:lumOff val="50000"/>
+          </a:schemeClr>
+        </a:solidFill>
+      </a:ln>
+    </cs:spPr>
+  </cs:leaderLine>
+  <cs:legend>
+    <cs:lnRef idx="0"/>
+    <cs:fillRef idx="0"/>
+    <cs:effectRef idx="0"/>
+    <cs:fontRef idx="minor">
+      <a:schemeClr val="dk1">
+        <a:lumMod val="75000"/>
+        <a:lumOff val="25000"/>
+      </a:schemeClr>
+    </cs:fontRef>
+    <cs:spPr>
+      <a:solidFill>
+        <a:schemeClr val="lt1">
+          <a:lumMod val="95000"/>
+          <a:alpha val="39000"/>
+        </a:schemeClr>
+      </a:solidFill>
+    </cs:spPr>
+    <cs:defRPr sz="1197" kern="1200"/>
+  </cs:legend>
+  <cs:plotArea>
+    <cs:lnRef idx="0"/>
+    <cs:fillRef idx="0"/>
+    <cs:effectRef idx="0"/>
+    <cs:fontRef idx="minor">
+      <a:schemeClr val="dk1"/>
+    </cs:fontRef>
+  </cs:plotArea>
+  <cs:plotArea3D>
+    <cs:lnRef idx="0"/>
+    <cs:fillRef idx="0"/>
+    <cs:effectRef idx="0"/>
+    <cs:fontRef idx="minor">
+      <a:schemeClr val="dk1"/>
+    </cs:fontRef>
+  </cs:plotArea3D>
+  <cs:seriesAxis>
+    <cs:lnRef idx="0"/>
+    <cs:fillRef idx="0"/>
+    <cs:effectRef idx="0"/>
+    <cs:fontRef idx="minor">
+      <a:schemeClr val="dk1">
+        <a:lumMod val="75000"/>
+        <a:lumOff val="25000"/>
+      </a:schemeClr>
+    </cs:fontRef>
+    <cs:spPr>
+      <a:ln w="31750" cap="flat" cmpd="sng" algn="ctr">
+        <a:solidFill>
+          <a:schemeClr val="dk1">
+            <a:lumMod val="75000"/>
+            <a:lumOff val="25000"/>
+          </a:schemeClr>
+        </a:solidFill>
+        <a:round/>
+      </a:ln>
+    </cs:spPr>
+    <cs:defRPr sz="1197" kern="1200"/>
+  </cs:seriesAxis>
+  <cs:seriesLine>
+    <cs:lnRef idx="0"/>
+    <cs:fillRef idx="0"/>
+    <cs:effectRef idx="0"/>
+    <cs:fontRef idx="minor">
+      <a:schemeClr val="dk1"/>
+    </cs:fontRef>
+    <cs:spPr>
+      <a:ln w="9525">
+        <a:solidFill>
+          <a:schemeClr val="dk1">
+            <a:lumMod val="50000"/>
+            <a:lumOff val="50000"/>
+          </a:schemeClr>
+        </a:solidFill>
+        <a:round/>
+      </a:ln>
+    </cs:spPr>
+  </cs:seriesLine>
+  <cs:title>
+    <cs:lnRef idx="0"/>
+    <cs:fillRef idx="0"/>
+    <cs:effectRef idx="0"/>
+    <cs:fontRef idx="minor">
+      <a:schemeClr val="dk1">
+        <a:lumMod val="75000"/>
+        <a:lumOff val="25000"/>
+      </a:schemeClr>
+    </cs:fontRef>
+    <cs:defRPr sz="2200" b="1" kern="1200" baseline="0"/>
+  </cs:title>
+  <cs:trendline>
+    <cs:lnRef idx="0">
+      <cs:styleClr val="auto"/>
+    </cs:lnRef>
+    <cs:fillRef idx="0"/>
+    <cs:effectRef idx="0"/>
+    <cs:fontRef idx="minor">
+      <a:schemeClr val="dk1"/>
+    </cs:fontRef>
+    <cs:spPr>
+      <a:ln w="19050" cap="rnd">
+        <a:solidFill>
+          <a:schemeClr val="phClr"/>
+        </a:solidFill>
+      </a:ln>
+    </cs:spPr>
+  </cs:trendline>
+  <cs:trendlineLabel>
+    <cs:lnRef idx="0"/>
+    <cs:fillRef idx="0"/>
+    <cs:effectRef idx="0"/>
+    <cs:fontRef idx="minor">
+      <a:schemeClr val="dk1">
+        <a:lumMod val="75000"/>
+        <a:lumOff val="25000"/>
+      </a:schemeClr>
+    </cs:fontRef>
+    <cs:defRPr sz="1197" kern="1200"/>
+  </cs:trendlineLabel>
+  <cs:upBar>
+    <cs:lnRef idx="0"/>
+    <cs:fillRef idx="0"/>
+    <cs:effectRef idx="0"/>
+    <cs:fontRef idx="minor">
+      <a:schemeClr val="dk1"/>
+    </cs:fontRef>
+    <cs:spPr>
+      <a:solidFill>
+        <a:schemeClr val="lt1"/>
+      </a:solidFill>
+      <a:ln w="9525">
+        <a:solidFill>
+          <a:schemeClr val="dk1">
+            <a:lumMod val="65000"/>
+            <a:lumOff val="35000"/>
+          </a:schemeClr>
+        </a:solidFill>
+      </a:ln>
+    </cs:spPr>
+  </cs:upBar>
+  <cs:valueAxis>
+    <cs:lnRef idx="0"/>
+    <cs:fillRef idx="0"/>
+    <cs:effectRef idx="0"/>
+    <cs:fontRef idx="minor">
+      <a:schemeClr val="dk1">
+        <a:lumMod val="75000"/>
+        <a:lumOff val="25000"/>
+      </a:schemeClr>
+    </cs:fontRef>
+    <cs:spPr>
+      <a:ln>
+        <a:noFill/>
+      </a:ln>
+    </cs:spPr>
+    <cs:defRPr sz="1197" kern="1200"/>
+  </cs:valueAxis>
+  <cs:wall>
+    <cs:lnRef idx="0"/>
+    <cs:fillRef idx="0"/>
+    <cs:effectRef idx="0"/>
+    <cs:fontRef idx="minor">
+      <a:schemeClr val="dk1"/>
+    </cs:fontRef>
+  </cs:wall>
+</cs:chartStyle>
+</file>
+
+<file path=ppt/charts/style3.xml><?xml version="1.0" encoding="utf-8"?>
+<cs:chartStyle xmlns:cs="http://schemas.microsoft.com/office/drawing/2012/chartStyle" xmlns:a="http://schemas.openxmlformats.org/drawingml/2006/main" id="201">
+  <cs:axisTitle>
+    <cs:lnRef idx="0"/>
+    <cs:fillRef idx="0"/>
+    <cs:effectRef idx="0"/>
+    <cs:fontRef idx="minor">
+      <a:schemeClr val="tx1">
+        <a:lumMod val="65000"/>
+        <a:lumOff val="35000"/>
+      </a:schemeClr>
+    </cs:fontRef>
+    <cs:defRPr sz="1330" kern="1200"/>
+  </cs:axisTitle>
+  <cs:categoryAxis>
+    <cs:lnRef idx="0"/>
+    <cs:fillRef idx="0"/>
+    <cs:effectRef idx="0"/>
+    <cs:fontRef idx="minor">
+      <a:schemeClr val="tx1">
+        <a:lumMod val="65000"/>
+        <a:lumOff val="35000"/>
+      </a:schemeClr>
+    </cs:fontRef>
+    <cs:spPr>
+      <a:ln w="9525" cap="flat" cmpd="sng" algn="ctr">
+        <a:solidFill>
+          <a:schemeClr val="tx1">
+            <a:lumMod val="15000"/>
+            <a:lumOff val="85000"/>
+          </a:schemeClr>
+        </a:solidFill>
+        <a:round/>
+      </a:ln>
+    </cs:spPr>
+    <cs:defRPr sz="1197" kern="1200"/>
+  </cs:categoryAxis>
+  <cs:chartArea mods="allowNoFillOverride allowNoLineOverride">
+    <cs:lnRef idx="0"/>
+    <cs:fillRef idx="0"/>
+    <cs:effectRef idx="0"/>
+    <cs:fontRef idx="minor">
+      <a:schemeClr val="tx1"/>
+    </cs:fontRef>
+    <cs:spPr>
+      <a:solidFill>
+        <a:schemeClr val="bg1"/>
+      </a:solidFill>
+      <a:ln w="9525" cap="flat" cmpd="sng" algn="ctr">
+        <a:solidFill>
+          <a:schemeClr val="tx1">
+            <a:lumMod val="15000"/>
+            <a:lumOff val="85000"/>
+          </a:schemeClr>
+        </a:solidFill>
+        <a:round/>
+      </a:ln>
+    </cs:spPr>
+    <cs:defRPr sz="1330" kern="1200"/>
+  </cs:chartArea>
+  <cs:dataLabel>
+    <cs:lnRef idx="0"/>
+    <cs:fillRef idx="0"/>
+    <cs:effectRef idx="0"/>
+    <cs:fontRef idx="minor">
+      <a:schemeClr val="tx1">
+        <a:lumMod val="75000"/>
+        <a:lumOff val="25000"/>
+      </a:schemeClr>
+    </cs:fontRef>
+    <cs:defRPr sz="1197" kern="1200"/>
+  </cs:dataLabel>
+  <cs:dataLabelCallout>
+    <cs:lnRef idx="0"/>
+    <cs:fillRef idx="0"/>
+    <cs:effectRef idx="0"/>
+    <cs:fontRef idx="minor">
+      <a:schemeClr val="dk1">
+        <a:lumMod val="65000"/>
+        <a:lumOff val="35000"/>
+      </a:schemeClr>
+    </cs:fontRef>
+    <cs:spPr>
+      <a:solidFill>
+        <a:schemeClr val="lt1"/>
+      </a:solidFill>
+      <a:ln>
+        <a:solidFill>
+          <a:schemeClr val="dk1">
+            <a:lumMod val="25000"/>
+            <a:lumOff val="75000"/>
+          </a:schemeClr>
+        </a:solidFill>
+      </a:ln>
+    </cs:spPr>
+    <cs:defRPr sz="1197" kern="1200"/>
+    <cs:bodyPr rot="0" spcFirstLastPara="1" vertOverflow="clip" horzOverflow="clip" vert="horz" wrap="square" lIns="36576" tIns="18288" rIns="36576" bIns="18288" anchor="ctr" anchorCtr="1">
+      <a:spAutoFit/>
+    </cs:bodyPr>
+  </cs:dataLabelCallout>
+  <cs:dataPoint>
+    <cs:lnRef idx="0"/>
+    <cs:fillRef idx="1">
+      <cs:styleClr val="auto"/>
+    </cs:fillRef>
+    <cs:effectRef idx="0"/>
+    <cs:fontRef idx="minor">
+      <a:schemeClr val="tx1"/>
+    </cs:fontRef>
+  </cs:dataPoint>
+  <cs:dataPoint3D>
+    <cs:lnRef idx="0"/>
+    <cs:fillRef idx="1">
+      <cs:styleClr val="auto"/>
+    </cs:fillRef>
+    <cs:effectRef idx="0"/>
+    <cs:fontRef idx="minor">
+      <a:schemeClr val="tx1"/>
+    </cs:fontRef>
+  </cs:dataPoint3D>
+  <cs:dataPointLine>
+    <cs:lnRef idx="0">
+      <cs:styleClr val="auto"/>
+    </cs:lnRef>
+    <cs:fillRef idx="1"/>
+    <cs:effectRef idx="0"/>
+    <cs:fontRef idx="minor">
+      <a:schemeClr val="tx1"/>
+    </cs:fontRef>
+    <cs:spPr>
+      <a:ln w="28575" cap="rnd">
+        <a:solidFill>
+          <a:schemeClr val="phClr"/>
+        </a:solidFill>
+        <a:round/>
+      </a:ln>
+    </cs:spPr>
+  </cs:dataPointLine>
+  <cs:dataPointMarker>
+    <cs:lnRef idx="0">
+      <cs:styleClr val="auto"/>
+    </cs:lnRef>
+    <cs:fillRef idx="1">
+      <cs:styleClr val="auto"/>
+    </cs:fillRef>
+    <cs:effectRef idx="0"/>
+    <cs:fontRef idx="minor">
+      <a:schemeClr val="tx1"/>
+    </cs:fontRef>
+    <cs:spPr>
+      <a:ln w="9525">
+        <a:solidFill>
+          <a:schemeClr val="phClr"/>
+        </a:solidFill>
+      </a:ln>
+    </cs:spPr>
+  </cs:dataPointMarker>
+  <cs:dataPointMarkerLayout symbol="circle" size="5"/>
+  <cs:dataPointWireframe>
+    <cs:lnRef idx="0">
+      <cs:styleClr val="auto"/>
+    </cs:lnRef>
+    <cs:fillRef idx="1"/>
+    <cs:effectRef idx="0"/>
+    <cs:fontRef idx="minor">
+      <a:schemeClr val="tx1"/>
+    </cs:fontRef>
+    <cs:spPr>
+      <a:ln w="9525" cap="rnd">
+        <a:solidFill>
+          <a:schemeClr val="phClr"/>
+        </a:solidFill>
+        <a:round/>
+      </a:ln>
+    </cs:spPr>
+  </cs:dataPointWireframe>
+  <cs:dataTable>
+    <cs:lnRef idx="0"/>
+    <cs:fillRef idx="0"/>
+    <cs:effectRef idx="0"/>
+    <cs:fontRef idx="minor">
+      <a:schemeClr val="tx1">
+        <a:lumMod val="65000"/>
+        <a:lumOff val="35000"/>
+      </a:schemeClr>
+    </cs:fontRef>
+    <cs:spPr>
+      <a:noFill/>
+      <a:ln w="9525" cap="flat" cmpd="sng" algn="ctr">
+        <a:solidFill>
+          <a:schemeClr val="tx1">
+            <a:lumMod val="15000"/>
+            <a:lumOff val="85000"/>
+          </a:schemeClr>
+        </a:solidFill>
+        <a:round/>
+      </a:ln>
+    </cs:spPr>
+    <cs:defRPr sz="1197" kern="1200"/>
+  </cs:dataTable>
+  <cs:downBar>
+    <cs:lnRef idx="0"/>
+    <cs:fillRef idx="0"/>
+    <cs:effectRef idx="0"/>
+    <cs:fontRef idx="minor">
+      <a:schemeClr val="dk1"/>
+    </cs:fontRef>
+    <cs:spPr>
+      <a:solidFill>
+        <a:schemeClr val="dk1">
+          <a:lumMod val="65000"/>
+          <a:lumOff val="35000"/>
+        </a:schemeClr>
+      </a:solidFill>
+      <a:ln w="9525">
+        <a:solidFill>
+          <a:schemeClr val="tx1">
+            <a:lumMod val="65000"/>
+            <a:lumOff val="35000"/>
+          </a:schemeClr>
+        </a:solidFill>
+      </a:ln>
+    </cs:spPr>
+  </cs:downBar>
+  <cs:dropLine>
+    <cs:lnRef idx="0"/>
+    <cs:fillRef idx="0"/>
+    <cs:effectRef idx="0"/>
+    <cs:fontRef idx="minor">
+      <a:schemeClr val="tx1"/>
+    </cs:fontRef>
+    <cs:spPr>
+      <a:ln w="9525" cap="flat" cmpd="sng" algn="ctr">
+        <a:solidFill>
+          <a:schemeClr val="tx1">
+            <a:lumMod val="35000"/>
+            <a:lumOff val="65000"/>
+          </a:schemeClr>
+        </a:solidFill>
+        <a:round/>
+      </a:ln>
+    </cs:spPr>
+  </cs:dropLine>
+  <cs:errorBar>
+    <cs:lnRef idx="0"/>
+    <cs:fillRef idx="0"/>
+    <cs:effectRef idx="0"/>
+    <cs:fontRef idx="minor">
+      <a:schemeClr val="tx1"/>
+    </cs:fontRef>
+    <cs:spPr>
+      <a:ln w="9525" cap="flat" cmpd="sng" algn="ctr">
+        <a:solidFill>
+          <a:schemeClr val="tx1">
+            <a:lumMod val="65000"/>
+            <a:lumOff val="35000"/>
+          </a:schemeClr>
+        </a:solidFill>
+        <a:round/>
+      </a:ln>
+    </cs:spPr>
+  </cs:errorBar>
+  <cs:floor>
+    <cs:lnRef idx="0"/>
+    <cs:fillRef idx="0"/>
+    <cs:effectRef idx="0"/>
+    <cs:fontRef idx="minor">
+      <a:schemeClr val="tx1"/>
+    </cs:fontRef>
+    <cs:spPr>
+      <a:noFill/>
+      <a:ln>
+        <a:noFill/>
+      </a:ln>
+    </cs:spPr>
+  </cs:floor>
+  <cs:gridlineMajor>
+    <cs:lnRef idx="0"/>
+    <cs:fillRef idx="0"/>
+    <cs:effectRef idx="0"/>
+    <cs:fontRef idx="minor">
+      <a:schemeClr val="tx1"/>
+    </cs:fontRef>
+    <cs:spPr>
+      <a:ln w="9525" cap="flat" cmpd="sng" algn="ctr">
+        <a:solidFill>
+          <a:schemeClr val="tx1">
+            <a:lumMod val="15000"/>
+            <a:lumOff val="85000"/>
+          </a:schemeClr>
+        </a:solidFill>
+        <a:round/>
+      </a:ln>
+    </cs:spPr>
+  </cs:gridlineMajor>
+  <cs:gridlineMinor>
+    <cs:lnRef idx="0"/>
+    <cs:fillRef idx="0"/>
+    <cs:effectRef idx="0"/>
+    <cs:fontRef idx="minor">
+      <a:schemeClr val="tx1"/>
+    </cs:fontRef>
+    <cs:spPr>
+      <a:ln w="9525" cap="flat" cmpd="sng" algn="ctr">
+        <a:solidFill>
+          <a:schemeClr val="tx1">
+            <a:lumMod val="5000"/>
+            <a:lumOff val="95000"/>
+          </a:schemeClr>
+        </a:solidFill>
+        <a:round/>
+      </a:ln>
+    </cs:spPr>
+  </cs:gridlineMinor>
+  <cs:hiLoLine>
+    <cs:lnRef idx="0"/>
+    <cs:fillRef idx="0"/>
+    <cs:effectRef idx="0"/>
+    <cs:fontRef idx="minor">
+      <a:schemeClr val="tx1"/>
+    </cs:fontRef>
+    <cs:spPr>
+      <a:ln w="9525" cap="flat" cmpd="sng" algn="ctr">
+        <a:solidFill>
+          <a:schemeClr val="tx1">
+            <a:lumMod val="75000"/>
+            <a:lumOff val="25000"/>
+          </a:schemeClr>
+        </a:solidFill>
+        <a:round/>
+      </a:ln>
+    </cs:spPr>
+  </cs:hiLoLine>
+  <cs:leaderLine>
+    <cs:lnRef idx="0"/>
+    <cs:fillRef idx="0"/>
+    <cs:effectRef idx="0"/>
+    <cs:fontRef idx="minor">
+      <a:schemeClr val="tx1"/>
+    </cs:fontRef>
+    <cs:spPr>
+      <a:ln w="9525" cap="flat" cmpd="sng" algn="ctr">
+        <a:solidFill>
+          <a:schemeClr val="tx1">
+            <a:lumMod val="35000"/>
+            <a:lumOff val="65000"/>
+          </a:schemeClr>
+        </a:solidFill>
+        <a:round/>
+      </a:ln>
+    </cs:spPr>
+  </cs:leaderLine>
+  <cs:legend>
+    <cs:lnRef idx="0"/>
+    <cs:fillRef idx="0"/>
+    <cs:effectRef idx="0"/>
+    <cs:fontRef idx="minor">
+      <a:schemeClr val="tx1">
+        <a:lumMod val="65000"/>
+        <a:lumOff val="35000"/>
+      </a:schemeClr>
+    </cs:fontRef>
+    <cs:defRPr sz="1197" kern="1200"/>
+  </cs:legend>
+  <cs:plotArea mods="allowNoFillOverride allowNoLineOverride">
+    <cs:lnRef idx="0"/>
+    <cs:fillRef idx="0"/>
+    <cs:effectRef idx="0"/>
+    <cs:fontRef idx="minor">
+      <a:schemeClr val="tx1"/>
+    </cs:fontRef>
+  </cs:plotArea>
+  <cs:plotArea3D mods="allowNoFillOverride allowNoLineOverride">
+    <cs:lnRef idx="0"/>
+    <cs:fillRef idx="0"/>
+    <cs:effectRef idx="0"/>
+    <cs:fontRef idx="minor">
+      <a:schemeClr val="tx1"/>
+    </cs:fontRef>
+  </cs:plotArea3D>
+  <cs:seriesAxis>
+    <cs:lnRef idx="0"/>
+    <cs:fillRef idx="0"/>
+    <cs:effectRef idx="0"/>
+    <cs:fontRef idx="minor">
+      <a:schemeClr val="tx1">
+        <a:lumMod val="65000"/>
+        <a:lumOff val="35000"/>
+      </a:schemeClr>
+    </cs:fontRef>
+    <cs:defRPr sz="1197" kern="1200"/>
+  </cs:seriesAxis>
+  <cs:seriesLine>
+    <cs:lnRef idx="0"/>
+    <cs:fillRef idx="0"/>
+    <cs:effectRef idx="0"/>
+    <cs:fontRef idx="minor">
+      <a:schemeClr val="tx1"/>
+    </cs:fontRef>
+    <cs:spPr>
+      <a:ln w="9525" cap="flat" cmpd="sng" algn="ctr">
+        <a:solidFill>
+          <a:schemeClr val="tx1">
+            <a:lumMod val="35000"/>
+            <a:lumOff val="65000"/>
+          </a:schemeClr>
+        </a:solidFill>
+        <a:round/>
+      </a:ln>
+    </cs:spPr>
+  </cs:seriesLine>
+  <cs:title>
+    <cs:lnRef idx="0"/>
+    <cs:fillRef idx="0"/>
+    <cs:effectRef idx="0"/>
+    <cs:fontRef idx="minor">
+      <a:schemeClr val="tx1">
+        <a:lumMod val="65000"/>
+        <a:lumOff val="35000"/>
+      </a:schemeClr>
+    </cs:fontRef>
+    <cs:defRPr sz="1862" b="0" kern="1200" spc="0" baseline="0"/>
+  </cs:title>
+  <cs:trendline>
+    <cs:lnRef idx="0">
+      <cs:styleClr val="auto"/>
+    </cs:lnRef>
+    <cs:fillRef idx="0"/>
+    <cs:effectRef idx="0"/>
+    <cs:fontRef idx="minor">
+      <a:schemeClr val="tx1"/>
+    </cs:fontRef>
+    <cs:spPr>
+      <a:ln w="19050" cap="rnd">
+        <a:solidFill>
+          <a:schemeClr val="phClr"/>
+        </a:solidFill>
+        <a:prstDash val="sysDot"/>
+      </a:ln>
+    </cs:spPr>
+  </cs:trendline>
+  <cs:trendlineLabel>
+    <cs:lnRef idx="0"/>
+    <cs:fillRef idx="0"/>
+    <cs:effectRef idx="0"/>
+    <cs:fontRef idx="minor">
+      <a:schemeClr val="tx1">
+        <a:lumMod val="65000"/>
+        <a:lumOff val="35000"/>
+      </a:schemeClr>
+    </cs:fontRef>
+    <cs:defRPr sz="1197" kern="1200"/>
+  </cs:trendlineLabel>
+  <cs:upBar>
+    <cs:lnRef idx="0"/>
+    <cs:fillRef idx="0"/>
+    <cs:effectRef idx="0"/>
+    <cs:fontRef idx="minor">
+      <a:schemeClr val="dk1"/>
+    </cs:fontRef>
+    <cs:spPr>
+      <a:solidFill>
+        <a:schemeClr val="lt1"/>
+      </a:solidFill>
+      <a:ln w="9525">
+        <a:solidFill>
+          <a:schemeClr val="tx1">
+            <a:lumMod val="15000"/>
+            <a:lumOff val="85000"/>
+          </a:schemeClr>
+        </a:solidFill>
+      </a:ln>
+    </cs:spPr>
+  </cs:upBar>
+  <cs:valueAxis>
+    <cs:lnRef idx="0"/>
+    <cs:fillRef idx="0"/>
+    <cs:effectRef idx="0"/>
+    <cs:fontRef idx="minor">
+      <a:schemeClr val="tx1">
+        <a:lumMod val="65000"/>
+        <a:lumOff val="35000"/>
+      </a:schemeClr>
+    </cs:fontRef>
+    <cs:defRPr sz="1197" kern="1200"/>
+  </cs:valueAxis>
+  <cs:wall>
+    <cs:lnRef idx="0"/>
+    <cs:fillRef idx="0"/>
+    <cs:effectRef idx="0"/>
+    <cs:fontRef idx="minor">
+      <a:schemeClr val="tx1"/>
+    </cs:fontRef>
+    <cs:spPr>
+      <a:noFill/>
+      <a:ln>
+        <a:noFill/>
+      </a:ln>
+    </cs:spPr>
+  </cs:wall>
+</cs:chartStyle>
+</file>
+
 <file path=ppt/slideLayouts/slideLayout1.xml><?xml version="1.0" encoding="utf-8"?>
 <p:sldLayout xmlns:a="http://schemas.openxmlformats.org/drawingml/2006/main" xmlns:r="http://schemas.openxmlformats.org/officeDocument/2006/relationships" xmlns:p="http://schemas.openxmlformats.org/presentationml/2006/main" showMasterSp="0" type="title" preserve="1">
   <p:cSld name="Title Slide">
@@ -1257,7 +3257,7 @@
           <a:p>
             <a:fld id="{115C48E2-7E56-40C8-9685-3F8DF3CF180A}" type="datetimeFigureOut">
               <a:rPr lang="en-GB" smtClean="0"/>
-              <a:t>22/01/2018</a:t>
+              <a:t>24/01/2018</a:t>
             </a:fld>
             <a:endParaRPr lang="en-GB"/>
           </a:p>
@@ -1465,7 +3465,7 @@
           <a:p>
             <a:fld id="{115C48E2-7E56-40C8-9685-3F8DF3CF180A}" type="datetimeFigureOut">
               <a:rPr lang="en-GB" smtClean="0"/>
-              <a:t>22/01/2018</a:t>
+              <a:t>24/01/2018</a:t>
             </a:fld>
             <a:endParaRPr lang="en-GB"/>
           </a:p>
@@ -1721,7 +3721,7 @@
           <a:p>
             <a:fld id="{115C48E2-7E56-40C8-9685-3F8DF3CF180A}" type="datetimeFigureOut">
               <a:rPr lang="en-GB" smtClean="0"/>
-              <a:t>22/01/2018</a:t>
+              <a:t>24/01/2018</a:t>
             </a:fld>
             <a:endParaRPr lang="en-GB"/>
           </a:p>
@@ -2005,7 +4005,7 @@
           <a:p>
             <a:fld id="{115C48E2-7E56-40C8-9685-3F8DF3CF180A}" type="datetimeFigureOut">
               <a:rPr lang="en-GB" smtClean="0"/>
-              <a:t>22/01/2018</a:t>
+              <a:t>24/01/2018</a:t>
             </a:fld>
             <a:endParaRPr lang="en-GB"/>
           </a:p>
@@ -2179,7 +4179,7 @@
           <a:p>
             <a:fld id="{115C48E2-7E56-40C8-9685-3F8DF3CF180A}" type="datetimeFigureOut">
               <a:rPr lang="en-GB" smtClean="0"/>
-              <a:t>22/01/2018</a:t>
+              <a:t>24/01/2018</a:t>
             </a:fld>
             <a:endParaRPr lang="en-GB"/>
           </a:p>
@@ -2522,7 +4522,7 @@
           <a:p>
             <a:fld id="{115C48E2-7E56-40C8-9685-3F8DF3CF180A}" type="datetimeFigureOut">
               <a:rPr lang="en-GB" smtClean="0"/>
-              <a:t>22/01/2018</a:t>
+              <a:t>24/01/2018</a:t>
             </a:fld>
             <a:endParaRPr lang="en-GB"/>
           </a:p>
@@ -2797,7 +4797,7 @@
           <a:p>
             <a:fld id="{115C48E2-7E56-40C8-9685-3F8DF3CF180A}" type="datetimeFigureOut">
               <a:rPr lang="en-GB" smtClean="0"/>
-              <a:t>22/01/2018</a:t>
+              <a:t>24/01/2018</a:t>
             </a:fld>
             <a:endParaRPr lang="en-GB"/>
           </a:p>
@@ -3176,7 +5176,7 @@
           <a:p>
             <a:fld id="{115C48E2-7E56-40C8-9685-3F8DF3CF180A}" type="datetimeFigureOut">
               <a:rPr lang="en-GB" smtClean="0"/>
-              <a:t>22/01/2018</a:t>
+              <a:t>24/01/2018</a:t>
             </a:fld>
             <a:endParaRPr lang="en-GB"/>
           </a:p>
@@ -3294,7 +5294,7 @@
           <a:p>
             <a:fld id="{115C48E2-7E56-40C8-9685-3F8DF3CF180A}" type="datetimeFigureOut">
               <a:rPr lang="en-GB" smtClean="0"/>
-              <a:t>22/01/2018</a:t>
+              <a:t>24/01/2018</a:t>
             </a:fld>
             <a:endParaRPr lang="en-GB"/>
           </a:p>
@@ -3465,7 +5465,7 @@
           <a:p>
             <a:fld id="{115C48E2-7E56-40C8-9685-3F8DF3CF180A}" type="datetimeFigureOut">
               <a:rPr lang="en-GB" smtClean="0"/>
-              <a:t>22/01/2018</a:t>
+              <a:t>24/01/2018</a:t>
             </a:fld>
             <a:endParaRPr lang="en-GB"/>
           </a:p>
@@ -3819,7 +5819,7 @@
           <a:p>
             <a:fld id="{115C48E2-7E56-40C8-9685-3F8DF3CF180A}" type="datetimeFigureOut">
               <a:rPr lang="en-GB" smtClean="0"/>
-              <a:t>22/01/2018</a:t>
+              <a:t>24/01/2018</a:t>
             </a:fld>
             <a:endParaRPr lang="en-GB"/>
           </a:p>
@@ -4201,7 +6201,7 @@
           <a:p>
             <a:fld id="{115C48E2-7E56-40C8-9685-3F8DF3CF180A}" type="datetimeFigureOut">
               <a:rPr lang="en-GB" smtClean="0"/>
-              <a:t>22/01/2018</a:t>
+              <a:t>24/01/2018</a:t>
             </a:fld>
             <a:endParaRPr lang="en-GB"/>
           </a:p>
@@ -4488,7 +6488,7 @@
           <a:p>
             <a:fld id="{115C48E2-7E56-40C8-9685-3F8DF3CF180A}" type="datetimeFigureOut">
               <a:rPr lang="en-GB" smtClean="0"/>
-              <a:t>22/01/2018</a:t>
+              <a:t>24/01/2018</a:t>
             </a:fld>
             <a:endParaRPr lang="en-GB"/>
           </a:p>
@@ -5138,103 +7138,128 @@
             <p:ph idx="1"/>
           </p:nvPr>
         </p:nvSpPr>
-        <p:spPr/>
+        <p:spPr>
+          <a:xfrm>
+            <a:off x="189781" y="1845734"/>
+            <a:ext cx="10965899" cy="4023360"/>
+          </a:xfrm>
+        </p:spPr>
         <p:txBody>
-          <a:bodyPr/>
+          <a:bodyPr>
+            <a:normAutofit/>
+          </a:bodyPr>
           <a:lstStyle/>
           <a:p>
             <a:pPr lvl="1"/>
             <a:r>
-              <a:rPr lang="en-GB" sz="2800" dirty="0" smtClean="0"/>
+              <a:rPr lang="en-GB" sz="2400" dirty="0" smtClean="0"/>
               <a:t>Testing is an important phase on </a:t>
             </a:r>
             <a:r>
-              <a:rPr lang="en-GB" sz="2800" dirty="0"/>
-              <a:t>the software development life </a:t>
-            </a:r>
-            <a:r>
-              <a:rPr lang="en-GB" sz="2800" dirty="0" smtClean="0"/>
-              <a:t>cycle in order to deliver a good product.</a:t>
-            </a:r>
-            <a:endParaRPr lang="en-GB" sz="2800" dirty="0"/>
+              <a:rPr lang="en-GB" sz="2400" dirty="0"/>
+              <a:t>the software </a:t>
+            </a:r>
+            <a:r>
+              <a:rPr lang="en-GB" sz="2400" dirty="0" smtClean="0"/>
+              <a:t>development</a:t>
+            </a:r>
+          </a:p>
+          <a:p>
+            <a:pPr marL="201168" lvl="1" indent="0">
+              <a:buNone/>
+            </a:pPr>
+            <a:r>
+              <a:rPr lang="en-GB" sz="2400" dirty="0" smtClean="0"/>
+              <a:t>   life cycle in order to deliver a good product.</a:t>
+            </a:r>
+            <a:endParaRPr lang="en-GB" sz="2400" dirty="0"/>
           </a:p>
           <a:p>
             <a:pPr lvl="1"/>
             <a:r>
-              <a:rPr lang="en-GB" sz="2800" dirty="0" smtClean="0"/>
-              <a:t>Testing is challenging (‘Testing is easy’ is a myth)</a:t>
+              <a:rPr lang="en-GB" sz="2400" dirty="0" smtClean="0"/>
+              <a:t>Testing is challenging (‘Testing is easy’ is a myth), </a:t>
+            </a:r>
+          </a:p>
+          <a:p>
+            <a:pPr marL="201168" lvl="1" indent="0">
+              <a:buNone/>
+            </a:pPr>
+            <a:r>
+              <a:rPr lang="en-GB" sz="2400" dirty="0" smtClean="0"/>
+              <a:t>   it requires high </a:t>
+            </a:r>
+            <a:r>
+              <a:rPr lang="en-GB" sz="2400" dirty="0"/>
+              <a:t>analytical skills in </a:t>
+            </a:r>
+            <a:r>
+              <a:rPr lang="en-GB" sz="2400" dirty="0" smtClean="0"/>
+              <a:t>order </a:t>
+            </a:r>
+            <a:r>
+              <a:rPr lang="en-GB" sz="2400" dirty="0"/>
+              <a:t>to </a:t>
+            </a:r>
+            <a:r>
+              <a:rPr lang="en-GB" sz="2400" dirty="0" smtClean="0"/>
+              <a:t>use</a:t>
+            </a:r>
+          </a:p>
+          <a:p>
+            <a:pPr marL="201168" lvl="1" indent="0">
+              <a:buNone/>
+            </a:pPr>
+            <a:r>
+              <a:rPr lang="en-GB" sz="2400" dirty="0"/>
+              <a:t> </a:t>
+            </a:r>
+            <a:r>
+              <a:rPr lang="en-GB" sz="2400" dirty="0" smtClean="0"/>
+              <a:t>  minimum set </a:t>
+            </a:r>
+            <a:r>
+              <a:rPr lang="en-GB" sz="2400" dirty="0"/>
+              <a:t>of </a:t>
+            </a:r>
+            <a:r>
+              <a:rPr lang="en-GB" sz="2400" dirty="0" smtClean="0"/>
+              <a:t>test cases </a:t>
+            </a:r>
+            <a:r>
+              <a:rPr lang="en-GB" sz="2400" dirty="0"/>
+              <a:t>with </a:t>
+            </a:r>
+            <a:r>
+              <a:rPr lang="en-GB" sz="2400" dirty="0" smtClean="0"/>
+              <a:t>maximum test coverage</a:t>
             </a:r>
           </a:p>
           <a:p>
             <a:pPr lvl="1"/>
             <a:r>
-              <a:rPr lang="en-GB" sz="2800" dirty="0"/>
-              <a:t>T</a:t>
-            </a:r>
-            <a:r>
-              <a:rPr lang="en-GB" sz="2800" dirty="0" smtClean="0"/>
-              <a:t>esting requires high </a:t>
-            </a:r>
-            <a:r>
-              <a:rPr lang="en-GB" sz="2800" dirty="0"/>
-              <a:t>analytical skills in </a:t>
-            </a:r>
-            <a:r>
-              <a:rPr lang="en-GB" sz="2800" dirty="0" smtClean="0"/>
-              <a:t>order </a:t>
-            </a:r>
-            <a:r>
-              <a:rPr lang="en-GB" sz="2800" dirty="0"/>
-              <a:t>to use </a:t>
-            </a:r>
-            <a:r>
-              <a:rPr lang="en-GB" sz="2800" dirty="0" smtClean="0"/>
-              <a:t/>
+              <a:rPr lang="en-GB" sz="2400" dirty="0" smtClean="0"/>
+              <a:t>Testers need to be patient, creative, </a:t>
+            </a:r>
+            <a:r>
+              <a:rPr lang="en-GB" sz="2400" dirty="0" smtClean="0"/>
+              <a:t>open-minded</a:t>
+            </a:r>
+            <a:endParaRPr lang="en-GB" sz="2400" dirty="0" smtClean="0"/>
+          </a:p>
+          <a:p>
+            <a:pPr lvl="1"/>
+            <a:r>
+              <a:rPr lang="en-GB" sz="2400" dirty="0" smtClean="0"/>
+              <a:t>Testers need to think and act with an end user </a:t>
             </a:r>
             <a:br>
-              <a:rPr lang="en-GB" sz="2800" dirty="0" smtClean="0"/>
+              <a:rPr lang="en-GB" sz="2400" dirty="0" smtClean="0"/>
             </a:br>
             <a:r>
-              <a:rPr lang="en-GB" sz="2800" dirty="0" smtClean="0"/>
-              <a:t>minimum </a:t>
-            </a:r>
-            <a:r>
-              <a:rPr lang="en-GB" sz="2800" dirty="0"/>
-              <a:t>set of test cases with </a:t>
-            </a:r>
-            <a:r>
-              <a:rPr lang="en-GB" sz="2800" dirty="0" smtClean="0"/>
-              <a:t>maximum test coverage</a:t>
-            </a:r>
-          </a:p>
-          <a:p>
-            <a:pPr lvl="1"/>
-            <a:r>
-              <a:rPr lang="en-GB" sz="2800" dirty="0" smtClean="0"/>
-              <a:t>Testers need to be patient, creative, </a:t>
-            </a:r>
-            <a:br>
-              <a:rPr lang="en-GB" sz="2800" dirty="0" smtClean="0"/>
-            </a:br>
-            <a:r>
-              <a:rPr lang="en-GB" sz="2800" dirty="0" smtClean="0"/>
-              <a:t>open-minded</a:t>
-            </a:r>
-          </a:p>
-          <a:p>
-            <a:pPr lvl="1"/>
-            <a:r>
-              <a:rPr lang="en-GB" sz="2800" dirty="0" smtClean="0"/>
-              <a:t>Testers need to think and act with an end user </a:t>
-            </a:r>
-            <a:br>
-              <a:rPr lang="en-GB" sz="2800" dirty="0" smtClean="0"/>
-            </a:br>
-            <a:r>
-              <a:rPr lang="en-GB" sz="2800" dirty="0" smtClean="0"/>
+              <a:rPr lang="en-GB" sz="2400" dirty="0" smtClean="0"/>
               <a:t>perspective</a:t>
             </a:r>
-            <a:endParaRPr lang="en-GB" sz="2800" dirty="0"/>
           </a:p>
           <a:p>
             <a:endParaRPr lang="en-GB" dirty="0"/>
@@ -5243,14 +7268,14 @@
       </p:sp>
       <p:pic>
         <p:nvPicPr>
-          <p:cNvPr id="5" name="Picture 4"/>
+          <p:cNvPr id="4" name="Picture 3"/>
           <p:cNvPicPr>
             <a:picLocks noChangeAspect="1"/>
           </p:cNvPicPr>
           <p:nvPr/>
         </p:nvPicPr>
         <p:blipFill>
-          <a:blip r:embed="rId2" cstate="print">
+          <a:blip r:embed="rId2">
             <a:extLst>
               <a:ext uri="{28A0092B-C50C-407E-A947-70E740481C1C}">
                 <a14:useLocalDpi xmlns:a14="http://schemas.microsoft.com/office/drawing/2010/main" val="0"/>
@@ -5263,8 +7288,8 @@
         </p:blipFill>
         <p:spPr>
           <a:xfrm>
-            <a:off x="9499409" y="3088257"/>
-            <a:ext cx="2372263" cy="2372263"/>
+            <a:off x="7470476" y="2416780"/>
+            <a:ext cx="3385790" cy="2881268"/>
           </a:xfrm>
           <a:prstGeom prst="rect">
             <a:avLst/>
@@ -5643,7 +7668,7 @@
             <a:pPr lvl="1"/>
             <a:r>
               <a:rPr lang="en-GB" dirty="0" smtClean="0"/>
-              <a:t>Create and run testing scenarios</a:t>
+              <a:t>Create and run test cases</a:t>
             </a:r>
           </a:p>
           <a:p>
@@ -5958,7 +7983,7 @@
       </p:sp>
       <p:pic>
         <p:nvPicPr>
-          <p:cNvPr id="6" name="Content Placeholder 5"/>
+          <p:cNvPr id="4" name="Content Placeholder 3"/>
           <p:cNvPicPr>
             <a:picLocks noGrp="1" noChangeAspect="1"/>
           </p:cNvPicPr>
@@ -5980,8 +8005,8 @@
         </p:blipFill>
         <p:spPr>
           <a:xfrm>
-            <a:off x="1096963" y="2335586"/>
-            <a:ext cx="10058400" cy="3044079"/>
+            <a:off x="3010619" y="1814278"/>
+            <a:ext cx="5758731" cy="3776897"/>
           </a:xfrm>
         </p:spPr>
       </p:pic>
@@ -6176,7 +8201,7 @@
             <p:ph idx="1"/>
             <p:extLst>
               <p:ext uri="{D42A27DB-BD31-4B8C-83A1-F6EECF244321}">
-                <p14:modId xmlns:p14="http://schemas.microsoft.com/office/powerpoint/2010/main" val="2352613558"/>
+                <p14:modId xmlns:p14="http://schemas.microsoft.com/office/powerpoint/2010/main" val="3832451493"/>
               </p:ext>
             </p:extLst>
           </p:nvPr>
@@ -6617,7 +8642,9 @@
                     <a:lstStyle/>
                     <a:p>
                       <a:r>
-                        <a:rPr lang="en-GB" dirty="0" smtClean="0"/>
+                        <a:rPr lang="en-GB" dirty="0" smtClean="0">
+                          <a:hlinkClick r:id="rId2"/>
+                        </a:rPr>
                         <a:t>12252</a:t>
                       </a:r>
                       <a:endParaRPr lang="en-GB" dirty="0"/>
@@ -7037,18 +9064,18 @@
           <a:p>
             <a:r>
               <a:rPr lang="en-GB" dirty="0" smtClean="0"/>
-              <a:t>Bugs </a:t>
-            </a:r>
-            <a:r>
-              <a:rPr lang="en-GB" dirty="0" smtClean="0"/>
-              <a:t>overview</a:t>
+              <a:t>Defects distribution</a:t>
             </a:r>
             <a:br>
               <a:rPr lang="en-GB" dirty="0" smtClean="0"/>
             </a:br>
             <a:r>
               <a:rPr lang="en-GB" sz="3600" dirty="0" smtClean="0"/>
-              <a:t>12 bugs</a:t>
+              <a:t>14 </a:t>
+            </a:r>
+            <a:r>
+              <a:rPr lang="en-GB" sz="3600" dirty="0" smtClean="0"/>
+              <a:t>bugs</a:t>
             </a:r>
             <a:endParaRPr lang="en-GB" sz="3600" dirty="0"/>
           </a:p>
@@ -7064,7 +9091,7 @@
             <p:ph idx="1"/>
             <p:extLst>
               <p:ext uri="{D42A27DB-BD31-4B8C-83A1-F6EECF244321}">
-                <p14:modId xmlns:p14="http://schemas.microsoft.com/office/powerpoint/2010/main" val="3533476668"/>
+                <p14:modId xmlns:p14="http://schemas.microsoft.com/office/powerpoint/2010/main" val="2523186609"/>
               </p:ext>
             </p:extLst>
           </p:nvPr>
@@ -7142,7 +9169,12 @@
             <p:ph idx="1"/>
           </p:nvPr>
         </p:nvSpPr>
-        <p:spPr/>
+        <p:spPr>
+          <a:xfrm>
+            <a:off x="285750" y="1775748"/>
+            <a:ext cx="10869930" cy="4023360"/>
+          </a:xfrm>
+        </p:spPr>
         <p:txBody>
           <a:bodyPr/>
           <a:lstStyle/>
@@ -7171,7 +9203,69 @@
           <a:p>
             <a:r>
               <a:rPr lang="en-US" dirty="0" smtClean="0"/>
-              <a:t>- 12 bug identified: 1 major, 11 normal</a:t>
+              <a:t>- </a:t>
+            </a:r>
+            <a:r>
+              <a:rPr lang="en-US" dirty="0" smtClean="0"/>
+              <a:t>14 bugs </a:t>
+            </a:r>
+            <a:r>
+              <a:rPr lang="en-US" dirty="0" smtClean="0"/>
+              <a:t>identified: 1 major, 11 normal (most of them</a:t>
+            </a:r>
+          </a:p>
+          <a:p>
+            <a:r>
+              <a:rPr lang="en-US" dirty="0" smtClean="0"/>
+              <a:t> found by performing </a:t>
+            </a:r>
+            <a:r>
+              <a:rPr lang="en-US" dirty="0" smtClean="0">
+                <a:solidFill>
+                  <a:schemeClr val="accent1">
+                    <a:lumMod val="75000"/>
+                  </a:schemeClr>
+                </a:solidFill>
+              </a:rPr>
+              <a:t>Connectivity </a:t>
+            </a:r>
+            <a:r>
+              <a:rPr lang="en-US" dirty="0">
+                <a:solidFill>
+                  <a:schemeClr val="accent1">
+                    <a:lumMod val="75000"/>
+                  </a:schemeClr>
+                </a:solidFill>
+              </a:rPr>
+              <a:t>T</a:t>
+            </a:r>
+            <a:r>
+              <a:rPr lang="en-US" dirty="0" smtClean="0">
+                <a:solidFill>
+                  <a:schemeClr val="accent1">
+                    <a:lumMod val="75000"/>
+                  </a:schemeClr>
+                </a:solidFill>
+              </a:rPr>
+              <a:t>esting </a:t>
+            </a:r>
+            <a:r>
+              <a:rPr lang="en-US" dirty="0" smtClean="0"/>
+              <a:t>and </a:t>
+            </a:r>
+            <a:r>
+              <a:rPr lang="en-US" dirty="0" smtClean="0">
+                <a:solidFill>
+                  <a:schemeClr val="accent1">
+                    <a:lumMod val="75000"/>
+                  </a:schemeClr>
+                </a:solidFill>
+              </a:rPr>
+              <a:t>Location testing</a:t>
+            </a:r>
+            <a:r>
+              <a:rPr lang="en-US" dirty="0" smtClean="0"/>
+              <a:t>)</a:t>
             </a:r>
             <a:endParaRPr lang="en-US" dirty="0"/>
           </a:p>
@@ -7195,16 +9289,64 @@
           </a:p>
         </p:txBody>
       </p:sp>
+      <p:graphicFrame>
+        <p:nvGraphicFramePr>
+          <p:cNvPr id="7" name="Content Placeholder 15"/>
+          <p:cNvGraphicFramePr>
+            <a:graphicFrameLocks/>
+          </p:cNvGraphicFramePr>
+          <p:nvPr>
+            <p:extLst>
+              <p:ext uri="{D42A27DB-BD31-4B8C-83A1-F6EECF244321}">
+                <p14:modId xmlns:p14="http://schemas.microsoft.com/office/powerpoint/2010/main" val="1199514768"/>
+              </p:ext>
+            </p:extLst>
+          </p:nvPr>
+        </p:nvGraphicFramePr>
+        <p:xfrm>
+          <a:off x="8712678" y="1821945"/>
+          <a:ext cx="2381861" cy="1510382"/>
+        </p:xfrm>
+        <a:graphic>
+          <a:graphicData uri="http://schemas.openxmlformats.org/drawingml/2006/chart">
+            <c:chart xmlns:c="http://schemas.openxmlformats.org/drawingml/2006/chart" xmlns:r="http://schemas.openxmlformats.org/officeDocument/2006/relationships" r:id="rId2"/>
+          </a:graphicData>
+        </a:graphic>
+      </p:graphicFrame>
+      <p:graphicFrame>
+        <p:nvGraphicFramePr>
+          <p:cNvPr id="10" name="Content Placeholder 34"/>
+          <p:cNvGraphicFramePr>
+            <a:graphicFrameLocks/>
+          </p:cNvGraphicFramePr>
+          <p:nvPr>
+            <p:extLst>
+              <p:ext uri="{D42A27DB-BD31-4B8C-83A1-F6EECF244321}">
+                <p14:modId xmlns:p14="http://schemas.microsoft.com/office/powerpoint/2010/main" val="3994689751"/>
+              </p:ext>
+            </p:extLst>
+          </p:nvPr>
+        </p:nvGraphicFramePr>
+        <p:xfrm>
+          <a:off x="7581900" y="3874264"/>
+          <a:ext cx="4449763" cy="2249488"/>
+        </p:xfrm>
+        <a:graphic>
+          <a:graphicData uri="http://schemas.openxmlformats.org/drawingml/2006/chart">
+            <c:chart xmlns:c="http://schemas.openxmlformats.org/drawingml/2006/chart" xmlns:r="http://schemas.openxmlformats.org/officeDocument/2006/relationships" r:id="rId3"/>
+          </a:graphicData>
+        </a:graphic>
+      </p:graphicFrame>
       <p:pic>
         <p:nvPicPr>
-          <p:cNvPr id="4" name="Picture 3"/>
+          <p:cNvPr id="11" name="Picture 10"/>
           <p:cNvPicPr>
             <a:picLocks noChangeAspect="1"/>
           </p:cNvPicPr>
           <p:nvPr/>
         </p:nvPicPr>
         <p:blipFill>
-          <a:blip r:embed="rId2" cstate="print">
+          <a:blip r:embed="rId4" cstate="print">
             <a:extLst>
               <a:ext uri="{28A0092B-C50C-407E-A947-70E740481C1C}">
                 <a14:useLocalDpi xmlns:a14="http://schemas.microsoft.com/office/drawing/2010/main" val="0"/>
@@ -7216,9 +9358,9 @@
           </a:stretch>
         </p:blipFill>
         <p:spPr>
-          <a:xfrm rot="1336953">
-            <a:off x="6694099" y="2203805"/>
-            <a:ext cx="2113472" cy="3759112"/>
+          <a:xfrm rot="2101726">
+            <a:off x="4329925" y="4249317"/>
+            <a:ext cx="1927163" cy="1965707"/>
           </a:xfrm>
           <a:prstGeom prst="rect">
             <a:avLst/>
@@ -7227,14 +9369,14 @@
       </p:pic>
       <p:pic>
         <p:nvPicPr>
-          <p:cNvPr id="5" name="Picture 4"/>
+          <p:cNvPr id="13" name="Picture 12"/>
           <p:cNvPicPr>
             <a:picLocks noChangeAspect="1"/>
           </p:cNvPicPr>
           <p:nvPr/>
         </p:nvPicPr>
         <p:blipFill>
-          <a:blip r:embed="rId3" cstate="print">
+          <a:blip r:embed="rId5" cstate="print">
             <a:extLst>
               <a:ext uri="{28A0092B-C50C-407E-A947-70E740481C1C}">
                 <a14:useLocalDpi xmlns:a14="http://schemas.microsoft.com/office/drawing/2010/main" val="0"/>
@@ -7246,39 +9388,9 @@
           </a:stretch>
         </p:blipFill>
         <p:spPr>
-          <a:xfrm rot="20523594">
-            <a:off x="8662206" y="2097158"/>
-            <a:ext cx="2269768" cy="4037161"/>
-          </a:xfrm>
-          <a:prstGeom prst="rect">
-            <a:avLst/>
-          </a:prstGeom>
-        </p:spPr>
-      </p:pic>
-      <p:pic>
-        <p:nvPicPr>
-          <p:cNvPr id="6" name="Picture 5"/>
-          <p:cNvPicPr>
-            <a:picLocks noChangeAspect="1"/>
-          </p:cNvPicPr>
-          <p:nvPr/>
-        </p:nvPicPr>
-        <p:blipFill>
-          <a:blip r:embed="rId4">
-            <a:extLst>
-              <a:ext uri="{28A0092B-C50C-407E-A947-70E740481C1C}">
-                <a14:useLocalDpi xmlns:a14="http://schemas.microsoft.com/office/drawing/2010/main" val="0"/>
-              </a:ext>
-            </a:extLst>
-          </a:blip>
-          <a:stretch>
-            <a:fillRect/>
-          </a:stretch>
-        </p:blipFill>
-        <p:spPr>
-          <a:xfrm>
-            <a:off x="1247325" y="4198908"/>
-            <a:ext cx="2847975" cy="1600200"/>
+          <a:xfrm rot="19823396">
+            <a:off x="6089318" y="3602891"/>
+            <a:ext cx="1990734" cy="2246589"/>
           </a:xfrm>
           <a:prstGeom prst="rect">
             <a:avLst/>

--- a/final-project/virtual-cards/virtual-cards.pptx
+++ b/final-project/virtual-cards/virtual-cards.pptx
@@ -7,14 +7,15 @@
   <p:sldIdLst>
     <p:sldId id="256" r:id="rId2"/>
     <p:sldId id="257" r:id="rId3"/>
-    <p:sldId id="258" r:id="rId4"/>
-    <p:sldId id="259" r:id="rId5"/>
-    <p:sldId id="262" r:id="rId6"/>
-    <p:sldId id="261" r:id="rId7"/>
-    <p:sldId id="265" r:id="rId8"/>
-    <p:sldId id="267" r:id="rId9"/>
-    <p:sldId id="268" r:id="rId10"/>
-    <p:sldId id="264" r:id="rId11"/>
+    <p:sldId id="269" r:id="rId4"/>
+    <p:sldId id="258" r:id="rId5"/>
+    <p:sldId id="259" r:id="rId6"/>
+    <p:sldId id="262" r:id="rId7"/>
+    <p:sldId id="261" r:id="rId8"/>
+    <p:sldId id="265" r:id="rId9"/>
+    <p:sldId id="267" r:id="rId10"/>
+    <p:sldId id="268" r:id="rId11"/>
+    <p:sldId id="264" r:id="rId12"/>
   </p:sldIdLst>
   <p:sldSz cx="12192000" cy="6858000"/>
   <p:notesSz cx="6858000" cy="9144000"/>
@@ -1185,11 +1186,11 @@
         </c:dLbls>
         <c:gapWidth val="219"/>
         <c:overlap val="-27"/>
-        <c:axId val="351570088"/>
-        <c:axId val="351574400"/>
+        <c:axId val="404025952"/>
+        <c:axId val="404020464"/>
       </c:barChart>
       <c:catAx>
-        <c:axId val="351570088"/>
+        <c:axId val="404025952"/>
         <c:scaling>
           <c:orientation val="minMax"/>
         </c:scaling>
@@ -1199,7 +1200,7 @@
         <c:majorTickMark val="out"/>
         <c:minorTickMark val="none"/>
         <c:tickLblPos val="nextTo"/>
-        <c:crossAx val="351574400"/>
+        <c:crossAx val="404020464"/>
         <c:crosses val="autoZero"/>
         <c:auto val="1"/>
         <c:lblAlgn val="ctr"/>
@@ -1207,7 +1208,7 @@
         <c:noMultiLvlLbl val="0"/>
       </c:catAx>
       <c:valAx>
-        <c:axId val="351574400"/>
+        <c:axId val="404020464"/>
         <c:scaling>
           <c:orientation val="minMax"/>
         </c:scaling>
@@ -1217,7 +1218,7 @@
         <c:majorTickMark val="out"/>
         <c:minorTickMark val="none"/>
         <c:tickLblPos val="nextTo"/>
-        <c:crossAx val="351570088"/>
+        <c:crossAx val="404025952"/>
         <c:crosses val="autoZero"/>
         <c:crossBetween val="between"/>
       </c:valAx>
@@ -7122,6 +7123,289 @@
           <a:p>
             <a:r>
               <a:rPr lang="en-GB" dirty="0" smtClean="0"/>
+              <a:t>Conclusions</a:t>
+            </a:r>
+            <a:endParaRPr lang="en-GB" dirty="0"/>
+          </a:p>
+        </p:txBody>
+      </p:sp>
+      <p:sp>
+        <p:nvSpPr>
+          <p:cNvPr id="3" name="Content Placeholder 2"/>
+          <p:cNvSpPr>
+            <a:spLocks noGrp="1"/>
+          </p:cNvSpPr>
+          <p:nvPr>
+            <p:ph idx="1"/>
+          </p:nvPr>
+        </p:nvSpPr>
+        <p:spPr>
+          <a:xfrm>
+            <a:off x="285750" y="1775748"/>
+            <a:ext cx="10869930" cy="4023360"/>
+          </a:xfrm>
+        </p:spPr>
+        <p:txBody>
+          <a:bodyPr/>
+          <a:lstStyle/>
+          <a:p>
+            <a:r>
+              <a:rPr lang="en-US" dirty="0" smtClean="0"/>
+              <a:t>- 19 smoke test cases </a:t>
+            </a:r>
+            <a:r>
+              <a:rPr lang="en-US" dirty="0"/>
+              <a:t>were </a:t>
+            </a:r>
+            <a:r>
+              <a:rPr lang="en-US" dirty="0" smtClean="0"/>
+              <a:t>executed: 18 </a:t>
+            </a:r>
+            <a:r>
+              <a:rPr lang="en-US" dirty="0"/>
+              <a:t>passed and 1</a:t>
+            </a:r>
+            <a:r>
+              <a:rPr lang="en-US" dirty="0" smtClean="0"/>
+              <a:t> failed</a:t>
+            </a:r>
+          </a:p>
+          <a:p>
+            <a:r>
+              <a:rPr lang="en-US" dirty="0" smtClean="0"/>
+              <a:t>- 14 bugs identified: 1 major, 11 normal (most of them</a:t>
+            </a:r>
+          </a:p>
+          <a:p>
+            <a:r>
+              <a:rPr lang="en-US" dirty="0" smtClean="0"/>
+              <a:t> found by performing </a:t>
+            </a:r>
+            <a:r>
+              <a:rPr lang="en-US" dirty="0" smtClean="0">
+                <a:solidFill>
+                  <a:schemeClr val="accent1">
+                    <a:lumMod val="75000"/>
+                  </a:schemeClr>
+                </a:solidFill>
+              </a:rPr>
+              <a:t>Connectivity </a:t>
+            </a:r>
+            <a:r>
+              <a:rPr lang="en-US" dirty="0">
+                <a:solidFill>
+                  <a:schemeClr val="accent1">
+                    <a:lumMod val="75000"/>
+                  </a:schemeClr>
+                </a:solidFill>
+              </a:rPr>
+              <a:t>T</a:t>
+            </a:r>
+            <a:r>
+              <a:rPr lang="en-US" dirty="0" smtClean="0">
+                <a:solidFill>
+                  <a:schemeClr val="accent1">
+                    <a:lumMod val="75000"/>
+                  </a:schemeClr>
+                </a:solidFill>
+              </a:rPr>
+              <a:t>esting </a:t>
+            </a:r>
+            <a:r>
+              <a:rPr lang="en-US" dirty="0" smtClean="0"/>
+              <a:t>and </a:t>
+            </a:r>
+            <a:r>
+              <a:rPr lang="en-US" dirty="0" smtClean="0">
+                <a:solidFill>
+                  <a:schemeClr val="accent1">
+                    <a:lumMod val="75000"/>
+                  </a:schemeClr>
+                </a:solidFill>
+              </a:rPr>
+              <a:t>Location testing</a:t>
+            </a:r>
+            <a:r>
+              <a:rPr lang="en-US" dirty="0" smtClean="0"/>
+              <a:t>)</a:t>
+            </a:r>
+            <a:endParaRPr lang="en-US" dirty="0"/>
+          </a:p>
+          <a:p>
+            <a:endParaRPr lang="en-GB" dirty="0" smtClean="0"/>
+          </a:p>
+          <a:p>
+            <a:r>
+              <a:rPr lang="en-GB" dirty="0" smtClean="0"/>
+              <a:t>Virtual cards is a stable product, user friendly, helpful,</a:t>
+            </a:r>
+          </a:p>
+          <a:p>
+            <a:r>
+              <a:rPr lang="en-GB" dirty="0" smtClean="0"/>
+              <a:t>users like it!</a:t>
+            </a:r>
+          </a:p>
+          <a:p>
+            <a:endParaRPr lang="en-GB" dirty="0"/>
+          </a:p>
+        </p:txBody>
+      </p:sp>
+      <p:graphicFrame>
+        <p:nvGraphicFramePr>
+          <p:cNvPr id="7" name="Content Placeholder 15"/>
+          <p:cNvGraphicFramePr>
+            <a:graphicFrameLocks/>
+          </p:cNvGraphicFramePr>
+          <p:nvPr>
+            <p:extLst>
+              <p:ext uri="{D42A27DB-BD31-4B8C-83A1-F6EECF244321}">
+                <p14:modId xmlns:p14="http://schemas.microsoft.com/office/powerpoint/2010/main" val="1199514768"/>
+              </p:ext>
+            </p:extLst>
+          </p:nvPr>
+        </p:nvGraphicFramePr>
+        <p:xfrm>
+          <a:off x="8712678" y="1821945"/>
+          <a:ext cx="2381861" cy="1510382"/>
+        </p:xfrm>
+        <a:graphic>
+          <a:graphicData uri="http://schemas.openxmlformats.org/drawingml/2006/chart">
+            <c:chart xmlns:c="http://schemas.openxmlformats.org/drawingml/2006/chart" xmlns:r="http://schemas.openxmlformats.org/officeDocument/2006/relationships" r:id="rId2"/>
+          </a:graphicData>
+        </a:graphic>
+      </p:graphicFrame>
+      <p:graphicFrame>
+        <p:nvGraphicFramePr>
+          <p:cNvPr id="10" name="Content Placeholder 34"/>
+          <p:cNvGraphicFramePr>
+            <a:graphicFrameLocks/>
+          </p:cNvGraphicFramePr>
+          <p:nvPr>
+            <p:extLst>
+              <p:ext uri="{D42A27DB-BD31-4B8C-83A1-F6EECF244321}">
+                <p14:modId xmlns:p14="http://schemas.microsoft.com/office/powerpoint/2010/main" val="3994689751"/>
+              </p:ext>
+            </p:extLst>
+          </p:nvPr>
+        </p:nvGraphicFramePr>
+        <p:xfrm>
+          <a:off x="7581900" y="3874264"/>
+          <a:ext cx="4449763" cy="2249488"/>
+        </p:xfrm>
+        <a:graphic>
+          <a:graphicData uri="http://schemas.openxmlformats.org/drawingml/2006/chart">
+            <c:chart xmlns:c="http://schemas.openxmlformats.org/drawingml/2006/chart" xmlns:r="http://schemas.openxmlformats.org/officeDocument/2006/relationships" r:id="rId3"/>
+          </a:graphicData>
+        </a:graphic>
+      </p:graphicFrame>
+      <p:pic>
+        <p:nvPicPr>
+          <p:cNvPr id="11" name="Picture 10"/>
+          <p:cNvPicPr>
+            <a:picLocks noChangeAspect="1"/>
+          </p:cNvPicPr>
+          <p:nvPr/>
+        </p:nvPicPr>
+        <p:blipFill>
+          <a:blip r:embed="rId4" cstate="print">
+            <a:extLst>
+              <a:ext uri="{28A0092B-C50C-407E-A947-70E740481C1C}">
+                <a14:useLocalDpi xmlns:a14="http://schemas.microsoft.com/office/drawing/2010/main" val="0"/>
+              </a:ext>
+            </a:extLst>
+          </a:blip>
+          <a:stretch>
+            <a:fillRect/>
+          </a:stretch>
+        </p:blipFill>
+        <p:spPr>
+          <a:xfrm rot="2101726">
+            <a:off x="4329925" y="4249317"/>
+            <a:ext cx="1927163" cy="1965707"/>
+          </a:xfrm>
+          <a:prstGeom prst="rect">
+            <a:avLst/>
+          </a:prstGeom>
+        </p:spPr>
+      </p:pic>
+      <p:pic>
+        <p:nvPicPr>
+          <p:cNvPr id="13" name="Picture 12"/>
+          <p:cNvPicPr>
+            <a:picLocks noChangeAspect="1"/>
+          </p:cNvPicPr>
+          <p:nvPr/>
+        </p:nvPicPr>
+        <p:blipFill>
+          <a:blip r:embed="rId5" cstate="print">
+            <a:extLst>
+              <a:ext uri="{28A0092B-C50C-407E-A947-70E740481C1C}">
+                <a14:useLocalDpi xmlns:a14="http://schemas.microsoft.com/office/drawing/2010/main" val="0"/>
+              </a:ext>
+            </a:extLst>
+          </a:blip>
+          <a:stretch>
+            <a:fillRect/>
+          </a:stretch>
+        </p:blipFill>
+        <p:spPr>
+          <a:xfrm rot="19823396">
+            <a:off x="6089318" y="3602891"/>
+            <a:ext cx="1990734" cy="2246589"/>
+          </a:xfrm>
+          <a:prstGeom prst="rect">
+            <a:avLst/>
+          </a:prstGeom>
+        </p:spPr>
+      </p:pic>
+    </p:spTree>
+    <p:extLst>
+      <p:ext uri="{BB962C8B-B14F-4D97-AF65-F5344CB8AC3E}">
+        <p14:creationId xmlns:p14="http://schemas.microsoft.com/office/powerpoint/2010/main" val="1467703484"/>
+      </p:ext>
+    </p:extLst>
+  </p:cSld>
+  <p:clrMapOvr>
+    <a:masterClrMapping/>
+  </p:clrMapOvr>
+</p:sld>
+</file>
+
+<file path=ppt/slides/slide11.xml><?xml version="1.0" encoding="utf-8"?>
+<p:sld xmlns:a="http://schemas.openxmlformats.org/drawingml/2006/main" xmlns:r="http://schemas.openxmlformats.org/officeDocument/2006/relationships" xmlns:p="http://schemas.openxmlformats.org/presentationml/2006/main">
+  <p:cSld>
+    <p:spTree>
+      <p:nvGrpSpPr>
+        <p:cNvPr id="1" name=""/>
+        <p:cNvGrpSpPr/>
+        <p:nvPr/>
+      </p:nvGrpSpPr>
+      <p:grpSpPr>
+        <a:xfrm>
+          <a:off x="0" y="0"/>
+          <a:ext cx="0" cy="0"/>
+          <a:chOff x="0" y="0"/>
+          <a:chExt cx="0" cy="0"/>
+        </a:xfrm>
+      </p:grpSpPr>
+      <p:sp>
+        <p:nvSpPr>
+          <p:cNvPr id="2" name="Title 1"/>
+          <p:cNvSpPr>
+            <a:spLocks noGrp="1"/>
+          </p:cNvSpPr>
+          <p:nvPr>
+            <p:ph type="title"/>
+          </p:nvPr>
+        </p:nvSpPr>
+        <p:spPr/>
+        <p:txBody>
+          <a:bodyPr/>
+          <a:lstStyle/>
+          <a:p>
+            <a:r>
+              <a:rPr lang="en-GB" dirty="0" smtClean="0"/>
               <a:t>Lessons learnt</a:t>
             </a:r>
             <a:endParaRPr lang="en-GB" dirty="0"/>
@@ -7239,13 +7523,8 @@
             <a:pPr lvl="1"/>
             <a:r>
               <a:rPr lang="en-GB" sz="2400" dirty="0" smtClean="0"/>
-              <a:t>Testers need to be patient, creative, </a:t>
-            </a:r>
-            <a:r>
-              <a:rPr lang="en-GB" sz="2400" dirty="0" smtClean="0"/>
-              <a:t>open-minded</a:t>
-            </a:r>
-            <a:endParaRPr lang="en-GB" sz="2400" dirty="0" smtClean="0"/>
+              <a:t>Testers need to be patient, creative, open-minded</a:t>
+            </a:r>
           </a:p>
           <a:p>
             <a:pPr lvl="1"/>
@@ -7561,6 +7840,178 @@
           <a:lstStyle/>
           <a:p>
             <a:r>
+              <a:rPr lang="en-GB" dirty="0" smtClean="0"/>
+              <a:t>How to use Virtual cards app</a:t>
+            </a:r>
+            <a:endParaRPr lang="en-GB" dirty="0"/>
+          </a:p>
+        </p:txBody>
+      </p:sp>
+      <p:sp>
+        <p:nvSpPr>
+          <p:cNvPr id="5" name="Content Placeholder 4"/>
+          <p:cNvSpPr>
+            <a:spLocks noGrp="1"/>
+          </p:cNvSpPr>
+          <p:nvPr>
+            <p:ph idx="1"/>
+          </p:nvPr>
+        </p:nvSpPr>
+        <p:spPr/>
+        <p:txBody>
+          <a:bodyPr/>
+          <a:lstStyle/>
+          <a:p>
+            <a:r>
+              <a:rPr lang="en-GB" dirty="0" smtClean="0"/>
+              <a:t>- Scan or manually insert the card’s barcode</a:t>
+            </a:r>
+          </a:p>
+          <a:p>
+            <a:r>
+              <a:rPr lang="en-GB" dirty="0" smtClean="0"/>
+              <a:t>- Add as many cards as you want</a:t>
+            </a:r>
+          </a:p>
+          <a:p>
+            <a:r>
+              <a:rPr lang="en-GB" dirty="0" smtClean="0"/>
+              <a:t>- Use them to obtain discounts from participating vendors</a:t>
+            </a:r>
+            <a:endParaRPr lang="en-GB" dirty="0"/>
+          </a:p>
+          <a:p>
+            <a:r>
+              <a:rPr lang="en-GB" dirty="0" smtClean="0"/>
+              <a:t>- The app informs the user about offers and coupons </a:t>
+            </a:r>
+          </a:p>
+          <a:p>
+            <a:r>
+              <a:rPr lang="en-GB" dirty="0" smtClean="0"/>
+              <a:t>(by notifications)</a:t>
+            </a:r>
+          </a:p>
+          <a:p>
+            <a:r>
+              <a:rPr lang="en-GB" dirty="0" smtClean="0"/>
+              <a:t>- Display route feature helps the user to get to the nearest store</a:t>
+            </a:r>
+          </a:p>
+          <a:p>
+            <a:r>
+              <a:rPr lang="en-GB" dirty="0" smtClean="0"/>
+              <a:t>- Create and share shopping list</a:t>
+            </a:r>
+          </a:p>
+        </p:txBody>
+      </p:sp>
+      <p:pic>
+        <p:nvPicPr>
+          <p:cNvPr id="6" name="Picture 5"/>
+          <p:cNvPicPr>
+            <a:picLocks noChangeAspect="1"/>
+          </p:cNvPicPr>
+          <p:nvPr/>
+        </p:nvPicPr>
+        <p:blipFill>
+          <a:blip r:embed="rId2">
+            <a:extLst>
+              <a:ext uri="{28A0092B-C50C-407E-A947-70E740481C1C}">
+                <a14:useLocalDpi xmlns:a14="http://schemas.microsoft.com/office/drawing/2010/main" val="0"/>
+              </a:ext>
+            </a:extLst>
+          </a:blip>
+          <a:stretch>
+            <a:fillRect/>
+          </a:stretch>
+        </p:blipFill>
+        <p:spPr>
+          <a:xfrm>
+            <a:off x="8124296" y="3933645"/>
+            <a:ext cx="3031383" cy="2275913"/>
+          </a:xfrm>
+          <a:prstGeom prst="rect">
+            <a:avLst/>
+          </a:prstGeom>
+        </p:spPr>
+      </p:pic>
+      <p:pic>
+        <p:nvPicPr>
+          <p:cNvPr id="7" name="Picture 6"/>
+          <p:cNvPicPr>
+            <a:picLocks noChangeAspect="1"/>
+          </p:cNvPicPr>
+          <p:nvPr/>
+        </p:nvPicPr>
+        <p:blipFill>
+          <a:blip r:embed="rId3">
+            <a:extLst>
+              <a:ext uri="{28A0092B-C50C-407E-A947-70E740481C1C}">
+                <a14:useLocalDpi xmlns:a14="http://schemas.microsoft.com/office/drawing/2010/main" val="0"/>
+              </a:ext>
+            </a:extLst>
+          </a:blip>
+          <a:stretch>
+            <a:fillRect/>
+          </a:stretch>
+        </p:blipFill>
+        <p:spPr>
+          <a:xfrm>
+            <a:off x="7944929" y="1845734"/>
+            <a:ext cx="2984739" cy="2240893"/>
+          </a:xfrm>
+          <a:prstGeom prst="rect">
+            <a:avLst/>
+          </a:prstGeom>
+        </p:spPr>
+      </p:pic>
+    </p:spTree>
+    <p:extLst>
+      <p:ext uri="{BB962C8B-B14F-4D97-AF65-F5344CB8AC3E}">
+        <p14:creationId xmlns:p14="http://schemas.microsoft.com/office/powerpoint/2010/main" val="320628823"/>
+      </p:ext>
+    </p:extLst>
+  </p:cSld>
+  <p:clrMapOvr>
+    <a:masterClrMapping/>
+  </p:clrMapOvr>
+</p:sld>
+</file>
+
+<file path=ppt/slides/slide4.xml><?xml version="1.0" encoding="utf-8"?>
+<p:sld xmlns:a="http://schemas.openxmlformats.org/drawingml/2006/main" xmlns:r="http://schemas.openxmlformats.org/officeDocument/2006/relationships" xmlns:p="http://schemas.openxmlformats.org/presentationml/2006/main">
+  <p:cSld>
+    <p:spTree>
+      <p:nvGrpSpPr>
+        <p:cNvPr id="1" name=""/>
+        <p:cNvGrpSpPr/>
+        <p:nvPr/>
+      </p:nvGrpSpPr>
+      <p:grpSpPr>
+        <a:xfrm>
+          <a:off x="0" y="0"/>
+          <a:ext cx="0" cy="0"/>
+          <a:chOff x="0" y="0"/>
+          <a:chExt cx="0" cy="0"/>
+        </a:xfrm>
+      </p:grpSpPr>
+      <p:sp>
+        <p:nvSpPr>
+          <p:cNvPr id="2" name="Title 1"/>
+          <p:cNvSpPr>
+            <a:spLocks noGrp="1"/>
+          </p:cNvSpPr>
+          <p:nvPr>
+            <p:ph type="title"/>
+          </p:nvPr>
+        </p:nvSpPr>
+        <p:spPr/>
+        <p:txBody>
+          <a:bodyPr/>
+          <a:lstStyle/>
+          <a:p>
+            <a:r>
               <a:rPr lang="en-US" dirty="0" smtClean="0">
                 <a:solidFill>
                   <a:schemeClr val="accent1">
@@ -7771,7 +8222,7 @@
 </p:sld>
 </file>
 
-<file path=ppt/slides/slide4.xml><?xml version="1.0" encoding="utf-8"?>
+<file path=ppt/slides/slide5.xml><?xml version="1.0" encoding="utf-8"?>
 <p:sld xmlns:a="http://schemas.openxmlformats.org/drawingml/2006/main" xmlns:r="http://schemas.openxmlformats.org/officeDocument/2006/relationships" xmlns:p="http://schemas.openxmlformats.org/presentationml/2006/main">
   <p:cSld>
     <p:spTree>
@@ -7924,7 +8375,7 @@
 </p:sld>
 </file>
 
-<file path=ppt/slides/slide5.xml><?xml version="1.0" encoding="utf-8"?>
+<file path=ppt/slides/slide6.xml><?xml version="1.0" encoding="utf-8"?>
 <p:sld xmlns:a="http://schemas.openxmlformats.org/drawingml/2006/main" xmlns:r="http://schemas.openxmlformats.org/officeDocument/2006/relationships" xmlns:p="http://schemas.openxmlformats.org/presentationml/2006/main">
   <p:cSld>
     <p:spTree>
@@ -8005,7 +8456,7 @@
         </p:blipFill>
         <p:spPr>
           <a:xfrm>
-            <a:off x="3010619" y="1814278"/>
+            <a:off x="3045123" y="1814278"/>
             <a:ext cx="5758731" cy="3776897"/>
           </a:xfrm>
         </p:spPr>
@@ -8023,7 +8474,7 @@
 </p:sld>
 </file>
 
-<file path=ppt/slides/slide6.xml><?xml version="1.0" encoding="utf-8"?>
+<file path=ppt/slides/slide7.xml><?xml version="1.0" encoding="utf-8"?>
 <p:sld xmlns:a="http://schemas.openxmlformats.org/drawingml/2006/main" xmlns:r="http://schemas.openxmlformats.org/officeDocument/2006/relationships" xmlns:p="http://schemas.openxmlformats.org/presentationml/2006/main">
   <p:cSld>
     <p:spTree>
@@ -8143,7 +8594,7 @@
 </p:sld>
 </file>
 
-<file path=ppt/slides/slide7.xml><?xml version="1.0" encoding="utf-8"?>
+<file path=ppt/slides/slide8.xml><?xml version="1.0" encoding="utf-8"?>
 <p:sld xmlns:a="http://schemas.openxmlformats.org/drawingml/2006/main" xmlns:r="http://schemas.openxmlformats.org/officeDocument/2006/relationships" xmlns:p="http://schemas.openxmlformats.org/presentationml/2006/main">
   <p:cSld>
     <p:spTree>
@@ -9030,7 +9481,7 @@
 </p:sld>
 </file>
 
-<file path=ppt/slides/slide8.xml><?xml version="1.0" encoding="utf-8"?>
+<file path=ppt/slides/slide9.xml><?xml version="1.0" encoding="utf-8"?>
 <p:sld xmlns:a="http://schemas.openxmlformats.org/drawingml/2006/main" xmlns:r="http://schemas.openxmlformats.org/officeDocument/2006/relationships" xmlns:p="http://schemas.openxmlformats.org/presentationml/2006/main">
   <p:cSld>
     <p:spTree>
@@ -9071,11 +9522,7 @@
             </a:br>
             <a:r>
               <a:rPr lang="en-GB" sz="3600" dirty="0" smtClean="0"/>
-              <a:t>14 </a:t>
-            </a:r>
-            <a:r>
-              <a:rPr lang="en-GB" sz="3600" dirty="0" smtClean="0"/>
-              <a:t>bugs</a:t>
+              <a:t>14 bugs</a:t>
             </a:r>
             <a:endParaRPr lang="en-GB" sz="3600" dirty="0"/>
           </a:p>
@@ -9110,297 +9557,6 @@
     <p:extLst>
       <p:ext uri="{BB962C8B-B14F-4D97-AF65-F5344CB8AC3E}">
         <p14:creationId xmlns:p14="http://schemas.microsoft.com/office/powerpoint/2010/main" val="3709347779"/>
-      </p:ext>
-    </p:extLst>
-  </p:cSld>
-  <p:clrMapOvr>
-    <a:masterClrMapping/>
-  </p:clrMapOvr>
-</p:sld>
-</file>
-
-<file path=ppt/slides/slide9.xml><?xml version="1.0" encoding="utf-8"?>
-<p:sld xmlns:a="http://schemas.openxmlformats.org/drawingml/2006/main" xmlns:r="http://schemas.openxmlformats.org/officeDocument/2006/relationships" xmlns:p="http://schemas.openxmlformats.org/presentationml/2006/main">
-  <p:cSld>
-    <p:spTree>
-      <p:nvGrpSpPr>
-        <p:cNvPr id="1" name=""/>
-        <p:cNvGrpSpPr/>
-        <p:nvPr/>
-      </p:nvGrpSpPr>
-      <p:grpSpPr>
-        <a:xfrm>
-          <a:off x="0" y="0"/>
-          <a:ext cx="0" cy="0"/>
-          <a:chOff x="0" y="0"/>
-          <a:chExt cx="0" cy="0"/>
-        </a:xfrm>
-      </p:grpSpPr>
-      <p:sp>
-        <p:nvSpPr>
-          <p:cNvPr id="2" name="Title 1"/>
-          <p:cNvSpPr>
-            <a:spLocks noGrp="1"/>
-          </p:cNvSpPr>
-          <p:nvPr>
-            <p:ph type="title"/>
-          </p:nvPr>
-        </p:nvSpPr>
-        <p:spPr/>
-        <p:txBody>
-          <a:bodyPr/>
-          <a:lstStyle/>
-          <a:p>
-            <a:r>
-              <a:rPr lang="en-GB" dirty="0" smtClean="0"/>
-              <a:t>Conclusions</a:t>
-            </a:r>
-            <a:endParaRPr lang="en-GB" dirty="0"/>
-          </a:p>
-        </p:txBody>
-      </p:sp>
-      <p:sp>
-        <p:nvSpPr>
-          <p:cNvPr id="3" name="Content Placeholder 2"/>
-          <p:cNvSpPr>
-            <a:spLocks noGrp="1"/>
-          </p:cNvSpPr>
-          <p:nvPr>
-            <p:ph idx="1"/>
-          </p:nvPr>
-        </p:nvSpPr>
-        <p:spPr>
-          <a:xfrm>
-            <a:off x="285750" y="1775748"/>
-            <a:ext cx="10869930" cy="4023360"/>
-          </a:xfrm>
-        </p:spPr>
-        <p:txBody>
-          <a:bodyPr/>
-          <a:lstStyle/>
-          <a:p>
-            <a:r>
-              <a:rPr lang="en-US" dirty="0" smtClean="0"/>
-              <a:t>- 19 smoke test cases </a:t>
-            </a:r>
-            <a:r>
-              <a:rPr lang="en-US" dirty="0"/>
-              <a:t>were </a:t>
-            </a:r>
-            <a:r>
-              <a:rPr lang="en-US" dirty="0" smtClean="0"/>
-              <a:t>executed: 18 </a:t>
-            </a:r>
-            <a:r>
-              <a:rPr lang="en-US" dirty="0"/>
-              <a:t>passed and 1</a:t>
-            </a:r>
-            <a:r>
-              <a:rPr lang="en-US" dirty="0" smtClean="0"/>
-              <a:t> failed</a:t>
-            </a:r>
-          </a:p>
-          <a:p>
-            <a:r>
-              <a:rPr lang="en-US" dirty="0" smtClean="0"/>
-              <a:t>- </a:t>
-            </a:r>
-            <a:r>
-              <a:rPr lang="en-US" dirty="0" smtClean="0"/>
-              <a:t>14 bugs </a:t>
-            </a:r>
-            <a:r>
-              <a:rPr lang="en-US" dirty="0" smtClean="0"/>
-              <a:t>identified: 1 major, 11 normal (most of them</a:t>
-            </a:r>
-          </a:p>
-          <a:p>
-            <a:r>
-              <a:rPr lang="en-US" dirty="0" smtClean="0"/>
-              <a:t> found by performing </a:t>
-            </a:r>
-            <a:r>
-              <a:rPr lang="en-US" dirty="0" smtClean="0">
-                <a:solidFill>
-                  <a:schemeClr val="accent1">
-                    <a:lumMod val="75000"/>
-                  </a:schemeClr>
-                </a:solidFill>
-              </a:rPr>
-              <a:t>Connectivity </a:t>
-            </a:r>
-            <a:r>
-              <a:rPr lang="en-US" dirty="0">
-                <a:solidFill>
-                  <a:schemeClr val="accent1">
-                    <a:lumMod val="75000"/>
-                  </a:schemeClr>
-                </a:solidFill>
-              </a:rPr>
-              <a:t>T</a:t>
-            </a:r>
-            <a:r>
-              <a:rPr lang="en-US" dirty="0" smtClean="0">
-                <a:solidFill>
-                  <a:schemeClr val="accent1">
-                    <a:lumMod val="75000"/>
-                  </a:schemeClr>
-                </a:solidFill>
-              </a:rPr>
-              <a:t>esting </a:t>
-            </a:r>
-            <a:r>
-              <a:rPr lang="en-US" dirty="0" smtClean="0"/>
-              <a:t>and </a:t>
-            </a:r>
-            <a:r>
-              <a:rPr lang="en-US" dirty="0" smtClean="0">
-                <a:solidFill>
-                  <a:schemeClr val="accent1">
-                    <a:lumMod val="75000"/>
-                  </a:schemeClr>
-                </a:solidFill>
-              </a:rPr>
-              <a:t>Location testing</a:t>
-            </a:r>
-            <a:r>
-              <a:rPr lang="en-US" dirty="0" smtClean="0"/>
-              <a:t>)</a:t>
-            </a:r>
-            <a:endParaRPr lang="en-US" dirty="0"/>
-          </a:p>
-          <a:p>
-            <a:endParaRPr lang="en-GB" dirty="0" smtClean="0"/>
-          </a:p>
-          <a:p>
-            <a:r>
-              <a:rPr lang="en-GB" dirty="0" smtClean="0"/>
-              <a:t>Virtual cards is a stable product, user friendly, helpful,</a:t>
-            </a:r>
-          </a:p>
-          <a:p>
-            <a:r>
-              <a:rPr lang="en-GB" dirty="0" smtClean="0"/>
-              <a:t>users like it!</a:t>
-            </a:r>
-          </a:p>
-          <a:p>
-            <a:endParaRPr lang="en-GB" dirty="0"/>
-          </a:p>
-        </p:txBody>
-      </p:sp>
-      <p:graphicFrame>
-        <p:nvGraphicFramePr>
-          <p:cNvPr id="7" name="Content Placeholder 15"/>
-          <p:cNvGraphicFramePr>
-            <a:graphicFrameLocks/>
-          </p:cNvGraphicFramePr>
-          <p:nvPr>
-            <p:extLst>
-              <p:ext uri="{D42A27DB-BD31-4B8C-83A1-F6EECF244321}">
-                <p14:modId xmlns:p14="http://schemas.microsoft.com/office/powerpoint/2010/main" val="1199514768"/>
-              </p:ext>
-            </p:extLst>
-          </p:nvPr>
-        </p:nvGraphicFramePr>
-        <p:xfrm>
-          <a:off x="8712678" y="1821945"/>
-          <a:ext cx="2381861" cy="1510382"/>
-        </p:xfrm>
-        <a:graphic>
-          <a:graphicData uri="http://schemas.openxmlformats.org/drawingml/2006/chart">
-            <c:chart xmlns:c="http://schemas.openxmlformats.org/drawingml/2006/chart" xmlns:r="http://schemas.openxmlformats.org/officeDocument/2006/relationships" r:id="rId2"/>
-          </a:graphicData>
-        </a:graphic>
-      </p:graphicFrame>
-      <p:graphicFrame>
-        <p:nvGraphicFramePr>
-          <p:cNvPr id="10" name="Content Placeholder 34"/>
-          <p:cNvGraphicFramePr>
-            <a:graphicFrameLocks/>
-          </p:cNvGraphicFramePr>
-          <p:nvPr>
-            <p:extLst>
-              <p:ext uri="{D42A27DB-BD31-4B8C-83A1-F6EECF244321}">
-                <p14:modId xmlns:p14="http://schemas.microsoft.com/office/powerpoint/2010/main" val="3994689751"/>
-              </p:ext>
-            </p:extLst>
-          </p:nvPr>
-        </p:nvGraphicFramePr>
-        <p:xfrm>
-          <a:off x="7581900" y="3874264"/>
-          <a:ext cx="4449763" cy="2249488"/>
-        </p:xfrm>
-        <a:graphic>
-          <a:graphicData uri="http://schemas.openxmlformats.org/drawingml/2006/chart">
-            <c:chart xmlns:c="http://schemas.openxmlformats.org/drawingml/2006/chart" xmlns:r="http://schemas.openxmlformats.org/officeDocument/2006/relationships" r:id="rId3"/>
-          </a:graphicData>
-        </a:graphic>
-      </p:graphicFrame>
-      <p:pic>
-        <p:nvPicPr>
-          <p:cNvPr id="11" name="Picture 10"/>
-          <p:cNvPicPr>
-            <a:picLocks noChangeAspect="1"/>
-          </p:cNvPicPr>
-          <p:nvPr/>
-        </p:nvPicPr>
-        <p:blipFill>
-          <a:blip r:embed="rId4" cstate="print">
-            <a:extLst>
-              <a:ext uri="{28A0092B-C50C-407E-A947-70E740481C1C}">
-                <a14:useLocalDpi xmlns:a14="http://schemas.microsoft.com/office/drawing/2010/main" val="0"/>
-              </a:ext>
-            </a:extLst>
-          </a:blip>
-          <a:stretch>
-            <a:fillRect/>
-          </a:stretch>
-        </p:blipFill>
-        <p:spPr>
-          <a:xfrm rot="2101726">
-            <a:off x="4329925" y="4249317"/>
-            <a:ext cx="1927163" cy="1965707"/>
-          </a:xfrm>
-          <a:prstGeom prst="rect">
-            <a:avLst/>
-          </a:prstGeom>
-        </p:spPr>
-      </p:pic>
-      <p:pic>
-        <p:nvPicPr>
-          <p:cNvPr id="13" name="Picture 12"/>
-          <p:cNvPicPr>
-            <a:picLocks noChangeAspect="1"/>
-          </p:cNvPicPr>
-          <p:nvPr/>
-        </p:nvPicPr>
-        <p:blipFill>
-          <a:blip r:embed="rId5" cstate="print">
-            <a:extLst>
-              <a:ext uri="{28A0092B-C50C-407E-A947-70E740481C1C}">
-                <a14:useLocalDpi xmlns:a14="http://schemas.microsoft.com/office/drawing/2010/main" val="0"/>
-              </a:ext>
-            </a:extLst>
-          </a:blip>
-          <a:stretch>
-            <a:fillRect/>
-          </a:stretch>
-        </p:blipFill>
-        <p:spPr>
-          <a:xfrm rot="19823396">
-            <a:off x="6089318" y="3602891"/>
-            <a:ext cx="1990734" cy="2246589"/>
-          </a:xfrm>
-          <a:prstGeom prst="rect">
-            <a:avLst/>
-          </a:prstGeom>
-        </p:spPr>
-      </p:pic>
-    </p:spTree>
-    <p:extLst>
-      <p:ext uri="{BB962C8B-B14F-4D97-AF65-F5344CB8AC3E}">
-        <p14:creationId xmlns:p14="http://schemas.microsoft.com/office/powerpoint/2010/main" val="1467703484"/>
       </p:ext>
     </p:extLst>
   </p:cSld>

--- a/final-project/virtual-cards/virtual-cards.pptx
+++ b/final-project/virtual-cards/virtual-cards.pptx
@@ -116,7 +116,7 @@
   </p:defaultTextStyle>
   <p:extLst>
     <p:ext uri="{EFAFB233-063F-42B5-8137-9DF3F51BA10A}">
-      <p15:sldGuideLst xmlns:p15="http://schemas.microsoft.com/office/powerpoint/2012/main"/>
+      <p15:sldGuideLst xmlns:p15="http://schemas.microsoft.com/office/powerpoint/2012/main" xmlns=""/>
     </p:ext>
   </p:extLst>
 </p:presentation>
@@ -125,7 +125,7 @@
 <file path=ppt/charts/chart1.xml><?xml version="1.0" encoding="utf-8"?>
 <c:chartSpace xmlns:c="http://schemas.openxmlformats.org/drawingml/2006/chart" xmlns:a="http://schemas.openxmlformats.org/drawingml/2006/main" xmlns:r="http://schemas.openxmlformats.org/officeDocument/2006/relationships">
   <c:date1904 val="0"/>
-  <c:lang val="en-US"/>
+  <c:lang val="ro-RO"/>
   <c:roundedCorners val="0"/>
   <mc:AlternateContent xmlns:mc="http://schemas.openxmlformats.org/markup-compatibility/2006">
     <mc:Choice xmlns:c14="http://schemas.microsoft.com/office/drawing/2007/8/2/chart" Requires="c14">
@@ -142,6 +142,7 @@
       <c:rotY val="0"/>
       <c:depthPercent val="100"/>
       <c:rAngAx val="0"/>
+      <c:perspective val="30"/>
     </c:view3D>
     <c:floor>
       <c:thickness val="0"/>
@@ -380,7 +381,7 @@
                     <a:cs typeface="+mn-cs"/>
                   </a:defRPr>
                 </a:pPr>
-                <a:endParaRPr lang="en-US"/>
+                <a:endParaRPr lang="ro-RO"/>
               </a:p>
             </c:txPr>
             <c:dLblPos val="outEnd"/>
@@ -512,7 +513,7 @@
               <a:cs typeface="+mn-cs"/>
             </a:defRPr>
           </a:pPr>
-          <a:endParaRPr lang="en-US"/>
+          <a:endParaRPr lang="ro-RO"/>
         </a:p>
       </c:txPr>
     </c:legend>
@@ -534,10 +535,10 @@
       <a:pPr>
         <a:defRPr/>
       </a:pPr>
-      <a:endParaRPr lang="en-US"/>
+      <a:endParaRPr lang="ro-RO"/>
     </a:p>
   </c:txPr>
-  <c:externalData r:id="rId3">
+  <c:externalData r:id="rId1">
     <c:autoUpdate val="0"/>
   </c:externalData>
 </c:chartSpace>
@@ -546,7 +547,7 @@
 <file path=ppt/charts/chart2.xml><?xml version="1.0" encoding="utf-8"?>
 <c:chartSpace xmlns:c="http://schemas.openxmlformats.org/drawingml/2006/chart" xmlns:a="http://schemas.openxmlformats.org/drawingml/2006/main" xmlns:r="http://schemas.openxmlformats.org/officeDocument/2006/relationships">
   <c:date1904 val="0"/>
-  <c:lang val="en-US"/>
+  <c:lang val="ro-RO"/>
   <c:roundedCorners val="0"/>
   <mc:AlternateContent xmlns:mc="http://schemas.openxmlformats.org/markup-compatibility/2006">
     <mc:Choice xmlns:c14="http://schemas.microsoft.com/office/drawing/2007/8/2/chart" Requires="c14">
@@ -597,26 +598,6 @@
         </a:ln>
         <a:effectLst/>
       </c:spPr>
-      <c:txPr>
-        <a:bodyPr rot="0" spcFirstLastPara="1" vertOverflow="ellipsis" vert="horz" wrap="square" anchor="ctr" anchorCtr="1"/>
-        <a:lstStyle/>
-        <a:p>
-          <a:pPr>
-            <a:defRPr sz="2200" b="1" i="0" u="none" strike="noStrike" kern="1200" baseline="0">
-              <a:solidFill>
-                <a:schemeClr val="dk1">
-                  <a:lumMod val="75000"/>
-                  <a:lumOff val="25000"/>
-                </a:schemeClr>
-              </a:solidFill>
-              <a:latin typeface="+mn-lt"/>
-              <a:ea typeface="+mn-ea"/>
-              <a:cs typeface="+mn-cs"/>
-            </a:defRPr>
-          </a:pPr>
-          <a:endParaRPr lang="en-US"/>
-        </a:p>
-      </c:txPr>
     </c:title>
     <c:autoTitleDeleted val="0"/>
     <c:plotArea>
@@ -723,7 +704,7 @@
                     <a:cs typeface="+mn-cs"/>
                   </a:defRPr>
                 </a:pPr>
-                <a:endParaRPr lang="en-US"/>
+                <a:endParaRPr lang="ro-RO"/>
               </a:p>
             </c:txPr>
             <c:dLblPos val="ctr"/>
@@ -836,7 +817,7 @@
               <a:cs typeface="+mn-cs"/>
             </a:defRPr>
           </a:pPr>
-          <a:endParaRPr lang="en-US"/>
+          <a:endParaRPr lang="ro-RO"/>
         </a:p>
       </c:txPr>
     </c:legend>
@@ -864,10 +845,10 @@
       <a:pPr>
         <a:defRPr/>
       </a:pPr>
-      <a:endParaRPr lang="en-US"/>
+      <a:endParaRPr lang="ro-RO"/>
     </a:p>
   </c:txPr>
-  <c:externalData r:id="rId3">
+  <c:externalData r:id="rId1">
     <c:autoUpdate val="0"/>
   </c:externalData>
 </c:chartSpace>
@@ -876,7 +857,7 @@
 <file path=ppt/charts/chart3.xml><?xml version="1.0" encoding="utf-8"?>
 <c:chartSpace xmlns:c="http://schemas.openxmlformats.org/drawingml/2006/chart" xmlns:a="http://schemas.openxmlformats.org/drawingml/2006/main" xmlns:r="http://schemas.openxmlformats.org/officeDocument/2006/relationships">
   <c:date1904 val="0"/>
-  <c:lang val="en-US"/>
+  <c:lang val="ro-RO"/>
   <c:roundedCorners val="0"/>
   <mc:AlternateContent xmlns:mc="http://schemas.openxmlformats.org/markup-compatibility/2006">
     <mc:Choice xmlns:c14="http://schemas.microsoft.com/office/drawing/2007/8/2/chart" Requires="c14">
@@ -923,26 +904,6 @@
         </a:ln>
         <a:effectLst/>
       </c:spPr>
-      <c:txPr>
-        <a:bodyPr rot="0" spcFirstLastPara="1" vertOverflow="ellipsis" vert="horz" wrap="square" anchor="ctr" anchorCtr="1"/>
-        <a:lstStyle/>
-        <a:p>
-          <a:pPr>
-            <a:defRPr sz="1862" b="0" i="0" u="none" strike="noStrike" kern="1200" spc="0" baseline="0">
-              <a:solidFill>
-                <a:schemeClr val="tx1">
-                  <a:lumMod val="65000"/>
-                  <a:lumOff val="35000"/>
-                </a:schemeClr>
-              </a:solidFill>
-              <a:latin typeface="+mn-lt"/>
-              <a:ea typeface="+mn-ea"/>
-              <a:cs typeface="+mn-cs"/>
-            </a:defRPr>
-          </a:pPr>
-          <a:endParaRPr lang="en-US"/>
-        </a:p>
-      </c:txPr>
     </c:title>
     <c:autoTitleDeleted val="0"/>
     <c:plotArea>
@@ -1012,7 +973,7 @@
                     <a:cs typeface="+mn-cs"/>
                   </a:defRPr>
                 </a:pPr>
-                <a:endParaRPr lang="en-US"/>
+                <a:endParaRPr lang="ro-RO"/>
               </a:p>
             </c:txPr>
             <c:dLblPos val="outEnd"/>
@@ -1119,7 +1080,7 @@
                     <a:cs typeface="+mn-cs"/>
                   </a:defRPr>
                 </a:pPr>
-                <a:endParaRPr lang="en-US"/>
+                <a:endParaRPr lang="ro-RO"/>
               </a:p>
             </c:txPr>
             <c:dLblPos val="outEnd"/>
@@ -1186,11 +1147,11 @@
         </c:dLbls>
         <c:gapWidth val="219"/>
         <c:overlap val="-27"/>
-        <c:axId val="404025952"/>
-        <c:axId val="404020464"/>
+        <c:axId val="10232576"/>
+        <c:axId val="10234112"/>
       </c:barChart>
       <c:catAx>
-        <c:axId val="404025952"/>
+        <c:axId val="10232576"/>
         <c:scaling>
           <c:orientation val="minMax"/>
         </c:scaling>
@@ -1200,7 +1161,7 @@
         <c:majorTickMark val="out"/>
         <c:minorTickMark val="none"/>
         <c:tickLblPos val="nextTo"/>
-        <c:crossAx val="404020464"/>
+        <c:crossAx val="10234112"/>
         <c:crosses val="autoZero"/>
         <c:auto val="1"/>
         <c:lblAlgn val="ctr"/>
@@ -1208,7 +1169,7 @@
         <c:noMultiLvlLbl val="0"/>
       </c:catAx>
       <c:valAx>
-        <c:axId val="404020464"/>
+        <c:axId val="10234112"/>
         <c:scaling>
           <c:orientation val="minMax"/>
         </c:scaling>
@@ -1218,7 +1179,7 @@
         <c:majorTickMark val="out"/>
         <c:minorTickMark val="none"/>
         <c:tickLblPos val="nextTo"/>
-        <c:crossAx val="404025952"/>
+        <c:crossAx val="10232576"/>
         <c:crosses val="autoZero"/>
         <c:crossBetween val="between"/>
       </c:valAx>
@@ -1258,7 +1219,7 @@
               <a:cs typeface="+mn-cs"/>
             </a:defRPr>
           </a:pPr>
-          <a:endParaRPr lang="en-US"/>
+          <a:endParaRPr lang="ro-RO"/>
         </a:p>
       </c:txPr>
     </c:legend>
@@ -1280,10 +1241,10 @@
       <a:pPr>
         <a:defRPr/>
       </a:pPr>
-      <a:endParaRPr lang="en-US"/>
+      <a:endParaRPr lang="ro-RO"/>
     </a:p>
   </c:txPr>
-  <c:externalData r:id="rId3">
+  <c:externalData r:id="rId1">
     <c:autoUpdate val="0"/>
   </c:externalData>
 </c:chartSpace>
@@ -3258,7 +3219,7 @@
           <a:p>
             <a:fld id="{115C48E2-7E56-40C8-9685-3F8DF3CF180A}" type="datetimeFigureOut">
               <a:rPr lang="en-GB" smtClean="0"/>
-              <a:t>24/01/2018</a:t>
+              <a:t>25/01/2018</a:t>
             </a:fld>
             <a:endParaRPr lang="en-GB"/>
           </a:p>
@@ -3466,7 +3427,7 @@
           <a:p>
             <a:fld id="{115C48E2-7E56-40C8-9685-3F8DF3CF180A}" type="datetimeFigureOut">
               <a:rPr lang="en-GB" smtClean="0"/>
-              <a:t>24/01/2018</a:t>
+              <a:t>25/01/2018</a:t>
             </a:fld>
             <a:endParaRPr lang="en-GB"/>
           </a:p>
@@ -3722,7 +3683,7 @@
           <a:p>
             <a:fld id="{115C48E2-7E56-40C8-9685-3F8DF3CF180A}" type="datetimeFigureOut">
               <a:rPr lang="en-GB" smtClean="0"/>
-              <a:t>24/01/2018</a:t>
+              <a:t>25/01/2018</a:t>
             </a:fld>
             <a:endParaRPr lang="en-GB"/>
           </a:p>
@@ -4006,7 +3967,7 @@
           <a:p>
             <a:fld id="{115C48E2-7E56-40C8-9685-3F8DF3CF180A}" type="datetimeFigureOut">
               <a:rPr lang="en-GB" smtClean="0"/>
-              <a:t>24/01/2018</a:t>
+              <a:t>25/01/2018</a:t>
             </a:fld>
             <a:endParaRPr lang="en-GB"/>
           </a:p>
@@ -4180,7 +4141,7 @@
           <a:p>
             <a:fld id="{115C48E2-7E56-40C8-9685-3F8DF3CF180A}" type="datetimeFigureOut">
               <a:rPr lang="en-GB" smtClean="0"/>
-              <a:t>24/01/2018</a:t>
+              <a:t>25/01/2018</a:t>
             </a:fld>
             <a:endParaRPr lang="en-GB"/>
           </a:p>
@@ -4523,7 +4484,7 @@
           <a:p>
             <a:fld id="{115C48E2-7E56-40C8-9685-3F8DF3CF180A}" type="datetimeFigureOut">
               <a:rPr lang="en-GB" smtClean="0"/>
-              <a:t>24/01/2018</a:t>
+              <a:t>25/01/2018</a:t>
             </a:fld>
             <a:endParaRPr lang="en-GB"/>
           </a:p>
@@ -4798,7 +4759,7 @@
           <a:p>
             <a:fld id="{115C48E2-7E56-40C8-9685-3F8DF3CF180A}" type="datetimeFigureOut">
               <a:rPr lang="en-GB" smtClean="0"/>
-              <a:t>24/01/2018</a:t>
+              <a:t>25/01/2018</a:t>
             </a:fld>
             <a:endParaRPr lang="en-GB"/>
           </a:p>
@@ -5177,7 +5138,7 @@
           <a:p>
             <a:fld id="{115C48E2-7E56-40C8-9685-3F8DF3CF180A}" type="datetimeFigureOut">
               <a:rPr lang="en-GB" smtClean="0"/>
-              <a:t>24/01/2018</a:t>
+              <a:t>25/01/2018</a:t>
             </a:fld>
             <a:endParaRPr lang="en-GB"/>
           </a:p>
@@ -5295,7 +5256,7 @@
           <a:p>
             <a:fld id="{115C48E2-7E56-40C8-9685-3F8DF3CF180A}" type="datetimeFigureOut">
               <a:rPr lang="en-GB" smtClean="0"/>
-              <a:t>24/01/2018</a:t>
+              <a:t>25/01/2018</a:t>
             </a:fld>
             <a:endParaRPr lang="en-GB"/>
           </a:p>
@@ -5466,7 +5427,7 @@
           <a:p>
             <a:fld id="{115C48E2-7E56-40C8-9685-3F8DF3CF180A}" type="datetimeFigureOut">
               <a:rPr lang="en-GB" smtClean="0"/>
-              <a:t>24/01/2018</a:t>
+              <a:t>25/01/2018</a:t>
             </a:fld>
             <a:endParaRPr lang="en-GB"/>
           </a:p>
@@ -5820,7 +5781,7 @@
           <a:p>
             <a:fld id="{115C48E2-7E56-40C8-9685-3F8DF3CF180A}" type="datetimeFigureOut">
               <a:rPr lang="en-GB" smtClean="0"/>
-              <a:t>24/01/2018</a:t>
+              <a:t>25/01/2018</a:t>
             </a:fld>
             <a:endParaRPr lang="en-GB"/>
           </a:p>
@@ -6202,7 +6163,7 @@
           <a:p>
             <a:fld id="{115C48E2-7E56-40C8-9685-3F8DF3CF180A}" type="datetimeFigureOut">
               <a:rPr lang="en-GB" smtClean="0"/>
-              <a:t>24/01/2018</a:t>
+              <a:t>25/01/2018</a:t>
             </a:fld>
             <a:endParaRPr lang="en-GB"/>
           </a:p>
@@ -6489,7 +6450,7 @@
           <a:p>
             <a:fld id="{115C48E2-7E56-40C8-9685-3F8DF3CF180A}" type="datetimeFigureOut">
               <a:rPr lang="en-GB" smtClean="0"/>
-              <a:t>24/01/2018</a:t>
+              <a:t>25/01/2018</a:t>
             </a:fld>
             <a:endParaRPr lang="en-GB"/>
           </a:p>
@@ -6996,7 +6957,7 @@
   </p:txStyles>
   <p:extLst>
     <p:ext uri="{27BBF7A9-308A-43DC-89C8-2F10F3537804}">
-      <p15:sldGuideLst xmlns:p15="http://schemas.microsoft.com/office/powerpoint/2012/main"/>
+      <p15:sldGuideLst xmlns:p15="http://schemas.microsoft.com/office/powerpoint/2012/main" xmlns=""/>
     </p:ext>
   </p:extLst>
 </p:sldMaster>
@@ -7857,7 +7818,12 @@
             <p:ph idx="1"/>
           </p:nvPr>
         </p:nvSpPr>
-        <p:spPr/>
+        <p:spPr>
+          <a:xfrm>
+            <a:off x="1097280" y="1845733"/>
+            <a:ext cx="10058399" cy="4166759"/>
+          </a:xfrm>
+        </p:spPr>
         <p:txBody>
           <a:bodyPr/>
           <a:lstStyle/>
@@ -7889,7 +7855,15 @@
           <a:p>
             <a:r>
               <a:rPr lang="en-GB" dirty="0" smtClean="0"/>
-              <a:t>(by notifications)</a:t>
+              <a:t>(by </a:t>
+            </a:r>
+            <a:r>
+              <a:rPr lang="en-GB" dirty="0" smtClean="0"/>
+              <a:t>sending notifications</a:t>
+            </a:r>
+            <a:r>
+              <a:rPr lang="en-GB" dirty="0" smtClean="0"/>
+              <a:t>)</a:t>
             </a:r>
           </a:p>
           <a:p>
@@ -7959,7 +7933,7 @@
         <p:spPr>
           <a:xfrm>
             <a:off x="7944929" y="1845734"/>
-            <a:ext cx="2984739" cy="2240893"/>
+            <a:ext cx="3210750" cy="2240893"/>
           </a:xfrm>
           <a:prstGeom prst="rect">
             <a:avLst/>
@@ -9609,7 +9583,7 @@
     </a:clrScheme>
     <a:fontScheme name="Retrospect">
       <a:majorFont>
-        <a:latin typeface="Calibri Light" panose="020F0302020204030204"/>
+        <a:latin typeface="Calibri Light"/>
         <a:ea typeface=""/>
         <a:cs typeface=""/>
         <a:font script="Jpan" typeface="ＭＳ Ｐゴシック"/>
@@ -9644,7 +9618,7 @@
         <a:font script="Geor" typeface="Sylfaen"/>
       </a:majorFont>
       <a:minorFont>
-        <a:latin typeface="Calibri" panose="020F0502020204030204"/>
+        <a:latin typeface="Calibri"/>
         <a:ea typeface=""/>
         <a:cs typeface=""/>
         <a:font script="Jpan" typeface="ＭＳ Ｐゴシック"/>
@@ -9843,7 +9817,7 @@
   <a:extraClrSchemeLst/>
   <a:extLst>
     <a:ext uri="{05A4C25C-085E-4340-85A3-A5531E510DB2}">
-      <thm15:themeFamily xmlns:thm15="http://schemas.microsoft.com/office/thememl/2012/main" name="Retrospect" id="{5F128B03-DCCA-4EEB-AB3B-CF2899314A46}" vid="{3F1AAB62-24C6-49D2-8E01-B56FAC9A3DCD}"/>
+      <thm15:themeFamily xmlns:thm15="http://schemas.microsoft.com/office/thememl/2012/main" xmlns="" name="Retrospect" id="{5F128B03-DCCA-4EEB-AB3B-CF2899314A46}" vid="{3F1AAB62-24C6-49D2-8E01-B56FAC9A3DCD}"/>
     </a:ext>
   </a:extLst>
 </a:theme>

--- a/final-project/virtual-cards/virtual-cards.pptx
+++ b/final-project/virtual-cards/virtual-cards.pptx
@@ -116,7 +116,18 @@
   </p:defaultTextStyle>
   <p:extLst>
     <p:ext uri="{EFAFB233-063F-42B5-8137-9DF3F51BA10A}">
-      <p15:sldGuideLst xmlns:p15="http://schemas.microsoft.com/office/powerpoint/2012/main" xmlns=""/>
+      <p15:sldGuideLst xmlns:p15="http://schemas.microsoft.com/office/powerpoint/2012/main">
+        <p15:guide id="1" orient="horz" pos="2160">
+          <p15:clr>
+            <a:srgbClr val="A4A3A4"/>
+          </p15:clr>
+        </p15:guide>
+        <p15:guide id="2" pos="3840">
+          <p15:clr>
+            <a:srgbClr val="A4A3A4"/>
+          </p15:clr>
+        </p15:guide>
+      </p15:sldGuideLst>
     </p:ext>
   </p:extLst>
 </p:presentation>
@@ -125,7 +136,7 @@
 <file path=ppt/charts/chart1.xml><?xml version="1.0" encoding="utf-8"?>
 <c:chartSpace xmlns:c="http://schemas.openxmlformats.org/drawingml/2006/chart" xmlns:a="http://schemas.openxmlformats.org/drawingml/2006/main" xmlns:r="http://schemas.openxmlformats.org/officeDocument/2006/relationships">
   <c:date1904 val="0"/>
-  <c:lang val="ro-RO"/>
+  <c:lang val="en-US"/>
   <c:roundedCorners val="0"/>
   <mc:AlternateContent xmlns:mc="http://schemas.openxmlformats.org/markup-compatibility/2006">
     <mc:Choice xmlns:c14="http://schemas.microsoft.com/office/drawing/2007/8/2/chart" Requires="c14">
@@ -142,7 +153,6 @@
       <c:rotY val="0"/>
       <c:depthPercent val="100"/>
       <c:rAngAx val="0"/>
-      <c:perspective val="30"/>
     </c:view3D>
     <c:floor>
       <c:thickness val="0"/>
@@ -381,7 +391,7 @@
                     <a:cs typeface="+mn-cs"/>
                   </a:defRPr>
                 </a:pPr>
-                <a:endParaRPr lang="ro-RO"/>
+                <a:endParaRPr lang="en-US"/>
               </a:p>
             </c:txPr>
             <c:dLblPos val="outEnd"/>
@@ -513,7 +523,7 @@
               <a:cs typeface="+mn-cs"/>
             </a:defRPr>
           </a:pPr>
-          <a:endParaRPr lang="ro-RO"/>
+          <a:endParaRPr lang="en-US"/>
         </a:p>
       </c:txPr>
     </c:legend>
@@ -535,10 +545,10 @@
       <a:pPr>
         <a:defRPr/>
       </a:pPr>
-      <a:endParaRPr lang="ro-RO"/>
+      <a:endParaRPr lang="en-US"/>
     </a:p>
   </c:txPr>
-  <c:externalData r:id="rId1">
+  <c:externalData r:id="rId3">
     <c:autoUpdate val="0"/>
   </c:externalData>
 </c:chartSpace>
@@ -547,7 +557,7 @@
 <file path=ppt/charts/chart2.xml><?xml version="1.0" encoding="utf-8"?>
 <c:chartSpace xmlns:c="http://schemas.openxmlformats.org/drawingml/2006/chart" xmlns:a="http://schemas.openxmlformats.org/drawingml/2006/main" xmlns:r="http://schemas.openxmlformats.org/officeDocument/2006/relationships">
   <c:date1904 val="0"/>
-  <c:lang val="ro-RO"/>
+  <c:lang val="en-US"/>
   <c:roundedCorners val="0"/>
   <mc:AlternateContent xmlns:mc="http://schemas.openxmlformats.org/markup-compatibility/2006">
     <mc:Choice xmlns:c14="http://schemas.microsoft.com/office/drawing/2007/8/2/chart" Requires="c14">
@@ -598,6 +608,26 @@
         </a:ln>
         <a:effectLst/>
       </c:spPr>
+      <c:txPr>
+        <a:bodyPr rot="0" spcFirstLastPara="1" vertOverflow="ellipsis" vert="horz" wrap="square" anchor="ctr" anchorCtr="1"/>
+        <a:lstStyle/>
+        <a:p>
+          <a:pPr>
+            <a:defRPr sz="2200" b="1" i="0" u="none" strike="noStrike" kern="1200" baseline="0">
+              <a:solidFill>
+                <a:schemeClr val="dk1">
+                  <a:lumMod val="75000"/>
+                  <a:lumOff val="25000"/>
+                </a:schemeClr>
+              </a:solidFill>
+              <a:latin typeface="+mn-lt"/>
+              <a:ea typeface="+mn-ea"/>
+              <a:cs typeface="+mn-cs"/>
+            </a:defRPr>
+          </a:pPr>
+          <a:endParaRPr lang="en-US"/>
+        </a:p>
+      </c:txPr>
     </c:title>
     <c:autoTitleDeleted val="0"/>
     <c:plotArea>
@@ -704,7 +734,7 @@
                     <a:cs typeface="+mn-cs"/>
                   </a:defRPr>
                 </a:pPr>
-                <a:endParaRPr lang="ro-RO"/>
+                <a:endParaRPr lang="en-US"/>
               </a:p>
             </c:txPr>
             <c:dLblPos val="ctr"/>
@@ -817,7 +847,7 @@
               <a:cs typeface="+mn-cs"/>
             </a:defRPr>
           </a:pPr>
-          <a:endParaRPr lang="ro-RO"/>
+          <a:endParaRPr lang="en-US"/>
         </a:p>
       </c:txPr>
     </c:legend>
@@ -845,10 +875,10 @@
       <a:pPr>
         <a:defRPr/>
       </a:pPr>
-      <a:endParaRPr lang="ro-RO"/>
+      <a:endParaRPr lang="en-US"/>
     </a:p>
   </c:txPr>
-  <c:externalData r:id="rId1">
+  <c:externalData r:id="rId3">
     <c:autoUpdate val="0"/>
   </c:externalData>
 </c:chartSpace>
@@ -857,7 +887,7 @@
 <file path=ppt/charts/chart3.xml><?xml version="1.0" encoding="utf-8"?>
 <c:chartSpace xmlns:c="http://schemas.openxmlformats.org/drawingml/2006/chart" xmlns:a="http://schemas.openxmlformats.org/drawingml/2006/main" xmlns:r="http://schemas.openxmlformats.org/officeDocument/2006/relationships">
   <c:date1904 val="0"/>
-  <c:lang val="ro-RO"/>
+  <c:lang val="en-US"/>
   <c:roundedCorners val="0"/>
   <mc:AlternateContent xmlns:mc="http://schemas.openxmlformats.org/markup-compatibility/2006">
     <mc:Choice xmlns:c14="http://schemas.microsoft.com/office/drawing/2007/8/2/chart" Requires="c14">
@@ -904,6 +934,26 @@
         </a:ln>
         <a:effectLst/>
       </c:spPr>
+      <c:txPr>
+        <a:bodyPr rot="0" spcFirstLastPara="1" vertOverflow="ellipsis" vert="horz" wrap="square" anchor="ctr" anchorCtr="1"/>
+        <a:lstStyle/>
+        <a:p>
+          <a:pPr>
+            <a:defRPr sz="1862" b="0" i="0" u="none" strike="noStrike" kern="1200" spc="0" baseline="0">
+              <a:solidFill>
+                <a:schemeClr val="tx1">
+                  <a:lumMod val="65000"/>
+                  <a:lumOff val="35000"/>
+                </a:schemeClr>
+              </a:solidFill>
+              <a:latin typeface="+mn-lt"/>
+              <a:ea typeface="+mn-ea"/>
+              <a:cs typeface="+mn-cs"/>
+            </a:defRPr>
+          </a:pPr>
+          <a:endParaRPr lang="en-US"/>
+        </a:p>
+      </c:txPr>
     </c:title>
     <c:autoTitleDeleted val="0"/>
     <c:plotArea>
@@ -973,7 +1023,7 @@
                     <a:cs typeface="+mn-cs"/>
                   </a:defRPr>
                 </a:pPr>
-                <a:endParaRPr lang="ro-RO"/>
+                <a:endParaRPr lang="en-US"/>
               </a:p>
             </c:txPr>
             <c:dLblPos val="outEnd"/>
@@ -1080,7 +1130,7 @@
                     <a:cs typeface="+mn-cs"/>
                   </a:defRPr>
                 </a:pPr>
-                <a:endParaRPr lang="ro-RO"/>
+                <a:endParaRPr lang="en-US"/>
               </a:p>
             </c:txPr>
             <c:dLblPos val="outEnd"/>
@@ -1147,11 +1197,11 @@
         </c:dLbls>
         <c:gapWidth val="219"/>
         <c:overlap val="-27"/>
-        <c:axId val="10232576"/>
-        <c:axId val="10234112"/>
+        <c:axId val="404422200"/>
+        <c:axId val="404423768"/>
       </c:barChart>
       <c:catAx>
-        <c:axId val="10232576"/>
+        <c:axId val="404422200"/>
         <c:scaling>
           <c:orientation val="minMax"/>
         </c:scaling>
@@ -1161,7 +1211,7 @@
         <c:majorTickMark val="out"/>
         <c:minorTickMark val="none"/>
         <c:tickLblPos val="nextTo"/>
-        <c:crossAx val="10234112"/>
+        <c:crossAx val="404423768"/>
         <c:crosses val="autoZero"/>
         <c:auto val="1"/>
         <c:lblAlgn val="ctr"/>
@@ -1169,7 +1219,7 @@
         <c:noMultiLvlLbl val="0"/>
       </c:catAx>
       <c:valAx>
-        <c:axId val="10234112"/>
+        <c:axId val="404423768"/>
         <c:scaling>
           <c:orientation val="minMax"/>
         </c:scaling>
@@ -1179,7 +1229,7 @@
         <c:majorTickMark val="out"/>
         <c:minorTickMark val="none"/>
         <c:tickLblPos val="nextTo"/>
-        <c:crossAx val="10232576"/>
+        <c:crossAx val="404422200"/>
         <c:crosses val="autoZero"/>
         <c:crossBetween val="between"/>
       </c:valAx>
@@ -1219,7 +1269,7 @@
               <a:cs typeface="+mn-cs"/>
             </a:defRPr>
           </a:pPr>
-          <a:endParaRPr lang="ro-RO"/>
+          <a:endParaRPr lang="en-US"/>
         </a:p>
       </c:txPr>
     </c:legend>
@@ -1241,10 +1291,10 @@
       <a:pPr>
         <a:defRPr/>
       </a:pPr>
-      <a:endParaRPr lang="ro-RO"/>
+      <a:endParaRPr lang="en-US"/>
     </a:p>
   </c:txPr>
-  <c:externalData r:id="rId1">
+  <c:externalData r:id="rId3">
     <c:autoUpdate val="0"/>
   </c:externalData>
 </c:chartSpace>
@@ -6957,7 +7007,7 @@
   </p:txStyles>
   <p:extLst>
     <p:ext uri="{27BBF7A9-308A-43DC-89C8-2F10F3537804}">
-      <p15:sldGuideLst xmlns:p15="http://schemas.microsoft.com/office/powerpoint/2012/main" xmlns=""/>
+      <p15:sldGuideLst xmlns:p15="http://schemas.microsoft.com/office/powerpoint/2012/main"/>
     </p:ext>
   </p:extLst>
 </p:sldMaster>
@@ -7083,10 +7133,18 @@
           <a:lstStyle/>
           <a:p>
             <a:r>
-              <a:rPr lang="en-GB" dirty="0" smtClean="0"/>
+              <a:rPr lang="en-GB" dirty="0" smtClean="0">
+                <a:solidFill>
+                  <a:schemeClr val="accent3"/>
+                </a:solidFill>
+              </a:rPr>
               <a:t>Conclusions</a:t>
             </a:r>
-            <a:endParaRPr lang="en-GB" dirty="0"/>
+            <a:endParaRPr lang="en-GB" dirty="0">
+              <a:solidFill>
+                <a:schemeClr val="accent3"/>
+              </a:solidFill>
+            </a:endParaRPr>
           </a:p>
         </p:txBody>
       </p:sp>
@@ -7366,10 +7424,18 @@
           <a:lstStyle/>
           <a:p>
             <a:r>
-              <a:rPr lang="en-GB" dirty="0" smtClean="0"/>
+              <a:rPr lang="en-GB" dirty="0" smtClean="0">
+                <a:solidFill>
+                  <a:schemeClr val="accent3"/>
+                </a:solidFill>
+              </a:rPr>
               <a:t>Lessons learnt</a:t>
             </a:r>
-            <a:endParaRPr lang="en-GB" dirty="0"/>
+            <a:endParaRPr lang="en-GB" dirty="0">
+              <a:solidFill>
+                <a:schemeClr val="accent3"/>
+              </a:solidFill>
+            </a:endParaRPr>
           </a:p>
         </p:txBody>
       </p:sp>
@@ -7801,10 +7867,18 @@
           <a:lstStyle/>
           <a:p>
             <a:r>
-              <a:rPr lang="en-GB" dirty="0" smtClean="0"/>
+              <a:rPr lang="en-GB" dirty="0" smtClean="0">
+                <a:solidFill>
+                  <a:schemeClr val="accent3"/>
+                </a:solidFill>
+              </a:rPr>
               <a:t>How to use Virtual cards app</a:t>
             </a:r>
-            <a:endParaRPr lang="en-GB" dirty="0"/>
+            <a:endParaRPr lang="en-GB" dirty="0">
+              <a:solidFill>
+                <a:schemeClr val="accent3"/>
+              </a:solidFill>
+            </a:endParaRPr>
           </a:p>
         </p:txBody>
       </p:sp>
@@ -7849,27 +7923,25 @@
           <a:p>
             <a:r>
               <a:rPr lang="en-GB" dirty="0" smtClean="0"/>
-              <a:t>- The app informs the user about offers and coupons </a:t>
-            </a:r>
-          </a:p>
-          <a:p>
+              <a:t>- The app </a:t>
+            </a:r>
             <a:r>
               <a:rPr lang="en-GB" dirty="0" smtClean="0"/>
-              <a:t>(by </a:t>
+              <a:t>notifies the </a:t>
             </a:r>
             <a:r>
               <a:rPr lang="en-GB" dirty="0" smtClean="0"/>
-              <a:t>sending notifications</a:t>
-            </a:r>
+              <a:t>user about offers and coupons </a:t>
+            </a:r>
+          </a:p>
+          <a:p>
             <a:r>
               <a:rPr lang="en-GB" dirty="0" smtClean="0"/>
-              <a:t>)</a:t>
-            </a:r>
-          </a:p>
-          <a:p>
+              <a:t>- </a:t>
+            </a:r>
             <a:r>
               <a:rPr lang="en-GB" dirty="0" smtClean="0"/>
-              <a:t>- Display route feature helps the user to get to the nearest store</a:t>
+              <a:t>Display route feature helps the user to get to the nearest store</a:t>
             </a:r>
           </a:p>
           <a:p>
@@ -8229,14 +8301,26 @@
           <a:lstStyle/>
           <a:p>
             <a:r>
-              <a:rPr lang="en-GB" dirty="0" smtClean="0"/>
+              <a:rPr lang="en-GB" dirty="0" smtClean="0">
+                <a:solidFill>
+                  <a:schemeClr val="accent3"/>
+                </a:solidFill>
+              </a:rPr>
               <a:t>Used </a:t>
             </a:r>
             <a:r>
-              <a:rPr lang="en-GB" dirty="0"/>
+              <a:rPr lang="en-GB" dirty="0">
+                <a:solidFill>
+                  <a:schemeClr val="accent3"/>
+                </a:solidFill>
+              </a:rPr>
               <a:t>Tools </a:t>
             </a:r>
-            <a:endParaRPr lang="en-GB" b="1" dirty="0"/>
+            <a:endParaRPr lang="en-GB" b="1" dirty="0">
+              <a:solidFill>
+                <a:schemeClr val="accent3"/>
+              </a:solidFill>
+            </a:endParaRPr>
           </a:p>
         </p:txBody>
       </p:sp>
@@ -8384,25 +8468,49 @@
           <a:lstStyle/>
           <a:p>
             <a:r>
-              <a:rPr lang="en-GB" dirty="0"/>
+              <a:rPr lang="en-GB" dirty="0">
+                <a:solidFill>
+                  <a:schemeClr val="accent3"/>
+                </a:solidFill>
+              </a:rPr>
               <a:t>Testing types </a:t>
             </a:r>
             <a:r>
+              <a:rPr lang="en-GB" dirty="0" smtClean="0">
+                <a:solidFill>
+                  <a:schemeClr val="accent3"/>
+                </a:solidFill>
+              </a:rPr>
+              <a:t>covered</a:t>
+            </a:r>
+            <a:r>
               <a:rPr lang="en-GB" dirty="0" smtClean="0"/>
-              <a:t>covered</a:t>
+              <a:t/>
             </a:r>
             <a:br>
               <a:rPr lang="en-GB" dirty="0" smtClean="0"/>
             </a:br>
             <a:r>
-              <a:rPr lang="en-GB" sz="2000" dirty="0"/>
+              <a:rPr lang="en-GB" sz="2000" dirty="0">
+                <a:solidFill>
+                  <a:schemeClr val="accent3"/>
+                </a:solidFill>
+              </a:rPr>
               <a:t>Manual, dynamic, black-box, functional testing types</a:t>
             </a:r>
             <a:r>
-              <a:rPr lang="en-GB" sz="2000" dirty="0" smtClean="0"/>
+              <a:rPr lang="en-GB" sz="2000" dirty="0" smtClean="0">
+                <a:solidFill>
+                  <a:schemeClr val="accent3"/>
+                </a:solidFill>
+              </a:rPr>
               <a:t>:</a:t>
             </a:r>
-            <a:endParaRPr lang="en-GB" sz="2000" dirty="0"/>
+            <a:endParaRPr lang="en-GB" sz="2000" dirty="0">
+              <a:solidFill>
+                <a:schemeClr val="accent3"/>
+              </a:solidFill>
+            </a:endParaRPr>
           </a:p>
         </p:txBody>
       </p:sp>
@@ -8488,10 +8596,18 @@
           <a:lstStyle/>
           <a:p>
             <a:r>
-              <a:rPr lang="en-GB" sz="4000" dirty="0" smtClean="0"/>
+              <a:rPr lang="en-GB" sz="4000" dirty="0" smtClean="0">
+                <a:solidFill>
+                  <a:schemeClr val="accent3"/>
+                </a:solidFill>
+              </a:rPr>
               <a:t>Test Cases Overview</a:t>
             </a:r>
-            <a:endParaRPr lang="en-GB" sz="4000" dirty="0"/>
+            <a:endParaRPr lang="en-GB" sz="4000" dirty="0">
+              <a:solidFill>
+                <a:schemeClr val="accent3"/>
+              </a:solidFill>
+            </a:endParaRPr>
           </a:p>
         </p:txBody>
       </p:sp>
@@ -8548,10 +8664,18 @@
           <a:lstStyle/>
           <a:p>
             <a:r>
-              <a:rPr lang="en-GB" sz="2400" dirty="0" smtClean="0"/>
+              <a:rPr lang="en-GB" sz="2400" dirty="0" smtClean="0">
+                <a:solidFill>
+                  <a:schemeClr val="accent3"/>
+                </a:solidFill>
+              </a:rPr>
               <a:t>Smoke test: 20 test cases</a:t>
             </a:r>
-            <a:endParaRPr lang="en-GB" sz="2400" dirty="0"/>
+            <a:endParaRPr lang="en-GB" sz="2400" dirty="0">
+              <a:solidFill>
+                <a:schemeClr val="accent3"/>
+              </a:solidFill>
+            </a:endParaRPr>
           </a:p>
         </p:txBody>
       </p:sp>
@@ -8601,18 +8725,34 @@
           <a:lstStyle/>
           <a:p>
             <a:r>
-              <a:rPr lang="en-GB" dirty="0" smtClean="0"/>
+              <a:rPr lang="en-GB" dirty="0" smtClean="0">
+                <a:solidFill>
+                  <a:schemeClr val="accent3"/>
+                </a:solidFill>
+              </a:rPr>
               <a:t>Smoke </a:t>
             </a:r>
             <a:r>
-              <a:rPr lang="en-GB" dirty="0"/>
+              <a:rPr lang="en-GB" dirty="0">
+                <a:solidFill>
+                  <a:schemeClr val="accent3"/>
+                </a:solidFill>
+              </a:rPr>
               <a:t>t</a:t>
             </a:r>
             <a:r>
-              <a:rPr lang="en-GB" dirty="0" smtClean="0"/>
+              <a:rPr lang="en-GB" dirty="0" smtClean="0">
+                <a:solidFill>
+                  <a:schemeClr val="accent3"/>
+                </a:solidFill>
+              </a:rPr>
               <a:t>est cases result</a:t>
             </a:r>
-            <a:endParaRPr lang="en-GB" dirty="0"/>
+            <a:endParaRPr lang="en-GB" dirty="0">
+              <a:solidFill>
+                <a:schemeClr val="accent3"/>
+              </a:solidFill>
+            </a:endParaRPr>
           </a:p>
         </p:txBody>
       </p:sp>
@@ -9488,17 +9628,33 @@
           <a:lstStyle/>
           <a:p>
             <a:r>
-              <a:rPr lang="en-GB" dirty="0" smtClean="0"/>
+              <a:rPr lang="en-GB" dirty="0" smtClean="0">
+                <a:solidFill>
+                  <a:schemeClr val="accent3"/>
+                </a:solidFill>
+              </a:rPr>
               <a:t>Defects distribution</a:t>
             </a:r>
             <a:br>
-              <a:rPr lang="en-GB" dirty="0" smtClean="0"/>
+              <a:rPr lang="en-GB" dirty="0" smtClean="0">
+                <a:solidFill>
+                  <a:schemeClr val="accent3"/>
+                </a:solidFill>
+              </a:rPr>
             </a:br>
             <a:r>
-              <a:rPr lang="en-GB" sz="3600" dirty="0" smtClean="0"/>
+              <a:rPr lang="en-GB" sz="3600" dirty="0" smtClean="0">
+                <a:solidFill>
+                  <a:schemeClr val="accent3"/>
+                </a:solidFill>
+              </a:rPr>
               <a:t>14 bugs</a:t>
             </a:r>
-            <a:endParaRPr lang="en-GB" sz="3600" dirty="0"/>
+            <a:endParaRPr lang="en-GB" sz="3600" dirty="0">
+              <a:solidFill>
+                <a:schemeClr val="accent3"/>
+              </a:solidFill>
+            </a:endParaRPr>
           </a:p>
         </p:txBody>
       </p:sp>
@@ -9817,7 +9973,7 @@
   <a:extraClrSchemeLst/>
   <a:extLst>
     <a:ext uri="{05A4C25C-085E-4340-85A3-A5531E510DB2}">
-      <thm15:themeFamily xmlns:thm15="http://schemas.microsoft.com/office/thememl/2012/main" xmlns="" name="Retrospect" id="{5F128B03-DCCA-4EEB-AB3B-CF2899314A46}" vid="{3F1AAB62-24C6-49D2-8E01-B56FAC9A3DCD}"/>
+      <thm15:themeFamily xmlns:thm15="http://schemas.microsoft.com/office/thememl/2012/main" name="Retrospect" id="{5F128B03-DCCA-4EEB-AB3B-CF2899314A46}" vid="{3F1AAB62-24C6-49D2-8E01-B56FAC9A3DCD}"/>
     </a:ext>
   </a:extLst>
 </a:theme>

--- a/final-project/virtual-cards/virtual-cards.pptx
+++ b/final-project/virtual-cards/virtual-cards.pptx
@@ -13,9 +13,10 @@
     <p:sldId id="262" r:id="rId7"/>
     <p:sldId id="261" r:id="rId8"/>
     <p:sldId id="265" r:id="rId9"/>
-    <p:sldId id="267" r:id="rId10"/>
-    <p:sldId id="268" r:id="rId11"/>
-    <p:sldId id="264" r:id="rId12"/>
+    <p:sldId id="270" r:id="rId10"/>
+    <p:sldId id="267" r:id="rId11"/>
+    <p:sldId id="268" r:id="rId12"/>
+    <p:sldId id="264" r:id="rId13"/>
   </p:sldIdLst>
   <p:sldSz cx="12192000" cy="6858000"/>
   <p:notesSz cx="6858000" cy="9144000"/>
@@ -116,7 +117,7 @@
   </p:defaultTextStyle>
   <p:extLst>
     <p:ext uri="{EFAFB233-063F-42B5-8137-9DF3F51BA10A}">
-      <p15:sldGuideLst xmlns:p15="http://schemas.microsoft.com/office/powerpoint/2012/main">
+      <p15:sldGuideLst xmlns:p15="http://schemas.microsoft.com/office/powerpoint/2012/main" xmlns="">
         <p15:guide id="1" orient="horz" pos="2160">
           <p15:clr>
             <a:srgbClr val="A4A3A4"/>
@@ -136,7 +137,7 @@
 <file path=ppt/charts/chart1.xml><?xml version="1.0" encoding="utf-8"?>
 <c:chartSpace xmlns:c="http://schemas.openxmlformats.org/drawingml/2006/chart" xmlns:a="http://schemas.openxmlformats.org/drawingml/2006/main" xmlns:r="http://schemas.openxmlformats.org/officeDocument/2006/relationships">
   <c:date1904 val="0"/>
-  <c:lang val="en-US"/>
+  <c:lang val="ro-RO"/>
   <c:roundedCorners val="0"/>
   <mc:AlternateContent xmlns:mc="http://schemas.openxmlformats.org/markup-compatibility/2006">
     <mc:Choice xmlns:c14="http://schemas.microsoft.com/office/drawing/2007/8/2/chart" Requires="c14">
@@ -153,6 +154,7 @@
       <c:rotY val="0"/>
       <c:depthPercent val="100"/>
       <c:rAngAx val="0"/>
+      <c:perspective val="30"/>
     </c:view3D>
     <c:floor>
       <c:thickness val="0"/>
@@ -193,10 +195,10 @@
           <c:layoutTarget val="inner"/>
           <c:xMode val="edge"/>
           <c:yMode val="edge"/>
-          <c:x val="2.7896679075064695E-2"/>
-          <c:y val="0.11832188779656155"/>
-          <c:w val="0.84572052788892427"/>
-          <c:h val="0.79824501159021988"/>
+          <c:x val="0.51033642983355743"/>
+          <c:y val="3.8877370113284668E-2"/>
+          <c:w val="0.48904108813847003"/>
+          <c:h val="0.46331265463012666"/>
         </c:manualLayout>
       </c:layout>
       <c:pie3DChart>
@@ -358,64 +360,27 @@
             </c:spPr>
           </c:dPt>
           <c:dLbls>
-            <c:spPr>
-              <a:solidFill>
-                <a:prstClr val="white"/>
-              </a:solidFill>
-              <a:ln>
-                <a:solidFill>
-                  <a:srgbClr val="000000">
-                    <a:lumMod val="25000"/>
-                    <a:lumOff val="75000"/>
-                  </a:srgbClr>
-                </a:solidFill>
-              </a:ln>
-              <a:effectLst/>
-            </c:spPr>
             <c:txPr>
-              <a:bodyPr rot="0" spcFirstLastPara="1" vertOverflow="clip" horzOverflow="clip" vert="horz" wrap="square" lIns="38100" tIns="19050" rIns="38100" bIns="19050" anchor="ctr" anchorCtr="1">
-                <a:spAutoFit/>
-              </a:bodyPr>
+              <a:bodyPr/>
               <a:lstStyle/>
               <a:p>
                 <a:pPr>
-                  <a:defRPr sz="1197" b="0" i="0" u="none" strike="noStrike" kern="1200" baseline="0">
+                  <a:defRPr sz="1400">
                     <a:solidFill>
-                      <a:schemeClr val="dk1">
-                        <a:lumMod val="65000"/>
-                        <a:lumOff val="35000"/>
-                      </a:schemeClr>
+                      <a:schemeClr val="bg1"/>
                     </a:solidFill>
-                    <a:latin typeface="+mn-lt"/>
-                    <a:ea typeface="+mn-ea"/>
-                    <a:cs typeface="+mn-cs"/>
                   </a:defRPr>
                 </a:pPr>
-                <a:endParaRPr lang="en-US"/>
+                <a:endParaRPr lang="ro-RO"/>
               </a:p>
             </c:txPr>
-            <c:dLblPos val="outEnd"/>
             <c:showLegendKey val="0"/>
             <c:showVal val="0"/>
-            <c:showCatName val="1"/>
+            <c:showCatName val="0"/>
             <c:showSerName val="0"/>
             <c:showPercent val="1"/>
             <c:showBubbleSize val="0"/>
             <c:showLeaderLines val="0"/>
-            <c:extLst>
-              <c:ext xmlns:c15="http://schemas.microsoft.com/office/drawing/2012/chart" uri="{CE6537A1-D6FC-4f65-9D91-7224C49458BB}">
-                <c15:spPr xmlns:c15="http://schemas.microsoft.com/office/drawing/2012/chart">
-                  <a:prstGeom prst="wedgeRectCallout">
-                    <a:avLst/>
-                  </a:prstGeom>
-                  <a:noFill/>
-                  <a:ln>
-                    <a:noFill/>
-                  </a:ln>
-                </c15:spPr>
-                <c15:layout/>
-              </c:ext>
-            </c:extLst>
           </c:dLbls>
           <c:cat>
             <c:strRef>
@@ -438,7 +403,7 @@
                   <c:v>Offers</c:v>
                 </c:pt>
                 <c:pt idx="5">
-                  <c:v>Location</c:v>
+                  <c:v>Localization</c:v>
                 </c:pt>
                 <c:pt idx="6">
                   <c:v>Birthday calendar</c:v>
@@ -468,10 +433,10 @@
                   <c:v>2</c:v>
                 </c:pt>
                 <c:pt idx="5">
-                  <c:v>1</c:v>
+                  <c:v>2</c:v>
                 </c:pt>
                 <c:pt idx="6">
-                  <c:v>3</c:v>
+                  <c:v>2</c:v>
                 </c:pt>
               </c:numCache>
             </c:numRef>
@@ -497,7 +462,39 @@
     </c:plotArea>
     <c:legend>
       <c:legendPos val="r"/>
-      <c:layout/>
+      <c:legendEntry>
+        <c:idx val="1"/>
+        <c:txPr>
+          <a:bodyPr rot="0" spcFirstLastPara="1" vertOverflow="ellipsis" vert="horz" wrap="square" anchor="ctr" anchorCtr="1"/>
+          <a:lstStyle/>
+          <a:p>
+            <a:pPr>
+              <a:defRPr sz="1400" b="0" i="0" u="none" strike="noStrike" kern="1200" baseline="0">
+                <a:solidFill>
+                  <a:schemeClr val="tx1">
+                    <a:lumMod val="65000"/>
+                    <a:lumOff val="35000"/>
+                  </a:schemeClr>
+                </a:solidFill>
+                <a:latin typeface="+mn-lt"/>
+                <a:ea typeface="+mn-ea"/>
+                <a:cs typeface="+mn-cs"/>
+              </a:defRPr>
+            </a:pPr>
+            <a:endParaRPr lang="ro-RO"/>
+          </a:p>
+        </c:txPr>
+      </c:legendEntry>
+      <c:layout>
+        <c:manualLayout>
+          <c:xMode val="edge"/>
+          <c:yMode val="edge"/>
+          <c:x val="0.59422236172859211"/>
+          <c:y val="0.54193166861985032"/>
+          <c:w val="0.39981085461782623"/>
+          <c:h val="0.36647904083656357"/>
+        </c:manualLayout>
+      </c:layout>
       <c:overlay val="0"/>
       <c:spPr>
         <a:noFill/>
@@ -523,7 +520,7 @@
               <a:cs typeface="+mn-cs"/>
             </a:defRPr>
           </a:pPr>
-          <a:endParaRPr lang="en-US"/>
+          <a:endParaRPr lang="ro-RO"/>
         </a:p>
       </c:txPr>
     </c:legend>
@@ -545,10 +542,10 @@
       <a:pPr>
         <a:defRPr/>
       </a:pPr>
-      <a:endParaRPr lang="en-US"/>
+      <a:endParaRPr lang="ro-RO"/>
     </a:p>
   </c:txPr>
-  <c:externalData r:id="rId3">
+  <c:externalData r:id="rId1">
     <c:autoUpdate val="0"/>
   </c:externalData>
 </c:chartSpace>
@@ -557,7 +554,7 @@
 <file path=ppt/charts/chart2.xml><?xml version="1.0" encoding="utf-8"?>
 <c:chartSpace xmlns:c="http://schemas.openxmlformats.org/drawingml/2006/chart" xmlns:a="http://schemas.openxmlformats.org/drawingml/2006/main" xmlns:r="http://schemas.openxmlformats.org/officeDocument/2006/relationships">
   <c:date1904 val="0"/>
-  <c:lang val="en-US"/>
+  <c:lang val="ro-RO"/>
   <c:roundedCorners val="0"/>
   <mc:AlternateContent xmlns:mc="http://schemas.openxmlformats.org/markup-compatibility/2006">
     <mc:Choice xmlns:c14="http://schemas.microsoft.com/office/drawing/2007/8/2/chart" Requires="c14">
@@ -608,26 +605,6 @@
         </a:ln>
         <a:effectLst/>
       </c:spPr>
-      <c:txPr>
-        <a:bodyPr rot="0" spcFirstLastPara="1" vertOverflow="ellipsis" vert="horz" wrap="square" anchor="ctr" anchorCtr="1"/>
-        <a:lstStyle/>
-        <a:p>
-          <a:pPr>
-            <a:defRPr sz="2200" b="1" i="0" u="none" strike="noStrike" kern="1200" baseline="0">
-              <a:solidFill>
-                <a:schemeClr val="dk1">
-                  <a:lumMod val="75000"/>
-                  <a:lumOff val="25000"/>
-                </a:schemeClr>
-              </a:solidFill>
-              <a:latin typeface="+mn-lt"/>
-              <a:ea typeface="+mn-ea"/>
-              <a:cs typeface="+mn-cs"/>
-            </a:defRPr>
-          </a:pPr>
-          <a:endParaRPr lang="en-US"/>
-        </a:p>
-      </c:txPr>
     </c:title>
     <c:autoTitleDeleted val="0"/>
     <c:plotArea>
@@ -734,7 +711,7 @@
                     <a:cs typeface="+mn-cs"/>
                   </a:defRPr>
                 </a:pPr>
-                <a:endParaRPr lang="en-US"/>
+                <a:endParaRPr lang="ro-RO"/>
               </a:p>
             </c:txPr>
             <c:dLblPos val="ctr"/>
@@ -847,7 +824,7 @@
               <a:cs typeface="+mn-cs"/>
             </a:defRPr>
           </a:pPr>
-          <a:endParaRPr lang="en-US"/>
+          <a:endParaRPr lang="ro-RO"/>
         </a:p>
       </c:txPr>
     </c:legend>
@@ -875,10 +852,10 @@
       <a:pPr>
         <a:defRPr/>
       </a:pPr>
-      <a:endParaRPr lang="en-US"/>
+      <a:endParaRPr lang="ro-RO"/>
     </a:p>
   </c:txPr>
-  <c:externalData r:id="rId3">
+  <c:externalData r:id="rId1">
     <c:autoUpdate val="0"/>
   </c:externalData>
 </c:chartSpace>
@@ -887,7 +864,7 @@
 <file path=ppt/charts/chart3.xml><?xml version="1.0" encoding="utf-8"?>
 <c:chartSpace xmlns:c="http://schemas.openxmlformats.org/drawingml/2006/chart" xmlns:a="http://schemas.openxmlformats.org/drawingml/2006/main" xmlns:r="http://schemas.openxmlformats.org/officeDocument/2006/relationships">
   <c:date1904 val="0"/>
-  <c:lang val="en-US"/>
+  <c:lang val="ro-RO"/>
   <c:roundedCorners val="0"/>
   <mc:AlternateContent xmlns:mc="http://schemas.openxmlformats.org/markup-compatibility/2006">
     <mc:Choice xmlns:c14="http://schemas.microsoft.com/office/drawing/2007/8/2/chart" Requires="c14">
@@ -934,26 +911,6 @@
         </a:ln>
         <a:effectLst/>
       </c:spPr>
-      <c:txPr>
-        <a:bodyPr rot="0" spcFirstLastPara="1" vertOverflow="ellipsis" vert="horz" wrap="square" anchor="ctr" anchorCtr="1"/>
-        <a:lstStyle/>
-        <a:p>
-          <a:pPr>
-            <a:defRPr sz="1862" b="0" i="0" u="none" strike="noStrike" kern="1200" spc="0" baseline="0">
-              <a:solidFill>
-                <a:schemeClr val="tx1">
-                  <a:lumMod val="65000"/>
-                  <a:lumOff val="35000"/>
-                </a:schemeClr>
-              </a:solidFill>
-              <a:latin typeface="+mn-lt"/>
-              <a:ea typeface="+mn-ea"/>
-              <a:cs typeface="+mn-cs"/>
-            </a:defRPr>
-          </a:pPr>
-          <a:endParaRPr lang="en-US"/>
-        </a:p>
-      </c:txPr>
     </c:title>
     <c:autoTitleDeleted val="0"/>
     <c:plotArea>
@@ -1023,7 +980,7 @@
                     <a:cs typeface="+mn-cs"/>
                   </a:defRPr>
                 </a:pPr>
-                <a:endParaRPr lang="en-US"/>
+                <a:endParaRPr lang="ro-RO"/>
               </a:p>
             </c:txPr>
             <c:dLblPos val="outEnd"/>
@@ -1130,7 +1087,7 @@
                     <a:cs typeface="+mn-cs"/>
                   </a:defRPr>
                 </a:pPr>
-                <a:endParaRPr lang="en-US"/>
+                <a:endParaRPr lang="ro-RO"/>
               </a:p>
             </c:txPr>
             <c:dLblPos val="outEnd"/>
@@ -1197,11 +1154,11 @@
         </c:dLbls>
         <c:gapWidth val="219"/>
         <c:overlap val="-27"/>
-        <c:axId val="404422200"/>
-        <c:axId val="404423768"/>
+        <c:axId val="118900224"/>
+        <c:axId val="118901760"/>
       </c:barChart>
       <c:catAx>
-        <c:axId val="404422200"/>
+        <c:axId val="118900224"/>
         <c:scaling>
           <c:orientation val="minMax"/>
         </c:scaling>
@@ -1211,7 +1168,7 @@
         <c:majorTickMark val="out"/>
         <c:minorTickMark val="none"/>
         <c:tickLblPos val="nextTo"/>
-        <c:crossAx val="404423768"/>
+        <c:crossAx val="118901760"/>
         <c:crosses val="autoZero"/>
         <c:auto val="1"/>
         <c:lblAlgn val="ctr"/>
@@ -1219,7 +1176,7 @@
         <c:noMultiLvlLbl val="0"/>
       </c:catAx>
       <c:valAx>
-        <c:axId val="404423768"/>
+        <c:axId val="118901760"/>
         <c:scaling>
           <c:orientation val="minMax"/>
         </c:scaling>
@@ -1229,7 +1186,7 @@
         <c:majorTickMark val="out"/>
         <c:minorTickMark val="none"/>
         <c:tickLblPos val="nextTo"/>
-        <c:crossAx val="404422200"/>
+        <c:crossAx val="118900224"/>
         <c:crosses val="autoZero"/>
         <c:crossBetween val="between"/>
       </c:valAx>
@@ -1269,7 +1226,7 @@
               <a:cs typeface="+mn-cs"/>
             </a:defRPr>
           </a:pPr>
-          <a:endParaRPr lang="en-US"/>
+          <a:endParaRPr lang="ro-RO"/>
         </a:p>
       </c:txPr>
     </c:legend>
@@ -1291,10 +1248,10 @@
       <a:pPr>
         <a:defRPr/>
       </a:pPr>
-      <a:endParaRPr lang="en-US"/>
+      <a:endParaRPr lang="ro-RO"/>
     </a:p>
   </c:txPr>
-  <c:externalData r:id="rId3">
+  <c:externalData r:id="rId1">
     <c:autoUpdate val="0"/>
   </c:externalData>
 </c:chartSpace>
@@ -3269,7 +3226,7 @@
           <a:p>
             <a:fld id="{115C48E2-7E56-40C8-9685-3F8DF3CF180A}" type="datetimeFigureOut">
               <a:rPr lang="en-GB" smtClean="0"/>
-              <a:t>25/01/2018</a:t>
+              <a:t>26/01/2018</a:t>
             </a:fld>
             <a:endParaRPr lang="en-GB"/>
           </a:p>
@@ -3477,7 +3434,7 @@
           <a:p>
             <a:fld id="{115C48E2-7E56-40C8-9685-3F8DF3CF180A}" type="datetimeFigureOut">
               <a:rPr lang="en-GB" smtClean="0"/>
-              <a:t>25/01/2018</a:t>
+              <a:t>26/01/2018</a:t>
             </a:fld>
             <a:endParaRPr lang="en-GB"/>
           </a:p>
@@ -3733,7 +3690,7 @@
           <a:p>
             <a:fld id="{115C48E2-7E56-40C8-9685-3F8DF3CF180A}" type="datetimeFigureOut">
               <a:rPr lang="en-GB" smtClean="0"/>
-              <a:t>25/01/2018</a:t>
+              <a:t>26/01/2018</a:t>
             </a:fld>
             <a:endParaRPr lang="en-GB"/>
           </a:p>
@@ -4017,7 +3974,7 @@
           <a:p>
             <a:fld id="{115C48E2-7E56-40C8-9685-3F8DF3CF180A}" type="datetimeFigureOut">
               <a:rPr lang="en-GB" smtClean="0"/>
-              <a:t>25/01/2018</a:t>
+              <a:t>26/01/2018</a:t>
             </a:fld>
             <a:endParaRPr lang="en-GB"/>
           </a:p>
@@ -4191,7 +4148,7 @@
           <a:p>
             <a:fld id="{115C48E2-7E56-40C8-9685-3F8DF3CF180A}" type="datetimeFigureOut">
               <a:rPr lang="en-GB" smtClean="0"/>
-              <a:t>25/01/2018</a:t>
+              <a:t>26/01/2018</a:t>
             </a:fld>
             <a:endParaRPr lang="en-GB"/>
           </a:p>
@@ -4534,7 +4491,7 @@
           <a:p>
             <a:fld id="{115C48E2-7E56-40C8-9685-3F8DF3CF180A}" type="datetimeFigureOut">
               <a:rPr lang="en-GB" smtClean="0"/>
-              <a:t>25/01/2018</a:t>
+              <a:t>26/01/2018</a:t>
             </a:fld>
             <a:endParaRPr lang="en-GB"/>
           </a:p>
@@ -4809,7 +4766,7 @@
           <a:p>
             <a:fld id="{115C48E2-7E56-40C8-9685-3F8DF3CF180A}" type="datetimeFigureOut">
               <a:rPr lang="en-GB" smtClean="0"/>
-              <a:t>25/01/2018</a:t>
+              <a:t>26/01/2018</a:t>
             </a:fld>
             <a:endParaRPr lang="en-GB"/>
           </a:p>
@@ -5188,7 +5145,7 @@
           <a:p>
             <a:fld id="{115C48E2-7E56-40C8-9685-3F8DF3CF180A}" type="datetimeFigureOut">
               <a:rPr lang="en-GB" smtClean="0"/>
-              <a:t>25/01/2018</a:t>
+              <a:t>26/01/2018</a:t>
             </a:fld>
             <a:endParaRPr lang="en-GB"/>
           </a:p>
@@ -5306,7 +5263,7 @@
           <a:p>
             <a:fld id="{115C48E2-7E56-40C8-9685-3F8DF3CF180A}" type="datetimeFigureOut">
               <a:rPr lang="en-GB" smtClean="0"/>
-              <a:t>25/01/2018</a:t>
+              <a:t>26/01/2018</a:t>
             </a:fld>
             <a:endParaRPr lang="en-GB"/>
           </a:p>
@@ -5477,7 +5434,7 @@
           <a:p>
             <a:fld id="{115C48E2-7E56-40C8-9685-3F8DF3CF180A}" type="datetimeFigureOut">
               <a:rPr lang="en-GB" smtClean="0"/>
-              <a:t>25/01/2018</a:t>
+              <a:t>26/01/2018</a:t>
             </a:fld>
             <a:endParaRPr lang="en-GB"/>
           </a:p>
@@ -5831,7 +5788,7 @@
           <a:p>
             <a:fld id="{115C48E2-7E56-40C8-9685-3F8DF3CF180A}" type="datetimeFigureOut">
               <a:rPr lang="en-GB" smtClean="0"/>
-              <a:t>25/01/2018</a:t>
+              <a:t>26/01/2018</a:t>
             </a:fld>
             <a:endParaRPr lang="en-GB"/>
           </a:p>
@@ -6213,7 +6170,7 @@
           <a:p>
             <a:fld id="{115C48E2-7E56-40C8-9685-3F8DF3CF180A}" type="datetimeFigureOut">
               <a:rPr lang="en-GB" smtClean="0"/>
-              <a:t>25/01/2018</a:t>
+              <a:t>26/01/2018</a:t>
             </a:fld>
             <a:endParaRPr lang="en-GB"/>
           </a:p>
@@ -6500,7 +6457,7 @@
           <a:p>
             <a:fld id="{115C48E2-7E56-40C8-9685-3F8DF3CF180A}" type="datetimeFigureOut">
               <a:rPr lang="en-GB" smtClean="0"/>
-              <a:t>25/01/2018</a:t>
+              <a:t>26/01/2018</a:t>
             </a:fld>
             <a:endParaRPr lang="en-GB"/>
           </a:p>
@@ -7007,7 +6964,7 @@
   </p:txStyles>
   <p:extLst>
     <p:ext uri="{27BBF7A9-308A-43DC-89C8-2F10F3537804}">
-      <p15:sldGuideLst xmlns:p15="http://schemas.microsoft.com/office/powerpoint/2012/main"/>
+      <p15:sldGuideLst xmlns:p15="http://schemas.microsoft.com/office/powerpoint/2012/main" xmlns=""/>
     </p:ext>
   </p:extLst>
 </p:sldMaster>
@@ -7101,6 +7058,902 @@
 </file>
 
 <file path=ppt/slides/slide10.xml><?xml version="1.0" encoding="utf-8"?>
+<p:sld xmlns:a="http://schemas.openxmlformats.org/drawingml/2006/main" xmlns:r="http://schemas.openxmlformats.org/officeDocument/2006/relationships" xmlns:p="http://schemas.openxmlformats.org/presentationml/2006/main">
+  <p:cSld>
+    <p:spTree>
+      <p:nvGrpSpPr>
+        <p:cNvPr id="1" name=""/>
+        <p:cNvGrpSpPr/>
+        <p:nvPr/>
+      </p:nvGrpSpPr>
+      <p:grpSpPr>
+        <a:xfrm>
+          <a:off x="0" y="0"/>
+          <a:ext cx="0" cy="0"/>
+          <a:chOff x="0" y="0"/>
+          <a:chExt cx="0" cy="0"/>
+        </a:xfrm>
+      </p:grpSpPr>
+      <p:sp>
+        <p:nvSpPr>
+          <p:cNvPr id="2" name="Title 1"/>
+          <p:cNvSpPr>
+            <a:spLocks noGrp="1"/>
+          </p:cNvSpPr>
+          <p:nvPr>
+            <p:ph type="title"/>
+          </p:nvPr>
+        </p:nvSpPr>
+        <p:spPr/>
+        <p:txBody>
+          <a:bodyPr/>
+          <a:lstStyle/>
+          <a:p>
+            <a:r>
+              <a:rPr lang="en-GB" dirty="0" smtClean="0">
+                <a:solidFill>
+                  <a:schemeClr val="accent3"/>
+                </a:solidFill>
+              </a:rPr>
+              <a:t>Defects distribution</a:t>
+            </a:r>
+            <a:br>
+              <a:rPr lang="en-GB" dirty="0" smtClean="0">
+                <a:solidFill>
+                  <a:schemeClr val="accent3"/>
+                </a:solidFill>
+              </a:rPr>
+            </a:br>
+            <a:r>
+              <a:rPr lang="en-GB" sz="3600" dirty="0" smtClean="0">
+                <a:solidFill>
+                  <a:schemeClr val="accent3"/>
+                </a:solidFill>
+              </a:rPr>
+              <a:t>14 bugs</a:t>
+            </a:r>
+            <a:endParaRPr lang="en-GB" sz="3600" dirty="0">
+              <a:solidFill>
+                <a:schemeClr val="accent3"/>
+              </a:solidFill>
+            </a:endParaRPr>
+          </a:p>
+        </p:txBody>
+      </p:sp>
+      <p:graphicFrame>
+        <p:nvGraphicFramePr>
+          <p:cNvPr id="20" name="Content Placeholder 19"/>
+          <p:cNvGraphicFramePr>
+            <a:graphicFrameLocks noGrp="1"/>
+          </p:cNvGraphicFramePr>
+          <p:nvPr>
+            <p:ph idx="1"/>
+            <p:extLst>
+              <p:ext uri="{D42A27DB-BD31-4B8C-83A1-F6EECF244321}">
+                <p14:modId xmlns:p14="http://schemas.microsoft.com/office/powerpoint/2010/main" val="556473060"/>
+              </p:ext>
+            </p:extLst>
+          </p:nvPr>
+        </p:nvGraphicFramePr>
+        <p:xfrm>
+          <a:off x="759854" y="1815921"/>
+          <a:ext cx="11086710" cy="4159875"/>
+        </p:xfrm>
+        <a:graphic>
+          <a:graphicData uri="http://schemas.openxmlformats.org/drawingml/2006/chart">
+            <c:chart xmlns:c="http://schemas.openxmlformats.org/drawingml/2006/chart" xmlns:r="http://schemas.openxmlformats.org/officeDocument/2006/relationships" r:id="rId2"/>
+          </a:graphicData>
+        </a:graphic>
+      </p:graphicFrame>
+      <p:graphicFrame>
+        <p:nvGraphicFramePr>
+          <p:cNvPr id="4" name="Table 3"/>
+          <p:cNvGraphicFramePr>
+            <a:graphicFrameLocks noGrp="1"/>
+          </p:cNvGraphicFramePr>
+          <p:nvPr>
+            <p:extLst>
+              <p:ext uri="{D42A27DB-BD31-4B8C-83A1-F6EECF244321}">
+                <p14:modId xmlns:p14="http://schemas.microsoft.com/office/powerpoint/2010/main" val="1222610828"/>
+              </p:ext>
+            </p:extLst>
+          </p:nvPr>
+        </p:nvGraphicFramePr>
+        <p:xfrm>
+          <a:off x="1157860" y="2026637"/>
+          <a:ext cx="5912640" cy="3794615"/>
+        </p:xfrm>
+        <a:graphic>
+          <a:graphicData uri="http://schemas.openxmlformats.org/drawingml/2006/table">
+            <a:tbl>
+              <a:tblPr firstRow="1" bandRow="1">
+                <a:tableStyleId>{5C22544A-7EE6-4342-B048-85BDC9FD1C3A}</a:tableStyleId>
+              </a:tblPr>
+              <a:tblGrid>
+                <a:gridCol w="1478160"/>
+                <a:gridCol w="1121278"/>
+                <a:gridCol w="1835042"/>
+                <a:gridCol w="1478160"/>
+              </a:tblGrid>
+              <a:tr h="364867">
+                <a:tc>
+                  <a:txBody>
+                    <a:bodyPr/>
+                    <a:lstStyle/>
+                    <a:p>
+                      <a:r>
+                        <a:rPr lang="en-GB" sz="1400" dirty="0" smtClean="0"/>
+                        <a:t>Feature</a:t>
+                      </a:r>
+                      <a:endParaRPr lang="en-GB" sz="1400" dirty="0"/>
+                    </a:p>
+                  </a:txBody>
+                  <a:tcPr/>
+                </a:tc>
+                <a:tc>
+                  <a:txBody>
+                    <a:bodyPr/>
+                    <a:lstStyle/>
+                    <a:p>
+                      <a:r>
+                        <a:rPr lang="en-GB" sz="1400" dirty="0" smtClean="0"/>
+                        <a:t>No. </a:t>
+                      </a:r>
+                      <a:r>
+                        <a:rPr lang="en-GB" sz="1400" baseline="0" dirty="0" smtClean="0"/>
+                        <a:t>of bugs</a:t>
+                      </a:r>
+                      <a:endParaRPr lang="en-GB" sz="1400" dirty="0"/>
+                    </a:p>
+                  </a:txBody>
+                  <a:tcPr/>
+                </a:tc>
+                <a:tc>
+                  <a:txBody>
+                    <a:bodyPr/>
+                    <a:lstStyle/>
+                    <a:p>
+                      <a:r>
+                        <a:rPr lang="en-GB" sz="1400" dirty="0" smtClean="0"/>
+                        <a:t>Bug id</a:t>
+                      </a:r>
+                      <a:endParaRPr lang="en-GB" sz="1400" dirty="0"/>
+                    </a:p>
+                  </a:txBody>
+                  <a:tcPr/>
+                </a:tc>
+                <a:tc>
+                  <a:txBody>
+                    <a:bodyPr/>
+                    <a:lstStyle/>
+                    <a:p>
+                      <a:r>
+                        <a:rPr lang="en-GB" sz="1400" dirty="0" smtClean="0"/>
+                        <a:t>Severity</a:t>
+                      </a:r>
+                      <a:endParaRPr lang="en-GB" sz="1400" dirty="0"/>
+                    </a:p>
+                  </a:txBody>
+                  <a:tcPr/>
+                </a:tc>
+              </a:tr>
+              <a:tr h="620273">
+                <a:tc>
+                  <a:txBody>
+                    <a:bodyPr/>
+                    <a:lstStyle/>
+                    <a:p>
+                      <a:r>
+                        <a:rPr lang="en-GB" sz="1400" dirty="0" smtClean="0"/>
+                        <a:t>Log in</a:t>
+                      </a:r>
+                      <a:endParaRPr lang="en-GB" sz="1400" dirty="0"/>
+                    </a:p>
+                  </a:txBody>
+                  <a:tcPr/>
+                </a:tc>
+                <a:tc>
+                  <a:txBody>
+                    <a:bodyPr/>
+                    <a:lstStyle/>
+                    <a:p>
+                      <a:r>
+                        <a:rPr lang="en-GB" sz="1400" dirty="0" smtClean="0"/>
+                        <a:t>2</a:t>
+                      </a:r>
+                      <a:endParaRPr lang="en-GB" sz="1400" dirty="0"/>
+                    </a:p>
+                  </a:txBody>
+                  <a:tcPr/>
+                </a:tc>
+                <a:tc>
+                  <a:txBody>
+                    <a:bodyPr/>
+                    <a:lstStyle/>
+                    <a:p>
+                      <a:r>
+                        <a:rPr lang="en-US" sz="1400" u="sng" kern="1200" dirty="0" smtClean="0">
+                          <a:solidFill>
+                            <a:schemeClr val="dk1"/>
+                          </a:solidFill>
+                          <a:effectLst/>
+                          <a:latin typeface="+mn-lt"/>
+                          <a:ea typeface="+mn-ea"/>
+                          <a:cs typeface="+mn-cs"/>
+                          <a:hlinkClick r:id="rId3"/>
+                        </a:rPr>
+                        <a:t>12259</a:t>
+                      </a:r>
+                      <a:endParaRPr lang="en-US" sz="1400" u="sng" kern="1200" dirty="0" smtClean="0">
+                        <a:solidFill>
+                          <a:schemeClr val="dk1"/>
+                        </a:solidFill>
+                        <a:effectLst/>
+                        <a:latin typeface="+mn-lt"/>
+                        <a:ea typeface="+mn-ea"/>
+                        <a:cs typeface="+mn-cs"/>
+                      </a:endParaRPr>
+                    </a:p>
+                    <a:p>
+                      <a:r>
+                        <a:rPr lang="en-US" sz="1400" u="sng" kern="1200" dirty="0" smtClean="0">
+                          <a:solidFill>
+                            <a:schemeClr val="dk1"/>
+                          </a:solidFill>
+                          <a:effectLst/>
+                          <a:latin typeface="+mn-lt"/>
+                          <a:ea typeface="+mn-ea"/>
+                          <a:cs typeface="+mn-cs"/>
+                          <a:hlinkClick r:id="rId4"/>
+                        </a:rPr>
+                        <a:t>12258</a:t>
+                      </a:r>
+                      <a:endParaRPr lang="en-GB" sz="1400" dirty="0"/>
+                    </a:p>
+                  </a:txBody>
+                  <a:tcPr/>
+                </a:tc>
+                <a:tc>
+                  <a:txBody>
+                    <a:bodyPr/>
+                    <a:lstStyle/>
+                    <a:p>
+                      <a:r>
+                        <a:rPr lang="en-GB" sz="1400" dirty="0" smtClean="0"/>
+                        <a:t>major</a:t>
+                      </a:r>
+                    </a:p>
+                    <a:p>
+                      <a:r>
+                        <a:rPr lang="en-GB" sz="1400" dirty="0" smtClean="0"/>
+                        <a:t>normal</a:t>
+                      </a:r>
+                      <a:endParaRPr lang="en-GB" sz="1400" dirty="0"/>
+                    </a:p>
+                  </a:txBody>
+                  <a:tcPr/>
+                </a:tc>
+              </a:tr>
+              <a:tr h="620273">
+                <a:tc>
+                  <a:txBody>
+                    <a:bodyPr/>
+                    <a:lstStyle/>
+                    <a:p>
+                      <a:r>
+                        <a:rPr lang="en-GB" sz="1400" dirty="0" smtClean="0"/>
+                        <a:t>User experience</a:t>
+                      </a:r>
+                      <a:endParaRPr lang="en-GB" sz="1400" dirty="0"/>
+                    </a:p>
+                  </a:txBody>
+                  <a:tcPr/>
+                </a:tc>
+                <a:tc>
+                  <a:txBody>
+                    <a:bodyPr/>
+                    <a:lstStyle/>
+                    <a:p>
+                      <a:r>
+                        <a:rPr lang="en-GB" sz="1400" dirty="0" smtClean="0"/>
+                        <a:t>3</a:t>
+                      </a:r>
+                      <a:endParaRPr lang="en-GB" sz="1400" dirty="0"/>
+                    </a:p>
+                  </a:txBody>
+                  <a:tcPr/>
+                </a:tc>
+                <a:tc>
+                  <a:txBody>
+                    <a:bodyPr/>
+                    <a:lstStyle/>
+                    <a:p>
+                      <a:r>
+                        <a:rPr lang="en-US" sz="1400" u="sng" kern="1200" dirty="0" smtClean="0">
+                          <a:solidFill>
+                            <a:schemeClr val="dk1"/>
+                          </a:solidFill>
+                          <a:effectLst/>
+                          <a:latin typeface="+mn-lt"/>
+                          <a:ea typeface="+mn-ea"/>
+                          <a:cs typeface="+mn-cs"/>
+                          <a:hlinkClick r:id="rId5"/>
+                        </a:rPr>
+                        <a:t>12260</a:t>
+                      </a:r>
+                      <a:r>
+                        <a:rPr lang="en-US" sz="1400" u="sng" kern="1200" dirty="0" smtClean="0">
+                          <a:solidFill>
+                            <a:schemeClr val="dk1"/>
+                          </a:solidFill>
+                          <a:effectLst/>
+                          <a:latin typeface="+mn-lt"/>
+                          <a:ea typeface="+mn-ea"/>
+                          <a:cs typeface="+mn-cs"/>
+                        </a:rPr>
+                        <a:t>, </a:t>
+                      </a:r>
+                      <a:r>
+                        <a:rPr lang="en-US" sz="1400" u="sng" kern="1200" dirty="0" smtClean="0">
+                          <a:solidFill>
+                            <a:schemeClr val="dk1"/>
+                          </a:solidFill>
+                          <a:effectLst/>
+                          <a:latin typeface="+mn-lt"/>
+                          <a:ea typeface="+mn-ea"/>
+                          <a:cs typeface="+mn-cs"/>
+                          <a:hlinkClick r:id="rId6"/>
+                        </a:rPr>
+                        <a:t>12261</a:t>
+                      </a:r>
+                      <a:endParaRPr lang="en-US" sz="1400" u="sng" kern="1200" dirty="0" smtClean="0">
+                        <a:solidFill>
+                          <a:schemeClr val="dk1"/>
+                        </a:solidFill>
+                        <a:effectLst/>
+                        <a:latin typeface="+mn-lt"/>
+                        <a:ea typeface="+mn-ea"/>
+                        <a:cs typeface="+mn-cs"/>
+                      </a:endParaRPr>
+                    </a:p>
+                    <a:p>
+                      <a:r>
+                        <a:rPr lang="en-US" sz="1400" u="sng" kern="1200" dirty="0" smtClean="0">
+                          <a:solidFill>
+                            <a:schemeClr val="dk1"/>
+                          </a:solidFill>
+                          <a:effectLst/>
+                          <a:latin typeface="+mn-lt"/>
+                          <a:ea typeface="+mn-ea"/>
+                          <a:cs typeface="+mn-cs"/>
+                          <a:hlinkClick r:id="rId7"/>
+                        </a:rPr>
+                        <a:t>12267</a:t>
+                      </a:r>
+                      <a:endParaRPr lang="en-GB" sz="1400" dirty="0"/>
+                    </a:p>
+                  </a:txBody>
+                  <a:tcPr/>
+                </a:tc>
+                <a:tc>
+                  <a:txBody>
+                    <a:bodyPr/>
+                    <a:lstStyle/>
+                    <a:p>
+                      <a:r>
+                        <a:rPr lang="en-GB" sz="1400" dirty="0" smtClean="0"/>
+                        <a:t>normal</a:t>
+                      </a:r>
+                    </a:p>
+                    <a:p>
+                      <a:r>
+                        <a:rPr lang="en-GB" sz="1400" dirty="0" smtClean="0"/>
+                        <a:t>improvement</a:t>
+                      </a:r>
+                      <a:endParaRPr lang="en-GB" sz="1400" dirty="0"/>
+                    </a:p>
+                  </a:txBody>
+                  <a:tcPr/>
+                </a:tc>
+              </a:tr>
+              <a:tr h="364867">
+                <a:tc>
+                  <a:txBody>
+                    <a:bodyPr/>
+                    <a:lstStyle/>
+                    <a:p>
+                      <a:r>
+                        <a:rPr lang="en-GB" sz="1400" dirty="0" smtClean="0"/>
+                        <a:t>Add card</a:t>
+                      </a:r>
+                      <a:endParaRPr lang="en-GB" sz="1400" dirty="0"/>
+                    </a:p>
+                  </a:txBody>
+                  <a:tcPr/>
+                </a:tc>
+                <a:tc>
+                  <a:txBody>
+                    <a:bodyPr/>
+                    <a:lstStyle/>
+                    <a:p>
+                      <a:r>
+                        <a:rPr lang="en-GB" sz="1400" dirty="0" smtClean="0"/>
+                        <a:t>1</a:t>
+                      </a:r>
+                      <a:endParaRPr lang="en-GB" sz="1400" dirty="0"/>
+                    </a:p>
+                  </a:txBody>
+                  <a:tcPr/>
+                </a:tc>
+                <a:tc>
+                  <a:txBody>
+                    <a:bodyPr/>
+                    <a:lstStyle/>
+                    <a:p>
+                      <a:r>
+                        <a:rPr lang="en-US" sz="1400" u="sng" kern="1200" dirty="0" smtClean="0">
+                          <a:solidFill>
+                            <a:schemeClr val="dk1"/>
+                          </a:solidFill>
+                          <a:effectLst/>
+                          <a:latin typeface="+mn-lt"/>
+                          <a:ea typeface="+mn-ea"/>
+                          <a:cs typeface="+mn-cs"/>
+                          <a:hlinkClick r:id="rId8"/>
+                        </a:rPr>
+                        <a:t>12252</a:t>
+                      </a:r>
+                      <a:endParaRPr lang="en-GB" sz="1400" dirty="0"/>
+                    </a:p>
+                  </a:txBody>
+                  <a:tcPr/>
+                </a:tc>
+                <a:tc>
+                  <a:txBody>
+                    <a:bodyPr/>
+                    <a:lstStyle/>
+                    <a:p>
+                      <a:r>
+                        <a:rPr lang="en-GB" sz="1400" dirty="0" smtClean="0"/>
+                        <a:t>normal</a:t>
+                      </a:r>
+                    </a:p>
+                  </a:txBody>
+                  <a:tcPr/>
+                </a:tc>
+              </a:tr>
+              <a:tr h="364867">
+                <a:tc>
+                  <a:txBody>
+                    <a:bodyPr/>
+                    <a:lstStyle/>
+                    <a:p>
+                      <a:r>
+                        <a:rPr lang="en-GB" sz="1400" dirty="0" smtClean="0"/>
+                        <a:t>Birthday calendar</a:t>
+                      </a:r>
+                      <a:endParaRPr lang="en-GB" sz="1400" dirty="0"/>
+                    </a:p>
+                  </a:txBody>
+                  <a:tcPr/>
+                </a:tc>
+                <a:tc>
+                  <a:txBody>
+                    <a:bodyPr/>
+                    <a:lstStyle/>
+                    <a:p>
+                      <a:r>
+                        <a:rPr lang="en-GB" sz="1400" dirty="0" smtClean="0"/>
+                        <a:t>2</a:t>
+                      </a:r>
+                      <a:endParaRPr lang="en-GB" sz="1400" dirty="0"/>
+                    </a:p>
+                  </a:txBody>
+                  <a:tcPr/>
+                </a:tc>
+                <a:tc>
+                  <a:txBody>
+                    <a:bodyPr/>
+                    <a:lstStyle/>
+                    <a:p>
+                      <a:r>
+                        <a:rPr lang="en-US" sz="1400" u="sng" kern="1200" dirty="0" smtClean="0">
+                          <a:solidFill>
+                            <a:schemeClr val="dk1"/>
+                          </a:solidFill>
+                          <a:effectLst/>
+                          <a:latin typeface="+mn-lt"/>
+                          <a:ea typeface="+mn-ea"/>
+                          <a:cs typeface="+mn-cs"/>
+                          <a:hlinkClick r:id="rId9"/>
+                        </a:rPr>
+                        <a:t>12255</a:t>
+                      </a:r>
+                      <a:r>
+                        <a:rPr lang="en-US" sz="1400" u="sng" kern="1200" dirty="0" smtClean="0">
+                          <a:solidFill>
+                            <a:schemeClr val="dk1"/>
+                          </a:solidFill>
+                          <a:effectLst/>
+                          <a:latin typeface="+mn-lt"/>
+                          <a:ea typeface="+mn-ea"/>
+                          <a:cs typeface="+mn-cs"/>
+                        </a:rPr>
+                        <a:t>, </a:t>
+                      </a:r>
+                      <a:r>
+                        <a:rPr lang="en-US" sz="1400" u="sng" kern="1200" dirty="0" smtClean="0">
+                          <a:solidFill>
+                            <a:schemeClr val="dk1"/>
+                          </a:solidFill>
+                          <a:effectLst/>
+                          <a:latin typeface="+mn-lt"/>
+                          <a:ea typeface="+mn-ea"/>
+                          <a:cs typeface="+mn-cs"/>
+                          <a:hlinkClick r:id="rId10"/>
+                        </a:rPr>
+                        <a:t>12432</a:t>
+                      </a:r>
+                      <a:endParaRPr lang="en-GB" sz="1400" dirty="0"/>
+                    </a:p>
+                  </a:txBody>
+                  <a:tcPr/>
+                </a:tc>
+                <a:tc>
+                  <a:txBody>
+                    <a:bodyPr/>
+                    <a:lstStyle/>
+                    <a:p>
+                      <a:r>
+                        <a:rPr lang="en-GB" sz="1400" dirty="0" smtClean="0"/>
+                        <a:t>normal</a:t>
+                      </a:r>
+                    </a:p>
+                  </a:txBody>
+                  <a:tcPr/>
+                </a:tc>
+              </a:tr>
+              <a:tr h="364867">
+                <a:tc>
+                  <a:txBody>
+                    <a:bodyPr/>
+                    <a:lstStyle/>
+                    <a:p>
+                      <a:r>
+                        <a:rPr lang="en-GB" sz="1400" dirty="0" smtClean="0"/>
+                        <a:t>Shopping list</a:t>
+                      </a:r>
+                      <a:endParaRPr lang="en-GB" sz="1400" dirty="0"/>
+                    </a:p>
+                  </a:txBody>
+                  <a:tcPr/>
+                </a:tc>
+                <a:tc>
+                  <a:txBody>
+                    <a:bodyPr/>
+                    <a:lstStyle/>
+                    <a:p>
+                      <a:r>
+                        <a:rPr lang="en-GB" sz="1400" dirty="0" smtClean="0"/>
+                        <a:t>2</a:t>
+                      </a:r>
+                      <a:endParaRPr lang="en-GB" sz="1400" dirty="0"/>
+                    </a:p>
+                  </a:txBody>
+                  <a:tcPr/>
+                </a:tc>
+                <a:tc>
+                  <a:txBody>
+                    <a:bodyPr/>
+                    <a:lstStyle/>
+                    <a:p>
+                      <a:r>
+                        <a:rPr lang="en-US" sz="1400" u="sng" kern="1200" dirty="0" smtClean="0">
+                          <a:solidFill>
+                            <a:schemeClr val="dk1"/>
+                          </a:solidFill>
+                          <a:effectLst/>
+                          <a:latin typeface="+mn-lt"/>
+                          <a:ea typeface="+mn-ea"/>
+                          <a:cs typeface="+mn-cs"/>
+                          <a:hlinkClick r:id="rId11"/>
+                        </a:rPr>
+                        <a:t>12265</a:t>
+                      </a:r>
+                      <a:r>
+                        <a:rPr lang="en-US" sz="1400" u="sng" kern="1200" dirty="0" smtClean="0">
+                          <a:solidFill>
+                            <a:schemeClr val="dk1"/>
+                          </a:solidFill>
+                          <a:effectLst/>
+                          <a:latin typeface="+mn-lt"/>
+                          <a:ea typeface="+mn-ea"/>
+                          <a:cs typeface="+mn-cs"/>
+                        </a:rPr>
+                        <a:t>, </a:t>
+                      </a:r>
+                      <a:r>
+                        <a:rPr lang="en-US" sz="1400" u="sng" kern="1200" dirty="0" smtClean="0">
+                          <a:solidFill>
+                            <a:schemeClr val="dk1"/>
+                          </a:solidFill>
+                          <a:effectLst/>
+                          <a:latin typeface="+mn-lt"/>
+                          <a:ea typeface="+mn-ea"/>
+                          <a:cs typeface="+mn-cs"/>
+                          <a:hlinkClick r:id="rId12"/>
+                        </a:rPr>
+                        <a:t>12266</a:t>
+                      </a:r>
+                      <a:endParaRPr lang="en-GB" sz="1400" dirty="0"/>
+                    </a:p>
+                  </a:txBody>
+                  <a:tcPr/>
+                </a:tc>
+                <a:tc>
+                  <a:txBody>
+                    <a:bodyPr/>
+                    <a:lstStyle/>
+                    <a:p>
+                      <a:r>
+                        <a:rPr lang="en-GB" sz="1400" dirty="0" smtClean="0"/>
+                        <a:t>normal</a:t>
+                      </a:r>
+                    </a:p>
+                  </a:txBody>
+                  <a:tcPr/>
+                </a:tc>
+              </a:tr>
+              <a:tr h="364867">
+                <a:tc>
+                  <a:txBody>
+                    <a:bodyPr/>
+                    <a:lstStyle/>
+                    <a:p>
+                      <a:r>
+                        <a:rPr lang="en-GB" sz="1400" dirty="0" smtClean="0"/>
+                        <a:t>Offers</a:t>
+                      </a:r>
+                      <a:endParaRPr lang="en-GB" sz="1400" dirty="0"/>
+                    </a:p>
+                  </a:txBody>
+                  <a:tcPr/>
+                </a:tc>
+                <a:tc>
+                  <a:txBody>
+                    <a:bodyPr/>
+                    <a:lstStyle/>
+                    <a:p>
+                      <a:r>
+                        <a:rPr lang="en-GB" sz="1400" dirty="0" smtClean="0"/>
+                        <a:t>2</a:t>
+                      </a:r>
+                      <a:endParaRPr lang="en-GB" sz="1400" dirty="0"/>
+                    </a:p>
+                  </a:txBody>
+                  <a:tcPr/>
+                </a:tc>
+                <a:tc>
+                  <a:txBody>
+                    <a:bodyPr/>
+                    <a:lstStyle/>
+                    <a:p>
+                      <a:r>
+                        <a:rPr lang="en-US" sz="1400" u="sng" kern="1200" dirty="0" smtClean="0">
+                          <a:solidFill>
+                            <a:schemeClr val="dk1"/>
+                          </a:solidFill>
+                          <a:effectLst/>
+                          <a:latin typeface="+mn-lt"/>
+                          <a:ea typeface="+mn-ea"/>
+                          <a:cs typeface="+mn-cs"/>
+                          <a:hlinkClick r:id="rId13"/>
+                        </a:rPr>
+                        <a:t>12262</a:t>
+                      </a:r>
+                      <a:r>
+                        <a:rPr lang="en-US" sz="1400" u="sng" kern="1200" dirty="0" smtClean="0">
+                          <a:solidFill>
+                            <a:schemeClr val="dk1"/>
+                          </a:solidFill>
+                          <a:effectLst/>
+                          <a:latin typeface="+mn-lt"/>
+                          <a:ea typeface="+mn-ea"/>
+                          <a:cs typeface="+mn-cs"/>
+                        </a:rPr>
+                        <a:t>, </a:t>
+                      </a:r>
+                      <a:r>
+                        <a:rPr lang="en-US" sz="1400" u="sng" kern="1200" dirty="0" smtClean="0">
+                          <a:solidFill>
+                            <a:schemeClr val="dk1"/>
+                          </a:solidFill>
+                          <a:effectLst/>
+                          <a:latin typeface="+mn-lt"/>
+                          <a:ea typeface="+mn-ea"/>
+                          <a:cs typeface="+mn-cs"/>
+                          <a:hlinkClick r:id="rId14"/>
+                        </a:rPr>
+                        <a:t>12264</a:t>
+                      </a:r>
+                      <a:endParaRPr lang="en-GB" sz="1400" dirty="0"/>
+                    </a:p>
+                  </a:txBody>
+                  <a:tcPr/>
+                </a:tc>
+                <a:tc>
+                  <a:txBody>
+                    <a:bodyPr/>
+                    <a:lstStyle/>
+                    <a:p>
+                      <a:r>
+                        <a:rPr lang="en-GB" sz="1400" dirty="0" smtClean="0"/>
+                        <a:t>normal</a:t>
+                      </a:r>
+                    </a:p>
+                  </a:txBody>
+                  <a:tcPr/>
+                </a:tc>
+              </a:tr>
+              <a:tr h="364867">
+                <a:tc>
+                  <a:txBody>
+                    <a:bodyPr/>
+                    <a:lstStyle/>
+                    <a:p>
+                      <a:r>
+                        <a:rPr lang="en-GB" sz="1400" dirty="0" smtClean="0"/>
+                        <a:t>Localization</a:t>
+                      </a:r>
+                      <a:endParaRPr lang="en-GB" sz="1400" dirty="0"/>
+                    </a:p>
+                  </a:txBody>
+                  <a:tcPr/>
+                </a:tc>
+                <a:tc>
+                  <a:txBody>
+                    <a:bodyPr/>
+                    <a:lstStyle/>
+                    <a:p>
+                      <a:r>
+                        <a:rPr lang="en-GB" sz="1400" dirty="0" smtClean="0"/>
+                        <a:t>2</a:t>
+                      </a:r>
+                      <a:endParaRPr lang="en-GB" sz="1400" dirty="0"/>
+                    </a:p>
+                  </a:txBody>
+                  <a:tcPr/>
+                </a:tc>
+                <a:tc>
+                  <a:txBody>
+                    <a:bodyPr/>
+                    <a:lstStyle/>
+                    <a:p>
+                      <a:r>
+                        <a:rPr lang="en-US" sz="1400" u="sng" kern="1200" dirty="0" smtClean="0">
+                          <a:solidFill>
+                            <a:schemeClr val="dk1"/>
+                          </a:solidFill>
+                          <a:effectLst/>
+                          <a:latin typeface="+mn-lt"/>
+                          <a:ea typeface="+mn-ea"/>
+                          <a:cs typeface="+mn-cs"/>
+                          <a:hlinkClick r:id="rId15"/>
+                        </a:rPr>
+                        <a:t>12257</a:t>
+                      </a:r>
+                      <a:r>
+                        <a:rPr lang="en-US" sz="1400" u="sng" kern="1200" dirty="0" smtClean="0">
+                          <a:solidFill>
+                            <a:schemeClr val="dk1"/>
+                          </a:solidFill>
+                          <a:effectLst/>
+                          <a:latin typeface="+mn-lt"/>
+                          <a:ea typeface="+mn-ea"/>
+                          <a:cs typeface="+mn-cs"/>
+                        </a:rPr>
+                        <a:t>, </a:t>
+                      </a:r>
+                      <a:r>
+                        <a:rPr lang="en-US" sz="1400" u="sng" kern="1200" dirty="0" smtClean="0">
+                          <a:solidFill>
+                            <a:schemeClr val="dk1"/>
+                          </a:solidFill>
+                          <a:effectLst/>
+                          <a:latin typeface="+mn-lt"/>
+                          <a:ea typeface="+mn-ea"/>
+                          <a:cs typeface="+mn-cs"/>
+                          <a:hlinkClick r:id="rId16"/>
+                        </a:rPr>
+                        <a:t>12428</a:t>
+                      </a:r>
+                      <a:endParaRPr lang="en-GB" sz="1400" dirty="0"/>
+                    </a:p>
+                  </a:txBody>
+                  <a:tcPr/>
+                </a:tc>
+                <a:tc>
+                  <a:txBody>
+                    <a:bodyPr/>
+                    <a:lstStyle/>
+                    <a:p>
+                      <a:r>
+                        <a:rPr lang="en-GB" sz="1400" dirty="0" smtClean="0"/>
+                        <a:t>normal</a:t>
+                      </a:r>
+                    </a:p>
+                  </a:txBody>
+                  <a:tcPr/>
+                </a:tc>
+              </a:tr>
+              <a:tr h="364867">
+                <a:tc>
+                  <a:txBody>
+                    <a:bodyPr/>
+                    <a:lstStyle/>
+                    <a:p>
+                      <a:r>
+                        <a:rPr lang="en-GB" sz="1400" dirty="0" smtClean="0"/>
+                        <a:t>Total</a:t>
+                      </a:r>
+                      <a:endParaRPr lang="en-GB" sz="1400" dirty="0"/>
+                    </a:p>
+                  </a:txBody>
+                  <a:tcPr/>
+                </a:tc>
+                <a:tc gridSpan="3">
+                  <a:txBody>
+                    <a:bodyPr/>
+                    <a:lstStyle/>
+                    <a:p>
+                      <a:r>
+                        <a:rPr lang="en-GB" sz="1400" dirty="0" smtClean="0"/>
+                        <a:t>14</a:t>
+                      </a:r>
+                      <a:endParaRPr lang="en-GB" sz="1400" dirty="0"/>
+                    </a:p>
+                  </a:txBody>
+                  <a:tcPr/>
+                </a:tc>
+                <a:tc hMerge="1">
+                  <a:txBody>
+                    <a:bodyPr/>
+                    <a:lstStyle/>
+                    <a:p>
+                      <a:endParaRPr lang="en-GB" dirty="0"/>
+                    </a:p>
+                  </a:txBody>
+                  <a:tcPr/>
+                </a:tc>
+                <a:tc hMerge="1">
+                  <a:txBody>
+                    <a:bodyPr/>
+                    <a:lstStyle/>
+                    <a:p>
+                      <a:endParaRPr lang="en-GB" dirty="0"/>
+                    </a:p>
+                  </a:txBody>
+                  <a:tcPr/>
+                </a:tc>
+              </a:tr>
+            </a:tbl>
+          </a:graphicData>
+        </a:graphic>
+      </p:graphicFrame>
+    </p:spTree>
+    <p:extLst>
+      <p:ext uri="{BB962C8B-B14F-4D97-AF65-F5344CB8AC3E}">
+        <p14:creationId xmlns:p14="http://schemas.microsoft.com/office/powerpoint/2010/main" val="3709347779"/>
+      </p:ext>
+    </p:extLst>
+  </p:cSld>
+  <p:clrMapOvr>
+    <a:masterClrMapping/>
+  </p:clrMapOvr>
+</p:sld>
+</file>
+
+<file path=ppt/slides/slide11.xml><?xml version="1.0" encoding="utf-8"?>
 <p:sld xmlns:a="http://schemas.openxmlformats.org/drawingml/2006/main" xmlns:r="http://schemas.openxmlformats.org/officeDocument/2006/relationships" xmlns:p="http://schemas.openxmlformats.org/presentationml/2006/main">
   <p:cSld>
     <p:spTree>
@@ -7391,7 +8244,7 @@
 </p:sld>
 </file>
 
-<file path=ppt/slides/slide11.xml><?xml version="1.0" encoding="utf-8"?>
+<file path=ppt/slides/slide12.xml><?xml version="1.0" encoding="utf-8"?>
 <p:sld xmlns:a="http://schemas.openxmlformats.org/drawingml/2006/main" xmlns:r="http://schemas.openxmlformats.org/officeDocument/2006/relationships" xmlns:p="http://schemas.openxmlformats.org/presentationml/2006/main">
   <p:cSld>
     <p:spTree>
@@ -7923,25 +8776,13 @@
           <a:p>
             <a:r>
               <a:rPr lang="en-GB" dirty="0" smtClean="0"/>
-              <a:t>- The app </a:t>
-            </a:r>
+              <a:t>- The app notifies the user about offers and coupons </a:t>
+            </a:r>
+          </a:p>
+          <a:p>
             <a:r>
               <a:rPr lang="en-GB" dirty="0" smtClean="0"/>
-              <a:t>notifies the </a:t>
-            </a:r>
-            <a:r>
-              <a:rPr lang="en-GB" dirty="0" smtClean="0"/>
-              <a:t>user about offers and coupons </a:t>
-            </a:r>
-          </a:p>
-          <a:p>
-            <a:r>
-              <a:rPr lang="en-GB" dirty="0" smtClean="0"/>
-              <a:t>- </a:t>
-            </a:r>
-            <a:r>
-              <a:rPr lang="en-GB" dirty="0" smtClean="0"/>
-              <a:t>Display route feature helps the user to get to the nearest store</a:t>
+              <a:t>- Display route feature helps the user to get to the nearest store</a:t>
             </a:r>
           </a:p>
           <a:p>
@@ -9627,66 +10468,908 @@
           <a:bodyPr/>
           <a:lstStyle/>
           <a:p>
-            <a:r>
-              <a:rPr lang="en-GB" dirty="0" smtClean="0">
-                <a:solidFill>
-                  <a:schemeClr val="accent3"/>
-                </a:solidFill>
-              </a:rPr>
-              <a:t>Defects distribution</a:t>
-            </a:r>
-            <a:br>
-              <a:rPr lang="en-GB" dirty="0" smtClean="0">
-                <a:solidFill>
-                  <a:schemeClr val="accent3"/>
-                </a:solidFill>
-              </a:rPr>
-            </a:br>
-            <a:r>
-              <a:rPr lang="en-GB" sz="3600" dirty="0" smtClean="0">
-                <a:solidFill>
-                  <a:schemeClr val="accent3"/>
-                </a:solidFill>
-              </a:rPr>
-              <a:t>14 bugs</a:t>
-            </a:r>
-            <a:endParaRPr lang="en-GB" sz="3600" dirty="0">
-              <a:solidFill>
-                <a:schemeClr val="accent3"/>
-              </a:solidFill>
-            </a:endParaRPr>
+            <a:endParaRPr lang="ro-RO"/>
+          </a:p>
+        </p:txBody>
+      </p:sp>
+      <p:sp>
+        <p:nvSpPr>
+          <p:cNvPr id="3" name="Content Placeholder 2"/>
+          <p:cNvSpPr>
+            <a:spLocks noGrp="1"/>
+          </p:cNvSpPr>
+          <p:nvPr>
+            <p:ph idx="1"/>
+          </p:nvPr>
+        </p:nvSpPr>
+        <p:spPr/>
+        <p:txBody>
+          <a:bodyPr/>
+          <a:lstStyle/>
+          <a:p>
+            <a:endParaRPr lang="ro-RO" dirty="0"/>
           </a:p>
         </p:txBody>
       </p:sp>
       <p:graphicFrame>
         <p:nvGraphicFramePr>
-          <p:cNvPr id="20" name="Content Placeholder 19"/>
+          <p:cNvPr id="4" name="Content Placeholder 3"/>
           <p:cNvGraphicFramePr>
-            <a:graphicFrameLocks noGrp="1"/>
+            <a:graphicFrameLocks/>
           </p:cNvGraphicFramePr>
           <p:nvPr>
-            <p:ph idx="1"/>
             <p:extLst>
               <p:ext uri="{D42A27DB-BD31-4B8C-83A1-F6EECF244321}">
-                <p14:modId xmlns:p14="http://schemas.microsoft.com/office/powerpoint/2010/main" val="2523186609"/>
+                <p14:modId xmlns:p14="http://schemas.microsoft.com/office/powerpoint/2010/main" val="4216692179"/>
               </p:ext>
             </p:extLst>
           </p:nvPr>
         </p:nvGraphicFramePr>
         <p:xfrm>
-          <a:off x="1096963" y="2228850"/>
-          <a:ext cx="9542462" cy="3640138"/>
+          <a:off x="3890267" y="1327759"/>
+          <a:ext cx="8046720" cy="4206240"/>
         </p:xfrm>
         <a:graphic>
-          <a:graphicData uri="http://schemas.openxmlformats.org/drawingml/2006/chart">
-            <c:chart xmlns:c="http://schemas.openxmlformats.org/drawingml/2006/chart" xmlns:r="http://schemas.openxmlformats.org/officeDocument/2006/relationships" r:id="rId2"/>
+          <a:graphicData uri="http://schemas.openxmlformats.org/drawingml/2006/table">
+            <a:tbl>
+              <a:tblPr firstRow="1" bandRow="1">
+                <a:tableStyleId>{5C22544A-7EE6-4342-B048-85BDC9FD1C3A}</a:tableStyleId>
+              </a:tblPr>
+              <a:tblGrid>
+                <a:gridCol w="2011680"/>
+                <a:gridCol w="1525987"/>
+                <a:gridCol w="2497373"/>
+                <a:gridCol w="2011680"/>
+              </a:tblGrid>
+              <a:tr h="343104">
+                <a:tc>
+                  <a:txBody>
+                    <a:bodyPr/>
+                    <a:lstStyle/>
+                    <a:p>
+                      <a:r>
+                        <a:rPr lang="en-GB" dirty="0" smtClean="0"/>
+                        <a:t>Feature</a:t>
+                      </a:r>
+                      <a:endParaRPr lang="en-GB" dirty="0"/>
+                    </a:p>
+                  </a:txBody>
+                  <a:tcPr/>
+                </a:tc>
+                <a:tc>
+                  <a:txBody>
+                    <a:bodyPr/>
+                    <a:lstStyle/>
+                    <a:p>
+                      <a:r>
+                        <a:rPr lang="en-GB" dirty="0" smtClean="0"/>
+                        <a:t>No. </a:t>
+                      </a:r>
+                      <a:r>
+                        <a:rPr lang="en-GB" baseline="0" dirty="0" smtClean="0"/>
+                        <a:t>of </a:t>
+                      </a:r>
+                      <a:r>
+                        <a:rPr lang="en-GB" baseline="0" dirty="0" smtClean="0"/>
+                        <a:t>bugs</a:t>
+                      </a:r>
+                      <a:endParaRPr lang="en-GB" dirty="0"/>
+                    </a:p>
+                  </a:txBody>
+                  <a:tcPr/>
+                </a:tc>
+                <a:tc>
+                  <a:txBody>
+                    <a:bodyPr/>
+                    <a:lstStyle/>
+                    <a:p>
+                      <a:r>
+                        <a:rPr lang="en-GB" dirty="0" smtClean="0"/>
+                        <a:t>Defects</a:t>
+                      </a:r>
+                      <a:endParaRPr lang="en-GB" dirty="0"/>
+                    </a:p>
+                  </a:txBody>
+                  <a:tcPr/>
+                </a:tc>
+                <a:tc>
+                  <a:txBody>
+                    <a:bodyPr/>
+                    <a:lstStyle/>
+                    <a:p>
+                      <a:r>
+                        <a:rPr lang="en-GB" dirty="0" smtClean="0"/>
+                        <a:t>Severity</a:t>
+                      </a:r>
+                      <a:endParaRPr lang="en-GB" dirty="0"/>
+                    </a:p>
+                  </a:txBody>
+                  <a:tcPr/>
+                </a:tc>
+              </a:tr>
+              <a:tr h="600432">
+                <a:tc>
+                  <a:txBody>
+                    <a:bodyPr/>
+                    <a:lstStyle/>
+                    <a:p>
+                      <a:r>
+                        <a:rPr lang="en-GB" dirty="0" smtClean="0"/>
+                        <a:t>Log in</a:t>
+                      </a:r>
+                      <a:endParaRPr lang="en-GB" dirty="0"/>
+                    </a:p>
+                  </a:txBody>
+                  <a:tcPr/>
+                </a:tc>
+                <a:tc>
+                  <a:txBody>
+                    <a:bodyPr/>
+                    <a:lstStyle/>
+                    <a:p>
+                      <a:r>
+                        <a:rPr lang="en-GB" dirty="0" smtClean="0"/>
+                        <a:t>2</a:t>
+                      </a:r>
+                      <a:endParaRPr lang="en-GB" dirty="0"/>
+                    </a:p>
+                  </a:txBody>
+                  <a:tcPr/>
+                </a:tc>
+                <a:tc>
+                  <a:txBody>
+                    <a:bodyPr/>
+                    <a:lstStyle/>
+                    <a:p>
+                      <a:r>
+                        <a:rPr lang="en-US" sz="1800" u="sng" kern="1200" dirty="0" smtClean="0">
+                          <a:solidFill>
+                            <a:schemeClr val="dk1"/>
+                          </a:solidFill>
+                          <a:effectLst/>
+                          <a:latin typeface="+mn-lt"/>
+                          <a:ea typeface="+mn-ea"/>
+                          <a:cs typeface="+mn-cs"/>
+                          <a:hlinkClick r:id="rId2"/>
+                        </a:rPr>
+                        <a:t>12259</a:t>
+                      </a:r>
+                      <a:endParaRPr lang="en-US" sz="1800" u="sng" kern="1200" dirty="0" smtClean="0">
+                        <a:solidFill>
+                          <a:schemeClr val="dk1"/>
+                        </a:solidFill>
+                        <a:effectLst/>
+                        <a:latin typeface="+mn-lt"/>
+                        <a:ea typeface="+mn-ea"/>
+                        <a:cs typeface="+mn-cs"/>
+                      </a:endParaRPr>
+                    </a:p>
+                    <a:p>
+                      <a:r>
+                        <a:rPr lang="en-US" sz="1800" u="sng" kern="1200" dirty="0" smtClean="0">
+                          <a:solidFill>
+                            <a:schemeClr val="dk1"/>
+                          </a:solidFill>
+                          <a:effectLst/>
+                          <a:latin typeface="+mn-lt"/>
+                          <a:ea typeface="+mn-ea"/>
+                          <a:cs typeface="+mn-cs"/>
+                          <a:hlinkClick r:id="rId3"/>
+                        </a:rPr>
+                        <a:t>12258</a:t>
+                      </a:r>
+                      <a:endParaRPr lang="en-GB" dirty="0"/>
+                    </a:p>
+                  </a:txBody>
+                  <a:tcPr/>
+                </a:tc>
+                <a:tc>
+                  <a:txBody>
+                    <a:bodyPr/>
+                    <a:lstStyle/>
+                    <a:p>
+                      <a:r>
+                        <a:rPr lang="en-GB" dirty="0" smtClean="0"/>
+                        <a:t>major</a:t>
+                      </a:r>
+                    </a:p>
+                    <a:p>
+                      <a:r>
+                        <a:rPr lang="en-GB" dirty="0" smtClean="0"/>
+                        <a:t>normal</a:t>
+                      </a:r>
+                      <a:endParaRPr lang="en-GB" dirty="0"/>
+                    </a:p>
+                  </a:txBody>
+                  <a:tcPr/>
+                </a:tc>
+              </a:tr>
+              <a:tr h="600432">
+                <a:tc>
+                  <a:txBody>
+                    <a:bodyPr/>
+                    <a:lstStyle/>
+                    <a:p>
+                      <a:r>
+                        <a:rPr lang="en-GB" dirty="0" smtClean="0"/>
+                        <a:t>User experience</a:t>
+                      </a:r>
+                      <a:endParaRPr lang="en-GB" dirty="0"/>
+                    </a:p>
+                  </a:txBody>
+                  <a:tcPr/>
+                </a:tc>
+                <a:tc>
+                  <a:txBody>
+                    <a:bodyPr/>
+                    <a:lstStyle/>
+                    <a:p>
+                      <a:r>
+                        <a:rPr lang="en-GB" dirty="0" smtClean="0"/>
+                        <a:t>3</a:t>
+                      </a:r>
+                      <a:endParaRPr lang="en-GB" dirty="0"/>
+                    </a:p>
+                  </a:txBody>
+                  <a:tcPr/>
+                </a:tc>
+                <a:tc>
+                  <a:txBody>
+                    <a:bodyPr/>
+                    <a:lstStyle/>
+                    <a:p>
+                      <a:r>
+                        <a:rPr lang="en-US" sz="1800" u="sng" kern="1200" dirty="0" smtClean="0">
+                          <a:solidFill>
+                            <a:schemeClr val="dk1"/>
+                          </a:solidFill>
+                          <a:effectLst/>
+                          <a:latin typeface="+mn-lt"/>
+                          <a:ea typeface="+mn-ea"/>
+                          <a:cs typeface="+mn-cs"/>
+                          <a:hlinkClick r:id="rId4"/>
+                        </a:rPr>
+                        <a:t>12260</a:t>
+                      </a:r>
+                      <a:r>
+                        <a:rPr lang="en-US" sz="1800" u="sng" kern="1200" dirty="0" smtClean="0">
+                          <a:solidFill>
+                            <a:schemeClr val="dk1"/>
+                          </a:solidFill>
+                          <a:effectLst/>
+                          <a:latin typeface="+mn-lt"/>
+                          <a:ea typeface="+mn-ea"/>
+                          <a:cs typeface="+mn-cs"/>
+                        </a:rPr>
+                        <a:t>, </a:t>
+                      </a:r>
+                      <a:r>
+                        <a:rPr lang="en-US" sz="1800" u="sng" kern="1200" dirty="0" smtClean="0">
+                          <a:solidFill>
+                            <a:schemeClr val="dk1"/>
+                          </a:solidFill>
+                          <a:effectLst/>
+                          <a:latin typeface="+mn-lt"/>
+                          <a:ea typeface="+mn-ea"/>
+                          <a:cs typeface="+mn-cs"/>
+                          <a:hlinkClick r:id="rId5"/>
+                        </a:rPr>
+                        <a:t>12261</a:t>
+                      </a:r>
+                      <a:endParaRPr lang="en-US" sz="1800" u="sng" kern="1200" dirty="0" smtClean="0">
+                        <a:solidFill>
+                          <a:schemeClr val="dk1"/>
+                        </a:solidFill>
+                        <a:effectLst/>
+                        <a:latin typeface="+mn-lt"/>
+                        <a:ea typeface="+mn-ea"/>
+                        <a:cs typeface="+mn-cs"/>
+                      </a:endParaRPr>
+                    </a:p>
+                    <a:p>
+                      <a:r>
+                        <a:rPr lang="en-US" sz="1800" u="sng" kern="1200" dirty="0" smtClean="0">
+                          <a:solidFill>
+                            <a:schemeClr val="dk1"/>
+                          </a:solidFill>
+                          <a:effectLst/>
+                          <a:latin typeface="+mn-lt"/>
+                          <a:ea typeface="+mn-ea"/>
+                          <a:cs typeface="+mn-cs"/>
+                        </a:rPr>
+                        <a:t> </a:t>
+                      </a:r>
+                      <a:r>
+                        <a:rPr lang="en-US" sz="1800" u="sng" kern="1200" dirty="0" smtClean="0">
+                          <a:solidFill>
+                            <a:schemeClr val="dk1"/>
+                          </a:solidFill>
+                          <a:effectLst/>
+                          <a:latin typeface="+mn-lt"/>
+                          <a:ea typeface="+mn-ea"/>
+                          <a:cs typeface="+mn-cs"/>
+                          <a:hlinkClick r:id="rId6"/>
+                        </a:rPr>
+                        <a:t>12267</a:t>
+                      </a:r>
+                      <a:endParaRPr lang="en-GB" dirty="0"/>
+                    </a:p>
+                  </a:txBody>
+                  <a:tcPr/>
+                </a:tc>
+                <a:tc>
+                  <a:txBody>
+                    <a:bodyPr/>
+                    <a:lstStyle/>
+                    <a:p>
+                      <a:r>
+                        <a:rPr lang="en-GB" dirty="0" smtClean="0"/>
+                        <a:t>normal</a:t>
+                      </a:r>
+                    </a:p>
+                    <a:p>
+                      <a:r>
+                        <a:rPr lang="en-GB" dirty="0" smtClean="0"/>
+                        <a:t>improvement</a:t>
+                      </a:r>
+                      <a:endParaRPr lang="en-GB" dirty="0"/>
+                    </a:p>
+                  </a:txBody>
+                  <a:tcPr/>
+                </a:tc>
+              </a:tr>
+              <a:tr h="343104">
+                <a:tc>
+                  <a:txBody>
+                    <a:bodyPr/>
+                    <a:lstStyle/>
+                    <a:p>
+                      <a:r>
+                        <a:rPr lang="en-GB" dirty="0" smtClean="0"/>
+                        <a:t>Add card</a:t>
+                      </a:r>
+                      <a:endParaRPr lang="en-GB" dirty="0"/>
+                    </a:p>
+                  </a:txBody>
+                  <a:tcPr/>
+                </a:tc>
+                <a:tc>
+                  <a:txBody>
+                    <a:bodyPr/>
+                    <a:lstStyle/>
+                    <a:p>
+                      <a:r>
+                        <a:rPr lang="en-GB" dirty="0" smtClean="0"/>
+                        <a:t>1</a:t>
+                      </a:r>
+                      <a:endParaRPr lang="en-GB" dirty="0"/>
+                    </a:p>
+                  </a:txBody>
+                  <a:tcPr/>
+                </a:tc>
+                <a:tc>
+                  <a:txBody>
+                    <a:bodyPr/>
+                    <a:lstStyle/>
+                    <a:p>
+                      <a:r>
+                        <a:rPr lang="en-US" sz="1800" u="sng" kern="1200" dirty="0" smtClean="0">
+                          <a:solidFill>
+                            <a:schemeClr val="dk1"/>
+                          </a:solidFill>
+                          <a:effectLst/>
+                          <a:latin typeface="+mn-lt"/>
+                          <a:ea typeface="+mn-ea"/>
+                          <a:cs typeface="+mn-cs"/>
+                          <a:hlinkClick r:id="rId7"/>
+                        </a:rPr>
+                        <a:t>12252</a:t>
+                      </a:r>
+                      <a:endParaRPr lang="en-GB" dirty="0"/>
+                    </a:p>
+                  </a:txBody>
+                  <a:tcPr/>
+                </a:tc>
+                <a:tc>
+                  <a:txBody>
+                    <a:bodyPr/>
+                    <a:lstStyle/>
+                    <a:p>
+                      <a:r>
+                        <a:rPr lang="en-GB" dirty="0" smtClean="0"/>
+                        <a:t>normal</a:t>
+                      </a:r>
+                      <a:endParaRPr lang="en-GB" dirty="0" smtClean="0"/>
+                    </a:p>
+                  </a:txBody>
+                  <a:tcPr/>
+                </a:tc>
+              </a:tr>
+              <a:tr h="343104">
+                <a:tc>
+                  <a:txBody>
+                    <a:bodyPr/>
+                    <a:lstStyle/>
+                    <a:p>
+                      <a:r>
+                        <a:rPr lang="en-GB" dirty="0" smtClean="0"/>
+                        <a:t>Birthday calendar</a:t>
+                      </a:r>
+                      <a:endParaRPr lang="en-GB" dirty="0"/>
+                    </a:p>
+                  </a:txBody>
+                  <a:tcPr/>
+                </a:tc>
+                <a:tc>
+                  <a:txBody>
+                    <a:bodyPr/>
+                    <a:lstStyle/>
+                    <a:p>
+                      <a:r>
+                        <a:rPr lang="en-GB" dirty="0" smtClean="0"/>
+                        <a:t>2</a:t>
+                      </a:r>
+                      <a:endParaRPr lang="en-GB" dirty="0"/>
+                    </a:p>
+                  </a:txBody>
+                  <a:tcPr/>
+                </a:tc>
+                <a:tc>
+                  <a:txBody>
+                    <a:bodyPr/>
+                    <a:lstStyle/>
+                    <a:p>
+                      <a:r>
+                        <a:rPr lang="en-US" sz="1800" u="sng" kern="1200" dirty="0" smtClean="0">
+                          <a:solidFill>
+                            <a:schemeClr val="dk1"/>
+                          </a:solidFill>
+                          <a:effectLst/>
+                          <a:latin typeface="+mn-lt"/>
+                          <a:ea typeface="+mn-ea"/>
+                          <a:cs typeface="+mn-cs"/>
+                          <a:hlinkClick r:id="rId8"/>
+                        </a:rPr>
+                        <a:t>12255</a:t>
+                      </a:r>
+                      <a:r>
+                        <a:rPr lang="en-US" sz="1800" u="sng" kern="1200" dirty="0" smtClean="0">
+                          <a:solidFill>
+                            <a:schemeClr val="dk1"/>
+                          </a:solidFill>
+                          <a:effectLst/>
+                          <a:latin typeface="+mn-lt"/>
+                          <a:ea typeface="+mn-ea"/>
+                          <a:cs typeface="+mn-cs"/>
+                        </a:rPr>
+                        <a:t>, </a:t>
+                      </a:r>
+                      <a:r>
+                        <a:rPr lang="en-US" sz="1800" u="sng" kern="1200" dirty="0" smtClean="0">
+                          <a:solidFill>
+                            <a:schemeClr val="dk1"/>
+                          </a:solidFill>
+                          <a:effectLst/>
+                          <a:latin typeface="+mn-lt"/>
+                          <a:ea typeface="+mn-ea"/>
+                          <a:cs typeface="+mn-cs"/>
+                          <a:hlinkClick r:id="rId9"/>
+                        </a:rPr>
+                        <a:t>12432</a:t>
+                      </a:r>
+                      <a:endParaRPr lang="en-GB" dirty="0"/>
+                    </a:p>
+                  </a:txBody>
+                  <a:tcPr/>
+                </a:tc>
+                <a:tc>
+                  <a:txBody>
+                    <a:bodyPr/>
+                    <a:lstStyle/>
+                    <a:p>
+                      <a:r>
+                        <a:rPr lang="en-GB" dirty="0" smtClean="0"/>
+                        <a:t>normal</a:t>
+                      </a:r>
+                      <a:endParaRPr lang="en-GB" dirty="0" smtClean="0"/>
+                    </a:p>
+                  </a:txBody>
+                  <a:tcPr/>
+                </a:tc>
+              </a:tr>
+              <a:tr h="343104">
+                <a:tc>
+                  <a:txBody>
+                    <a:bodyPr/>
+                    <a:lstStyle/>
+                    <a:p>
+                      <a:r>
+                        <a:rPr lang="en-GB" dirty="0" smtClean="0"/>
+                        <a:t>Shopping list</a:t>
+                      </a:r>
+                      <a:endParaRPr lang="en-GB" dirty="0"/>
+                    </a:p>
+                  </a:txBody>
+                  <a:tcPr/>
+                </a:tc>
+                <a:tc>
+                  <a:txBody>
+                    <a:bodyPr/>
+                    <a:lstStyle/>
+                    <a:p>
+                      <a:r>
+                        <a:rPr lang="en-GB" dirty="0" smtClean="0"/>
+                        <a:t>2</a:t>
+                      </a:r>
+                      <a:endParaRPr lang="en-GB" dirty="0"/>
+                    </a:p>
+                  </a:txBody>
+                  <a:tcPr/>
+                </a:tc>
+                <a:tc>
+                  <a:txBody>
+                    <a:bodyPr/>
+                    <a:lstStyle/>
+                    <a:p>
+                      <a:r>
+                        <a:rPr lang="en-US" sz="1800" u="sng" kern="1200" dirty="0" smtClean="0">
+                          <a:solidFill>
+                            <a:schemeClr val="dk1"/>
+                          </a:solidFill>
+                          <a:effectLst/>
+                          <a:latin typeface="+mn-lt"/>
+                          <a:ea typeface="+mn-ea"/>
+                          <a:cs typeface="+mn-cs"/>
+                          <a:hlinkClick r:id="rId10"/>
+                        </a:rPr>
+                        <a:t>12265</a:t>
+                      </a:r>
+                      <a:r>
+                        <a:rPr lang="en-US" sz="1800" u="sng" kern="1200" dirty="0" smtClean="0">
+                          <a:solidFill>
+                            <a:schemeClr val="dk1"/>
+                          </a:solidFill>
+                          <a:effectLst/>
+                          <a:latin typeface="+mn-lt"/>
+                          <a:ea typeface="+mn-ea"/>
+                          <a:cs typeface="+mn-cs"/>
+                        </a:rPr>
+                        <a:t>, </a:t>
+                      </a:r>
+                      <a:r>
+                        <a:rPr lang="en-US" sz="1800" u="sng" kern="1200" dirty="0" smtClean="0">
+                          <a:solidFill>
+                            <a:schemeClr val="dk1"/>
+                          </a:solidFill>
+                          <a:effectLst/>
+                          <a:latin typeface="+mn-lt"/>
+                          <a:ea typeface="+mn-ea"/>
+                          <a:cs typeface="+mn-cs"/>
+                          <a:hlinkClick r:id="rId11"/>
+                        </a:rPr>
+                        <a:t>12266</a:t>
+                      </a:r>
+                      <a:endParaRPr lang="en-GB" dirty="0"/>
+                    </a:p>
+                  </a:txBody>
+                  <a:tcPr/>
+                </a:tc>
+                <a:tc>
+                  <a:txBody>
+                    <a:bodyPr/>
+                    <a:lstStyle/>
+                    <a:p>
+                      <a:r>
+                        <a:rPr lang="en-GB" dirty="0" smtClean="0"/>
+                        <a:t>normal</a:t>
+                      </a:r>
+                      <a:endParaRPr lang="en-GB" dirty="0" smtClean="0"/>
+                    </a:p>
+                  </a:txBody>
+                  <a:tcPr/>
+                </a:tc>
+              </a:tr>
+              <a:tr h="343104">
+                <a:tc>
+                  <a:txBody>
+                    <a:bodyPr/>
+                    <a:lstStyle/>
+                    <a:p>
+                      <a:r>
+                        <a:rPr lang="en-GB" dirty="0" smtClean="0"/>
+                        <a:t>Offers</a:t>
+                      </a:r>
+                      <a:endParaRPr lang="en-GB" dirty="0"/>
+                    </a:p>
+                  </a:txBody>
+                  <a:tcPr/>
+                </a:tc>
+                <a:tc>
+                  <a:txBody>
+                    <a:bodyPr/>
+                    <a:lstStyle/>
+                    <a:p>
+                      <a:r>
+                        <a:rPr lang="en-GB" dirty="0" smtClean="0"/>
+                        <a:t>2</a:t>
+                      </a:r>
+                      <a:endParaRPr lang="en-GB" dirty="0"/>
+                    </a:p>
+                  </a:txBody>
+                  <a:tcPr/>
+                </a:tc>
+                <a:tc>
+                  <a:txBody>
+                    <a:bodyPr/>
+                    <a:lstStyle/>
+                    <a:p>
+                      <a:r>
+                        <a:rPr lang="en-US" sz="1800" u="sng" kern="1200" dirty="0" smtClean="0">
+                          <a:solidFill>
+                            <a:schemeClr val="dk1"/>
+                          </a:solidFill>
+                          <a:effectLst/>
+                          <a:latin typeface="+mn-lt"/>
+                          <a:ea typeface="+mn-ea"/>
+                          <a:cs typeface="+mn-cs"/>
+                          <a:hlinkClick r:id="rId12"/>
+                        </a:rPr>
+                        <a:t>12262</a:t>
+                      </a:r>
+                      <a:r>
+                        <a:rPr lang="en-US" sz="1800" u="sng" kern="1200" dirty="0" smtClean="0">
+                          <a:solidFill>
+                            <a:schemeClr val="dk1"/>
+                          </a:solidFill>
+                          <a:effectLst/>
+                          <a:latin typeface="+mn-lt"/>
+                          <a:ea typeface="+mn-ea"/>
+                          <a:cs typeface="+mn-cs"/>
+                        </a:rPr>
+                        <a:t>, </a:t>
+                      </a:r>
+                      <a:r>
+                        <a:rPr lang="en-US" sz="1800" u="sng" kern="1200" dirty="0" smtClean="0">
+                          <a:solidFill>
+                            <a:schemeClr val="dk1"/>
+                          </a:solidFill>
+                          <a:effectLst/>
+                          <a:latin typeface="+mn-lt"/>
+                          <a:ea typeface="+mn-ea"/>
+                          <a:cs typeface="+mn-cs"/>
+                          <a:hlinkClick r:id="rId13"/>
+                        </a:rPr>
+                        <a:t>12264</a:t>
+                      </a:r>
+                      <a:endParaRPr lang="en-GB" dirty="0"/>
+                    </a:p>
+                  </a:txBody>
+                  <a:tcPr/>
+                </a:tc>
+                <a:tc>
+                  <a:txBody>
+                    <a:bodyPr/>
+                    <a:lstStyle/>
+                    <a:p>
+                      <a:r>
+                        <a:rPr lang="en-GB" dirty="0" smtClean="0"/>
+                        <a:t>normal</a:t>
+                      </a:r>
+                      <a:endParaRPr lang="en-GB" dirty="0" smtClean="0"/>
+                    </a:p>
+                  </a:txBody>
+                  <a:tcPr/>
+                </a:tc>
+              </a:tr>
+              <a:tr h="343104">
+                <a:tc>
+                  <a:txBody>
+                    <a:bodyPr/>
+                    <a:lstStyle/>
+                    <a:p>
+                      <a:r>
+                        <a:rPr lang="en-GB" dirty="0" smtClean="0"/>
+                        <a:t>Localization</a:t>
+                      </a:r>
+                      <a:endParaRPr lang="en-GB" dirty="0"/>
+                    </a:p>
+                  </a:txBody>
+                  <a:tcPr/>
+                </a:tc>
+                <a:tc>
+                  <a:txBody>
+                    <a:bodyPr/>
+                    <a:lstStyle/>
+                    <a:p>
+                      <a:r>
+                        <a:rPr lang="en-GB" dirty="0" smtClean="0"/>
+                        <a:t>2</a:t>
+                      </a:r>
+                      <a:endParaRPr lang="en-GB" dirty="0"/>
+                    </a:p>
+                  </a:txBody>
+                  <a:tcPr/>
+                </a:tc>
+                <a:tc>
+                  <a:txBody>
+                    <a:bodyPr/>
+                    <a:lstStyle/>
+                    <a:p>
+                      <a:r>
+                        <a:rPr lang="en-US" sz="1800" u="sng" kern="1200" dirty="0" smtClean="0">
+                          <a:solidFill>
+                            <a:schemeClr val="dk1"/>
+                          </a:solidFill>
+                          <a:effectLst/>
+                          <a:latin typeface="+mn-lt"/>
+                          <a:ea typeface="+mn-ea"/>
+                          <a:cs typeface="+mn-cs"/>
+                          <a:hlinkClick r:id="rId14"/>
+                        </a:rPr>
+                        <a:t>12257</a:t>
+                      </a:r>
+                      <a:r>
+                        <a:rPr lang="en-US" sz="1800" u="sng" kern="1200" dirty="0" smtClean="0">
+                          <a:solidFill>
+                            <a:schemeClr val="dk1"/>
+                          </a:solidFill>
+                          <a:effectLst/>
+                          <a:latin typeface="+mn-lt"/>
+                          <a:ea typeface="+mn-ea"/>
+                          <a:cs typeface="+mn-cs"/>
+                        </a:rPr>
+                        <a:t>, </a:t>
+                      </a:r>
+                      <a:r>
+                        <a:rPr lang="en-US" sz="1800" u="sng" kern="1200" dirty="0" smtClean="0">
+                          <a:solidFill>
+                            <a:schemeClr val="dk1"/>
+                          </a:solidFill>
+                          <a:effectLst/>
+                          <a:latin typeface="+mn-lt"/>
+                          <a:ea typeface="+mn-ea"/>
+                          <a:cs typeface="+mn-cs"/>
+                          <a:hlinkClick r:id="rId15"/>
+                        </a:rPr>
+                        <a:t>12428</a:t>
+                      </a:r>
+                      <a:endParaRPr lang="en-GB" dirty="0"/>
+                    </a:p>
+                  </a:txBody>
+                  <a:tcPr/>
+                </a:tc>
+                <a:tc>
+                  <a:txBody>
+                    <a:bodyPr/>
+                    <a:lstStyle/>
+                    <a:p>
+                      <a:r>
+                        <a:rPr lang="en-GB" dirty="0" smtClean="0"/>
+                        <a:t>normal</a:t>
+                      </a:r>
+                      <a:endParaRPr lang="en-GB" dirty="0" smtClean="0"/>
+                    </a:p>
+                  </a:txBody>
+                  <a:tcPr/>
+                </a:tc>
+              </a:tr>
+              <a:tr h="343104">
+                <a:tc>
+                  <a:txBody>
+                    <a:bodyPr/>
+                    <a:lstStyle/>
+                    <a:p>
+                      <a:pPr marL="0" marR="0" lvl="0" indent="0" algn="l" defTabSz="914400" rtl="0" eaLnBrk="1" fontAlgn="auto" latinLnBrk="0" hangingPunct="1">
+                        <a:lnSpc>
+                          <a:spcPct val="100000"/>
+                        </a:lnSpc>
+                        <a:spcBef>
+                          <a:spcPts val="0"/>
+                        </a:spcBef>
+                        <a:spcAft>
+                          <a:spcPts val="0"/>
+                        </a:spcAft>
+                        <a:buClrTx/>
+                        <a:buSzTx/>
+                        <a:buFontTx/>
+                        <a:buNone/>
+                        <a:tabLst/>
+                        <a:defRPr/>
+                      </a:pPr>
+                      <a:endParaRPr lang="en-GB" dirty="0" smtClean="0"/>
+                    </a:p>
+                  </a:txBody>
+                  <a:tcPr/>
+                </a:tc>
+                <a:tc>
+                  <a:txBody>
+                    <a:bodyPr/>
+                    <a:lstStyle/>
+                    <a:p>
+                      <a:endParaRPr lang="en-GB" dirty="0"/>
+                    </a:p>
+                  </a:txBody>
+                  <a:tcPr/>
+                </a:tc>
+                <a:tc>
+                  <a:txBody>
+                    <a:bodyPr/>
+                    <a:lstStyle/>
+                    <a:p>
+                      <a:endParaRPr lang="en-GB" dirty="0"/>
+                    </a:p>
+                  </a:txBody>
+                  <a:tcPr/>
+                </a:tc>
+                <a:tc>
+                  <a:txBody>
+                    <a:bodyPr/>
+                    <a:lstStyle/>
+                    <a:p>
+                      <a:endParaRPr lang="en-GB" dirty="0"/>
+                    </a:p>
+                  </a:txBody>
+                  <a:tcPr/>
+                </a:tc>
+              </a:tr>
+              <a:tr h="343104">
+                <a:tc>
+                  <a:txBody>
+                    <a:bodyPr/>
+                    <a:lstStyle/>
+                    <a:p>
+                      <a:r>
+                        <a:rPr lang="en-GB" dirty="0" smtClean="0"/>
+                        <a:t>Total</a:t>
+                      </a:r>
+                      <a:endParaRPr lang="en-GB" dirty="0"/>
+                    </a:p>
+                  </a:txBody>
+                  <a:tcPr/>
+                </a:tc>
+                <a:tc gridSpan="3">
+                  <a:txBody>
+                    <a:bodyPr/>
+                    <a:lstStyle/>
+                    <a:p>
+                      <a:r>
+                        <a:rPr lang="en-GB" dirty="0" smtClean="0"/>
+                        <a:t>14</a:t>
+                      </a:r>
+                      <a:endParaRPr lang="en-GB" dirty="0"/>
+                    </a:p>
+                  </a:txBody>
+                  <a:tcPr/>
+                </a:tc>
+                <a:tc hMerge="1">
+                  <a:txBody>
+                    <a:bodyPr/>
+                    <a:lstStyle/>
+                    <a:p>
+                      <a:endParaRPr lang="en-GB" dirty="0"/>
+                    </a:p>
+                  </a:txBody>
+                  <a:tcPr/>
+                </a:tc>
+                <a:tc hMerge="1">
+                  <a:txBody>
+                    <a:bodyPr/>
+                    <a:lstStyle/>
+                    <a:p>
+                      <a:endParaRPr lang="en-GB" dirty="0"/>
+                    </a:p>
+                  </a:txBody>
+                  <a:tcPr/>
+                </a:tc>
+              </a:tr>
+            </a:tbl>
           </a:graphicData>
         </a:graphic>
       </p:graphicFrame>
     </p:spTree>
     <p:extLst>
       <p:ext uri="{BB962C8B-B14F-4D97-AF65-F5344CB8AC3E}">
-        <p14:creationId xmlns:p14="http://schemas.microsoft.com/office/powerpoint/2010/main" val="3709347779"/>
+        <p14:creationId xmlns:p14="http://schemas.microsoft.com/office/powerpoint/2010/main" val="3959466926"/>
       </p:ext>
     </p:extLst>
   </p:cSld>
@@ -9973,7 +11656,7 @@
   <a:extraClrSchemeLst/>
   <a:extLst>
     <a:ext uri="{05A4C25C-085E-4340-85A3-A5531E510DB2}">
-      <thm15:themeFamily xmlns:thm15="http://schemas.microsoft.com/office/thememl/2012/main" name="Retrospect" id="{5F128B03-DCCA-4EEB-AB3B-CF2899314A46}" vid="{3F1AAB62-24C6-49D2-8E01-B56FAC9A3DCD}"/>
+      <thm15:themeFamily xmlns:thm15="http://schemas.microsoft.com/office/thememl/2012/main" xmlns="" name="Retrospect" id="{5F128B03-DCCA-4EEB-AB3B-CF2899314A46}" vid="{3F1AAB62-24C6-49D2-8E01-B56FAC9A3DCD}"/>
     </a:ext>
   </a:extLst>
 </a:theme>

--- a/final-project/virtual-cards/virtual-cards.pptx
+++ b/final-project/virtual-cards/virtual-cards.pptx
@@ -13,10 +13,9 @@
     <p:sldId id="262" r:id="rId7"/>
     <p:sldId id="261" r:id="rId8"/>
     <p:sldId id="265" r:id="rId9"/>
-    <p:sldId id="270" r:id="rId10"/>
-    <p:sldId id="267" r:id="rId11"/>
-    <p:sldId id="268" r:id="rId12"/>
-    <p:sldId id="264" r:id="rId13"/>
+    <p:sldId id="267" r:id="rId10"/>
+    <p:sldId id="268" r:id="rId11"/>
+    <p:sldId id="264" r:id="rId12"/>
   </p:sldIdLst>
   <p:sldSz cx="12192000" cy="6858000"/>
   <p:notesSz cx="6858000" cy="9144000"/>
@@ -117,7 +116,7 @@
   </p:defaultTextStyle>
   <p:extLst>
     <p:ext uri="{EFAFB233-063F-42B5-8137-9DF3F51BA10A}">
-      <p15:sldGuideLst xmlns:p15="http://schemas.microsoft.com/office/powerpoint/2012/main" xmlns="">
+      <p15:sldGuideLst xmlns:p15="http://schemas.microsoft.com/office/powerpoint/2012/main">
         <p15:guide id="1" orient="horz" pos="2160">
           <p15:clr>
             <a:srgbClr val="A4A3A4"/>
@@ -137,7 +136,7 @@
 <file path=ppt/charts/chart1.xml><?xml version="1.0" encoding="utf-8"?>
 <c:chartSpace xmlns:c="http://schemas.openxmlformats.org/drawingml/2006/chart" xmlns:a="http://schemas.openxmlformats.org/drawingml/2006/main" xmlns:r="http://schemas.openxmlformats.org/officeDocument/2006/relationships">
   <c:date1904 val="0"/>
-  <c:lang val="ro-RO"/>
+  <c:lang val="en-US"/>
   <c:roundedCorners val="0"/>
   <mc:AlternateContent xmlns:mc="http://schemas.openxmlformats.org/markup-compatibility/2006">
     <mc:Choice xmlns:c14="http://schemas.microsoft.com/office/drawing/2007/8/2/chart" Requires="c14">
@@ -154,7 +153,6 @@
       <c:rotY val="0"/>
       <c:depthPercent val="100"/>
       <c:rAngAx val="0"/>
-      <c:perspective val="30"/>
     </c:view3D>
     <c:floor>
       <c:thickness val="0"/>
@@ -199,6 +197,160 @@
           <c:y val="3.8877370113284668E-2"/>
           <c:w val="0.48904108813847003"/>
           <c:h val="0.46331265463012666"/>
+        </c:manualLayout>
+      </c:layout>
+      <c:pie3DChart>
+        <c:varyColors val="1"/>
+        <c:dLbls>
+          <c:showLegendKey val="0"/>
+          <c:showVal val="0"/>
+          <c:showCatName val="0"/>
+          <c:showSerName val="0"/>
+          <c:showPercent val="0"/>
+          <c:showBubbleSize val="0"/>
+          <c:showLeaderLines val="0"/>
+        </c:dLbls>
+      </c:pie3DChart>
+      <c:spPr>
+        <a:noFill/>
+        <a:ln>
+          <a:noFill/>
+        </a:ln>
+        <a:effectLst/>
+      </c:spPr>
+    </c:plotArea>
+    <c:legend>
+      <c:legendPos val="r"/>
+      <c:layout>
+        <c:manualLayout>
+          <c:xMode val="edge"/>
+          <c:yMode val="edge"/>
+          <c:x val="0.59422236172859211"/>
+          <c:y val="0.54193166861985032"/>
+          <c:w val="0.39981085461782623"/>
+          <c:h val="0.36647904083656357"/>
+        </c:manualLayout>
+      </c:layout>
+      <c:overlay val="0"/>
+      <c:spPr>
+        <a:noFill/>
+        <a:ln>
+          <a:noFill/>
+        </a:ln>
+        <a:effectLst/>
+      </c:spPr>
+      <c:txPr>
+        <a:bodyPr rot="0" spcFirstLastPara="1" vertOverflow="ellipsis" vert="horz" wrap="square" anchor="ctr" anchorCtr="1"/>
+        <a:lstStyle/>
+        <a:p>
+          <a:pPr>
+            <a:defRPr sz="1600" b="0" i="0" u="none" strike="noStrike" kern="1200" baseline="0">
+              <a:solidFill>
+                <a:schemeClr val="tx1">
+                  <a:lumMod val="65000"/>
+                  <a:lumOff val="35000"/>
+                </a:schemeClr>
+              </a:solidFill>
+              <a:latin typeface="+mn-lt"/>
+              <a:ea typeface="+mn-ea"/>
+              <a:cs typeface="+mn-cs"/>
+            </a:defRPr>
+          </a:pPr>
+          <a:endParaRPr lang="en-US"/>
+        </a:p>
+      </c:txPr>
+    </c:legend>
+    <c:plotVisOnly val="1"/>
+    <c:dispBlanksAs val="gap"/>
+    <c:showDLblsOverMax val="0"/>
+  </c:chart>
+  <c:spPr>
+    <a:noFill/>
+    <a:ln>
+      <a:noFill/>
+    </a:ln>
+    <a:effectLst/>
+  </c:spPr>
+  <c:txPr>
+    <a:bodyPr/>
+    <a:lstStyle/>
+    <a:p>
+      <a:pPr>
+        <a:defRPr/>
+      </a:pPr>
+      <a:endParaRPr lang="en-US"/>
+    </a:p>
+  </c:txPr>
+  <c:externalData r:id="rId1">
+    <c:autoUpdate val="0"/>
+  </c:externalData>
+</c:chartSpace>
+</file>
+
+<file path=ppt/charts/chart2.xml><?xml version="1.0" encoding="utf-8"?>
+<c:chartSpace xmlns:c="http://schemas.openxmlformats.org/drawingml/2006/chart" xmlns:a="http://schemas.openxmlformats.org/drawingml/2006/main" xmlns:r="http://schemas.openxmlformats.org/officeDocument/2006/relationships">
+  <c:date1904 val="0"/>
+  <c:lang val="en-US"/>
+  <c:roundedCorners val="0"/>
+  <mc:AlternateContent xmlns:mc="http://schemas.openxmlformats.org/markup-compatibility/2006">
+    <mc:Choice xmlns:c14="http://schemas.microsoft.com/office/drawing/2007/8/2/chart" Requires="c14">
+      <c14:style val="102"/>
+    </mc:Choice>
+    <mc:Fallback>
+      <c:style val="2"/>
+    </mc:Fallback>
+  </mc:AlternateContent>
+  <c:chart>
+    <c:autoTitleDeleted val="1"/>
+    <c:view3D>
+      <c:rotX val="30"/>
+      <c:rotY val="0"/>
+      <c:depthPercent val="100"/>
+      <c:rAngAx val="0"/>
+    </c:view3D>
+    <c:floor>
+      <c:thickness val="0"/>
+      <c:spPr>
+        <a:noFill/>
+        <a:ln>
+          <a:noFill/>
+        </a:ln>
+        <a:effectLst/>
+        <a:sp3d/>
+      </c:spPr>
+    </c:floor>
+    <c:sideWall>
+      <c:thickness val="0"/>
+      <c:spPr>
+        <a:noFill/>
+        <a:ln>
+          <a:noFill/>
+        </a:ln>
+        <a:effectLst/>
+        <a:sp3d/>
+      </c:spPr>
+    </c:sideWall>
+    <c:backWall>
+      <c:thickness val="0"/>
+      <c:spPr>
+        <a:noFill/>
+        <a:ln>
+          <a:noFill/>
+        </a:ln>
+        <a:effectLst/>
+        <a:sp3d/>
+      </c:spPr>
+    </c:backWall>
+    <c:plotArea>
+      <c:layout>
+        <c:manualLayout>
+          <c:layoutTarget val="inner"/>
+          <c:xMode val="edge"/>
+          <c:yMode val="edge"/>
+          <c:x val="2.7896679075064695E-2"/>
+          <c:y val="0.11832188779656155"/>
+          <c:w val="0.84572052788892427"/>
+          <c:h val="0.79824501159021988"/>
         </c:manualLayout>
       </c:layout>
       <c:pie3DChart>
@@ -360,27 +512,64 @@
             </c:spPr>
           </c:dPt>
           <c:dLbls>
+            <c:spPr>
+              <a:solidFill>
+                <a:prstClr val="white"/>
+              </a:solidFill>
+              <a:ln>
+                <a:solidFill>
+                  <a:srgbClr val="000000">
+                    <a:lumMod val="25000"/>
+                    <a:lumOff val="75000"/>
+                  </a:srgbClr>
+                </a:solidFill>
+              </a:ln>
+              <a:effectLst/>
+            </c:spPr>
             <c:txPr>
-              <a:bodyPr/>
+              <a:bodyPr rot="0" spcFirstLastPara="1" vertOverflow="clip" horzOverflow="clip" vert="horz" wrap="square" lIns="38100" tIns="19050" rIns="38100" bIns="19050" anchor="ctr" anchorCtr="1">
+                <a:spAutoFit/>
+              </a:bodyPr>
               <a:lstStyle/>
               <a:p>
                 <a:pPr>
-                  <a:defRPr sz="1400">
+                  <a:defRPr sz="1197" b="0" i="0" u="none" strike="noStrike" kern="1200" baseline="0">
                     <a:solidFill>
-                      <a:schemeClr val="bg1"/>
+                      <a:schemeClr val="dk1">
+                        <a:lumMod val="65000"/>
+                        <a:lumOff val="35000"/>
+                      </a:schemeClr>
                     </a:solidFill>
+                    <a:latin typeface="+mn-lt"/>
+                    <a:ea typeface="+mn-ea"/>
+                    <a:cs typeface="+mn-cs"/>
                   </a:defRPr>
                 </a:pPr>
-                <a:endParaRPr lang="ro-RO"/>
+                <a:endParaRPr lang="en-US"/>
               </a:p>
             </c:txPr>
+            <c:dLblPos val="outEnd"/>
             <c:showLegendKey val="0"/>
             <c:showVal val="0"/>
-            <c:showCatName val="0"/>
+            <c:showCatName val="1"/>
             <c:showSerName val="0"/>
             <c:showPercent val="1"/>
             <c:showBubbleSize val="0"/>
             <c:showLeaderLines val="0"/>
+            <c:extLst>
+              <c:ext xmlns:c15="http://schemas.microsoft.com/office/drawing/2012/chart" uri="{CE6537A1-D6FC-4f65-9D91-7224C49458BB}">
+                <c15:spPr xmlns:c15="http://schemas.microsoft.com/office/drawing/2012/chart">
+                  <a:prstGeom prst="wedgeRectCallout">
+                    <a:avLst/>
+                  </a:prstGeom>
+                  <a:noFill/>
+                  <a:ln>
+                    <a:noFill/>
+                  </a:ln>
+                </c15:spPr>
+                <c15:layout/>
+              </c:ext>
+            </c:extLst>
           </c:dLbls>
           <c:cat>
             <c:strRef>
@@ -424,7 +613,7 @@
                   <c:v>2</c:v>
                 </c:pt>
                 <c:pt idx="2">
-                  <c:v>3</c:v>
+                  <c:v>2</c:v>
                 </c:pt>
                 <c:pt idx="3">
                   <c:v>2</c:v>
@@ -460,70 +649,6 @@
         <a:effectLst/>
       </c:spPr>
     </c:plotArea>
-    <c:legend>
-      <c:legendPos val="r"/>
-      <c:legendEntry>
-        <c:idx val="1"/>
-        <c:txPr>
-          <a:bodyPr rot="0" spcFirstLastPara="1" vertOverflow="ellipsis" vert="horz" wrap="square" anchor="ctr" anchorCtr="1"/>
-          <a:lstStyle/>
-          <a:p>
-            <a:pPr>
-              <a:defRPr sz="1400" b="0" i="0" u="none" strike="noStrike" kern="1200" baseline="0">
-                <a:solidFill>
-                  <a:schemeClr val="tx1">
-                    <a:lumMod val="65000"/>
-                    <a:lumOff val="35000"/>
-                  </a:schemeClr>
-                </a:solidFill>
-                <a:latin typeface="+mn-lt"/>
-                <a:ea typeface="+mn-ea"/>
-                <a:cs typeface="+mn-cs"/>
-              </a:defRPr>
-            </a:pPr>
-            <a:endParaRPr lang="ro-RO"/>
-          </a:p>
-        </c:txPr>
-      </c:legendEntry>
-      <c:layout>
-        <c:manualLayout>
-          <c:xMode val="edge"/>
-          <c:yMode val="edge"/>
-          <c:x val="0.59422236172859211"/>
-          <c:y val="0.54193166861985032"/>
-          <c:w val="0.39981085461782623"/>
-          <c:h val="0.36647904083656357"/>
-        </c:manualLayout>
-      </c:layout>
-      <c:overlay val="0"/>
-      <c:spPr>
-        <a:noFill/>
-        <a:ln>
-          <a:noFill/>
-        </a:ln>
-        <a:effectLst/>
-      </c:spPr>
-      <c:txPr>
-        <a:bodyPr rot="0" spcFirstLastPara="1" vertOverflow="ellipsis" vert="horz" wrap="square" anchor="ctr" anchorCtr="1"/>
-        <a:lstStyle/>
-        <a:p>
-          <a:pPr>
-            <a:defRPr sz="1197" b="0" i="0" u="none" strike="noStrike" kern="1200" baseline="0">
-              <a:solidFill>
-                <a:schemeClr val="tx1">
-                  <a:lumMod val="65000"/>
-                  <a:lumOff val="35000"/>
-                </a:schemeClr>
-              </a:solidFill>
-              <a:latin typeface="+mn-lt"/>
-              <a:ea typeface="+mn-ea"/>
-              <a:cs typeface="+mn-cs"/>
-            </a:defRPr>
-          </a:pPr>
-          <a:endParaRPr lang="ro-RO"/>
-        </a:p>
-      </c:txPr>
-    </c:legend>
     <c:plotVisOnly val="1"/>
     <c:dispBlanksAs val="gap"/>
     <c:showDLblsOverMax val="0"/>
@@ -542,19 +667,19 @@
       <a:pPr>
         <a:defRPr/>
       </a:pPr>
-      <a:endParaRPr lang="ro-RO"/>
+      <a:endParaRPr lang="en-US"/>
     </a:p>
   </c:txPr>
-  <c:externalData r:id="rId1">
+  <c:externalData r:id="rId3">
     <c:autoUpdate val="0"/>
   </c:externalData>
 </c:chartSpace>
 </file>
 
-<file path=ppt/charts/chart2.xml><?xml version="1.0" encoding="utf-8"?>
+<file path=ppt/charts/chart3.xml><?xml version="1.0" encoding="utf-8"?>
 <c:chartSpace xmlns:c="http://schemas.openxmlformats.org/drawingml/2006/chart" xmlns:a="http://schemas.openxmlformats.org/drawingml/2006/main" xmlns:r="http://schemas.openxmlformats.org/officeDocument/2006/relationships">
   <c:date1904 val="0"/>
-  <c:lang val="ro-RO"/>
+  <c:lang val="en-US"/>
   <c:roundedCorners val="0"/>
   <mc:AlternateContent xmlns:mc="http://schemas.openxmlformats.org/markup-compatibility/2006">
     <mc:Choice xmlns:c14="http://schemas.microsoft.com/office/drawing/2007/8/2/chart" Requires="c14">
@@ -605,6 +730,26 @@
         </a:ln>
         <a:effectLst/>
       </c:spPr>
+      <c:txPr>
+        <a:bodyPr rot="0" spcFirstLastPara="1" vertOverflow="ellipsis" vert="horz" wrap="square" anchor="ctr" anchorCtr="1"/>
+        <a:lstStyle/>
+        <a:p>
+          <a:pPr>
+            <a:defRPr sz="2200" b="1" i="0" u="none" strike="noStrike" kern="1200" baseline="0">
+              <a:solidFill>
+                <a:schemeClr val="dk1">
+                  <a:lumMod val="75000"/>
+                  <a:lumOff val="25000"/>
+                </a:schemeClr>
+              </a:solidFill>
+              <a:latin typeface="+mn-lt"/>
+              <a:ea typeface="+mn-ea"/>
+              <a:cs typeface="+mn-cs"/>
+            </a:defRPr>
+          </a:pPr>
+          <a:endParaRPr lang="en-US"/>
+        </a:p>
+      </c:txPr>
     </c:title>
     <c:autoTitleDeleted val="0"/>
     <c:plotArea>
@@ -711,7 +856,7 @@
                     <a:cs typeface="+mn-cs"/>
                   </a:defRPr>
                 </a:pPr>
-                <a:endParaRPr lang="ro-RO"/>
+                <a:endParaRPr lang="en-US"/>
               </a:p>
             </c:txPr>
             <c:dLblPos val="ctr"/>
@@ -824,7 +969,7 @@
               <a:cs typeface="+mn-cs"/>
             </a:defRPr>
           </a:pPr>
-          <a:endParaRPr lang="ro-RO"/>
+          <a:endParaRPr lang="en-US"/>
         </a:p>
       </c:txPr>
     </c:legend>
@@ -852,19 +997,19 @@
       <a:pPr>
         <a:defRPr/>
       </a:pPr>
-      <a:endParaRPr lang="ro-RO"/>
+      <a:endParaRPr lang="en-US"/>
     </a:p>
   </c:txPr>
-  <c:externalData r:id="rId1">
+  <c:externalData r:id="rId3">
     <c:autoUpdate val="0"/>
   </c:externalData>
 </c:chartSpace>
 </file>
 
-<file path=ppt/charts/chart3.xml><?xml version="1.0" encoding="utf-8"?>
+<file path=ppt/charts/chart4.xml><?xml version="1.0" encoding="utf-8"?>
 <c:chartSpace xmlns:c="http://schemas.openxmlformats.org/drawingml/2006/chart" xmlns:a="http://schemas.openxmlformats.org/drawingml/2006/main" xmlns:r="http://schemas.openxmlformats.org/officeDocument/2006/relationships">
   <c:date1904 val="0"/>
-  <c:lang val="ro-RO"/>
+  <c:lang val="en-US"/>
   <c:roundedCorners val="0"/>
   <mc:AlternateContent xmlns:mc="http://schemas.openxmlformats.org/markup-compatibility/2006">
     <mc:Choice xmlns:c14="http://schemas.microsoft.com/office/drawing/2007/8/2/chart" Requires="c14">
@@ -911,6 +1056,26 @@
         </a:ln>
         <a:effectLst/>
       </c:spPr>
+      <c:txPr>
+        <a:bodyPr rot="0" spcFirstLastPara="1" vertOverflow="ellipsis" vert="horz" wrap="square" anchor="ctr" anchorCtr="1"/>
+        <a:lstStyle/>
+        <a:p>
+          <a:pPr>
+            <a:defRPr sz="1862" b="0" i="0" u="none" strike="noStrike" kern="1200" spc="0" baseline="0">
+              <a:solidFill>
+                <a:schemeClr val="tx1">
+                  <a:lumMod val="65000"/>
+                  <a:lumOff val="35000"/>
+                </a:schemeClr>
+              </a:solidFill>
+              <a:latin typeface="+mn-lt"/>
+              <a:ea typeface="+mn-ea"/>
+              <a:cs typeface="+mn-cs"/>
+            </a:defRPr>
+          </a:pPr>
+          <a:endParaRPr lang="en-US"/>
+        </a:p>
+      </c:txPr>
     </c:title>
     <c:autoTitleDeleted val="0"/>
     <c:plotArea>
@@ -980,7 +1145,7 @@
                     <a:cs typeface="+mn-cs"/>
                   </a:defRPr>
                 </a:pPr>
-                <a:endParaRPr lang="ro-RO"/>
+                <a:endParaRPr lang="en-US"/>
               </a:p>
             </c:txPr>
             <c:dLblPos val="outEnd"/>
@@ -1087,7 +1252,7 @@
                     <a:cs typeface="+mn-cs"/>
                   </a:defRPr>
                 </a:pPr>
-                <a:endParaRPr lang="ro-RO"/>
+                <a:endParaRPr lang="en-US"/>
               </a:p>
             </c:txPr>
             <c:dLblPos val="outEnd"/>
@@ -1137,7 +1302,7 @@
                 <c:formatCode>General</c:formatCode>
                 <c:ptCount val="1"/>
                 <c:pt idx="0">
-                  <c:v>13</c:v>
+                  <c:v>12</c:v>
                 </c:pt>
               </c:numCache>
             </c:numRef>
@@ -1154,11 +1319,11 @@
         </c:dLbls>
         <c:gapWidth val="219"/>
         <c:overlap val="-27"/>
-        <c:axId val="118900224"/>
-        <c:axId val="118901760"/>
+        <c:axId val="395210584"/>
+        <c:axId val="395205096"/>
       </c:barChart>
       <c:catAx>
-        <c:axId val="118900224"/>
+        <c:axId val="395210584"/>
         <c:scaling>
           <c:orientation val="minMax"/>
         </c:scaling>
@@ -1168,7 +1333,7 @@
         <c:majorTickMark val="out"/>
         <c:minorTickMark val="none"/>
         <c:tickLblPos val="nextTo"/>
-        <c:crossAx val="118901760"/>
+        <c:crossAx val="395205096"/>
         <c:crosses val="autoZero"/>
         <c:auto val="1"/>
         <c:lblAlgn val="ctr"/>
@@ -1176,7 +1341,7 @@
         <c:noMultiLvlLbl val="0"/>
       </c:catAx>
       <c:valAx>
-        <c:axId val="118901760"/>
+        <c:axId val="395205096"/>
         <c:scaling>
           <c:orientation val="minMax"/>
         </c:scaling>
@@ -1186,7 +1351,7 @@
         <c:majorTickMark val="out"/>
         <c:minorTickMark val="none"/>
         <c:tickLblPos val="nextTo"/>
-        <c:crossAx val="118900224"/>
+        <c:crossAx val="395210584"/>
         <c:crosses val="autoZero"/>
         <c:crossBetween val="between"/>
       </c:valAx>
@@ -1226,7 +1391,7 @@
               <a:cs typeface="+mn-cs"/>
             </a:defRPr>
           </a:pPr>
-          <a:endParaRPr lang="ro-RO"/>
+          <a:endParaRPr lang="en-US"/>
         </a:p>
       </c:txPr>
     </c:legend>
@@ -1248,10 +1413,10 @@
       <a:pPr>
         <a:defRPr/>
       </a:pPr>
-      <a:endParaRPr lang="ro-RO"/>
+      <a:endParaRPr lang="en-US"/>
     </a:p>
   </c:txPr>
-  <c:externalData r:id="rId1">
+  <c:externalData r:id="rId3">
     <c:autoUpdate val="0"/>
   </c:externalData>
 </c:chartSpace>
@@ -3226,7 +3391,7 @@
           <a:p>
             <a:fld id="{115C48E2-7E56-40C8-9685-3F8DF3CF180A}" type="datetimeFigureOut">
               <a:rPr lang="en-GB" smtClean="0"/>
-              <a:t>26/01/2018</a:t>
+              <a:t>27/01/2018</a:t>
             </a:fld>
             <a:endParaRPr lang="en-GB"/>
           </a:p>
@@ -3434,7 +3599,7 @@
           <a:p>
             <a:fld id="{115C48E2-7E56-40C8-9685-3F8DF3CF180A}" type="datetimeFigureOut">
               <a:rPr lang="en-GB" smtClean="0"/>
-              <a:t>26/01/2018</a:t>
+              <a:t>27/01/2018</a:t>
             </a:fld>
             <a:endParaRPr lang="en-GB"/>
           </a:p>
@@ -3690,7 +3855,7 @@
           <a:p>
             <a:fld id="{115C48E2-7E56-40C8-9685-3F8DF3CF180A}" type="datetimeFigureOut">
               <a:rPr lang="en-GB" smtClean="0"/>
-              <a:t>26/01/2018</a:t>
+              <a:t>27/01/2018</a:t>
             </a:fld>
             <a:endParaRPr lang="en-GB"/>
           </a:p>
@@ -3974,7 +4139,7 @@
           <a:p>
             <a:fld id="{115C48E2-7E56-40C8-9685-3F8DF3CF180A}" type="datetimeFigureOut">
               <a:rPr lang="en-GB" smtClean="0"/>
-              <a:t>26/01/2018</a:t>
+              <a:t>27/01/2018</a:t>
             </a:fld>
             <a:endParaRPr lang="en-GB"/>
           </a:p>
@@ -4148,7 +4313,7 @@
           <a:p>
             <a:fld id="{115C48E2-7E56-40C8-9685-3F8DF3CF180A}" type="datetimeFigureOut">
               <a:rPr lang="en-GB" smtClean="0"/>
-              <a:t>26/01/2018</a:t>
+              <a:t>27/01/2018</a:t>
             </a:fld>
             <a:endParaRPr lang="en-GB"/>
           </a:p>
@@ -4491,7 +4656,7 @@
           <a:p>
             <a:fld id="{115C48E2-7E56-40C8-9685-3F8DF3CF180A}" type="datetimeFigureOut">
               <a:rPr lang="en-GB" smtClean="0"/>
-              <a:t>26/01/2018</a:t>
+              <a:t>27/01/2018</a:t>
             </a:fld>
             <a:endParaRPr lang="en-GB"/>
           </a:p>
@@ -4766,7 +4931,7 @@
           <a:p>
             <a:fld id="{115C48E2-7E56-40C8-9685-3F8DF3CF180A}" type="datetimeFigureOut">
               <a:rPr lang="en-GB" smtClean="0"/>
-              <a:t>26/01/2018</a:t>
+              <a:t>27/01/2018</a:t>
             </a:fld>
             <a:endParaRPr lang="en-GB"/>
           </a:p>
@@ -5145,7 +5310,7 @@
           <a:p>
             <a:fld id="{115C48E2-7E56-40C8-9685-3F8DF3CF180A}" type="datetimeFigureOut">
               <a:rPr lang="en-GB" smtClean="0"/>
-              <a:t>26/01/2018</a:t>
+              <a:t>27/01/2018</a:t>
             </a:fld>
             <a:endParaRPr lang="en-GB"/>
           </a:p>
@@ -5263,7 +5428,7 @@
           <a:p>
             <a:fld id="{115C48E2-7E56-40C8-9685-3F8DF3CF180A}" type="datetimeFigureOut">
               <a:rPr lang="en-GB" smtClean="0"/>
-              <a:t>26/01/2018</a:t>
+              <a:t>27/01/2018</a:t>
             </a:fld>
             <a:endParaRPr lang="en-GB"/>
           </a:p>
@@ -5434,7 +5599,7 @@
           <a:p>
             <a:fld id="{115C48E2-7E56-40C8-9685-3F8DF3CF180A}" type="datetimeFigureOut">
               <a:rPr lang="en-GB" smtClean="0"/>
-              <a:t>26/01/2018</a:t>
+              <a:t>27/01/2018</a:t>
             </a:fld>
             <a:endParaRPr lang="en-GB"/>
           </a:p>
@@ -5788,7 +5953,7 @@
           <a:p>
             <a:fld id="{115C48E2-7E56-40C8-9685-3F8DF3CF180A}" type="datetimeFigureOut">
               <a:rPr lang="en-GB" smtClean="0"/>
-              <a:t>26/01/2018</a:t>
+              <a:t>27/01/2018</a:t>
             </a:fld>
             <a:endParaRPr lang="en-GB"/>
           </a:p>
@@ -6170,7 +6335,7 @@
           <a:p>
             <a:fld id="{115C48E2-7E56-40C8-9685-3F8DF3CF180A}" type="datetimeFigureOut">
               <a:rPr lang="en-GB" smtClean="0"/>
-              <a:t>26/01/2018</a:t>
+              <a:t>27/01/2018</a:t>
             </a:fld>
             <a:endParaRPr lang="en-GB"/>
           </a:p>
@@ -6457,7 +6622,7 @@
           <a:p>
             <a:fld id="{115C48E2-7E56-40C8-9685-3F8DF3CF180A}" type="datetimeFigureOut">
               <a:rPr lang="en-GB" smtClean="0"/>
-              <a:t>26/01/2018</a:t>
+              <a:t>27/01/2018</a:t>
             </a:fld>
             <a:endParaRPr lang="en-GB"/>
           </a:p>
@@ -6964,7 +7129,7 @@
   </p:txStyles>
   <p:extLst>
     <p:ext uri="{27BBF7A9-308A-43DC-89C8-2F10F3537804}">
-      <p15:sldGuideLst xmlns:p15="http://schemas.microsoft.com/office/powerpoint/2012/main" xmlns=""/>
+      <p15:sldGuideLst xmlns:p15="http://schemas.microsoft.com/office/powerpoint/2012/main"/>
     </p:ext>
   </p:extLst>
 </p:sldMaster>
@@ -7095,902 +7260,6 @@
                   <a:schemeClr val="accent3"/>
                 </a:solidFill>
               </a:rPr>
-              <a:t>Defects distribution</a:t>
-            </a:r>
-            <a:br>
-              <a:rPr lang="en-GB" dirty="0" smtClean="0">
-                <a:solidFill>
-                  <a:schemeClr val="accent3"/>
-                </a:solidFill>
-              </a:rPr>
-            </a:br>
-            <a:r>
-              <a:rPr lang="en-GB" sz="3600" dirty="0" smtClean="0">
-                <a:solidFill>
-                  <a:schemeClr val="accent3"/>
-                </a:solidFill>
-              </a:rPr>
-              <a:t>14 bugs</a:t>
-            </a:r>
-            <a:endParaRPr lang="en-GB" sz="3600" dirty="0">
-              <a:solidFill>
-                <a:schemeClr val="accent3"/>
-              </a:solidFill>
-            </a:endParaRPr>
-          </a:p>
-        </p:txBody>
-      </p:sp>
-      <p:graphicFrame>
-        <p:nvGraphicFramePr>
-          <p:cNvPr id="20" name="Content Placeholder 19"/>
-          <p:cNvGraphicFramePr>
-            <a:graphicFrameLocks noGrp="1"/>
-          </p:cNvGraphicFramePr>
-          <p:nvPr>
-            <p:ph idx="1"/>
-            <p:extLst>
-              <p:ext uri="{D42A27DB-BD31-4B8C-83A1-F6EECF244321}">
-                <p14:modId xmlns:p14="http://schemas.microsoft.com/office/powerpoint/2010/main" val="556473060"/>
-              </p:ext>
-            </p:extLst>
-          </p:nvPr>
-        </p:nvGraphicFramePr>
-        <p:xfrm>
-          <a:off x="759854" y="1815921"/>
-          <a:ext cx="11086710" cy="4159875"/>
-        </p:xfrm>
-        <a:graphic>
-          <a:graphicData uri="http://schemas.openxmlformats.org/drawingml/2006/chart">
-            <c:chart xmlns:c="http://schemas.openxmlformats.org/drawingml/2006/chart" xmlns:r="http://schemas.openxmlformats.org/officeDocument/2006/relationships" r:id="rId2"/>
-          </a:graphicData>
-        </a:graphic>
-      </p:graphicFrame>
-      <p:graphicFrame>
-        <p:nvGraphicFramePr>
-          <p:cNvPr id="4" name="Table 3"/>
-          <p:cNvGraphicFramePr>
-            <a:graphicFrameLocks noGrp="1"/>
-          </p:cNvGraphicFramePr>
-          <p:nvPr>
-            <p:extLst>
-              <p:ext uri="{D42A27DB-BD31-4B8C-83A1-F6EECF244321}">
-                <p14:modId xmlns:p14="http://schemas.microsoft.com/office/powerpoint/2010/main" val="1222610828"/>
-              </p:ext>
-            </p:extLst>
-          </p:nvPr>
-        </p:nvGraphicFramePr>
-        <p:xfrm>
-          <a:off x="1157860" y="2026637"/>
-          <a:ext cx="5912640" cy="3794615"/>
-        </p:xfrm>
-        <a:graphic>
-          <a:graphicData uri="http://schemas.openxmlformats.org/drawingml/2006/table">
-            <a:tbl>
-              <a:tblPr firstRow="1" bandRow="1">
-                <a:tableStyleId>{5C22544A-7EE6-4342-B048-85BDC9FD1C3A}</a:tableStyleId>
-              </a:tblPr>
-              <a:tblGrid>
-                <a:gridCol w="1478160"/>
-                <a:gridCol w="1121278"/>
-                <a:gridCol w="1835042"/>
-                <a:gridCol w="1478160"/>
-              </a:tblGrid>
-              <a:tr h="364867">
-                <a:tc>
-                  <a:txBody>
-                    <a:bodyPr/>
-                    <a:lstStyle/>
-                    <a:p>
-                      <a:r>
-                        <a:rPr lang="en-GB" sz="1400" dirty="0" smtClean="0"/>
-                        <a:t>Feature</a:t>
-                      </a:r>
-                      <a:endParaRPr lang="en-GB" sz="1400" dirty="0"/>
-                    </a:p>
-                  </a:txBody>
-                  <a:tcPr/>
-                </a:tc>
-                <a:tc>
-                  <a:txBody>
-                    <a:bodyPr/>
-                    <a:lstStyle/>
-                    <a:p>
-                      <a:r>
-                        <a:rPr lang="en-GB" sz="1400" dirty="0" smtClean="0"/>
-                        <a:t>No. </a:t>
-                      </a:r>
-                      <a:r>
-                        <a:rPr lang="en-GB" sz="1400" baseline="0" dirty="0" smtClean="0"/>
-                        <a:t>of bugs</a:t>
-                      </a:r>
-                      <a:endParaRPr lang="en-GB" sz="1400" dirty="0"/>
-                    </a:p>
-                  </a:txBody>
-                  <a:tcPr/>
-                </a:tc>
-                <a:tc>
-                  <a:txBody>
-                    <a:bodyPr/>
-                    <a:lstStyle/>
-                    <a:p>
-                      <a:r>
-                        <a:rPr lang="en-GB" sz="1400" dirty="0" smtClean="0"/>
-                        <a:t>Bug id</a:t>
-                      </a:r>
-                      <a:endParaRPr lang="en-GB" sz="1400" dirty="0"/>
-                    </a:p>
-                  </a:txBody>
-                  <a:tcPr/>
-                </a:tc>
-                <a:tc>
-                  <a:txBody>
-                    <a:bodyPr/>
-                    <a:lstStyle/>
-                    <a:p>
-                      <a:r>
-                        <a:rPr lang="en-GB" sz="1400" dirty="0" smtClean="0"/>
-                        <a:t>Severity</a:t>
-                      </a:r>
-                      <a:endParaRPr lang="en-GB" sz="1400" dirty="0"/>
-                    </a:p>
-                  </a:txBody>
-                  <a:tcPr/>
-                </a:tc>
-              </a:tr>
-              <a:tr h="620273">
-                <a:tc>
-                  <a:txBody>
-                    <a:bodyPr/>
-                    <a:lstStyle/>
-                    <a:p>
-                      <a:r>
-                        <a:rPr lang="en-GB" sz="1400" dirty="0" smtClean="0"/>
-                        <a:t>Log in</a:t>
-                      </a:r>
-                      <a:endParaRPr lang="en-GB" sz="1400" dirty="0"/>
-                    </a:p>
-                  </a:txBody>
-                  <a:tcPr/>
-                </a:tc>
-                <a:tc>
-                  <a:txBody>
-                    <a:bodyPr/>
-                    <a:lstStyle/>
-                    <a:p>
-                      <a:r>
-                        <a:rPr lang="en-GB" sz="1400" dirty="0" smtClean="0"/>
-                        <a:t>2</a:t>
-                      </a:r>
-                      <a:endParaRPr lang="en-GB" sz="1400" dirty="0"/>
-                    </a:p>
-                  </a:txBody>
-                  <a:tcPr/>
-                </a:tc>
-                <a:tc>
-                  <a:txBody>
-                    <a:bodyPr/>
-                    <a:lstStyle/>
-                    <a:p>
-                      <a:r>
-                        <a:rPr lang="en-US" sz="1400" u="sng" kern="1200" dirty="0" smtClean="0">
-                          <a:solidFill>
-                            <a:schemeClr val="dk1"/>
-                          </a:solidFill>
-                          <a:effectLst/>
-                          <a:latin typeface="+mn-lt"/>
-                          <a:ea typeface="+mn-ea"/>
-                          <a:cs typeface="+mn-cs"/>
-                          <a:hlinkClick r:id="rId3"/>
-                        </a:rPr>
-                        <a:t>12259</a:t>
-                      </a:r>
-                      <a:endParaRPr lang="en-US" sz="1400" u="sng" kern="1200" dirty="0" smtClean="0">
-                        <a:solidFill>
-                          <a:schemeClr val="dk1"/>
-                        </a:solidFill>
-                        <a:effectLst/>
-                        <a:latin typeface="+mn-lt"/>
-                        <a:ea typeface="+mn-ea"/>
-                        <a:cs typeface="+mn-cs"/>
-                      </a:endParaRPr>
-                    </a:p>
-                    <a:p>
-                      <a:r>
-                        <a:rPr lang="en-US" sz="1400" u="sng" kern="1200" dirty="0" smtClean="0">
-                          <a:solidFill>
-                            <a:schemeClr val="dk1"/>
-                          </a:solidFill>
-                          <a:effectLst/>
-                          <a:latin typeface="+mn-lt"/>
-                          <a:ea typeface="+mn-ea"/>
-                          <a:cs typeface="+mn-cs"/>
-                          <a:hlinkClick r:id="rId4"/>
-                        </a:rPr>
-                        <a:t>12258</a:t>
-                      </a:r>
-                      <a:endParaRPr lang="en-GB" sz="1400" dirty="0"/>
-                    </a:p>
-                  </a:txBody>
-                  <a:tcPr/>
-                </a:tc>
-                <a:tc>
-                  <a:txBody>
-                    <a:bodyPr/>
-                    <a:lstStyle/>
-                    <a:p>
-                      <a:r>
-                        <a:rPr lang="en-GB" sz="1400" dirty="0" smtClean="0"/>
-                        <a:t>major</a:t>
-                      </a:r>
-                    </a:p>
-                    <a:p>
-                      <a:r>
-                        <a:rPr lang="en-GB" sz="1400" dirty="0" smtClean="0"/>
-                        <a:t>normal</a:t>
-                      </a:r>
-                      <a:endParaRPr lang="en-GB" sz="1400" dirty="0"/>
-                    </a:p>
-                  </a:txBody>
-                  <a:tcPr/>
-                </a:tc>
-              </a:tr>
-              <a:tr h="620273">
-                <a:tc>
-                  <a:txBody>
-                    <a:bodyPr/>
-                    <a:lstStyle/>
-                    <a:p>
-                      <a:r>
-                        <a:rPr lang="en-GB" sz="1400" dirty="0" smtClean="0"/>
-                        <a:t>User experience</a:t>
-                      </a:r>
-                      <a:endParaRPr lang="en-GB" sz="1400" dirty="0"/>
-                    </a:p>
-                  </a:txBody>
-                  <a:tcPr/>
-                </a:tc>
-                <a:tc>
-                  <a:txBody>
-                    <a:bodyPr/>
-                    <a:lstStyle/>
-                    <a:p>
-                      <a:r>
-                        <a:rPr lang="en-GB" sz="1400" dirty="0" smtClean="0"/>
-                        <a:t>3</a:t>
-                      </a:r>
-                      <a:endParaRPr lang="en-GB" sz="1400" dirty="0"/>
-                    </a:p>
-                  </a:txBody>
-                  <a:tcPr/>
-                </a:tc>
-                <a:tc>
-                  <a:txBody>
-                    <a:bodyPr/>
-                    <a:lstStyle/>
-                    <a:p>
-                      <a:r>
-                        <a:rPr lang="en-US" sz="1400" u="sng" kern="1200" dirty="0" smtClean="0">
-                          <a:solidFill>
-                            <a:schemeClr val="dk1"/>
-                          </a:solidFill>
-                          <a:effectLst/>
-                          <a:latin typeface="+mn-lt"/>
-                          <a:ea typeface="+mn-ea"/>
-                          <a:cs typeface="+mn-cs"/>
-                          <a:hlinkClick r:id="rId5"/>
-                        </a:rPr>
-                        <a:t>12260</a:t>
-                      </a:r>
-                      <a:r>
-                        <a:rPr lang="en-US" sz="1400" u="sng" kern="1200" dirty="0" smtClean="0">
-                          <a:solidFill>
-                            <a:schemeClr val="dk1"/>
-                          </a:solidFill>
-                          <a:effectLst/>
-                          <a:latin typeface="+mn-lt"/>
-                          <a:ea typeface="+mn-ea"/>
-                          <a:cs typeface="+mn-cs"/>
-                        </a:rPr>
-                        <a:t>, </a:t>
-                      </a:r>
-                      <a:r>
-                        <a:rPr lang="en-US" sz="1400" u="sng" kern="1200" dirty="0" smtClean="0">
-                          <a:solidFill>
-                            <a:schemeClr val="dk1"/>
-                          </a:solidFill>
-                          <a:effectLst/>
-                          <a:latin typeface="+mn-lt"/>
-                          <a:ea typeface="+mn-ea"/>
-                          <a:cs typeface="+mn-cs"/>
-                          <a:hlinkClick r:id="rId6"/>
-                        </a:rPr>
-                        <a:t>12261</a:t>
-                      </a:r>
-                      <a:endParaRPr lang="en-US" sz="1400" u="sng" kern="1200" dirty="0" smtClean="0">
-                        <a:solidFill>
-                          <a:schemeClr val="dk1"/>
-                        </a:solidFill>
-                        <a:effectLst/>
-                        <a:latin typeface="+mn-lt"/>
-                        <a:ea typeface="+mn-ea"/>
-                        <a:cs typeface="+mn-cs"/>
-                      </a:endParaRPr>
-                    </a:p>
-                    <a:p>
-                      <a:r>
-                        <a:rPr lang="en-US" sz="1400" u="sng" kern="1200" dirty="0" smtClean="0">
-                          <a:solidFill>
-                            <a:schemeClr val="dk1"/>
-                          </a:solidFill>
-                          <a:effectLst/>
-                          <a:latin typeface="+mn-lt"/>
-                          <a:ea typeface="+mn-ea"/>
-                          <a:cs typeface="+mn-cs"/>
-                          <a:hlinkClick r:id="rId7"/>
-                        </a:rPr>
-                        <a:t>12267</a:t>
-                      </a:r>
-                      <a:endParaRPr lang="en-GB" sz="1400" dirty="0"/>
-                    </a:p>
-                  </a:txBody>
-                  <a:tcPr/>
-                </a:tc>
-                <a:tc>
-                  <a:txBody>
-                    <a:bodyPr/>
-                    <a:lstStyle/>
-                    <a:p>
-                      <a:r>
-                        <a:rPr lang="en-GB" sz="1400" dirty="0" smtClean="0"/>
-                        <a:t>normal</a:t>
-                      </a:r>
-                    </a:p>
-                    <a:p>
-                      <a:r>
-                        <a:rPr lang="en-GB" sz="1400" dirty="0" smtClean="0"/>
-                        <a:t>improvement</a:t>
-                      </a:r>
-                      <a:endParaRPr lang="en-GB" sz="1400" dirty="0"/>
-                    </a:p>
-                  </a:txBody>
-                  <a:tcPr/>
-                </a:tc>
-              </a:tr>
-              <a:tr h="364867">
-                <a:tc>
-                  <a:txBody>
-                    <a:bodyPr/>
-                    <a:lstStyle/>
-                    <a:p>
-                      <a:r>
-                        <a:rPr lang="en-GB" sz="1400" dirty="0" smtClean="0"/>
-                        <a:t>Add card</a:t>
-                      </a:r>
-                      <a:endParaRPr lang="en-GB" sz="1400" dirty="0"/>
-                    </a:p>
-                  </a:txBody>
-                  <a:tcPr/>
-                </a:tc>
-                <a:tc>
-                  <a:txBody>
-                    <a:bodyPr/>
-                    <a:lstStyle/>
-                    <a:p>
-                      <a:r>
-                        <a:rPr lang="en-GB" sz="1400" dirty="0" smtClean="0"/>
-                        <a:t>1</a:t>
-                      </a:r>
-                      <a:endParaRPr lang="en-GB" sz="1400" dirty="0"/>
-                    </a:p>
-                  </a:txBody>
-                  <a:tcPr/>
-                </a:tc>
-                <a:tc>
-                  <a:txBody>
-                    <a:bodyPr/>
-                    <a:lstStyle/>
-                    <a:p>
-                      <a:r>
-                        <a:rPr lang="en-US" sz="1400" u="sng" kern="1200" dirty="0" smtClean="0">
-                          <a:solidFill>
-                            <a:schemeClr val="dk1"/>
-                          </a:solidFill>
-                          <a:effectLst/>
-                          <a:latin typeface="+mn-lt"/>
-                          <a:ea typeface="+mn-ea"/>
-                          <a:cs typeface="+mn-cs"/>
-                          <a:hlinkClick r:id="rId8"/>
-                        </a:rPr>
-                        <a:t>12252</a:t>
-                      </a:r>
-                      <a:endParaRPr lang="en-GB" sz="1400" dirty="0"/>
-                    </a:p>
-                  </a:txBody>
-                  <a:tcPr/>
-                </a:tc>
-                <a:tc>
-                  <a:txBody>
-                    <a:bodyPr/>
-                    <a:lstStyle/>
-                    <a:p>
-                      <a:r>
-                        <a:rPr lang="en-GB" sz="1400" dirty="0" smtClean="0"/>
-                        <a:t>normal</a:t>
-                      </a:r>
-                    </a:p>
-                  </a:txBody>
-                  <a:tcPr/>
-                </a:tc>
-              </a:tr>
-              <a:tr h="364867">
-                <a:tc>
-                  <a:txBody>
-                    <a:bodyPr/>
-                    <a:lstStyle/>
-                    <a:p>
-                      <a:r>
-                        <a:rPr lang="en-GB" sz="1400" dirty="0" smtClean="0"/>
-                        <a:t>Birthday calendar</a:t>
-                      </a:r>
-                      <a:endParaRPr lang="en-GB" sz="1400" dirty="0"/>
-                    </a:p>
-                  </a:txBody>
-                  <a:tcPr/>
-                </a:tc>
-                <a:tc>
-                  <a:txBody>
-                    <a:bodyPr/>
-                    <a:lstStyle/>
-                    <a:p>
-                      <a:r>
-                        <a:rPr lang="en-GB" sz="1400" dirty="0" smtClean="0"/>
-                        <a:t>2</a:t>
-                      </a:r>
-                      <a:endParaRPr lang="en-GB" sz="1400" dirty="0"/>
-                    </a:p>
-                  </a:txBody>
-                  <a:tcPr/>
-                </a:tc>
-                <a:tc>
-                  <a:txBody>
-                    <a:bodyPr/>
-                    <a:lstStyle/>
-                    <a:p>
-                      <a:r>
-                        <a:rPr lang="en-US" sz="1400" u="sng" kern="1200" dirty="0" smtClean="0">
-                          <a:solidFill>
-                            <a:schemeClr val="dk1"/>
-                          </a:solidFill>
-                          <a:effectLst/>
-                          <a:latin typeface="+mn-lt"/>
-                          <a:ea typeface="+mn-ea"/>
-                          <a:cs typeface="+mn-cs"/>
-                          <a:hlinkClick r:id="rId9"/>
-                        </a:rPr>
-                        <a:t>12255</a:t>
-                      </a:r>
-                      <a:r>
-                        <a:rPr lang="en-US" sz="1400" u="sng" kern="1200" dirty="0" smtClean="0">
-                          <a:solidFill>
-                            <a:schemeClr val="dk1"/>
-                          </a:solidFill>
-                          <a:effectLst/>
-                          <a:latin typeface="+mn-lt"/>
-                          <a:ea typeface="+mn-ea"/>
-                          <a:cs typeface="+mn-cs"/>
-                        </a:rPr>
-                        <a:t>, </a:t>
-                      </a:r>
-                      <a:r>
-                        <a:rPr lang="en-US" sz="1400" u="sng" kern="1200" dirty="0" smtClean="0">
-                          <a:solidFill>
-                            <a:schemeClr val="dk1"/>
-                          </a:solidFill>
-                          <a:effectLst/>
-                          <a:latin typeface="+mn-lt"/>
-                          <a:ea typeface="+mn-ea"/>
-                          <a:cs typeface="+mn-cs"/>
-                          <a:hlinkClick r:id="rId10"/>
-                        </a:rPr>
-                        <a:t>12432</a:t>
-                      </a:r>
-                      <a:endParaRPr lang="en-GB" sz="1400" dirty="0"/>
-                    </a:p>
-                  </a:txBody>
-                  <a:tcPr/>
-                </a:tc>
-                <a:tc>
-                  <a:txBody>
-                    <a:bodyPr/>
-                    <a:lstStyle/>
-                    <a:p>
-                      <a:r>
-                        <a:rPr lang="en-GB" sz="1400" dirty="0" smtClean="0"/>
-                        <a:t>normal</a:t>
-                      </a:r>
-                    </a:p>
-                  </a:txBody>
-                  <a:tcPr/>
-                </a:tc>
-              </a:tr>
-              <a:tr h="364867">
-                <a:tc>
-                  <a:txBody>
-                    <a:bodyPr/>
-                    <a:lstStyle/>
-                    <a:p>
-                      <a:r>
-                        <a:rPr lang="en-GB" sz="1400" dirty="0" smtClean="0"/>
-                        <a:t>Shopping list</a:t>
-                      </a:r>
-                      <a:endParaRPr lang="en-GB" sz="1400" dirty="0"/>
-                    </a:p>
-                  </a:txBody>
-                  <a:tcPr/>
-                </a:tc>
-                <a:tc>
-                  <a:txBody>
-                    <a:bodyPr/>
-                    <a:lstStyle/>
-                    <a:p>
-                      <a:r>
-                        <a:rPr lang="en-GB" sz="1400" dirty="0" smtClean="0"/>
-                        <a:t>2</a:t>
-                      </a:r>
-                      <a:endParaRPr lang="en-GB" sz="1400" dirty="0"/>
-                    </a:p>
-                  </a:txBody>
-                  <a:tcPr/>
-                </a:tc>
-                <a:tc>
-                  <a:txBody>
-                    <a:bodyPr/>
-                    <a:lstStyle/>
-                    <a:p>
-                      <a:r>
-                        <a:rPr lang="en-US" sz="1400" u="sng" kern="1200" dirty="0" smtClean="0">
-                          <a:solidFill>
-                            <a:schemeClr val="dk1"/>
-                          </a:solidFill>
-                          <a:effectLst/>
-                          <a:latin typeface="+mn-lt"/>
-                          <a:ea typeface="+mn-ea"/>
-                          <a:cs typeface="+mn-cs"/>
-                          <a:hlinkClick r:id="rId11"/>
-                        </a:rPr>
-                        <a:t>12265</a:t>
-                      </a:r>
-                      <a:r>
-                        <a:rPr lang="en-US" sz="1400" u="sng" kern="1200" dirty="0" smtClean="0">
-                          <a:solidFill>
-                            <a:schemeClr val="dk1"/>
-                          </a:solidFill>
-                          <a:effectLst/>
-                          <a:latin typeface="+mn-lt"/>
-                          <a:ea typeface="+mn-ea"/>
-                          <a:cs typeface="+mn-cs"/>
-                        </a:rPr>
-                        <a:t>, </a:t>
-                      </a:r>
-                      <a:r>
-                        <a:rPr lang="en-US" sz="1400" u="sng" kern="1200" dirty="0" smtClean="0">
-                          <a:solidFill>
-                            <a:schemeClr val="dk1"/>
-                          </a:solidFill>
-                          <a:effectLst/>
-                          <a:latin typeface="+mn-lt"/>
-                          <a:ea typeface="+mn-ea"/>
-                          <a:cs typeface="+mn-cs"/>
-                          <a:hlinkClick r:id="rId12"/>
-                        </a:rPr>
-                        <a:t>12266</a:t>
-                      </a:r>
-                      <a:endParaRPr lang="en-GB" sz="1400" dirty="0"/>
-                    </a:p>
-                  </a:txBody>
-                  <a:tcPr/>
-                </a:tc>
-                <a:tc>
-                  <a:txBody>
-                    <a:bodyPr/>
-                    <a:lstStyle/>
-                    <a:p>
-                      <a:r>
-                        <a:rPr lang="en-GB" sz="1400" dirty="0" smtClean="0"/>
-                        <a:t>normal</a:t>
-                      </a:r>
-                    </a:p>
-                  </a:txBody>
-                  <a:tcPr/>
-                </a:tc>
-              </a:tr>
-              <a:tr h="364867">
-                <a:tc>
-                  <a:txBody>
-                    <a:bodyPr/>
-                    <a:lstStyle/>
-                    <a:p>
-                      <a:r>
-                        <a:rPr lang="en-GB" sz="1400" dirty="0" smtClean="0"/>
-                        <a:t>Offers</a:t>
-                      </a:r>
-                      <a:endParaRPr lang="en-GB" sz="1400" dirty="0"/>
-                    </a:p>
-                  </a:txBody>
-                  <a:tcPr/>
-                </a:tc>
-                <a:tc>
-                  <a:txBody>
-                    <a:bodyPr/>
-                    <a:lstStyle/>
-                    <a:p>
-                      <a:r>
-                        <a:rPr lang="en-GB" sz="1400" dirty="0" smtClean="0"/>
-                        <a:t>2</a:t>
-                      </a:r>
-                      <a:endParaRPr lang="en-GB" sz="1400" dirty="0"/>
-                    </a:p>
-                  </a:txBody>
-                  <a:tcPr/>
-                </a:tc>
-                <a:tc>
-                  <a:txBody>
-                    <a:bodyPr/>
-                    <a:lstStyle/>
-                    <a:p>
-                      <a:r>
-                        <a:rPr lang="en-US" sz="1400" u="sng" kern="1200" dirty="0" smtClean="0">
-                          <a:solidFill>
-                            <a:schemeClr val="dk1"/>
-                          </a:solidFill>
-                          <a:effectLst/>
-                          <a:latin typeface="+mn-lt"/>
-                          <a:ea typeface="+mn-ea"/>
-                          <a:cs typeface="+mn-cs"/>
-                          <a:hlinkClick r:id="rId13"/>
-                        </a:rPr>
-                        <a:t>12262</a:t>
-                      </a:r>
-                      <a:r>
-                        <a:rPr lang="en-US" sz="1400" u="sng" kern="1200" dirty="0" smtClean="0">
-                          <a:solidFill>
-                            <a:schemeClr val="dk1"/>
-                          </a:solidFill>
-                          <a:effectLst/>
-                          <a:latin typeface="+mn-lt"/>
-                          <a:ea typeface="+mn-ea"/>
-                          <a:cs typeface="+mn-cs"/>
-                        </a:rPr>
-                        <a:t>, </a:t>
-                      </a:r>
-                      <a:r>
-                        <a:rPr lang="en-US" sz="1400" u="sng" kern="1200" dirty="0" smtClean="0">
-                          <a:solidFill>
-                            <a:schemeClr val="dk1"/>
-                          </a:solidFill>
-                          <a:effectLst/>
-                          <a:latin typeface="+mn-lt"/>
-                          <a:ea typeface="+mn-ea"/>
-                          <a:cs typeface="+mn-cs"/>
-                          <a:hlinkClick r:id="rId14"/>
-                        </a:rPr>
-                        <a:t>12264</a:t>
-                      </a:r>
-                      <a:endParaRPr lang="en-GB" sz="1400" dirty="0"/>
-                    </a:p>
-                  </a:txBody>
-                  <a:tcPr/>
-                </a:tc>
-                <a:tc>
-                  <a:txBody>
-                    <a:bodyPr/>
-                    <a:lstStyle/>
-                    <a:p>
-                      <a:r>
-                        <a:rPr lang="en-GB" sz="1400" dirty="0" smtClean="0"/>
-                        <a:t>normal</a:t>
-                      </a:r>
-                    </a:p>
-                  </a:txBody>
-                  <a:tcPr/>
-                </a:tc>
-              </a:tr>
-              <a:tr h="364867">
-                <a:tc>
-                  <a:txBody>
-                    <a:bodyPr/>
-                    <a:lstStyle/>
-                    <a:p>
-                      <a:r>
-                        <a:rPr lang="en-GB" sz="1400" dirty="0" smtClean="0"/>
-                        <a:t>Localization</a:t>
-                      </a:r>
-                      <a:endParaRPr lang="en-GB" sz="1400" dirty="0"/>
-                    </a:p>
-                  </a:txBody>
-                  <a:tcPr/>
-                </a:tc>
-                <a:tc>
-                  <a:txBody>
-                    <a:bodyPr/>
-                    <a:lstStyle/>
-                    <a:p>
-                      <a:r>
-                        <a:rPr lang="en-GB" sz="1400" dirty="0" smtClean="0"/>
-                        <a:t>2</a:t>
-                      </a:r>
-                      <a:endParaRPr lang="en-GB" sz="1400" dirty="0"/>
-                    </a:p>
-                  </a:txBody>
-                  <a:tcPr/>
-                </a:tc>
-                <a:tc>
-                  <a:txBody>
-                    <a:bodyPr/>
-                    <a:lstStyle/>
-                    <a:p>
-                      <a:r>
-                        <a:rPr lang="en-US" sz="1400" u="sng" kern="1200" dirty="0" smtClean="0">
-                          <a:solidFill>
-                            <a:schemeClr val="dk1"/>
-                          </a:solidFill>
-                          <a:effectLst/>
-                          <a:latin typeface="+mn-lt"/>
-                          <a:ea typeface="+mn-ea"/>
-                          <a:cs typeface="+mn-cs"/>
-                          <a:hlinkClick r:id="rId15"/>
-                        </a:rPr>
-                        <a:t>12257</a:t>
-                      </a:r>
-                      <a:r>
-                        <a:rPr lang="en-US" sz="1400" u="sng" kern="1200" dirty="0" smtClean="0">
-                          <a:solidFill>
-                            <a:schemeClr val="dk1"/>
-                          </a:solidFill>
-                          <a:effectLst/>
-                          <a:latin typeface="+mn-lt"/>
-                          <a:ea typeface="+mn-ea"/>
-                          <a:cs typeface="+mn-cs"/>
-                        </a:rPr>
-                        <a:t>, </a:t>
-                      </a:r>
-                      <a:r>
-                        <a:rPr lang="en-US" sz="1400" u="sng" kern="1200" dirty="0" smtClean="0">
-                          <a:solidFill>
-                            <a:schemeClr val="dk1"/>
-                          </a:solidFill>
-                          <a:effectLst/>
-                          <a:latin typeface="+mn-lt"/>
-                          <a:ea typeface="+mn-ea"/>
-                          <a:cs typeface="+mn-cs"/>
-                          <a:hlinkClick r:id="rId16"/>
-                        </a:rPr>
-                        <a:t>12428</a:t>
-                      </a:r>
-                      <a:endParaRPr lang="en-GB" sz="1400" dirty="0"/>
-                    </a:p>
-                  </a:txBody>
-                  <a:tcPr/>
-                </a:tc>
-                <a:tc>
-                  <a:txBody>
-                    <a:bodyPr/>
-                    <a:lstStyle/>
-                    <a:p>
-                      <a:r>
-                        <a:rPr lang="en-GB" sz="1400" dirty="0" smtClean="0"/>
-                        <a:t>normal</a:t>
-                      </a:r>
-                    </a:p>
-                  </a:txBody>
-                  <a:tcPr/>
-                </a:tc>
-              </a:tr>
-              <a:tr h="364867">
-                <a:tc>
-                  <a:txBody>
-                    <a:bodyPr/>
-                    <a:lstStyle/>
-                    <a:p>
-                      <a:r>
-                        <a:rPr lang="en-GB" sz="1400" dirty="0" smtClean="0"/>
-                        <a:t>Total</a:t>
-                      </a:r>
-                      <a:endParaRPr lang="en-GB" sz="1400" dirty="0"/>
-                    </a:p>
-                  </a:txBody>
-                  <a:tcPr/>
-                </a:tc>
-                <a:tc gridSpan="3">
-                  <a:txBody>
-                    <a:bodyPr/>
-                    <a:lstStyle/>
-                    <a:p>
-                      <a:r>
-                        <a:rPr lang="en-GB" sz="1400" dirty="0" smtClean="0"/>
-                        <a:t>14</a:t>
-                      </a:r>
-                      <a:endParaRPr lang="en-GB" sz="1400" dirty="0"/>
-                    </a:p>
-                  </a:txBody>
-                  <a:tcPr/>
-                </a:tc>
-                <a:tc hMerge="1">
-                  <a:txBody>
-                    <a:bodyPr/>
-                    <a:lstStyle/>
-                    <a:p>
-                      <a:endParaRPr lang="en-GB" dirty="0"/>
-                    </a:p>
-                  </a:txBody>
-                  <a:tcPr/>
-                </a:tc>
-                <a:tc hMerge="1">
-                  <a:txBody>
-                    <a:bodyPr/>
-                    <a:lstStyle/>
-                    <a:p>
-                      <a:endParaRPr lang="en-GB" dirty="0"/>
-                    </a:p>
-                  </a:txBody>
-                  <a:tcPr/>
-                </a:tc>
-              </a:tr>
-            </a:tbl>
-          </a:graphicData>
-        </a:graphic>
-      </p:graphicFrame>
-    </p:spTree>
-    <p:extLst>
-      <p:ext uri="{BB962C8B-B14F-4D97-AF65-F5344CB8AC3E}">
-        <p14:creationId xmlns:p14="http://schemas.microsoft.com/office/powerpoint/2010/main" val="3709347779"/>
-      </p:ext>
-    </p:extLst>
-  </p:cSld>
-  <p:clrMapOvr>
-    <a:masterClrMapping/>
-  </p:clrMapOvr>
-</p:sld>
-</file>
-
-<file path=ppt/slides/slide11.xml><?xml version="1.0" encoding="utf-8"?>
-<p:sld xmlns:a="http://schemas.openxmlformats.org/drawingml/2006/main" xmlns:r="http://schemas.openxmlformats.org/officeDocument/2006/relationships" xmlns:p="http://schemas.openxmlformats.org/presentationml/2006/main">
-  <p:cSld>
-    <p:spTree>
-      <p:nvGrpSpPr>
-        <p:cNvPr id="1" name=""/>
-        <p:cNvGrpSpPr/>
-        <p:nvPr/>
-      </p:nvGrpSpPr>
-      <p:grpSpPr>
-        <a:xfrm>
-          <a:off x="0" y="0"/>
-          <a:ext cx="0" cy="0"/>
-          <a:chOff x="0" y="0"/>
-          <a:chExt cx="0" cy="0"/>
-        </a:xfrm>
-      </p:grpSpPr>
-      <p:sp>
-        <p:nvSpPr>
-          <p:cNvPr id="2" name="Title 1"/>
-          <p:cNvSpPr>
-            <a:spLocks noGrp="1"/>
-          </p:cNvSpPr>
-          <p:nvPr>
-            <p:ph type="title"/>
-          </p:nvPr>
-        </p:nvSpPr>
-        <p:spPr/>
-        <p:txBody>
-          <a:bodyPr/>
-          <a:lstStyle/>
-          <a:p>
-            <a:r>
-              <a:rPr lang="en-GB" dirty="0" smtClean="0">
-                <a:solidFill>
-                  <a:schemeClr val="accent3"/>
-                </a:solidFill>
-              </a:rPr>
               <a:t>Conclusions</a:t>
             </a:r>
             <a:endParaRPr lang="en-GB" dirty="0">
@@ -8039,19 +7308,27 @@
             </a:r>
             <a:r>
               <a:rPr lang="en-US" dirty="0" smtClean="0"/>
-              <a:t> failed</a:t>
-            </a:r>
-          </a:p>
-          <a:p>
+              <a:t> failed </a:t>
+            </a:r>
+          </a:p>
+          <a:p>
+            <a:pPr lvl="2"/>
             <a:r>
               <a:rPr lang="en-US" dirty="0" smtClean="0"/>
-              <a:t>- 14 bugs identified: 1 major, 11 normal (most of them</a:t>
+              <a:t>The failed test is related to mandatory fields from ‘Add card’ form</a:t>
             </a:r>
           </a:p>
           <a:p>
             <a:r>
               <a:rPr lang="en-US" dirty="0" smtClean="0"/>
-              <a:t> found by performing </a:t>
+              <a:t>- 13 bugs identified: 1 major, 12 normal </a:t>
+            </a:r>
+          </a:p>
+          <a:p>
+            <a:pPr lvl="2"/>
+            <a:r>
+              <a:rPr lang="en-US" dirty="0" smtClean="0"/>
+              <a:t>most of them  found by performing </a:t>
             </a:r>
             <a:r>
               <a:rPr lang="en-US" dirty="0" smtClean="0">
@@ -8095,15 +7372,31 @@
                   </a:schemeClr>
                 </a:solidFill>
               </a:rPr>
-              <a:t>Location testing</a:t>
+              <a:t>Localization testing</a:t>
             </a:r>
             <a:r>
               <a:rPr lang="en-US" dirty="0" smtClean="0"/>
               <a:t>)</a:t>
             </a:r>
-            <a:endParaRPr lang="en-US" dirty="0"/>
-          </a:p>
-          <a:p>
+          </a:p>
+          <a:p>
+            <a:pPr lvl="2"/>
+            <a:r>
+              <a:rPr lang="en-US" dirty="0" smtClean="0"/>
+              <a:t>the major bug is related to the </a:t>
+            </a:r>
+            <a:r>
+              <a:rPr lang="en-US" smtClean="0"/>
+              <a:t>Login </a:t>
+            </a:r>
+            <a:r>
+              <a:rPr lang="en-US" smtClean="0"/>
+              <a:t>form while </a:t>
+            </a:r>
+            <a:r>
+              <a:rPr lang="en-US" dirty="0" smtClean="0"/>
+              <a:t>offline</a:t>
+            </a:r>
             <a:endParaRPr lang="en-GB" dirty="0" smtClean="0"/>
           </a:p>
           <a:p>
@@ -8156,7 +7449,7 @@
           <p:nvPr>
             <p:extLst>
               <p:ext uri="{D42A27DB-BD31-4B8C-83A1-F6EECF244321}">
-                <p14:modId xmlns:p14="http://schemas.microsoft.com/office/powerpoint/2010/main" val="3994689751"/>
+                <p14:modId xmlns:p14="http://schemas.microsoft.com/office/powerpoint/2010/main" val="3468501581"/>
               </p:ext>
             </p:extLst>
           </p:nvPr>
@@ -8231,6 +7524,36 @@
           </a:prstGeom>
         </p:spPr>
       </p:pic>
+      <p:pic>
+        <p:nvPicPr>
+          <p:cNvPr id="4" name="Picture 3"/>
+          <p:cNvPicPr>
+            <a:picLocks noChangeAspect="1"/>
+          </p:cNvPicPr>
+          <p:nvPr/>
+        </p:nvPicPr>
+        <p:blipFill>
+          <a:blip r:embed="rId6">
+            <a:extLst>
+              <a:ext uri="{28A0092B-C50C-407E-A947-70E740481C1C}">
+                <a14:useLocalDpi xmlns:a14="http://schemas.microsoft.com/office/drawing/2010/main" val="0"/>
+              </a:ext>
+            </a:extLst>
+          </a:blip>
+          <a:stretch>
+            <a:fillRect/>
+          </a:stretch>
+        </p:blipFill>
+        <p:spPr>
+          <a:xfrm>
+            <a:off x="216360" y="4568841"/>
+            <a:ext cx="2847975" cy="1600200"/>
+          </a:xfrm>
+          <a:prstGeom prst="rect">
+            <a:avLst/>
+          </a:prstGeom>
+        </p:spPr>
+      </p:pic>
     </p:spTree>
     <p:extLst>
       <p:ext uri="{BB962C8B-B14F-4D97-AF65-F5344CB8AC3E}">
@@ -8241,10 +7564,17 @@
   <p:clrMapOvr>
     <a:masterClrMapping/>
   </p:clrMapOvr>
+  <p:timing>
+    <p:tnLst>
+      <p:par>
+        <p:cTn id="1" dur="indefinite" restart="never" nodeType="tmRoot"/>
+      </p:par>
+    </p:tnLst>
+  </p:timing>
 </p:sld>
 </file>
 
-<file path=ppt/slides/slide12.xml><?xml version="1.0" encoding="utf-8"?>
+<file path=ppt/slides/slide11.xml><?xml version="1.0" encoding="utf-8"?>
 <p:sld xmlns:a="http://schemas.openxmlformats.org/drawingml/2006/main" xmlns:r="http://schemas.openxmlformats.org/officeDocument/2006/relationships" xmlns:p="http://schemas.openxmlformats.org/presentationml/2006/main">
   <p:cSld>
     <p:spTree>
@@ -8465,6 +7795,13 @@
   <p:clrMapOvr>
     <a:masterClrMapping/>
   </p:clrMapOvr>
+  <p:timing>
+    <p:tnLst>
+      <p:par>
+        <p:cTn id="1" dur="indefinite" restart="never" nodeType="tmRoot"/>
+      </p:par>
+    </p:tnLst>
+  </p:timing>
 </p:sld>
 </file>
 
@@ -8566,13 +7903,21 @@
         <p:spPr/>
         <p:txBody>
           <a:bodyPr>
-            <a:normAutofit fontScale="92500" lnSpcReduction="10000"/>
+            <a:normAutofit fontScale="92500" lnSpcReduction="20000"/>
           </a:bodyPr>
           <a:lstStyle/>
           <a:p>
             <a:r>
               <a:rPr lang="en-GB" sz="3600" dirty="0"/>
-              <a:t>Virtual cards allows the user to register and manage loyalty cards and obtain discount coupons granted by merchants.</a:t>
+              <a:t>Virtual cards </a:t>
+            </a:r>
+            <a:r>
+              <a:rPr lang="en-GB" sz="3600" dirty="0" smtClean="0"/>
+              <a:t>is a mobile app that allows </a:t>
+            </a:r>
+            <a:r>
+              <a:rPr lang="en-GB" sz="3600" dirty="0"/>
+              <a:t>the user to register and manage loyalty cards and obtain discount coupons granted by merchants.</a:t>
             </a:r>
           </a:p>
         </p:txBody>
@@ -8755,40 +8100,70 @@
           <a:bodyPr/>
           <a:lstStyle/>
           <a:p>
+            <a:pPr marL="0" indent="0">
+              <a:buNone/>
+            </a:pPr>
+            <a:endParaRPr lang="en-GB" dirty="0" smtClean="0"/>
+          </a:p>
+          <a:p>
+            <a:pPr>
+              <a:buFont typeface="Wingdings" panose="05000000000000000000" pitchFamily="2" charset="2"/>
+              <a:buChar char="q"/>
+            </a:pPr>
             <a:r>
               <a:rPr lang="en-GB" dirty="0" smtClean="0"/>
-              <a:t>- Scan or manually insert the card’s barcode</a:t>
-            </a:r>
-          </a:p>
-          <a:p>
+              <a:t>Scan or manually insert the card’s barcode</a:t>
+            </a:r>
+          </a:p>
+          <a:p>
+            <a:pPr>
+              <a:buFont typeface="Wingdings" panose="05000000000000000000" pitchFamily="2" charset="2"/>
+              <a:buChar char="q"/>
+            </a:pPr>
             <a:r>
               <a:rPr lang="en-GB" dirty="0" smtClean="0"/>
               <a:t>- Add as many cards as you want</a:t>
             </a:r>
           </a:p>
           <a:p>
+            <a:pPr>
+              <a:buFont typeface="Wingdings" panose="05000000000000000000" pitchFamily="2" charset="2"/>
+              <a:buChar char="q"/>
+            </a:pPr>
             <a:r>
               <a:rPr lang="en-GB" dirty="0" smtClean="0"/>
-              <a:t>- Use them to obtain discounts from participating vendors</a:t>
+              <a:t> Use them to obtain discounts from participating vendors</a:t>
             </a:r>
             <a:endParaRPr lang="en-GB" dirty="0"/>
           </a:p>
           <a:p>
+            <a:pPr>
+              <a:buFont typeface="Wingdings" panose="05000000000000000000" pitchFamily="2" charset="2"/>
+              <a:buChar char="q"/>
+            </a:pPr>
             <a:r>
               <a:rPr lang="en-GB" dirty="0" smtClean="0"/>
-              <a:t>- The app notifies the user about offers and coupons </a:t>
-            </a:r>
-          </a:p>
-          <a:p>
+              <a:t> The app notifies the user about offers and coupons </a:t>
+            </a:r>
+          </a:p>
+          <a:p>
+            <a:pPr>
+              <a:buFont typeface="Wingdings" panose="05000000000000000000" pitchFamily="2" charset="2"/>
+              <a:buChar char="q"/>
+            </a:pPr>
             <a:r>
               <a:rPr lang="en-GB" dirty="0" smtClean="0"/>
-              <a:t>- Display route feature helps the user to get to the nearest store</a:t>
-            </a:r>
-          </a:p>
-          <a:p>
+              <a:t> Display route feature helps the user to get to the nearest store</a:t>
+            </a:r>
+          </a:p>
+          <a:p>
+            <a:pPr>
+              <a:buFont typeface="Wingdings" panose="05000000000000000000" pitchFamily="2" charset="2"/>
+              <a:buChar char="q"/>
+            </a:pPr>
             <a:r>
               <a:rPr lang="en-GB" dirty="0" smtClean="0"/>
-              <a:t>- Create and share shopping list</a:t>
+              <a:t> Create and share shopping list</a:t>
             </a:r>
           </a:p>
         </p:txBody>
@@ -8863,6 +8238,13 @@
   <p:clrMapOvr>
     <a:masterClrMapping/>
   </p:clrMapOvr>
+  <p:timing>
+    <p:tnLst>
+      <p:par>
+        <p:cTn id="1" dur="indefinite" restart="never" nodeType="tmRoot"/>
+      </p:par>
+    </p:tnLst>
+  </p:timing>
 </p:sld>
 </file>
 
@@ -8935,6 +8317,15 @@
           </a:bodyPr>
           <a:lstStyle/>
           <a:p>
+            <a:endParaRPr lang="en-GB" b="1" dirty="0" smtClean="0">
+              <a:solidFill>
+                <a:schemeClr val="accent1">
+                  <a:lumMod val="75000"/>
+                </a:schemeClr>
+              </a:solidFill>
+            </a:endParaRPr>
+          </a:p>
+          <a:p>
             <a:r>
               <a:rPr lang="en-GB" b="1" dirty="0" smtClean="0">
                 <a:solidFill>
@@ -8977,7 +8368,7 @@
             <a:pPr lvl="1"/>
             <a:r>
               <a:rPr lang="en-GB" dirty="0" smtClean="0"/>
-              <a:t>Explore the app </a:t>
+              <a:t>Learn the app by exploratory testing</a:t>
             </a:r>
           </a:p>
           <a:p>
@@ -8992,7 +8383,15 @@
             </a:r>
             <a:r>
               <a:rPr lang="en-GB" dirty="0" smtClean="0"/>
-              <a:t>functionalities </a:t>
+              <a:t>functionalities and do </a:t>
+            </a:r>
+            <a:r>
+              <a:rPr lang="en-GB" dirty="0"/>
+              <a:t>C</a:t>
+            </a:r>
+            <a:r>
+              <a:rPr lang="en-GB" dirty="0" smtClean="0"/>
+              <a:t>omponent testing then Integration testing.</a:t>
             </a:r>
           </a:p>
           <a:p>
@@ -9038,7 +8437,7 @@
           <p:nvPr/>
         </p:nvPicPr>
         <p:blipFill>
-          <a:blip r:embed="rId2">
+          <a:blip r:embed="rId2" cstate="print">
             <a:extLst>
               <a:ext uri="{28A0092B-C50C-407E-A947-70E740481C1C}">
                 <a14:useLocalDpi xmlns:a14="http://schemas.microsoft.com/office/drawing/2010/main" val="0"/>
@@ -9051,8 +8450,8 @@
         </p:blipFill>
         <p:spPr>
           <a:xfrm rot="3150007">
-            <a:off x="8488796" y="2952761"/>
-            <a:ext cx="2604736" cy="1287512"/>
+            <a:off x="9133799" y="2832233"/>
+            <a:ext cx="1884489" cy="931496"/>
           </a:xfrm>
           <a:prstGeom prst="rect">
             <a:avLst/>
@@ -9081,8 +8480,8 @@
         </p:blipFill>
         <p:spPr>
           <a:xfrm>
-            <a:off x="5024437" y="2357437"/>
-            <a:ext cx="2143125" cy="2143125"/>
+            <a:off x="5980325" y="2043044"/>
+            <a:ext cx="1569019" cy="1569019"/>
           </a:xfrm>
           <a:prstGeom prst="rect">
             <a:avLst/>
@@ -9357,7 +8756,7 @@
       </p:sp>
       <p:pic>
         <p:nvPicPr>
-          <p:cNvPr id="4" name="Content Placeholder 3"/>
+          <p:cNvPr id="5" name="Content Placeholder 4"/>
           <p:cNvPicPr>
             <a:picLocks noGrp="1" noChangeAspect="1"/>
           </p:cNvPicPr>
@@ -9379,8 +8778,8 @@
         </p:blipFill>
         <p:spPr>
           <a:xfrm>
-            <a:off x="3045123" y="1814278"/>
-            <a:ext cx="5758731" cy="3776897"/>
+            <a:off x="3349625" y="2100263"/>
+            <a:ext cx="5553075" cy="3514725"/>
           </a:xfrm>
         </p:spPr>
       </p:pic>
@@ -9394,6 +8793,13 @@
   <p:clrMapOvr>
     <a:masterClrMapping/>
   </p:clrMapOvr>
+  <p:timing>
+    <p:tnLst>
+      <p:par>
+        <p:cTn id="1" dur="indefinite" restart="never" nodeType="tmRoot"/>
+      </p:par>
+    </p:tnLst>
+  </p:timing>
 </p:sld>
 </file>
 
@@ -9510,7 +8916,7 @@
                   <a:schemeClr val="accent3"/>
                 </a:solidFill>
               </a:rPr>
-              <a:t>Smoke test: 20 test cases</a:t>
+              <a:t>Smoke test: 19 test cases</a:t>
             </a:r>
             <a:endParaRPr lang="en-GB" sz="2400" dirty="0">
               <a:solidFill>
@@ -9530,6 +8936,13 @@
   <p:clrMapOvr>
     <a:masterClrMapping/>
   </p:clrMapOvr>
+  <p:timing>
+    <p:tnLst>
+      <p:par>
+        <p:cTn id="1" dur="indefinite" restart="never" nodeType="tmRoot"/>
+      </p:par>
+    </p:tnLst>
+  </p:timing>
 </p:sld>
 </file>
 
@@ -9607,7 +9020,7 @@
             <p:ph idx="1"/>
             <p:extLst>
               <p:ext uri="{D42A27DB-BD31-4B8C-83A1-F6EECF244321}">
-                <p14:modId xmlns:p14="http://schemas.microsoft.com/office/powerpoint/2010/main" val="3832451493"/>
+                <p14:modId xmlns:p14="http://schemas.microsoft.com/office/powerpoint/2010/main" val="2389915677"/>
               </p:ext>
             </p:extLst>
           </p:nvPr>
@@ -9697,7 +9110,11 @@
                     <a:p>
                       <a:r>
                         <a:rPr lang="en-GB" dirty="0" smtClean="0"/>
-                        <a:t>Defects</a:t>
+                        <a:t>Defect</a:t>
+                      </a:r>
+                      <a:r>
+                        <a:rPr lang="en-GB" baseline="0" dirty="0" smtClean="0"/>
+                        <a:t> ID</a:t>
                       </a:r>
                       <a:endParaRPr lang="en-GB" dirty="0"/>
                     </a:p>
@@ -10286,10 +9703,10 @@
                     <a:lstStyle/>
                     <a:p>
                       <a:r>
-                        <a:rPr lang="en-GB" dirty="0" smtClean="0"/>
-                        <a:t>Total</a:t>
+                        <a:rPr lang="en-GB" b="1" dirty="0" smtClean="0"/>
+                        <a:t>Overall result</a:t>
                       </a:r>
-                      <a:endParaRPr lang="en-GB" dirty="0"/>
+                      <a:endParaRPr lang="en-GB" b="1" dirty="0"/>
                     </a:p>
                   </a:txBody>
                   <a:tcPr/>
@@ -10300,10 +9717,10 @@
                     <a:lstStyle/>
                     <a:p>
                       <a:r>
-                        <a:rPr lang="en-GB" dirty="0" smtClean="0"/>
+                        <a:rPr lang="en-GB" b="1" dirty="0" smtClean="0"/>
                         <a:t>19</a:t>
                       </a:r>
-                      <a:endParaRPr lang="en-GB" dirty="0"/>
+                      <a:endParaRPr lang="en-GB" b="1" dirty="0"/>
                     </a:p>
                   </a:txBody>
                   <a:tcPr/>
@@ -10314,10 +9731,10 @@
                     <a:lstStyle/>
                     <a:p>
                       <a:r>
-                        <a:rPr lang="en-GB" dirty="0" smtClean="0"/>
+                        <a:rPr lang="en-GB" b="1" dirty="0" smtClean="0"/>
                         <a:t>18</a:t>
                       </a:r>
-                      <a:endParaRPr lang="en-GB" dirty="0"/>
+                      <a:endParaRPr lang="en-GB" b="1" dirty="0"/>
                     </a:p>
                   </a:txBody>
                   <a:tcPr/>
@@ -10328,10 +9745,10 @@
                     <a:lstStyle/>
                     <a:p>
                       <a:r>
-                        <a:rPr lang="en-GB" dirty="0" smtClean="0"/>
+                        <a:rPr lang="en-GB" b="1" dirty="0" smtClean="0"/>
                         <a:t>1</a:t>
                       </a:r>
-                      <a:endParaRPr lang="en-GB" dirty="0"/>
+                      <a:endParaRPr lang="en-GB" b="1" dirty="0"/>
                     </a:p>
                   </a:txBody>
                   <a:tcPr/>
@@ -10342,10 +9759,10 @@
                     <a:lstStyle/>
                     <a:p>
                       <a:r>
-                        <a:rPr lang="en-GB" dirty="0" smtClean="0"/>
+                        <a:rPr lang="en-GB" b="1" dirty="0" smtClean="0"/>
                         <a:t>1</a:t>
                       </a:r>
-                      <a:endParaRPr lang="en-GB" dirty="0"/>
+                      <a:endParaRPr lang="en-GB" b="1" dirty="0"/>
                     </a:p>
                   </a:txBody>
                   <a:tcPr/>
@@ -10358,10 +9775,10 @@
                     <a:lstStyle/>
                     <a:p>
                       <a:r>
-                        <a:rPr lang="en-GB" dirty="0" smtClean="0"/>
+                        <a:rPr lang="en-GB" b="1" dirty="0" smtClean="0"/>
                         <a:t>Percentage</a:t>
                       </a:r>
-                      <a:endParaRPr lang="en-GB" dirty="0"/>
+                      <a:endParaRPr lang="en-GB" b="1" dirty="0"/>
                     </a:p>
                   </a:txBody>
                   <a:tcPr/>
@@ -10372,10 +9789,10 @@
                     <a:lstStyle/>
                     <a:p>
                       <a:r>
-                        <a:rPr lang="en-GB" dirty="0" smtClean="0"/>
+                        <a:rPr lang="en-GB" b="1" dirty="0" smtClean="0"/>
                         <a:t>100%</a:t>
                       </a:r>
-                      <a:endParaRPr lang="en-GB" dirty="0"/>
+                      <a:endParaRPr lang="en-GB" b="1" dirty="0"/>
                     </a:p>
                   </a:txBody>
                   <a:tcPr/>
@@ -10386,10 +9803,10 @@
                     <a:lstStyle/>
                     <a:p>
                       <a:r>
-                        <a:rPr lang="en-GB" dirty="0" smtClean="0"/>
+                        <a:rPr lang="en-GB" b="1" dirty="0" smtClean="0"/>
                         <a:t>94.7%</a:t>
                       </a:r>
-                      <a:endParaRPr lang="en-GB" dirty="0"/>
+                      <a:endParaRPr lang="en-GB" b="1" dirty="0"/>
                     </a:p>
                   </a:txBody>
                   <a:tcPr/>
@@ -10400,10 +9817,10 @@
                     <a:lstStyle/>
                     <a:p>
                       <a:r>
-                        <a:rPr lang="en-GB" dirty="0" smtClean="0"/>
+                        <a:rPr lang="en-GB" b="1" dirty="0" smtClean="0"/>
                         <a:t>5.3%</a:t>
                       </a:r>
-                      <a:endParaRPr lang="en-GB" dirty="0"/>
+                      <a:endParaRPr lang="en-GB" b="1" dirty="0"/>
                     </a:p>
                   </a:txBody>
                   <a:tcPr/>
@@ -10413,7 +9830,7 @@
                     <a:bodyPr/>
                     <a:lstStyle/>
                     <a:p>
-                      <a:endParaRPr lang="en-GB" dirty="0"/>
+                      <a:endParaRPr lang="en-GB" b="1" dirty="0"/>
                     </a:p>
                   </a:txBody>
                   <a:tcPr/>
@@ -10433,6 +9850,13 @@
   <p:clrMapOvr>
     <a:masterClrMapping/>
   </p:clrMapOvr>
+  <p:timing>
+    <p:tnLst>
+      <p:par>
+        <p:cTn id="1" dur="indefinite" restart="never" nodeType="tmRoot"/>
+      </p:par>
+    </p:tnLst>
+  </p:timing>
 </p:sld>
 </file>
 
@@ -10468,46 +9892,79 @@
           <a:bodyPr/>
           <a:lstStyle/>
           <a:p>
-            <a:endParaRPr lang="ro-RO"/>
-          </a:p>
-        </p:txBody>
-      </p:sp>
-      <p:sp>
-        <p:nvSpPr>
-          <p:cNvPr id="3" name="Content Placeholder 2"/>
-          <p:cNvSpPr>
-            <a:spLocks noGrp="1"/>
-          </p:cNvSpPr>
-          <p:nvPr>
-            <p:ph idx="1"/>
-          </p:nvPr>
-        </p:nvSpPr>
-        <p:spPr/>
-        <p:txBody>
-          <a:bodyPr/>
-          <a:lstStyle/>
-          <a:p>
-            <a:endParaRPr lang="ro-RO" dirty="0"/>
+            <a:r>
+              <a:rPr lang="en-GB" dirty="0" smtClean="0">
+                <a:solidFill>
+                  <a:schemeClr val="accent3"/>
+                </a:solidFill>
+              </a:rPr>
+              <a:t>Defects distribution</a:t>
+            </a:r>
+            <a:br>
+              <a:rPr lang="en-GB" dirty="0" smtClean="0">
+                <a:solidFill>
+                  <a:schemeClr val="accent3"/>
+                </a:solidFill>
+              </a:rPr>
+            </a:br>
+            <a:r>
+              <a:rPr lang="en-GB" sz="3600" dirty="0" smtClean="0">
+                <a:solidFill>
+                  <a:schemeClr val="accent3"/>
+                </a:solidFill>
+              </a:rPr>
+              <a:t>14 bugs</a:t>
+            </a:r>
+            <a:endParaRPr lang="en-GB" sz="3600" dirty="0">
+              <a:solidFill>
+                <a:schemeClr val="accent3"/>
+              </a:solidFill>
+            </a:endParaRPr>
           </a:p>
         </p:txBody>
       </p:sp>
       <p:graphicFrame>
         <p:nvGraphicFramePr>
-          <p:cNvPr id="4" name="Content Placeholder 3"/>
+          <p:cNvPr id="20" name="Content Placeholder 19"/>
           <p:cNvGraphicFramePr>
-            <a:graphicFrameLocks/>
+            <a:graphicFrameLocks noGrp="1"/>
           </p:cNvGraphicFramePr>
           <p:nvPr>
+            <p:ph idx="1"/>
             <p:extLst>
               <p:ext uri="{D42A27DB-BD31-4B8C-83A1-F6EECF244321}">
-                <p14:modId xmlns:p14="http://schemas.microsoft.com/office/powerpoint/2010/main" val="4216692179"/>
+                <p14:modId xmlns:p14="http://schemas.microsoft.com/office/powerpoint/2010/main" val="3249046470"/>
               </p:ext>
             </p:extLst>
           </p:nvPr>
         </p:nvGraphicFramePr>
         <p:xfrm>
-          <a:off x="3890267" y="1327759"/>
-          <a:ext cx="8046720" cy="4206240"/>
+          <a:off x="759854" y="1815921"/>
+          <a:ext cx="11086710" cy="4159875"/>
+        </p:xfrm>
+        <a:graphic>
+          <a:graphicData uri="http://schemas.openxmlformats.org/drawingml/2006/chart">
+            <c:chart xmlns:c="http://schemas.openxmlformats.org/drawingml/2006/chart" xmlns:r="http://schemas.openxmlformats.org/officeDocument/2006/relationships" r:id="rId2"/>
+          </a:graphicData>
+        </a:graphic>
+      </p:graphicFrame>
+      <p:graphicFrame>
+        <p:nvGraphicFramePr>
+          <p:cNvPr id="4" name="Table 3"/>
+          <p:cNvGraphicFramePr>
+            <a:graphicFrameLocks noGrp="1"/>
+          </p:cNvGraphicFramePr>
+          <p:nvPr>
+            <p:extLst>
+              <p:ext uri="{D42A27DB-BD31-4B8C-83A1-F6EECF244321}">
+                <p14:modId xmlns:p14="http://schemas.microsoft.com/office/powerpoint/2010/main" val="2623878521"/>
+              </p:ext>
+            </p:extLst>
+          </p:nvPr>
+        </p:nvGraphicFramePr>
+        <p:xfrm>
+          <a:off x="1157860" y="2026637"/>
+          <a:ext cx="5912640" cy="3423668"/>
         </p:xfrm>
         <a:graphic>
           <a:graphicData uri="http://schemas.openxmlformats.org/drawingml/2006/table">
@@ -10516,22 +9973,22 @@
                 <a:tableStyleId>{5C22544A-7EE6-4342-B048-85BDC9FD1C3A}</a:tableStyleId>
               </a:tblPr>
               <a:tblGrid>
-                <a:gridCol w="2011680"/>
-                <a:gridCol w="1525987"/>
-                <a:gridCol w="2497373"/>
-                <a:gridCol w="2011680"/>
+                <a:gridCol w="1478160"/>
+                <a:gridCol w="1121278"/>
+                <a:gridCol w="1835042"/>
+                <a:gridCol w="1478160"/>
               </a:tblGrid>
-              <a:tr h="343104">
+              <a:tr h="364867">
                 <a:tc>
                   <a:txBody>
                     <a:bodyPr/>
                     <a:lstStyle/>
                     <a:p>
                       <a:r>
-                        <a:rPr lang="en-GB" dirty="0" smtClean="0"/>
+                        <a:rPr lang="en-GB" sz="1400" dirty="0" smtClean="0"/>
                         <a:t>Feature</a:t>
                       </a:r>
-                      <a:endParaRPr lang="en-GB" dirty="0"/>
+                      <a:endParaRPr lang="en-GB" sz="1400" dirty="0"/>
                     </a:p>
                   </a:txBody>
                   <a:tcPr/>
@@ -10542,18 +9999,14 @@
                     <a:lstStyle/>
                     <a:p>
                       <a:r>
-                        <a:rPr lang="en-GB" dirty="0" smtClean="0"/>
+                        <a:rPr lang="en-GB" sz="1400" dirty="0" smtClean="0"/>
                         <a:t>No. </a:t>
                       </a:r>
                       <a:r>
-                        <a:rPr lang="en-GB" baseline="0" dirty="0" smtClean="0"/>
-                        <a:t>of </a:t>
+                        <a:rPr lang="en-GB" sz="1400" baseline="0" dirty="0" smtClean="0"/>
+                        <a:t>of bugs</a:t>
                       </a:r>
-                      <a:r>
-                        <a:rPr lang="en-GB" baseline="0" dirty="0" smtClean="0"/>
-                        <a:t>bugs</a:t>
-                      </a:r>
-                      <a:endParaRPr lang="en-GB" dirty="0"/>
+                      <a:endParaRPr lang="en-GB" sz="1400" dirty="0"/>
                     </a:p>
                   </a:txBody>
                   <a:tcPr/>
@@ -10564,10 +10017,10 @@
                     <a:lstStyle/>
                     <a:p>
                       <a:r>
-                        <a:rPr lang="en-GB" dirty="0" smtClean="0"/>
-                        <a:t>Defects</a:t>
+                        <a:rPr lang="en-GB" sz="1400" dirty="0" smtClean="0"/>
+                        <a:t>Bug id</a:t>
                       </a:r>
-                      <a:endParaRPr lang="en-GB" dirty="0"/>
+                      <a:endParaRPr lang="en-GB" sz="1400" dirty="0"/>
                     </a:p>
                   </a:txBody>
                   <a:tcPr/>
@@ -10578,26 +10031,26 @@
                     <a:lstStyle/>
                     <a:p>
                       <a:r>
-                        <a:rPr lang="en-GB" dirty="0" smtClean="0"/>
+                        <a:rPr lang="en-GB" sz="1400" dirty="0" smtClean="0"/>
                         <a:t>Severity</a:t>
                       </a:r>
-                      <a:endParaRPr lang="en-GB" dirty="0"/>
+                      <a:endParaRPr lang="en-GB" sz="1400" dirty="0"/>
                     </a:p>
                   </a:txBody>
                   <a:tcPr/>
                 </a:tc>
               </a:tr>
-              <a:tr h="600432">
+              <a:tr h="620273">
                 <a:tc>
                   <a:txBody>
                     <a:bodyPr/>
                     <a:lstStyle/>
                     <a:p>
                       <a:r>
-                        <a:rPr lang="en-GB" dirty="0" smtClean="0"/>
+                        <a:rPr lang="en-GB" sz="1400" dirty="0" smtClean="0"/>
                         <a:t>Log in</a:t>
                       </a:r>
-                      <a:endParaRPr lang="en-GB" dirty="0"/>
+                      <a:endParaRPr lang="en-GB" sz="1400" dirty="0"/>
                     </a:p>
                   </a:txBody>
                   <a:tcPr/>
@@ -10608,10 +10061,10 @@
                     <a:lstStyle/>
                     <a:p>
                       <a:r>
-                        <a:rPr lang="en-GB" dirty="0" smtClean="0"/>
+                        <a:rPr lang="en-GB" sz="1400" dirty="0" smtClean="0"/>
                         <a:t>2</a:t>
                       </a:r>
-                      <a:endParaRPr lang="en-GB" dirty="0"/>
+                      <a:endParaRPr lang="en-GB" sz="1400" dirty="0"/>
                     </a:p>
                   </a:txBody>
                   <a:tcPr/>
@@ -10622,7 +10075,7 @@
                     <a:lstStyle/>
                     <a:p>
                       <a:r>
-                        <a:rPr lang="en-US" sz="1800" u="sng" kern="1200" dirty="0" smtClean="0">
+                        <a:rPr lang="en-US" sz="1400" u="sng" kern="1200" dirty="0" smtClean="0">
                           <a:solidFill>
                             <a:schemeClr val="dk1"/>
                           </a:solidFill>
@@ -10630,11 +10083,11 @@
                           <a:latin typeface="+mn-lt"/>
                           <a:ea typeface="+mn-ea"/>
                           <a:cs typeface="+mn-cs"/>
-                          <a:hlinkClick r:id="rId2"/>
+                          <a:hlinkClick r:id="rId3"/>
                         </a:rPr>
                         <a:t>12259</a:t>
                       </a:r>
-                      <a:endParaRPr lang="en-US" sz="1800" u="sng" kern="1200" dirty="0" smtClean="0">
+                      <a:endParaRPr lang="en-US" sz="1400" u="sng" kern="1200" dirty="0" smtClean="0">
                         <a:solidFill>
                           <a:schemeClr val="dk1"/>
                         </a:solidFill>
@@ -10646,7 +10099,7 @@
                     </a:p>
                     <a:p>
                       <a:r>
-                        <a:rPr lang="en-US" sz="1800" u="sng" kern="1200" dirty="0" smtClean="0">
+                        <a:rPr lang="en-US" sz="1400" u="sng" kern="1200" dirty="0" smtClean="0">
                           <a:solidFill>
                             <a:schemeClr val="dk1"/>
                           </a:solidFill>
@@ -10654,11 +10107,11 @@
                           <a:latin typeface="+mn-lt"/>
                           <a:ea typeface="+mn-ea"/>
                           <a:cs typeface="+mn-cs"/>
-                          <a:hlinkClick r:id="rId3"/>
+                          <a:hlinkClick r:id="rId4"/>
                         </a:rPr>
                         <a:t>12258</a:t>
                       </a:r>
-                      <a:endParaRPr lang="en-GB" dirty="0"/>
+                      <a:endParaRPr lang="en-GB" sz="1400" dirty="0"/>
                     </a:p>
                   </a:txBody>
                   <a:tcPr/>
@@ -10669,32 +10122,32 @@
                     <a:lstStyle/>
                     <a:p>
                       <a:r>
-                        <a:rPr lang="en-GB" dirty="0" smtClean="0"/>
+                        <a:rPr lang="en-GB" sz="1400" dirty="0" smtClean="0"/>
                         <a:t>major</a:t>
                       </a:r>
                     </a:p>
                     <a:p>
                       <a:r>
-                        <a:rPr lang="en-GB" dirty="0" smtClean="0"/>
+                        <a:rPr lang="en-GB" sz="1400" dirty="0" smtClean="0"/>
                         <a:t>normal</a:t>
                       </a:r>
-                      <a:endParaRPr lang="en-GB" dirty="0"/>
+                      <a:endParaRPr lang="en-GB" sz="1400" dirty="0"/>
                     </a:p>
                   </a:txBody>
                   <a:tcPr/>
                 </a:tc>
               </a:tr>
-              <a:tr h="600432">
+              <a:tr h="309393">
                 <a:tc>
                   <a:txBody>
                     <a:bodyPr/>
                     <a:lstStyle/>
                     <a:p>
                       <a:r>
-                        <a:rPr lang="en-GB" dirty="0" smtClean="0"/>
+                        <a:rPr lang="en-GB" sz="1400" dirty="0" smtClean="0"/>
                         <a:t>User experience</a:t>
                       </a:r>
-                      <a:endParaRPr lang="en-GB" dirty="0"/>
+                      <a:endParaRPr lang="en-GB" sz="1400" dirty="0"/>
                     </a:p>
                   </a:txBody>
                   <a:tcPr/>
@@ -10705,10 +10158,10 @@
                     <a:lstStyle/>
                     <a:p>
                       <a:r>
-                        <a:rPr lang="en-GB" dirty="0" smtClean="0"/>
-                        <a:t>3</a:t>
+                        <a:rPr lang="en-GB" sz="1400" dirty="0" smtClean="0"/>
+                        <a:t>2</a:t>
                       </a:r>
-                      <a:endParaRPr lang="en-GB" dirty="0"/>
+                      <a:endParaRPr lang="en-GB" sz="1400" dirty="0"/>
                     </a:p>
                   </a:txBody>
                   <a:tcPr/>
@@ -10719,7 +10172,7 @@
                     <a:lstStyle/>
                     <a:p>
                       <a:r>
-                        <a:rPr lang="en-US" sz="1800" u="sng" kern="1200" dirty="0" smtClean="0">
+                        <a:rPr lang="en-US" sz="1400" u="sng" kern="1200" dirty="0" smtClean="0">
                           <a:solidFill>
                             <a:schemeClr val="dk1"/>
                           </a:solidFill>
@@ -10727,12 +10180,12 @@
                           <a:latin typeface="+mn-lt"/>
                           <a:ea typeface="+mn-ea"/>
                           <a:cs typeface="+mn-cs"/>
-                          <a:hlinkClick r:id="rId4"/>
+                          <a:hlinkClick r:id="rId5"/>
                         </a:rPr>
                         <a:t>12260</a:t>
                       </a:r>
                       <a:r>
-                        <a:rPr lang="en-US" sz="1800" u="sng" kern="1200" dirty="0" smtClean="0">
+                        <a:rPr lang="en-US" sz="1400" u="sng" kern="1200" dirty="0" smtClean="0">
                           <a:solidFill>
                             <a:schemeClr val="dk1"/>
                           </a:solidFill>
@@ -10744,43 +10197,7 @@
                         <a:t>, </a:t>
                       </a:r>
                       <a:r>
-                        <a:rPr lang="en-US" sz="1800" u="sng" kern="1200" dirty="0" smtClean="0">
-                          <a:solidFill>
-                            <a:schemeClr val="dk1"/>
-                          </a:solidFill>
-                          <a:effectLst/>
-                          <a:latin typeface="+mn-lt"/>
-                          <a:ea typeface="+mn-ea"/>
-                          <a:cs typeface="+mn-cs"/>
-                          <a:hlinkClick r:id="rId5"/>
-                        </a:rPr>
-                        <a:t>12261</a:t>
-                      </a:r>
-                      <a:endParaRPr lang="en-US" sz="1800" u="sng" kern="1200" dirty="0" smtClean="0">
-                        <a:solidFill>
-                          <a:schemeClr val="dk1"/>
-                        </a:solidFill>
-                        <a:effectLst/>
-                        <a:latin typeface="+mn-lt"/>
-                        <a:ea typeface="+mn-ea"/>
-                        <a:cs typeface="+mn-cs"/>
-                      </a:endParaRPr>
-                    </a:p>
-                    <a:p>
-                      <a:r>
-                        <a:rPr lang="en-US" sz="1800" u="sng" kern="1200" dirty="0" smtClean="0">
-                          <a:solidFill>
-                            <a:schemeClr val="dk1"/>
-                          </a:solidFill>
-                          <a:effectLst/>
-                          <a:latin typeface="+mn-lt"/>
-                          <a:ea typeface="+mn-ea"/>
-                          <a:cs typeface="+mn-cs"/>
-                        </a:rPr>
-                        <a:t> </a:t>
-                      </a:r>
-                      <a:r>
-                        <a:rPr lang="en-US" sz="1800" u="sng" kern="1200" dirty="0" smtClean="0">
+                        <a:rPr lang="en-US" sz="1400" u="sng" kern="1200" dirty="0" smtClean="0">
                           <a:solidFill>
                             <a:schemeClr val="dk1"/>
                           </a:solidFill>
@@ -10790,9 +10207,17 @@
                           <a:cs typeface="+mn-cs"/>
                           <a:hlinkClick r:id="rId6"/>
                         </a:rPr>
-                        <a:t>12267</a:t>
+                        <a:t>12261</a:t>
                       </a:r>
-                      <a:endParaRPr lang="en-GB" dirty="0"/>
+                      <a:endParaRPr lang="en-US" sz="1400" u="sng" kern="1200" dirty="0" smtClean="0">
+                        <a:solidFill>
+                          <a:schemeClr val="dk1"/>
+                        </a:solidFill>
+                        <a:effectLst/>
+                        <a:latin typeface="+mn-lt"/>
+                        <a:ea typeface="+mn-ea"/>
+                        <a:cs typeface="+mn-cs"/>
+                      </a:endParaRPr>
                     </a:p>
                   </a:txBody>
                   <a:tcPr/>
@@ -10803,32 +10228,25 @@
                     <a:lstStyle/>
                     <a:p>
                       <a:r>
-                        <a:rPr lang="en-GB" dirty="0" smtClean="0"/>
+                        <a:rPr lang="en-GB" sz="1400" dirty="0" smtClean="0"/>
                         <a:t>normal</a:t>
                       </a:r>
-                    </a:p>
-                    <a:p>
-                      <a:r>
-                        <a:rPr lang="en-GB" dirty="0" smtClean="0"/>
-                        <a:t>improvement</a:t>
-                      </a:r>
-                      <a:endParaRPr lang="en-GB" dirty="0"/>
                     </a:p>
                   </a:txBody>
                   <a:tcPr/>
                 </a:tc>
               </a:tr>
-              <a:tr h="343104">
+              <a:tr h="364867">
                 <a:tc>
                   <a:txBody>
                     <a:bodyPr/>
                     <a:lstStyle/>
                     <a:p>
                       <a:r>
-                        <a:rPr lang="en-GB" dirty="0" smtClean="0"/>
+                        <a:rPr lang="en-GB" sz="1400" dirty="0" smtClean="0"/>
                         <a:t>Add card</a:t>
                       </a:r>
-                      <a:endParaRPr lang="en-GB" dirty="0"/>
+                      <a:endParaRPr lang="en-GB" sz="1400" dirty="0"/>
                     </a:p>
                   </a:txBody>
                   <a:tcPr/>
@@ -10839,10 +10257,10 @@
                     <a:lstStyle/>
                     <a:p>
                       <a:r>
-                        <a:rPr lang="en-GB" dirty="0" smtClean="0"/>
+                        <a:rPr lang="en-GB" sz="1400" dirty="0" smtClean="0"/>
                         <a:t>1</a:t>
                       </a:r>
-                      <a:endParaRPr lang="en-GB" dirty="0"/>
+                      <a:endParaRPr lang="en-GB" sz="1400" dirty="0"/>
                     </a:p>
                   </a:txBody>
                   <a:tcPr/>
@@ -10853,7 +10271,7 @@
                     <a:lstStyle/>
                     <a:p>
                       <a:r>
-                        <a:rPr lang="en-US" sz="1800" u="sng" kern="1200" dirty="0" smtClean="0">
+                        <a:rPr lang="en-US" sz="1400" u="sng" kern="1200" dirty="0" smtClean="0">
                           <a:solidFill>
                             <a:schemeClr val="dk1"/>
                           </a:solidFill>
@@ -10865,7 +10283,7 @@
                         </a:rPr>
                         <a:t>12252</a:t>
                       </a:r>
-                      <a:endParaRPr lang="en-GB" dirty="0"/>
+                      <a:endParaRPr lang="en-GB" sz="1400" dirty="0"/>
                     </a:p>
                   </a:txBody>
                   <a:tcPr/>
@@ -10876,26 +10294,25 @@
                     <a:lstStyle/>
                     <a:p>
                       <a:r>
-                        <a:rPr lang="en-GB" dirty="0" smtClean="0"/>
+                        <a:rPr lang="en-GB" sz="1400" dirty="0" smtClean="0"/>
                         <a:t>normal</a:t>
                       </a:r>
-                      <a:endParaRPr lang="en-GB" dirty="0" smtClean="0"/>
                     </a:p>
                   </a:txBody>
                   <a:tcPr/>
                 </a:tc>
               </a:tr>
-              <a:tr h="343104">
+              <a:tr h="364867">
                 <a:tc>
                   <a:txBody>
                     <a:bodyPr/>
                     <a:lstStyle/>
                     <a:p>
                       <a:r>
-                        <a:rPr lang="en-GB" dirty="0" smtClean="0"/>
+                        <a:rPr lang="en-GB" sz="1400" dirty="0" smtClean="0"/>
                         <a:t>Birthday calendar</a:t>
                       </a:r>
-                      <a:endParaRPr lang="en-GB" dirty="0"/>
+                      <a:endParaRPr lang="en-GB" sz="1400" dirty="0"/>
                     </a:p>
                   </a:txBody>
                   <a:tcPr/>
@@ -10906,10 +10323,10 @@
                     <a:lstStyle/>
                     <a:p>
                       <a:r>
-                        <a:rPr lang="en-GB" dirty="0" smtClean="0"/>
+                        <a:rPr lang="en-GB" sz="1400" dirty="0" smtClean="0"/>
                         <a:t>2</a:t>
                       </a:r>
-                      <a:endParaRPr lang="en-GB" dirty="0"/>
+                      <a:endParaRPr lang="en-GB" sz="1400" dirty="0"/>
                     </a:p>
                   </a:txBody>
                   <a:tcPr/>
@@ -10920,7 +10337,7 @@
                     <a:lstStyle/>
                     <a:p>
                       <a:r>
-                        <a:rPr lang="en-US" sz="1800" u="sng" kern="1200" dirty="0" smtClean="0">
+                        <a:rPr lang="en-US" sz="1400" u="sng" kern="1200" dirty="0" smtClean="0">
                           <a:solidFill>
                             <a:schemeClr val="dk1"/>
                           </a:solidFill>
@@ -10933,7 +10350,7 @@
                         <a:t>12255</a:t>
                       </a:r>
                       <a:r>
-                        <a:rPr lang="en-US" sz="1800" u="sng" kern="1200" dirty="0" smtClean="0">
+                        <a:rPr lang="en-US" sz="1400" u="sng" kern="1200" dirty="0" smtClean="0">
                           <a:solidFill>
                             <a:schemeClr val="dk1"/>
                           </a:solidFill>
@@ -10945,7 +10362,7 @@
                         <a:t>, </a:t>
                       </a:r>
                       <a:r>
-                        <a:rPr lang="en-US" sz="1800" u="sng" kern="1200" dirty="0" smtClean="0">
+                        <a:rPr lang="en-US" sz="1400" u="sng" kern="1200" dirty="0" smtClean="0">
                           <a:solidFill>
                             <a:schemeClr val="dk1"/>
                           </a:solidFill>
@@ -10957,7 +10374,7 @@
                         </a:rPr>
                         <a:t>12432</a:t>
                       </a:r>
-                      <a:endParaRPr lang="en-GB" dirty="0"/>
+                      <a:endParaRPr lang="en-GB" sz="1400" dirty="0"/>
                     </a:p>
                   </a:txBody>
                   <a:tcPr/>
@@ -10968,26 +10385,25 @@
                     <a:lstStyle/>
                     <a:p>
                       <a:r>
-                        <a:rPr lang="en-GB" dirty="0" smtClean="0"/>
+                        <a:rPr lang="en-GB" sz="1400" dirty="0" smtClean="0"/>
                         <a:t>normal</a:t>
                       </a:r>
-                      <a:endParaRPr lang="en-GB" dirty="0" smtClean="0"/>
                     </a:p>
                   </a:txBody>
                   <a:tcPr/>
                 </a:tc>
               </a:tr>
-              <a:tr h="343104">
+              <a:tr h="364867">
                 <a:tc>
                   <a:txBody>
                     <a:bodyPr/>
                     <a:lstStyle/>
                     <a:p>
                       <a:r>
-                        <a:rPr lang="en-GB" dirty="0" smtClean="0"/>
+                        <a:rPr lang="en-GB" sz="1400" dirty="0" smtClean="0"/>
                         <a:t>Shopping list</a:t>
                       </a:r>
-                      <a:endParaRPr lang="en-GB" dirty="0"/>
+                      <a:endParaRPr lang="en-GB" sz="1400" dirty="0"/>
                     </a:p>
                   </a:txBody>
                   <a:tcPr/>
@@ -10998,10 +10414,10 @@
                     <a:lstStyle/>
                     <a:p>
                       <a:r>
-                        <a:rPr lang="en-GB" dirty="0" smtClean="0"/>
+                        <a:rPr lang="en-GB" sz="1400" dirty="0" smtClean="0"/>
                         <a:t>2</a:t>
                       </a:r>
-                      <a:endParaRPr lang="en-GB" dirty="0"/>
+                      <a:endParaRPr lang="en-GB" sz="1400" dirty="0"/>
                     </a:p>
                   </a:txBody>
                   <a:tcPr/>
@@ -11012,7 +10428,7 @@
                     <a:lstStyle/>
                     <a:p>
                       <a:r>
-                        <a:rPr lang="en-US" sz="1800" u="sng" kern="1200" dirty="0" smtClean="0">
+                        <a:rPr lang="en-US" sz="1400" u="sng" kern="1200" dirty="0" smtClean="0">
                           <a:solidFill>
                             <a:schemeClr val="dk1"/>
                           </a:solidFill>
@@ -11025,7 +10441,7 @@
                         <a:t>12265</a:t>
                       </a:r>
                       <a:r>
-                        <a:rPr lang="en-US" sz="1800" u="sng" kern="1200" dirty="0" smtClean="0">
+                        <a:rPr lang="en-US" sz="1400" u="sng" kern="1200" dirty="0" smtClean="0">
                           <a:solidFill>
                             <a:schemeClr val="dk1"/>
                           </a:solidFill>
@@ -11037,7 +10453,7 @@
                         <a:t>, </a:t>
                       </a:r>
                       <a:r>
-                        <a:rPr lang="en-US" sz="1800" u="sng" kern="1200" dirty="0" smtClean="0">
+                        <a:rPr lang="en-US" sz="1400" u="sng" kern="1200" dirty="0" smtClean="0">
                           <a:solidFill>
                             <a:schemeClr val="dk1"/>
                           </a:solidFill>
@@ -11049,7 +10465,7 @@
                         </a:rPr>
                         <a:t>12266</a:t>
                       </a:r>
-                      <a:endParaRPr lang="en-GB" dirty="0"/>
+                      <a:endParaRPr lang="en-GB" sz="1400" dirty="0"/>
                     </a:p>
                   </a:txBody>
                   <a:tcPr/>
@@ -11060,26 +10476,25 @@
                     <a:lstStyle/>
                     <a:p>
                       <a:r>
-                        <a:rPr lang="en-GB" dirty="0" smtClean="0"/>
+                        <a:rPr lang="en-GB" sz="1400" dirty="0" smtClean="0"/>
                         <a:t>normal</a:t>
                       </a:r>
-                      <a:endParaRPr lang="en-GB" dirty="0" smtClean="0"/>
                     </a:p>
                   </a:txBody>
                   <a:tcPr/>
                 </a:tc>
               </a:tr>
-              <a:tr h="343104">
+              <a:tr h="285625">
                 <a:tc>
                   <a:txBody>
                     <a:bodyPr/>
                     <a:lstStyle/>
                     <a:p>
                       <a:r>
-                        <a:rPr lang="en-GB" dirty="0" smtClean="0"/>
+                        <a:rPr lang="en-GB" sz="1400" dirty="0" smtClean="0"/>
                         <a:t>Offers</a:t>
                       </a:r>
-                      <a:endParaRPr lang="en-GB" dirty="0"/>
+                      <a:endParaRPr lang="en-GB" sz="1400" dirty="0"/>
                     </a:p>
                   </a:txBody>
                   <a:tcPr/>
@@ -11090,10 +10505,10 @@
                     <a:lstStyle/>
                     <a:p>
                       <a:r>
-                        <a:rPr lang="en-GB" dirty="0" smtClean="0"/>
+                        <a:rPr lang="en-GB" sz="1400" dirty="0" smtClean="0"/>
                         <a:t>2</a:t>
                       </a:r>
-                      <a:endParaRPr lang="en-GB" dirty="0"/>
+                      <a:endParaRPr lang="en-GB" sz="1400" dirty="0"/>
                     </a:p>
                   </a:txBody>
                   <a:tcPr/>
@@ -11104,7 +10519,7 @@
                     <a:lstStyle/>
                     <a:p>
                       <a:r>
-                        <a:rPr lang="en-US" sz="1800" u="sng" kern="1200" dirty="0" smtClean="0">
+                        <a:rPr lang="en-US" sz="1400" u="sng" kern="1200" dirty="0" smtClean="0">
                           <a:solidFill>
                             <a:schemeClr val="dk1"/>
                           </a:solidFill>
@@ -11117,7 +10532,7 @@
                         <a:t>12262</a:t>
                       </a:r>
                       <a:r>
-                        <a:rPr lang="en-US" sz="1800" u="sng" kern="1200" dirty="0" smtClean="0">
+                        <a:rPr lang="en-US" sz="1400" u="sng" kern="1200" dirty="0" smtClean="0">
                           <a:solidFill>
                             <a:schemeClr val="dk1"/>
                           </a:solidFill>
@@ -11129,7 +10544,7 @@
                         <a:t>, </a:t>
                       </a:r>
                       <a:r>
-                        <a:rPr lang="en-US" sz="1800" u="sng" kern="1200" dirty="0" smtClean="0">
+                        <a:rPr lang="en-US" sz="1400" u="sng" kern="1200" dirty="0" smtClean="0">
                           <a:solidFill>
                             <a:schemeClr val="dk1"/>
                           </a:solidFill>
@@ -11141,7 +10556,7 @@
                         </a:rPr>
                         <a:t>12264</a:t>
                       </a:r>
-                      <a:endParaRPr lang="en-GB" dirty="0"/>
+                      <a:endParaRPr lang="en-GB" sz="1400" dirty="0"/>
                     </a:p>
                   </a:txBody>
                   <a:tcPr/>
@@ -11152,26 +10567,25 @@
                     <a:lstStyle/>
                     <a:p>
                       <a:r>
-                        <a:rPr lang="en-GB" dirty="0" smtClean="0"/>
+                        <a:rPr lang="en-GB" sz="1400" dirty="0" smtClean="0"/>
                         <a:t>normal</a:t>
                       </a:r>
-                      <a:endParaRPr lang="en-GB" dirty="0" smtClean="0"/>
                     </a:p>
                   </a:txBody>
                   <a:tcPr/>
                 </a:tc>
               </a:tr>
-              <a:tr h="343104">
+              <a:tr h="364867">
                 <a:tc>
                   <a:txBody>
                     <a:bodyPr/>
                     <a:lstStyle/>
                     <a:p>
                       <a:r>
-                        <a:rPr lang="en-GB" dirty="0" smtClean="0"/>
+                        <a:rPr lang="en-GB" sz="1400" dirty="0" smtClean="0"/>
                         <a:t>Localization</a:t>
                       </a:r>
-                      <a:endParaRPr lang="en-GB" dirty="0"/>
+                      <a:endParaRPr lang="en-GB" sz="1400" dirty="0"/>
                     </a:p>
                   </a:txBody>
                   <a:tcPr/>
@@ -11182,10 +10596,10 @@
                     <a:lstStyle/>
                     <a:p>
                       <a:r>
-                        <a:rPr lang="en-GB" dirty="0" smtClean="0"/>
+                        <a:rPr lang="en-GB" sz="1400" dirty="0" smtClean="0"/>
                         <a:t>2</a:t>
                       </a:r>
-                      <a:endParaRPr lang="en-GB" dirty="0"/>
+                      <a:endParaRPr lang="en-GB" sz="1400" dirty="0"/>
                     </a:p>
                   </a:txBody>
                   <a:tcPr/>
@@ -11196,7 +10610,7 @@
                     <a:lstStyle/>
                     <a:p>
                       <a:r>
-                        <a:rPr lang="en-US" sz="1800" u="sng" kern="1200" dirty="0" smtClean="0">
+                        <a:rPr lang="en-US" sz="1400" u="sng" kern="1200" dirty="0" smtClean="0">
                           <a:solidFill>
                             <a:schemeClr val="dk1"/>
                           </a:solidFill>
@@ -11209,7 +10623,7 @@
                         <a:t>12257</a:t>
                       </a:r>
                       <a:r>
-                        <a:rPr lang="en-US" sz="1800" u="sng" kern="1200" dirty="0" smtClean="0">
+                        <a:rPr lang="en-US" sz="1400" u="sng" kern="1200" dirty="0" smtClean="0">
                           <a:solidFill>
                             <a:schemeClr val="dk1"/>
                           </a:solidFill>
@@ -11221,7 +10635,7 @@
                         <a:t>, </a:t>
                       </a:r>
                       <a:r>
-                        <a:rPr lang="en-US" sz="1800" u="sng" kern="1200" dirty="0" smtClean="0">
+                        <a:rPr lang="en-US" sz="1400" u="sng" kern="1200" dirty="0" smtClean="0">
                           <a:solidFill>
                             <a:schemeClr val="dk1"/>
                           </a:solidFill>
@@ -11233,7 +10647,7 @@
                         </a:rPr>
                         <a:t>12428</a:t>
                       </a:r>
-                      <a:endParaRPr lang="en-GB" dirty="0"/>
+                      <a:endParaRPr lang="en-GB" sz="1400" dirty="0"/>
                     </a:p>
                   </a:txBody>
                   <a:tcPr/>
@@ -11244,85 +10658,25 @@
                     <a:lstStyle/>
                     <a:p>
                       <a:r>
-                        <a:rPr lang="en-GB" dirty="0" smtClean="0"/>
+                        <a:rPr lang="en-GB" sz="1400" dirty="0" smtClean="0"/>
                         <a:t>normal</a:t>
                       </a:r>
-                      <a:endParaRPr lang="en-GB" dirty="0" smtClean="0"/>
                     </a:p>
                   </a:txBody>
                   <a:tcPr/>
                 </a:tc>
               </a:tr>
-              <a:tr h="343104">
-                <a:tc>
-                  <a:txBody>
-                    <a:bodyPr/>
-                    <a:lstStyle/>
-                    <a:p>
-                      <a:pPr marL="0" marR="0" lvl="0" indent="0" algn="l" defTabSz="914400" rtl="0" eaLnBrk="1" fontAlgn="auto" latinLnBrk="0" hangingPunct="1">
-                        <a:lnSpc>
-                          <a:spcPct val="100000"/>
-                        </a:lnSpc>
-                        <a:spcBef>
-                          <a:spcPts val="0"/>
-                        </a:spcBef>
-                        <a:spcAft>
-                          <a:spcPts val="0"/>
-                        </a:spcAft>
-                        <a:buClrTx/>
-                        <a:buSzTx/>
-                        <a:buFontTx/>
-                        <a:buNone/>
-                        <a:tabLst/>
-                        <a:defRPr/>
-                      </a:pPr>
-                      <a:endParaRPr lang="en-GB" dirty="0" smtClean="0"/>
-                    </a:p>
-                  </a:txBody>
-                  <a:tcPr/>
-                </a:tc>
-                <a:tc>
-                  <a:txBody>
-                    <a:bodyPr/>
-                    <a:lstStyle/>
-                    <a:p>
-                      <a:endParaRPr lang="en-GB" dirty="0"/>
-                    </a:p>
-                  </a:txBody>
-                  <a:tcPr/>
-                </a:tc>
-                <a:tc>
-                  <a:txBody>
-                    <a:bodyPr/>
-                    <a:lstStyle/>
-                    <a:p>
-                      <a:endParaRPr lang="en-GB" dirty="0"/>
-                    </a:p>
-                  </a:txBody>
-                  <a:tcPr/>
-                </a:tc>
-                <a:tc>
-                  <a:txBody>
-                    <a:bodyPr/>
-                    <a:lstStyle/>
-                    <a:p>
-                      <a:endParaRPr lang="en-GB" dirty="0"/>
-                    </a:p>
-                  </a:txBody>
-                  <a:tcPr/>
-                </a:tc>
-              </a:tr>
-              <a:tr h="343104">
+              <a:tr h="364867">
                 <a:tc>
                   <a:txBody>
                     <a:bodyPr/>
                     <a:lstStyle/>
                     <a:p>
                       <a:r>
-                        <a:rPr lang="en-GB" dirty="0" smtClean="0"/>
+                        <a:rPr lang="en-GB" sz="1400" b="1" dirty="0" smtClean="0"/>
                         <a:t>Total</a:t>
                       </a:r>
-                      <a:endParaRPr lang="en-GB" dirty="0"/>
+                      <a:endParaRPr lang="en-GB" sz="1400" b="1" dirty="0"/>
                     </a:p>
                   </a:txBody>
                   <a:tcPr/>
@@ -11333,10 +10687,10 @@
                     <a:lstStyle/>
                     <a:p>
                       <a:r>
-                        <a:rPr lang="en-GB" dirty="0" smtClean="0"/>
-                        <a:t>14</a:t>
+                        <a:rPr lang="en-GB" sz="1400" b="1" dirty="0" smtClean="0"/>
+                        <a:t>13</a:t>
                       </a:r>
-                      <a:endParaRPr lang="en-GB" dirty="0"/>
+                      <a:endParaRPr lang="en-GB" sz="1400" b="1" dirty="0"/>
                     </a:p>
                   </a:txBody>
                   <a:tcPr/>
@@ -11366,16 +10720,47 @@
           </a:graphicData>
         </a:graphic>
       </p:graphicFrame>
+      <p:graphicFrame>
+        <p:nvGraphicFramePr>
+          <p:cNvPr id="5" name="Content Placeholder 19"/>
+          <p:cNvGraphicFramePr>
+            <a:graphicFrameLocks/>
+          </p:cNvGraphicFramePr>
+          <p:nvPr>
+            <p:extLst>
+              <p:ext uri="{D42A27DB-BD31-4B8C-83A1-F6EECF244321}">
+                <p14:modId xmlns:p14="http://schemas.microsoft.com/office/powerpoint/2010/main" val="3343861290"/>
+              </p:ext>
+            </p:extLst>
+          </p:nvPr>
+        </p:nvGraphicFramePr>
+        <p:xfrm>
+          <a:off x="7308626" y="2242176"/>
+          <a:ext cx="4085180" cy="3307363"/>
+        </p:xfrm>
+        <a:graphic>
+          <a:graphicData uri="http://schemas.openxmlformats.org/drawingml/2006/chart">
+            <c:chart xmlns:c="http://schemas.openxmlformats.org/drawingml/2006/chart" xmlns:r="http://schemas.openxmlformats.org/officeDocument/2006/relationships" r:id="rId16"/>
+          </a:graphicData>
+        </a:graphic>
+      </p:graphicFrame>
     </p:spTree>
     <p:extLst>
       <p:ext uri="{BB962C8B-B14F-4D97-AF65-F5344CB8AC3E}">
-        <p14:creationId xmlns:p14="http://schemas.microsoft.com/office/powerpoint/2010/main" val="3959466926"/>
+        <p14:creationId xmlns:p14="http://schemas.microsoft.com/office/powerpoint/2010/main" val="3709347779"/>
       </p:ext>
     </p:extLst>
   </p:cSld>
   <p:clrMapOvr>
     <a:masterClrMapping/>
   </p:clrMapOvr>
+  <p:timing>
+    <p:tnLst>
+      <p:par>
+        <p:cTn id="1" dur="indefinite" restart="never" nodeType="tmRoot"/>
+      </p:par>
+    </p:tnLst>
+  </p:timing>
 </p:sld>
 </file>
 
@@ -11656,7 +11041,7 @@
   <a:extraClrSchemeLst/>
   <a:extLst>
     <a:ext uri="{05A4C25C-085E-4340-85A3-A5531E510DB2}">
-      <thm15:themeFamily xmlns:thm15="http://schemas.microsoft.com/office/thememl/2012/main" xmlns="" name="Retrospect" id="{5F128B03-DCCA-4EEB-AB3B-CF2899314A46}" vid="{3F1AAB62-24C6-49D2-8E01-B56FAC9A3DCD}"/>
+      <thm15:themeFamily xmlns:thm15="http://schemas.microsoft.com/office/thememl/2012/main" name="Retrospect" id="{5F128B03-DCCA-4EEB-AB3B-CF2899314A46}" vid="{3F1AAB62-24C6-49D2-8E01-B56FAC9A3DCD}"/>
     </a:ext>
   </a:extLst>
 </a:theme>

--- a/final-project/virtual-cards/virtual-cards.pptx
+++ b/final-project/virtual-cards/virtual-cards.pptx
@@ -16,6 +16,7 @@
     <p:sldId id="267" r:id="rId10"/>
     <p:sldId id="268" r:id="rId11"/>
     <p:sldId id="264" r:id="rId12"/>
+    <p:sldId id="270" r:id="rId13"/>
   </p:sldIdLst>
   <p:sldSz cx="12192000" cy="6858000"/>
   <p:notesSz cx="6858000" cy="9144000"/>
@@ -1319,11 +1320,11 @@
         </c:dLbls>
         <c:gapWidth val="219"/>
         <c:overlap val="-27"/>
-        <c:axId val="395210584"/>
-        <c:axId val="395205096"/>
+        <c:axId val="307591808"/>
+        <c:axId val="307589064"/>
       </c:barChart>
       <c:catAx>
-        <c:axId val="395210584"/>
+        <c:axId val="307591808"/>
         <c:scaling>
           <c:orientation val="minMax"/>
         </c:scaling>
@@ -1333,7 +1334,7 @@
         <c:majorTickMark val="out"/>
         <c:minorTickMark val="none"/>
         <c:tickLblPos val="nextTo"/>
-        <c:crossAx val="395205096"/>
+        <c:crossAx val="307589064"/>
         <c:crosses val="autoZero"/>
         <c:auto val="1"/>
         <c:lblAlgn val="ctr"/>
@@ -1341,7 +1342,7 @@
         <c:noMultiLvlLbl val="0"/>
       </c:catAx>
       <c:valAx>
-        <c:axId val="395205096"/>
+        <c:axId val="307589064"/>
         <c:scaling>
           <c:orientation val="minMax"/>
         </c:scaling>
@@ -1351,7 +1352,7 @@
         <c:majorTickMark val="out"/>
         <c:minorTickMark val="none"/>
         <c:tickLblPos val="nextTo"/>
-        <c:crossAx val="395210584"/>
+        <c:crossAx val="307591808"/>
         <c:crosses val="autoZero"/>
         <c:crossBetween val="between"/>
       </c:valAx>
@@ -3391,7 +3392,7 @@
           <a:p>
             <a:fld id="{115C48E2-7E56-40C8-9685-3F8DF3CF180A}" type="datetimeFigureOut">
               <a:rPr lang="en-GB" smtClean="0"/>
-              <a:t>27/01/2018</a:t>
+              <a:t>30/01/2018</a:t>
             </a:fld>
             <a:endParaRPr lang="en-GB"/>
           </a:p>
@@ -3599,7 +3600,7 @@
           <a:p>
             <a:fld id="{115C48E2-7E56-40C8-9685-3F8DF3CF180A}" type="datetimeFigureOut">
               <a:rPr lang="en-GB" smtClean="0"/>
-              <a:t>27/01/2018</a:t>
+              <a:t>30/01/2018</a:t>
             </a:fld>
             <a:endParaRPr lang="en-GB"/>
           </a:p>
@@ -3855,7 +3856,7 @@
           <a:p>
             <a:fld id="{115C48E2-7E56-40C8-9685-3F8DF3CF180A}" type="datetimeFigureOut">
               <a:rPr lang="en-GB" smtClean="0"/>
-              <a:t>27/01/2018</a:t>
+              <a:t>30/01/2018</a:t>
             </a:fld>
             <a:endParaRPr lang="en-GB"/>
           </a:p>
@@ -4139,7 +4140,7 @@
           <a:p>
             <a:fld id="{115C48E2-7E56-40C8-9685-3F8DF3CF180A}" type="datetimeFigureOut">
               <a:rPr lang="en-GB" smtClean="0"/>
-              <a:t>27/01/2018</a:t>
+              <a:t>30/01/2018</a:t>
             </a:fld>
             <a:endParaRPr lang="en-GB"/>
           </a:p>
@@ -4313,7 +4314,7 @@
           <a:p>
             <a:fld id="{115C48E2-7E56-40C8-9685-3F8DF3CF180A}" type="datetimeFigureOut">
               <a:rPr lang="en-GB" smtClean="0"/>
-              <a:t>27/01/2018</a:t>
+              <a:t>30/01/2018</a:t>
             </a:fld>
             <a:endParaRPr lang="en-GB"/>
           </a:p>
@@ -4656,7 +4657,7 @@
           <a:p>
             <a:fld id="{115C48E2-7E56-40C8-9685-3F8DF3CF180A}" type="datetimeFigureOut">
               <a:rPr lang="en-GB" smtClean="0"/>
-              <a:t>27/01/2018</a:t>
+              <a:t>30/01/2018</a:t>
             </a:fld>
             <a:endParaRPr lang="en-GB"/>
           </a:p>
@@ -4931,7 +4932,7 @@
           <a:p>
             <a:fld id="{115C48E2-7E56-40C8-9685-3F8DF3CF180A}" type="datetimeFigureOut">
               <a:rPr lang="en-GB" smtClean="0"/>
-              <a:t>27/01/2018</a:t>
+              <a:t>30/01/2018</a:t>
             </a:fld>
             <a:endParaRPr lang="en-GB"/>
           </a:p>
@@ -5310,7 +5311,7 @@
           <a:p>
             <a:fld id="{115C48E2-7E56-40C8-9685-3F8DF3CF180A}" type="datetimeFigureOut">
               <a:rPr lang="en-GB" smtClean="0"/>
-              <a:t>27/01/2018</a:t>
+              <a:t>30/01/2018</a:t>
             </a:fld>
             <a:endParaRPr lang="en-GB"/>
           </a:p>
@@ -5428,7 +5429,7 @@
           <a:p>
             <a:fld id="{115C48E2-7E56-40C8-9685-3F8DF3CF180A}" type="datetimeFigureOut">
               <a:rPr lang="en-GB" smtClean="0"/>
-              <a:t>27/01/2018</a:t>
+              <a:t>30/01/2018</a:t>
             </a:fld>
             <a:endParaRPr lang="en-GB"/>
           </a:p>
@@ -5599,7 +5600,7 @@
           <a:p>
             <a:fld id="{115C48E2-7E56-40C8-9685-3F8DF3CF180A}" type="datetimeFigureOut">
               <a:rPr lang="en-GB" smtClean="0"/>
-              <a:t>27/01/2018</a:t>
+              <a:t>30/01/2018</a:t>
             </a:fld>
             <a:endParaRPr lang="en-GB"/>
           </a:p>
@@ -5953,7 +5954,7 @@
           <a:p>
             <a:fld id="{115C48E2-7E56-40C8-9685-3F8DF3CF180A}" type="datetimeFigureOut">
               <a:rPr lang="en-GB" smtClean="0"/>
-              <a:t>27/01/2018</a:t>
+              <a:t>30/01/2018</a:t>
             </a:fld>
             <a:endParaRPr lang="en-GB"/>
           </a:p>
@@ -6335,7 +6336,7 @@
           <a:p>
             <a:fld id="{115C48E2-7E56-40C8-9685-3F8DF3CF180A}" type="datetimeFigureOut">
               <a:rPr lang="en-GB" smtClean="0"/>
-              <a:t>27/01/2018</a:t>
+              <a:t>30/01/2018</a:t>
             </a:fld>
             <a:endParaRPr lang="en-GB"/>
           </a:p>
@@ -6622,7 +6623,7 @@
           <a:p>
             <a:fld id="{115C48E2-7E56-40C8-9685-3F8DF3CF180A}" type="datetimeFigureOut">
               <a:rPr lang="en-GB" smtClean="0"/>
-              <a:t>27/01/2018</a:t>
+              <a:t>30/01/2018</a:t>
             </a:fld>
             <a:endParaRPr lang="en-GB"/>
           </a:p>
@@ -7387,11 +7388,7 @@
             </a:r>
             <a:r>
               <a:rPr lang="en-US" smtClean="0"/>
-              <a:t>Login </a:t>
-            </a:r>
-            <a:r>
-              <a:rPr lang="en-US" smtClean="0"/>
-              <a:t>form while </a:t>
+              <a:t>Login form while </a:t>
             </a:r>
             <a:r>
               <a:rPr lang="en-US" dirty="0" smtClean="0"/>
@@ -7802,6 +7799,66 @@
       </p:par>
     </p:tnLst>
   </p:timing>
+</p:sld>
+</file>
+
+<file path=ppt/slides/slide12.xml><?xml version="1.0" encoding="utf-8"?>
+<p:sld xmlns:a="http://schemas.openxmlformats.org/drawingml/2006/main" xmlns:r="http://schemas.openxmlformats.org/officeDocument/2006/relationships" xmlns:p="http://schemas.openxmlformats.org/presentationml/2006/main">
+  <p:cSld>
+    <p:spTree>
+      <p:nvGrpSpPr>
+        <p:cNvPr id="1" name=""/>
+        <p:cNvGrpSpPr/>
+        <p:nvPr/>
+      </p:nvGrpSpPr>
+      <p:grpSpPr>
+        <a:xfrm>
+          <a:off x="0" y="0"/>
+          <a:ext cx="0" cy="0"/>
+          <a:chOff x="0" y="0"/>
+          <a:chExt cx="0" cy="0"/>
+        </a:xfrm>
+      </p:grpSpPr>
+      <p:pic>
+        <p:nvPicPr>
+          <p:cNvPr id="2" name="Picture 1"/>
+          <p:cNvPicPr>
+            <a:picLocks noChangeAspect="1"/>
+          </p:cNvPicPr>
+          <p:nvPr/>
+        </p:nvPicPr>
+        <p:blipFill>
+          <a:blip r:embed="rId2">
+            <a:extLst>
+              <a:ext uri="{28A0092B-C50C-407E-A947-70E740481C1C}">
+                <a14:useLocalDpi xmlns:a14="http://schemas.microsoft.com/office/drawing/2010/main" val="0"/>
+              </a:ext>
+            </a:extLst>
+          </a:blip>
+          <a:stretch>
+            <a:fillRect/>
+          </a:stretch>
+        </p:blipFill>
+        <p:spPr>
+          <a:xfrm>
+            <a:off x="2605177" y="866013"/>
+            <a:ext cx="6852462" cy="4560002"/>
+          </a:xfrm>
+          <a:prstGeom prst="rect">
+            <a:avLst/>
+          </a:prstGeom>
+        </p:spPr>
+      </p:pic>
+    </p:spTree>
+    <p:extLst>
+      <p:ext uri="{BB962C8B-B14F-4D97-AF65-F5344CB8AC3E}">
+        <p14:creationId xmlns:p14="http://schemas.microsoft.com/office/powerpoint/2010/main" val="2411743131"/>
+      </p:ext>
+    </p:extLst>
+  </p:cSld>
+  <p:clrMapOvr>
+    <a:masterClrMapping/>
+  </p:clrMapOvr>
 </p:sld>
 </file>
 
@@ -9913,7 +9970,15 @@
                   <a:schemeClr val="accent3"/>
                 </a:solidFill>
               </a:rPr>
-              <a:t>14 bugs</a:t>
+              <a:t>13 </a:t>
+            </a:r>
+            <a:r>
+              <a:rPr lang="en-GB" sz="3600" dirty="0" smtClean="0">
+                <a:solidFill>
+                  <a:schemeClr val="accent3"/>
+                </a:solidFill>
+              </a:rPr>
+              <a:t>bugs</a:t>
             </a:r>
             <a:endParaRPr lang="en-GB" sz="3600" dirty="0">
               <a:solidFill>

--- a/final-project/virtual-cards/virtual-cards.pptx
+++ b/final-project/virtual-cards/virtual-cards.pptx
@@ -1320,11 +1320,11 @@
         </c:dLbls>
         <c:gapWidth val="219"/>
         <c:overlap val="-27"/>
-        <c:axId val="307591808"/>
-        <c:axId val="307589064"/>
+        <c:axId val="7633224"/>
+        <c:axId val="7633616"/>
       </c:barChart>
       <c:catAx>
-        <c:axId val="307591808"/>
+        <c:axId val="7633224"/>
         <c:scaling>
           <c:orientation val="minMax"/>
         </c:scaling>
@@ -1334,7 +1334,7 @@
         <c:majorTickMark val="out"/>
         <c:minorTickMark val="none"/>
         <c:tickLblPos val="nextTo"/>
-        <c:crossAx val="307589064"/>
+        <c:crossAx val="7633616"/>
         <c:crosses val="autoZero"/>
         <c:auto val="1"/>
         <c:lblAlgn val="ctr"/>
@@ -1342,7 +1342,7 @@
         <c:noMultiLvlLbl val="0"/>
       </c:catAx>
       <c:valAx>
-        <c:axId val="307589064"/>
+        <c:axId val="7633616"/>
         <c:scaling>
           <c:orientation val="minMax"/>
         </c:scaling>
@@ -1352,7 +1352,7 @@
         <c:majorTickMark val="out"/>
         <c:minorTickMark val="none"/>
         <c:tickLblPos val="nextTo"/>
-        <c:crossAx val="307591808"/>
+        <c:crossAx val="7633224"/>
         <c:crosses val="autoZero"/>
         <c:crossBetween val="between"/>
       </c:valAx>
@@ -3392,7 +3392,7 @@
           <a:p>
             <a:fld id="{115C48E2-7E56-40C8-9685-3F8DF3CF180A}" type="datetimeFigureOut">
               <a:rPr lang="en-GB" smtClean="0"/>
-              <a:t>30/01/2018</a:t>
+              <a:t>01/02/2018</a:t>
             </a:fld>
             <a:endParaRPr lang="en-GB"/>
           </a:p>
@@ -3600,7 +3600,7 @@
           <a:p>
             <a:fld id="{115C48E2-7E56-40C8-9685-3F8DF3CF180A}" type="datetimeFigureOut">
               <a:rPr lang="en-GB" smtClean="0"/>
-              <a:t>30/01/2018</a:t>
+              <a:t>01/02/2018</a:t>
             </a:fld>
             <a:endParaRPr lang="en-GB"/>
           </a:p>
@@ -3856,7 +3856,7 @@
           <a:p>
             <a:fld id="{115C48E2-7E56-40C8-9685-3F8DF3CF180A}" type="datetimeFigureOut">
               <a:rPr lang="en-GB" smtClean="0"/>
-              <a:t>30/01/2018</a:t>
+              <a:t>01/02/2018</a:t>
             </a:fld>
             <a:endParaRPr lang="en-GB"/>
           </a:p>
@@ -4140,7 +4140,7 @@
           <a:p>
             <a:fld id="{115C48E2-7E56-40C8-9685-3F8DF3CF180A}" type="datetimeFigureOut">
               <a:rPr lang="en-GB" smtClean="0"/>
-              <a:t>30/01/2018</a:t>
+              <a:t>01/02/2018</a:t>
             </a:fld>
             <a:endParaRPr lang="en-GB"/>
           </a:p>
@@ -4314,7 +4314,7 @@
           <a:p>
             <a:fld id="{115C48E2-7E56-40C8-9685-3F8DF3CF180A}" type="datetimeFigureOut">
               <a:rPr lang="en-GB" smtClean="0"/>
-              <a:t>30/01/2018</a:t>
+              <a:t>01/02/2018</a:t>
             </a:fld>
             <a:endParaRPr lang="en-GB"/>
           </a:p>
@@ -4657,7 +4657,7 @@
           <a:p>
             <a:fld id="{115C48E2-7E56-40C8-9685-3F8DF3CF180A}" type="datetimeFigureOut">
               <a:rPr lang="en-GB" smtClean="0"/>
-              <a:t>30/01/2018</a:t>
+              <a:t>01/02/2018</a:t>
             </a:fld>
             <a:endParaRPr lang="en-GB"/>
           </a:p>
@@ -4932,7 +4932,7 @@
           <a:p>
             <a:fld id="{115C48E2-7E56-40C8-9685-3F8DF3CF180A}" type="datetimeFigureOut">
               <a:rPr lang="en-GB" smtClean="0"/>
-              <a:t>30/01/2018</a:t>
+              <a:t>01/02/2018</a:t>
             </a:fld>
             <a:endParaRPr lang="en-GB"/>
           </a:p>
@@ -5311,7 +5311,7 @@
           <a:p>
             <a:fld id="{115C48E2-7E56-40C8-9685-3F8DF3CF180A}" type="datetimeFigureOut">
               <a:rPr lang="en-GB" smtClean="0"/>
-              <a:t>30/01/2018</a:t>
+              <a:t>01/02/2018</a:t>
             </a:fld>
             <a:endParaRPr lang="en-GB"/>
           </a:p>
@@ -5429,7 +5429,7 @@
           <a:p>
             <a:fld id="{115C48E2-7E56-40C8-9685-3F8DF3CF180A}" type="datetimeFigureOut">
               <a:rPr lang="en-GB" smtClean="0"/>
-              <a:t>30/01/2018</a:t>
+              <a:t>01/02/2018</a:t>
             </a:fld>
             <a:endParaRPr lang="en-GB"/>
           </a:p>
@@ -5600,7 +5600,7 @@
           <a:p>
             <a:fld id="{115C48E2-7E56-40C8-9685-3F8DF3CF180A}" type="datetimeFigureOut">
               <a:rPr lang="en-GB" smtClean="0"/>
-              <a:t>30/01/2018</a:t>
+              <a:t>01/02/2018</a:t>
             </a:fld>
             <a:endParaRPr lang="en-GB"/>
           </a:p>
@@ -5954,7 +5954,7 @@
           <a:p>
             <a:fld id="{115C48E2-7E56-40C8-9685-3F8DF3CF180A}" type="datetimeFigureOut">
               <a:rPr lang="en-GB" smtClean="0"/>
-              <a:t>30/01/2018</a:t>
+              <a:t>01/02/2018</a:t>
             </a:fld>
             <a:endParaRPr lang="en-GB"/>
           </a:p>
@@ -6336,7 +6336,7 @@
           <a:p>
             <a:fld id="{115C48E2-7E56-40C8-9685-3F8DF3CF180A}" type="datetimeFigureOut">
               <a:rPr lang="en-GB" smtClean="0"/>
-              <a:t>30/01/2018</a:t>
+              <a:t>01/02/2018</a:t>
             </a:fld>
             <a:endParaRPr lang="en-GB"/>
           </a:p>
@@ -6623,7 +6623,7 @@
           <a:p>
             <a:fld id="{115C48E2-7E56-40C8-9685-3F8DF3CF180A}" type="datetimeFigureOut">
               <a:rPr lang="en-GB" smtClean="0"/>
-              <a:t>30/01/2018</a:t>
+              <a:t>01/02/2018</a:t>
             </a:fld>
             <a:endParaRPr lang="en-GB"/>
           </a:p>
@@ -8168,8 +8168,12 @@
               <a:buChar char="q"/>
             </a:pPr>
             <a:r>
+              <a:rPr lang="en-GB" smtClean="0"/>
+              <a:t> Scan </a:t>
+            </a:r>
+            <a:r>
               <a:rPr lang="en-GB" dirty="0" smtClean="0"/>
-              <a:t>Scan or manually insert the card’s barcode</a:t>
+              <a:t>or manually insert the card’s barcode</a:t>
             </a:r>
           </a:p>
           <a:p>
@@ -8179,7 +8183,11 @@
             </a:pPr>
             <a:r>
               <a:rPr lang="en-GB" dirty="0" smtClean="0"/>
-              <a:t>- Add as many cards as you want</a:t>
+              <a:t> </a:t>
+            </a:r>
+            <a:r>
+              <a:rPr lang="en-GB" dirty="0" smtClean="0"/>
+              <a:t>Add as many cards as you want</a:t>
             </a:r>
           </a:p>
           <a:p>
@@ -9970,15 +9978,7 @@
                   <a:schemeClr val="accent3"/>
                 </a:solidFill>
               </a:rPr>
-              <a:t>13 </a:t>
-            </a:r>
-            <a:r>
-              <a:rPr lang="en-GB" sz="3600" dirty="0" smtClean="0">
-                <a:solidFill>
-                  <a:schemeClr val="accent3"/>
-                </a:solidFill>
-              </a:rPr>
-              <a:t>bugs</a:t>
+              <a:t>13 bugs</a:t>
             </a:r>
             <a:endParaRPr lang="en-GB" sz="3600" dirty="0">
               <a:solidFill>
